--- a/Labs/70-535-00-Labs.pptx
+++ b/Labs/70-535-00-Labs.pptx
@@ -48,33 +48,33 @@
   <p:notesSz cx="6858000" cy="9144000"/>
   <p:embeddedFontLst>
     <p:embeddedFont>
-      <p:font typeface="Consolas" panose="020B0609020204030204" pitchFamily="49" charset="0"/>
+      <p:font typeface="Verdana" panose="020B0604030504040204" pitchFamily="34" charset="0"/>
       <p:regular r:id="rId36"/>
       <p:bold r:id="rId37"/>
       <p:italic r:id="rId38"/>
       <p:boldItalic r:id="rId39"/>
     </p:embeddedFont>
     <p:embeddedFont>
+      <p:font typeface="Consolas" panose="020B0609020204030204" pitchFamily="49" charset="0"/>
+      <p:regular r:id="rId40"/>
+      <p:bold r:id="rId41"/>
+      <p:italic r:id="rId42"/>
+      <p:boldItalic r:id="rId43"/>
+    </p:embeddedFont>
+    <p:embeddedFont>
       <p:font typeface="Segoe UI Light" panose="020B0502040204020203" pitchFamily="34" charset="0"/>
-      <p:regular r:id="rId40"/>
-      <p:italic r:id="rId41"/>
+      <p:regular r:id="rId44"/>
+      <p:italic r:id="rId45"/>
     </p:embeddedFont>
     <p:embeddedFont>
       <p:font typeface="Segoe UI" panose="020B0502040204020203" pitchFamily="34" charset="0"/>
-      <p:regular r:id="rId42"/>
-      <p:bold r:id="rId43"/>
-      <p:italic r:id="rId44"/>
-      <p:boldItalic r:id="rId45"/>
-    </p:embeddedFont>
-    <p:embeddedFont>
-      <p:font typeface="Calibri" panose="020F0502020204030204" pitchFamily="34" charset="0"/>
       <p:regular r:id="rId46"/>
       <p:bold r:id="rId47"/>
       <p:italic r:id="rId48"/>
       <p:boldItalic r:id="rId49"/>
     </p:embeddedFont>
     <p:embeddedFont>
-      <p:font typeface="Verdana" panose="020B0604030504040204" pitchFamily="34" charset="0"/>
+      <p:font typeface="Calibri" panose="020F0502020204030204" pitchFamily="34" charset="0"/>
       <p:regular r:id="rId50"/>
       <p:bold r:id="rId51"/>
       <p:italic r:id="rId52"/>
@@ -391,7 +391,7 @@
           <a:p>
             <a:fld id="{7D784404-57E5-4341-9230-5EC072B8C3C5}" type="datetimeFigureOut">
               <a:rPr lang="en-US" smtClean="0"/>
-              <a:t>5/11/2018</a:t>
+              <a:t>5/14/2018</a:t>
             </a:fld>
             <a:endParaRPr lang="en-US"/>
           </a:p>
@@ -568,7 +568,7 @@
           <a:p>
             <a:fld id="{9933EFA3-31EF-403B-8080-9776000D59FF}" type="datetimeFigureOut">
               <a:rPr lang="en-US" smtClean="0"/>
-              <a:t>5/11/2018</a:t>
+              <a:t>5/14/2018</a:t>
             </a:fld>
             <a:endParaRPr lang="en-US" dirty="0"/>
           </a:p>
@@ -5462,7 +5462,7 @@
           <a:p>
             <a:fld id="{EA2B2ED8-C573-45EF-BF68-CEC19505703A}" type="datetime8">
               <a:rPr lang="en-US" smtClean="0"/>
-              <a:t>5/11/2018 12:09 PM</a:t>
+              <a:t>5/14/2018 12:37 PM</a:t>
             </a:fld>
             <a:endParaRPr lang="en-US" dirty="0"/>
           </a:p>
@@ -5697,7 +5697,7 @@
           <a:p>
             <a:fld id="{90EC29EE-A8AD-4CE0-9C0B-116E0D4D7533}" type="datetime8">
               <a:rPr lang="en-US" smtClean="0"/>
-              <a:t>5/11/2018 12:09 PM</a:t>
+              <a:t>5/14/2018 12:37 PM</a:t>
             </a:fld>
             <a:endParaRPr lang="en-US" dirty="0"/>
           </a:p>
@@ -6818,7 +6818,7 @@
           <a:p>
             <a:fld id="{38EEC551-8CDA-4EB6-89BB-2A86C9F091C8}" type="datetime8">
               <a:rPr lang="en-US" smtClean="0"/>
-              <a:t>5/11/2018 12:14 PM</a:t>
+              <a:t>5/14/2018 12:37 PM</a:t>
             </a:fld>
             <a:endParaRPr lang="en-US" dirty="0"/>
           </a:p>
@@ -7325,6 +7325,218 @@
         <p:txBody>
           <a:bodyPr/>
           <a:lstStyle/>
+          <a:p>
+            <a:r>
+              <a:rPr lang="en-US" dirty="0"/>
+              <a:t>Desired Outcome: Prepare for your meeting with Dan and report to the class how you will address the following questions: </a:t>
+            </a:r>
+          </a:p>
+          <a:p>
+            <a:endParaRPr lang="en-US" dirty="0"/>
+          </a:p>
+          <a:p>
+            <a:r>
+              <a:rPr lang="en-US" dirty="0"/>
+              <a:t>What services would you use to monitor and scale the application front end?</a:t>
+            </a:r>
+          </a:p>
+          <a:p>
+            <a:r>
+              <a:rPr lang="en-US" dirty="0"/>
+              <a:t>What services would you use to monitor and scale the SQL Database? </a:t>
+            </a:r>
+          </a:p>
+          <a:p>
+            <a:r>
+              <a:rPr lang="en-US" dirty="0"/>
+              <a:t>What alerts will need to be configured?</a:t>
+            </a:r>
+          </a:p>
+          <a:p>
+            <a:r>
+              <a:rPr lang="en-US" dirty="0"/>
+              <a:t>What automation should be put in place to make sure there is not configuration drift?</a:t>
+            </a:r>
+          </a:p>
+          <a:p>
+            <a:r>
+              <a:rPr lang="en-US" dirty="0"/>
+              <a:t>What foreseeable challenges do you think you need to discuss in your first meeting with Dan?</a:t>
+            </a:r>
+          </a:p>
+          <a:p>
+            <a:endParaRPr lang="en-US" dirty="0"/>
+          </a:p>
+          <a:p>
+            <a:r>
+              <a:rPr lang="en-US" dirty="0"/>
+              <a:t>Cost</a:t>
+            </a:r>
+          </a:p>
+          <a:p>
+            <a:r>
+              <a:rPr lang="en-US" dirty="0"/>
+              <a:t>Cloud compatibility</a:t>
+            </a:r>
+          </a:p>
+          <a:p>
+            <a:r>
+              <a:rPr lang="en-US" dirty="0"/>
+              <a:t>data volume</a:t>
+            </a:r>
+          </a:p>
+          <a:p>
+            <a:r>
+              <a:rPr lang="en-US" dirty="0"/>
+              <a:t>data growth</a:t>
+            </a:r>
+          </a:p>
+          <a:p>
+            <a:r>
+              <a:rPr lang="en-US" dirty="0"/>
+              <a:t>how application was built</a:t>
+            </a:r>
+          </a:p>
+          <a:p>
+            <a:r>
+              <a:rPr lang="en-US" dirty="0" err="1"/>
+              <a:t>sla</a:t>
+            </a:r>
+            <a:r>
+              <a:rPr lang="en-US" dirty="0"/>
+              <a:t> RTO, RPO</a:t>
+            </a:r>
+          </a:p>
+          <a:p>
+            <a:endParaRPr lang="en-US" dirty="0"/>
+          </a:p>
+          <a:p>
+            <a:r>
+              <a:rPr lang="en-US" dirty="0"/>
+              <a:t>State of </a:t>
+            </a:r>
+            <a:r>
+              <a:rPr lang="en-US" dirty="0" err="1"/>
+              <a:t>devops</a:t>
+            </a:r>
+            <a:r>
+              <a:rPr lang="en-US" dirty="0"/>
+              <a:t> pipeline</a:t>
+            </a:r>
+          </a:p>
+          <a:p>
+            <a:r>
+              <a:rPr lang="en-US" dirty="0"/>
+              <a:t>code coverage in testing</a:t>
+            </a:r>
+          </a:p>
+          <a:p>
+            <a:r>
+              <a:rPr lang="en-US" dirty="0" err="1"/>
+              <a:t>golive</a:t>
+            </a:r>
+            <a:r>
+              <a:rPr lang="en-US" dirty="0"/>
+              <a:t>?</a:t>
+            </a:r>
+          </a:p>
+          <a:p>
+            <a:r>
+              <a:rPr lang="en-US" dirty="0"/>
+              <a:t>performance requirements</a:t>
+            </a:r>
+          </a:p>
+          <a:p>
+            <a:r>
+              <a:rPr lang="en-US" dirty="0"/>
+              <a:t>availability</a:t>
+            </a:r>
+          </a:p>
+          <a:p>
+            <a:r>
+              <a:rPr lang="en-US" dirty="0"/>
+              <a:t>current/startup capacity </a:t>
+            </a:r>
+          </a:p>
+          <a:p>
+            <a:endParaRPr lang="en-US" dirty="0"/>
+          </a:p>
+          <a:p>
+            <a:r>
+              <a:rPr lang="en-US" dirty="0" err="1"/>
+              <a:t>Securty</a:t>
+            </a:r>
+            <a:r>
+              <a:rPr lang="en-US" dirty="0"/>
+              <a:t> </a:t>
+            </a:r>
+            <a:r>
+              <a:rPr lang="en-US" dirty="0" err="1"/>
+              <a:t>REquiremetns</a:t>
+            </a:r>
+            <a:endParaRPr lang="en-US" dirty="0"/>
+          </a:p>
+          <a:p>
+            <a:r>
+              <a:rPr lang="en-US" dirty="0"/>
+              <a:t> Endpoint, authentication, type of connections, federation</a:t>
+            </a:r>
+          </a:p>
+          <a:p>
+            <a:endParaRPr lang="en-US" dirty="0"/>
+          </a:p>
+          <a:p>
+            <a:r>
+              <a:rPr lang="en-US" dirty="0"/>
+              <a:t>Data movement</a:t>
+            </a:r>
+          </a:p>
+          <a:p>
+            <a:endParaRPr lang="en-US" dirty="0"/>
+          </a:p>
+          <a:p>
+            <a:r>
+              <a:rPr lang="en-US" dirty="0"/>
+              <a:t>Where are the customers?</a:t>
+            </a:r>
+          </a:p>
+          <a:p>
+            <a:endParaRPr lang="en-US" dirty="0"/>
+          </a:p>
+          <a:p>
+            <a:r>
+              <a:rPr lang="en-US" dirty="0"/>
+              <a:t>What are </a:t>
+            </a:r>
+            <a:r>
+              <a:rPr lang="en-US" dirty="0" err="1"/>
+              <a:t>teh</a:t>
+            </a:r>
+            <a:r>
+              <a:rPr lang="en-US" dirty="0"/>
+              <a:t> teams (QA, UAT, Pre-prod, </a:t>
+            </a:r>
+            <a:r>
+              <a:rPr lang="en-US" dirty="0" err="1"/>
+              <a:t>etc</a:t>
+            </a:r>
+            <a:r>
+              <a:rPr lang="en-US" dirty="0"/>
+              <a:t>)</a:t>
+            </a:r>
+          </a:p>
+          <a:p>
+            <a:endParaRPr lang="en-US" dirty="0"/>
+          </a:p>
+          <a:p>
+            <a:r>
+              <a:rPr lang="en-US" dirty="0"/>
+              <a:t>Backup and recovery</a:t>
+            </a:r>
+          </a:p>
+          <a:p>
+            <a:endParaRPr lang="en-US"/>
+          </a:p>
           <a:p>
             <a:endParaRPr lang="en-US"/>
           </a:p>

--- a/Labs/70-535-00-Labs.pptx
+++ b/Labs/70-535-00-Labs.pptx
@@ -48,33 +48,33 @@
   <p:notesSz cx="6858000" cy="9144000"/>
   <p:embeddedFontLst>
     <p:embeddedFont>
-      <p:font typeface="Verdana" panose="020B0604030504040204" pitchFamily="34" charset="0"/>
+      <p:font typeface="Segoe UI Light" panose="020B0502040204020203" pitchFamily="34" charset="0"/>
       <p:regular r:id="rId36"/>
-      <p:bold r:id="rId37"/>
-      <p:italic r:id="rId38"/>
-      <p:boldItalic r:id="rId39"/>
-    </p:embeddedFont>
-    <p:embeddedFont>
-      <p:font typeface="Consolas" panose="020B0609020204030204" pitchFamily="49" charset="0"/>
-      <p:regular r:id="rId40"/>
-      <p:bold r:id="rId41"/>
-      <p:italic r:id="rId42"/>
-      <p:boldItalic r:id="rId43"/>
-    </p:embeddedFont>
-    <p:embeddedFont>
-      <p:font typeface="Segoe UI Light" panose="020B0502040204020203" pitchFamily="34" charset="0"/>
-      <p:regular r:id="rId44"/>
-      <p:italic r:id="rId45"/>
+      <p:italic r:id="rId37"/>
     </p:embeddedFont>
     <p:embeddedFont>
       <p:font typeface="Segoe UI" panose="020B0502040204020203" pitchFamily="34" charset="0"/>
+      <p:regular r:id="rId38"/>
+      <p:bold r:id="rId39"/>
+      <p:italic r:id="rId40"/>
+      <p:boldItalic r:id="rId41"/>
+    </p:embeddedFont>
+    <p:embeddedFont>
+      <p:font typeface="Calibri" panose="020F0502020204030204" pitchFamily="34" charset="0"/>
+      <p:regular r:id="rId42"/>
+      <p:bold r:id="rId43"/>
+      <p:italic r:id="rId44"/>
+      <p:boldItalic r:id="rId45"/>
+    </p:embeddedFont>
+    <p:embeddedFont>
+      <p:font typeface="Verdana" panose="020B0604030504040204" pitchFamily="34" charset="0"/>
       <p:regular r:id="rId46"/>
       <p:bold r:id="rId47"/>
       <p:italic r:id="rId48"/>
       <p:boldItalic r:id="rId49"/>
     </p:embeddedFont>
     <p:embeddedFont>
-      <p:font typeface="Calibri" panose="020F0502020204030204" pitchFamily="34" charset="0"/>
+      <p:font typeface="Consolas" panose="020B0609020204030204" pitchFamily="49" charset="0"/>
       <p:regular r:id="rId50"/>
       <p:bold r:id="rId51"/>
       <p:italic r:id="rId52"/>
@@ -391,7 +391,7 @@
           <a:p>
             <a:fld id="{7D784404-57E5-4341-9230-5EC072B8C3C5}" type="datetimeFigureOut">
               <a:rPr lang="en-US" smtClean="0"/>
-              <a:t>5/14/2018</a:t>
+              <a:t>5/16/2018</a:t>
             </a:fld>
             <a:endParaRPr lang="en-US"/>
           </a:p>
@@ -568,7 +568,7 @@
           <a:p>
             <a:fld id="{9933EFA3-31EF-403B-8080-9776000D59FF}" type="datetimeFigureOut">
               <a:rPr lang="en-US" smtClean="0"/>
-              <a:t>5/14/2018</a:t>
+              <a:t>5/16/2018</a:t>
             </a:fld>
             <a:endParaRPr lang="en-US" dirty="0"/>
           </a:p>
@@ -5462,7 +5462,7 @@
           <a:p>
             <a:fld id="{EA2B2ED8-C573-45EF-BF68-CEC19505703A}" type="datetime8">
               <a:rPr lang="en-US" smtClean="0"/>
-              <a:t>5/14/2018 12:37 PM</a:t>
+              <a:t>5/16/2018 2:51 PM</a:t>
             </a:fld>
             <a:endParaRPr lang="en-US" dirty="0"/>
           </a:p>
@@ -5697,7 +5697,7 @@
           <a:p>
             <a:fld id="{90EC29EE-A8AD-4CE0-9C0B-116E0D4D7533}" type="datetime8">
               <a:rPr lang="en-US" smtClean="0"/>
-              <a:t>5/14/2018 12:37 PM</a:t>
+              <a:t>5/16/2018 2:51 PM</a:t>
             </a:fld>
             <a:endParaRPr lang="en-US" dirty="0"/>
           </a:p>
@@ -6818,7 +6818,7 @@
           <a:p>
             <a:fld id="{38EEC551-8CDA-4EB6-89BB-2A86C9F091C8}" type="datetime8">
               <a:rPr lang="en-US" smtClean="0"/>
-              <a:t>5/14/2018 12:37 PM</a:t>
+              <a:t>5/16/2018 2:51 PM</a:t>
             </a:fld>
             <a:endParaRPr lang="en-US" dirty="0"/>
           </a:p>
@@ -30448,7 +30448,16 @@
           <a:bodyPr/>
           <a:lstStyle/>
           <a:p>
-            <a:endParaRPr lang="en-US"/>
+            <a:r>
+              <a:rPr lang="en-US" sz="2400" dirty="0">
+                <a:hlinkClick r:id="rId2"/>
+              </a:rPr>
+              <a:t>http://github.com/guruskill/70-535</a:t>
+            </a:r>
+            <a:r>
+              <a:rPr lang="en-US" sz="2400" dirty="0"/>
+              <a:t>    Labs/</a:t>
+            </a:r>
           </a:p>
         </p:txBody>
       </p:sp>
@@ -30623,8 +30632,8 @@
         </p:nvSpPr>
         <p:spPr>
           <a:xfrm>
-            <a:off x="1678095" y="6589194"/>
-            <a:ext cx="9432321" cy="308050"/>
+            <a:off x="550607" y="6490874"/>
+            <a:ext cx="10559810" cy="308050"/>
           </a:xfrm>
         </p:spPr>
         <p:txBody>
@@ -30632,17 +30641,17 @@
           <a:lstStyle/>
           <a:p>
             <a:r>
-              <a:rPr lang="en-US" dirty="0"/>
+              <a:rPr lang="en-US" sz="2000" dirty="0"/>
               <a:t>Lab Slide Location: </a:t>
             </a:r>
             <a:r>
-              <a:rPr lang="en-US" dirty="0">
+              <a:rPr lang="en-US" sz="2000" dirty="0">
                 <a:hlinkClick r:id="rId3"/>
               </a:rPr>
               <a:t>http://github.com/guruskill/70-535</a:t>
             </a:r>
             <a:r>
-              <a:rPr lang="en-US" dirty="0"/>
+              <a:rPr lang="en-US" sz="2000" dirty="0"/>
               <a:t>  Labs/70-535-00-Labs.pptx or .pdf</a:t>
             </a:r>
           </a:p>
@@ -32558,7 +32567,7 @@
 </file>
 
 <file path=ppt/slides/slide8.xml><?xml version="1.0" encoding="utf-8"?>
-<p:sld xmlns:a="http://schemas.openxmlformats.org/drawingml/2006/main" xmlns:r="http://schemas.openxmlformats.org/officeDocument/2006/relationships" xmlns:p="http://schemas.openxmlformats.org/presentationml/2006/main">
+<p:sld xmlns:a="http://schemas.openxmlformats.org/drawingml/2006/main" xmlns:r="http://schemas.openxmlformats.org/officeDocument/2006/relationships" xmlns:p="http://schemas.openxmlformats.org/presentationml/2006/main" show="0">
   <p:cSld>
     <p:spTree>
       <p:nvGrpSpPr>

--- a/Labs/70-535-00-Labs.pptx
+++ b/Labs/70-535-00-Labs.pptx
@@ -5,10 +5,10 @@
     <p:sldMasterId id="2147483660" r:id="rId1"/>
   </p:sldMasterIdLst>
   <p:notesMasterIdLst>
-    <p:notesMasterId r:id="rId34"/>
+    <p:notesMasterId r:id="rId32"/>
   </p:notesMasterIdLst>
   <p:handoutMasterIdLst>
-    <p:handoutMasterId r:id="rId35"/>
+    <p:handoutMasterId r:id="rId33"/>
   </p:handoutMasterIdLst>
   <p:sldIdLst>
     <p:sldId id="256" r:id="rId2"/>
@@ -19,66 +19,64 @@
     <p:sldId id="363" r:id="rId7"/>
     <p:sldId id="365" r:id="rId8"/>
     <p:sldId id="366" r:id="rId9"/>
-    <p:sldId id="354" r:id="rId10"/>
-    <p:sldId id="368" r:id="rId11"/>
-    <p:sldId id="367" r:id="rId12"/>
-    <p:sldId id="382" r:id="rId13"/>
-    <p:sldId id="353" r:id="rId14"/>
-    <p:sldId id="358" r:id="rId15"/>
-    <p:sldId id="355" r:id="rId16"/>
-    <p:sldId id="364" r:id="rId17"/>
-    <p:sldId id="356" r:id="rId18"/>
-    <p:sldId id="336" r:id="rId19"/>
-    <p:sldId id="333" r:id="rId20"/>
-    <p:sldId id="335" r:id="rId21"/>
-    <p:sldId id="340" r:id="rId22"/>
-    <p:sldId id="383" r:id="rId23"/>
-    <p:sldId id="346" r:id="rId24"/>
-    <p:sldId id="347" r:id="rId25"/>
-    <p:sldId id="369" r:id="rId26"/>
-    <p:sldId id="349" r:id="rId27"/>
-    <p:sldId id="343" r:id="rId28"/>
-    <p:sldId id="378" r:id="rId29"/>
-    <p:sldId id="379" r:id="rId30"/>
-    <p:sldId id="370" r:id="rId31"/>
-    <p:sldId id="384" r:id="rId32"/>
-    <p:sldId id="380" r:id="rId33"/>
+    <p:sldId id="368" r:id="rId10"/>
+    <p:sldId id="367" r:id="rId11"/>
+    <p:sldId id="382" r:id="rId12"/>
+    <p:sldId id="353" r:id="rId13"/>
+    <p:sldId id="358" r:id="rId14"/>
+    <p:sldId id="355" r:id="rId15"/>
+    <p:sldId id="364" r:id="rId16"/>
+    <p:sldId id="356" r:id="rId17"/>
+    <p:sldId id="336" r:id="rId18"/>
+    <p:sldId id="333" r:id="rId19"/>
+    <p:sldId id="335" r:id="rId20"/>
+    <p:sldId id="340" r:id="rId21"/>
+    <p:sldId id="383" r:id="rId22"/>
+    <p:sldId id="346" r:id="rId23"/>
+    <p:sldId id="347" r:id="rId24"/>
+    <p:sldId id="369" r:id="rId25"/>
+    <p:sldId id="343" r:id="rId26"/>
+    <p:sldId id="378" r:id="rId27"/>
+    <p:sldId id="379" r:id="rId28"/>
+    <p:sldId id="370" r:id="rId29"/>
+    <p:sldId id="384" r:id="rId30"/>
+    <p:sldId id="380" r:id="rId31"/>
   </p:sldIdLst>
   <p:sldSz cx="12192000" cy="6858000"/>
   <p:notesSz cx="6858000" cy="9144000"/>
   <p:embeddedFontLst>
     <p:embeddedFont>
-      <p:font typeface="Segoe UI Light" panose="020B0502040204020203" pitchFamily="34" charset="0"/>
-      <p:regular r:id="rId36"/>
-      <p:italic r:id="rId37"/>
+      <p:font typeface="Calibri" panose="020F0502020204030204" pitchFamily="34" charset="0"/>
+      <p:regular r:id="rId34"/>
+      <p:bold r:id="rId35"/>
+      <p:italic r:id="rId36"/>
+      <p:boldItalic r:id="rId37"/>
     </p:embeddedFont>
     <p:embeddedFont>
-      <p:font typeface="Segoe UI" panose="020B0502040204020203" pitchFamily="34" charset="0"/>
+      <p:font typeface="Consolas" panose="020B0609020204030204" pitchFamily="49" charset="0"/>
       <p:regular r:id="rId38"/>
       <p:bold r:id="rId39"/>
       <p:italic r:id="rId40"/>
       <p:boldItalic r:id="rId41"/>
     </p:embeddedFont>
     <p:embeddedFont>
-      <p:font typeface="Calibri" panose="020F0502020204030204" pitchFamily="34" charset="0"/>
+      <p:font typeface="Segoe UI" panose="020B0502040204020203" pitchFamily="34" charset="0"/>
       <p:regular r:id="rId42"/>
       <p:bold r:id="rId43"/>
       <p:italic r:id="rId44"/>
       <p:boldItalic r:id="rId45"/>
     </p:embeddedFont>
     <p:embeddedFont>
-      <p:font typeface="Verdana" panose="020B0604030504040204" pitchFamily="34" charset="0"/>
+      <p:font typeface="Segoe UI Light" panose="020B0502040204020203" pitchFamily="34" charset="0"/>
       <p:regular r:id="rId46"/>
-      <p:bold r:id="rId47"/>
-      <p:italic r:id="rId48"/>
-      <p:boldItalic r:id="rId49"/>
+      <p:italic r:id="rId47"/>
     </p:embeddedFont>
     <p:embeddedFont>
-      <p:font typeface="Consolas" panose="020B0609020204030204" pitchFamily="49" charset="0"/>
-      <p:regular r:id="rId50"/>
-      <p:bold r:id="rId51"/>
-      <p:italic r:id="rId52"/>
-      <p:boldItalic r:id="rId53"/>
+      <p:font typeface="Verdana" panose="020B0604030504040204" pitchFamily="34" charset="0"/>
+      <p:regular r:id="rId48"/>
+      <p:bold r:id="rId49"/>
+      <p:italic r:id="rId50"/>
+      <p:boldItalic r:id="rId51"/>
     </p:embeddedFont>
   </p:embeddedFontLst>
   <p:defaultTextStyle>
@@ -227,7 +225,6 @@
             <p14:sldId id="363"/>
             <p14:sldId id="365"/>
             <p14:sldId id="366"/>
-            <p14:sldId id="354"/>
             <p14:sldId id="368"/>
             <p14:sldId id="367"/>
           </p14:sldIdLst>
@@ -260,7 +257,6 @@
             <p14:sldId id="346"/>
             <p14:sldId id="347"/>
             <p14:sldId id="369"/>
-            <p14:sldId id="349"/>
             <p14:sldId id="343"/>
           </p14:sldIdLst>
         </p14:section>
@@ -291,10 +287,6 @@
     </p:ext>
   </p:extLst>
 </p:presentation>
-</file>
-
-<file path=ppt/revisionInfo.xml><?xml version="1.0" encoding="utf-8"?>
-<p1510:revInfo xmlns:a="http://schemas.openxmlformats.org/drawingml/2006/main" xmlns:r="http://schemas.openxmlformats.org/officeDocument/2006/relationships" xmlns:p1510="http://schemas.microsoft.com/office/powerpoint/2015/10/main"/>
 </file>
 
 <file path=ppt/handoutMasters/handoutMaster1.xml><?xml version="1.0" encoding="utf-8"?>
@@ -391,7 +383,7 @@
           <a:p>
             <a:fld id="{7D784404-57E5-4341-9230-5EC072B8C3C5}" type="datetimeFigureOut">
               <a:rPr lang="en-US" smtClean="0"/>
-              <a:t>5/16/2018</a:t>
+              <a:t>5/22/2018</a:t>
             </a:fld>
             <a:endParaRPr lang="en-US"/>
           </a:p>
@@ -568,7 +560,7 @@
           <a:p>
             <a:fld id="{9933EFA3-31EF-403B-8080-9776000D59FF}" type="datetimeFigureOut">
               <a:rPr lang="en-US" smtClean="0"/>
-              <a:t>5/16/2018</a:t>
+              <a:t>5/22/2018</a:t>
             </a:fld>
             <a:endParaRPr lang="en-US" dirty="0"/>
           </a:p>
@@ -2407,7 +2399,7 @@
     </p:spTree>
     <p:extLst>
       <p:ext uri="{BB962C8B-B14F-4D97-AF65-F5344CB8AC3E}">
-        <p14:creationId xmlns:p14="http://schemas.microsoft.com/office/powerpoint/2010/main" val="2991759109"/>
+        <p14:creationId xmlns:p14="http://schemas.microsoft.com/office/powerpoint/2010/main" val="4138991056"/>
       </p:ext>
     </p:extLst>
   </p:cSld>
@@ -3253,7 +3245,7 @@
     </p:spTree>
     <p:extLst>
       <p:ext uri="{BB962C8B-B14F-4D97-AF65-F5344CB8AC3E}">
-        <p14:creationId xmlns:p14="http://schemas.microsoft.com/office/powerpoint/2010/main" val="4138991056"/>
+        <p14:creationId xmlns:p14="http://schemas.microsoft.com/office/powerpoint/2010/main" val="2157917576"/>
       </p:ext>
     </p:extLst>
   </p:cSld>
@@ -4099,7 +4091,7 @@
     </p:spTree>
     <p:extLst>
       <p:ext uri="{BB962C8B-B14F-4D97-AF65-F5344CB8AC3E}">
-        <p14:creationId xmlns:p14="http://schemas.microsoft.com/office/powerpoint/2010/main" val="2157917576"/>
+        <p14:creationId xmlns:p14="http://schemas.microsoft.com/office/powerpoint/2010/main" val="2443732759"/>
       </p:ext>
     </p:extLst>
   </p:cSld>
@@ -4136,7 +4128,12 @@
             <p:ph type="sldImg"/>
           </p:nvPr>
         </p:nvSpPr>
-        <p:spPr/>
+        <p:spPr>
+          <a:xfrm>
+            <a:off x="3914775" y="73025"/>
+            <a:ext cx="3289300" cy="1851025"/>
+          </a:xfrm>
+        </p:spPr>
       </p:sp>
       <p:sp>
         <p:nvSpPr>
@@ -4153,769 +4150,7 @@
           <a:bodyPr/>
           <a:lstStyle/>
           <a:p>
-            <a:pPr>
-              <a:lnSpc>
-                <a:spcPts val="1300"/>
-              </a:lnSpc>
-              <a:spcBef>
-                <a:spcPts val="900"/>
-              </a:spcBef>
-              <a:spcAft>
-                <a:spcPts val="300"/>
-              </a:spcAft>
-            </a:pPr>
-            <a:endParaRPr lang="en-US" sz="1000" b="1" dirty="0">
-              <a:effectLst/>
-              <a:latin typeface="Arial"/>
-              <a:ea typeface="Times New Roman"/>
-              <a:cs typeface="Segoe UI"/>
-            </a:endParaRPr>
-          </a:p>
-          <a:p>
-            <a:pPr>
-              <a:lnSpc>
-                <a:spcPts val="1300"/>
-              </a:lnSpc>
-              <a:spcBef>
-                <a:spcPts val="900"/>
-              </a:spcBef>
-              <a:spcAft>
-                <a:spcPts val="300"/>
-              </a:spcAft>
-            </a:pPr>
-            <a:r>
-              <a:rPr lang="en-US" sz="1000" b="1" dirty="0">
-                <a:effectLst/>
-                <a:latin typeface="Arial"/>
-                <a:ea typeface="Times New Roman"/>
-                <a:cs typeface="Segoe UI"/>
-              </a:rPr>
-              <a:t>High level demonstration steps</a:t>
-            </a:r>
-            <a:endParaRPr lang="en-GB" sz="1000" b="1" dirty="0">
-              <a:effectLst/>
-              <a:latin typeface="Arial"/>
-              <a:ea typeface="Times New Roman"/>
-              <a:cs typeface="Segoe UI"/>
-            </a:endParaRPr>
-          </a:p>
-          <a:p>
-            <a:pPr marL="342900" lvl="0" indent="-342900">
-              <a:lnSpc>
-                <a:spcPct val="115000"/>
-              </a:lnSpc>
-              <a:spcAft>
-                <a:spcPts val="995"/>
-              </a:spcAft>
-              <a:buFont typeface="+mj-lt"/>
-              <a:buAutoNum type="arabicPeriod"/>
-            </a:pPr>
-            <a:r>
-              <a:rPr lang="en-US" sz="1000" dirty="0">
-                <a:effectLst/>
-                <a:latin typeface="Arial"/>
-                <a:ea typeface="Times New Roman"/>
-                <a:cs typeface="Times New Roman"/>
-              </a:rPr>
-              <a:t>From the classroom VM, start </a:t>
-            </a:r>
-            <a:r>
-              <a:rPr lang="en-US" sz="1000" b="1" dirty="0">
-                <a:effectLst/>
-                <a:latin typeface="Arial"/>
-                <a:ea typeface="Times New Roman"/>
-                <a:cs typeface="Times New Roman"/>
-              </a:rPr>
-              <a:t>Internet Explorer </a:t>
-            </a:r>
-            <a:r>
-              <a:rPr lang="en-US" sz="1000" dirty="0">
-                <a:effectLst/>
-                <a:latin typeface="Arial"/>
-                <a:ea typeface="Times New Roman"/>
-                <a:cs typeface="Times New Roman"/>
-              </a:rPr>
-              <a:t>and browse to </a:t>
-            </a:r>
-            <a:r>
-              <a:rPr lang="en-US" sz="1000" b="1" dirty="0">
-                <a:effectLst/>
-                <a:latin typeface="Arial"/>
-                <a:ea typeface="Times New Roman"/>
-                <a:cs typeface="Times New Roman"/>
-              </a:rPr>
-              <a:t>https://github.com/Azure</a:t>
-            </a:r>
-            <a:br>
-              <a:rPr lang="en-US" sz="1000" b="1" dirty="0">
-                <a:effectLst/>
-                <a:latin typeface="Arial"/>
-                <a:ea typeface="Times New Roman"/>
-                <a:cs typeface="Times New Roman"/>
-              </a:rPr>
-            </a:br>
-            <a:r>
-              <a:rPr lang="en-US" sz="1000" b="1" dirty="0">
-                <a:latin typeface="Arial"/>
-                <a:cs typeface="Times New Roman"/>
-              </a:rPr>
-              <a:t>/azure-</a:t>
-            </a:r>
-            <a:r>
-              <a:rPr lang="en-US" sz="1000" b="1" dirty="0" err="1">
-                <a:latin typeface="Arial"/>
-                <a:cs typeface="Times New Roman"/>
-              </a:rPr>
-              <a:t>quickstart</a:t>
-            </a:r>
-            <a:r>
-              <a:rPr lang="en-US" sz="1000" b="1" dirty="0">
-                <a:latin typeface="Arial"/>
-                <a:cs typeface="Times New Roman"/>
-              </a:rPr>
-              <a:t>-templates/tree/master/101-vm-simple-windows</a:t>
-            </a:r>
-            <a:r>
-              <a:rPr lang="en-US" sz="1000" dirty="0">
-                <a:effectLst/>
-                <a:latin typeface="Arial"/>
-                <a:ea typeface="Times New Roman"/>
-                <a:cs typeface="Times New Roman"/>
-              </a:rPr>
-              <a:t>.</a:t>
-            </a:r>
-            <a:endParaRPr lang="en-GB" sz="1000" dirty="0">
-              <a:effectLst/>
-              <a:latin typeface="Arial"/>
-              <a:ea typeface="Times New Roman"/>
-              <a:cs typeface="Times New Roman"/>
-            </a:endParaRPr>
-          </a:p>
-          <a:p>
-            <a:pPr marL="342900" lvl="0" indent="-342900">
-              <a:lnSpc>
-                <a:spcPct val="115000"/>
-              </a:lnSpc>
-              <a:spcAft>
-                <a:spcPts val="995"/>
-              </a:spcAft>
-              <a:buFont typeface="+mj-lt"/>
-              <a:buAutoNum type="arabicPeriod"/>
-            </a:pPr>
-            <a:r>
-              <a:rPr lang="en-US" sz="1000" dirty="0">
-                <a:solidFill>
-                  <a:srgbClr val="000000"/>
-                </a:solidFill>
-                <a:effectLst/>
-                <a:latin typeface="Arial"/>
-                <a:ea typeface="Times New Roman"/>
-                <a:cs typeface="Times New Roman"/>
-              </a:rPr>
-              <a:t>On the </a:t>
-            </a:r>
-            <a:r>
-              <a:rPr lang="en-US" sz="1000" b="1" dirty="0">
-                <a:effectLst/>
-                <a:latin typeface="Arial"/>
-                <a:ea typeface="Times New Roman"/>
-                <a:cs typeface="Times New Roman"/>
-              </a:rPr>
-              <a:t>Very simple deployment of a Windows VM </a:t>
-            </a:r>
-            <a:r>
-              <a:rPr lang="en-US" sz="1000" dirty="0">
-                <a:solidFill>
-                  <a:srgbClr val="000000"/>
-                </a:solidFill>
-                <a:effectLst/>
-                <a:latin typeface="Arial"/>
-                <a:ea typeface="Times New Roman"/>
-                <a:cs typeface="Times New Roman"/>
-              </a:rPr>
-              <a:t>page, click </a:t>
-            </a:r>
-            <a:r>
-              <a:rPr lang="en-US" sz="1000" b="1" dirty="0">
-                <a:effectLst/>
-                <a:latin typeface="Arial"/>
-                <a:ea typeface="Times New Roman"/>
-                <a:cs typeface="Times New Roman"/>
-              </a:rPr>
-              <a:t>Deploy to Azure</a:t>
-            </a:r>
-            <a:r>
-              <a:rPr lang="en-US" sz="1000" dirty="0">
-                <a:solidFill>
-                  <a:srgbClr val="000000"/>
-                </a:solidFill>
-                <a:effectLst/>
-                <a:latin typeface="Arial"/>
-                <a:ea typeface="Times New Roman"/>
-                <a:cs typeface="Times New Roman"/>
-              </a:rPr>
-              <a:t>.</a:t>
-            </a:r>
-            <a:endParaRPr lang="en-GB" sz="1000" dirty="0">
-              <a:effectLst/>
-              <a:latin typeface="Arial"/>
-              <a:ea typeface="Times New Roman"/>
-              <a:cs typeface="Times New Roman"/>
-            </a:endParaRPr>
-          </a:p>
-          <a:p>
-            <a:pPr marL="342900" lvl="0" indent="-342900">
-              <a:lnSpc>
-                <a:spcPct val="115000"/>
-              </a:lnSpc>
-              <a:spcAft>
-                <a:spcPts val="995"/>
-              </a:spcAft>
-              <a:buFont typeface="+mj-lt"/>
-              <a:buAutoNum type="arabicPeriod"/>
-            </a:pPr>
-            <a:r>
-              <a:rPr lang="en-US" sz="1000" dirty="0">
-                <a:solidFill>
-                  <a:srgbClr val="000000"/>
-                </a:solidFill>
-                <a:effectLst/>
-                <a:latin typeface="Arial"/>
-                <a:ea typeface="Times New Roman"/>
-                <a:cs typeface="Times New Roman"/>
-              </a:rPr>
-              <a:t>On the </a:t>
-            </a:r>
-            <a:r>
-              <a:rPr lang="en-US" sz="1000" b="1" dirty="0">
-                <a:effectLst/>
-                <a:latin typeface="Arial"/>
-                <a:ea typeface="Times New Roman"/>
-                <a:cs typeface="Times New Roman"/>
-              </a:rPr>
-              <a:t>Custom deployment </a:t>
-            </a:r>
-            <a:r>
-              <a:rPr lang="en-US" sz="1000" dirty="0">
-                <a:solidFill>
-                  <a:srgbClr val="000000"/>
-                </a:solidFill>
-                <a:effectLst/>
-                <a:latin typeface="Arial"/>
-                <a:ea typeface="Times New Roman"/>
-                <a:cs typeface="Times New Roman"/>
-              </a:rPr>
-              <a:t>blade, specify the following:</a:t>
-            </a:r>
-            <a:endParaRPr lang="en-GB" sz="1000" dirty="0">
-              <a:effectLst/>
-              <a:latin typeface="Arial"/>
-              <a:ea typeface="Times New Roman"/>
-              <a:cs typeface="Times New Roman"/>
-            </a:endParaRPr>
-          </a:p>
-          <a:p>
-            <a:pPr marL="800100" lvl="1" indent="-342900">
-              <a:lnSpc>
-                <a:spcPct val="115000"/>
-              </a:lnSpc>
-              <a:spcAft>
-                <a:spcPts val="995"/>
-              </a:spcAft>
-              <a:buFont typeface="Courier New"/>
-              <a:buChar char="o"/>
-            </a:pPr>
-            <a:r>
-              <a:rPr lang="en-US" sz="1000" dirty="0">
-                <a:solidFill>
-                  <a:srgbClr val="000000"/>
-                </a:solidFill>
-                <a:effectLst/>
-                <a:latin typeface="Arial"/>
-                <a:ea typeface="Times New Roman"/>
-                <a:cs typeface="Times New Roman"/>
-              </a:rPr>
-              <a:t>Subscription: Your subscription</a:t>
-            </a:r>
-            <a:endParaRPr lang="en-GB" sz="1000" dirty="0">
-              <a:effectLst/>
-              <a:latin typeface="Arial"/>
-              <a:ea typeface="Times New Roman"/>
-              <a:cs typeface="Times New Roman"/>
-            </a:endParaRPr>
-          </a:p>
-          <a:p>
-            <a:pPr marL="800100" lvl="1" indent="-342900">
-              <a:lnSpc>
-                <a:spcPct val="115000"/>
-              </a:lnSpc>
-              <a:spcAft>
-                <a:spcPts val="995"/>
-              </a:spcAft>
-              <a:buFont typeface="Courier New"/>
-              <a:buChar char="o"/>
-            </a:pPr>
-            <a:r>
-              <a:rPr lang="en-US" sz="1000" dirty="0">
-                <a:solidFill>
-                  <a:srgbClr val="000000"/>
-                </a:solidFill>
-                <a:effectLst/>
-                <a:latin typeface="Arial"/>
-                <a:ea typeface="Times New Roman"/>
-                <a:cs typeface="Times New Roman"/>
-              </a:rPr>
-              <a:t>Resource group: </a:t>
-            </a:r>
-            <a:r>
-              <a:rPr lang="en-US" sz="1000" b="1" dirty="0">
-                <a:effectLst/>
-                <a:latin typeface="Arial"/>
-                <a:ea typeface="Times New Roman"/>
-                <a:cs typeface="Times New Roman"/>
-              </a:rPr>
-              <a:t>Create new</a:t>
-            </a:r>
-            <a:endParaRPr lang="en-GB" sz="1000" dirty="0">
-              <a:effectLst/>
-              <a:latin typeface="Arial"/>
-              <a:ea typeface="Times New Roman"/>
-              <a:cs typeface="Times New Roman"/>
-            </a:endParaRPr>
-          </a:p>
-          <a:p>
-            <a:pPr marL="800100" lvl="1" indent="-342900">
-              <a:lnSpc>
-                <a:spcPct val="115000"/>
-              </a:lnSpc>
-              <a:spcAft>
-                <a:spcPts val="995"/>
-              </a:spcAft>
-              <a:buFont typeface="Courier New"/>
-              <a:buChar char="o"/>
-            </a:pPr>
-            <a:r>
-              <a:rPr lang="en-US" sz="1000" dirty="0">
-                <a:solidFill>
-                  <a:srgbClr val="000000"/>
-                </a:solidFill>
-                <a:effectLst/>
-                <a:latin typeface="Arial"/>
-                <a:ea typeface="Times New Roman"/>
-                <a:cs typeface="Times New Roman"/>
-              </a:rPr>
-              <a:t>New resource group name: </a:t>
-            </a:r>
-            <a:r>
-              <a:rPr lang="en-US" sz="1000" b="1" dirty="0">
-                <a:effectLst/>
-                <a:latin typeface="Arial"/>
-                <a:ea typeface="Times New Roman"/>
-                <a:cs typeface="Times New Roman"/>
-              </a:rPr>
-              <a:t>10979D03-DemoRG03</a:t>
-            </a:r>
-            <a:endParaRPr lang="en-GB" sz="1000" dirty="0">
-              <a:effectLst/>
-              <a:latin typeface="Arial"/>
-              <a:ea typeface="Times New Roman"/>
-              <a:cs typeface="Times New Roman"/>
-            </a:endParaRPr>
-          </a:p>
-          <a:p>
-            <a:pPr marL="800100" lvl="1" indent="-342900">
-              <a:lnSpc>
-                <a:spcPct val="115000"/>
-              </a:lnSpc>
-              <a:spcAft>
-                <a:spcPts val="995"/>
-              </a:spcAft>
-              <a:buFont typeface="Courier New"/>
-              <a:buChar char="o"/>
-            </a:pPr>
-            <a:r>
-              <a:rPr lang="en-US" sz="1000" dirty="0">
-                <a:solidFill>
-                  <a:srgbClr val="000000"/>
-                </a:solidFill>
-                <a:effectLst/>
-                <a:latin typeface="Arial"/>
-                <a:ea typeface="Times New Roman"/>
-                <a:cs typeface="Times New Roman"/>
-              </a:rPr>
-              <a:t>Location: Azure region closest to the classroom location</a:t>
-            </a:r>
-            <a:endParaRPr lang="en-GB" sz="1000" dirty="0">
-              <a:effectLst/>
-              <a:latin typeface="Arial"/>
-              <a:ea typeface="Times New Roman"/>
-              <a:cs typeface="Times New Roman"/>
-            </a:endParaRPr>
-          </a:p>
-          <a:p>
-            <a:pPr marL="800100" lvl="1" indent="-342900">
-              <a:lnSpc>
-                <a:spcPct val="115000"/>
-              </a:lnSpc>
-              <a:spcAft>
-                <a:spcPts val="995"/>
-              </a:spcAft>
-              <a:buFont typeface="Courier New"/>
-              <a:buChar char="o"/>
-            </a:pPr>
-            <a:r>
-              <a:rPr lang="en-US" sz="1000" dirty="0">
-                <a:solidFill>
-                  <a:srgbClr val="000000"/>
-                </a:solidFill>
-                <a:effectLst/>
-                <a:latin typeface="Arial"/>
-                <a:ea typeface="Times New Roman"/>
-                <a:cs typeface="Times New Roman"/>
-              </a:rPr>
-              <a:t>Admin Username: </a:t>
-            </a:r>
-            <a:r>
-              <a:rPr lang="en-US" sz="1000" b="1" dirty="0">
-                <a:effectLst/>
-                <a:latin typeface="Arial"/>
-                <a:ea typeface="Times New Roman"/>
-                <a:cs typeface="Times New Roman"/>
-              </a:rPr>
-              <a:t>Student</a:t>
-            </a:r>
-            <a:endParaRPr lang="en-GB" sz="1000" dirty="0">
-              <a:effectLst/>
-              <a:latin typeface="Arial"/>
-              <a:ea typeface="Times New Roman"/>
-              <a:cs typeface="Times New Roman"/>
-            </a:endParaRPr>
-          </a:p>
-          <a:p>
-            <a:pPr marL="800100" lvl="1" indent="-342900">
-              <a:lnSpc>
-                <a:spcPct val="115000"/>
-              </a:lnSpc>
-              <a:spcAft>
-                <a:spcPts val="995"/>
-              </a:spcAft>
-              <a:buFont typeface="Courier New"/>
-              <a:buChar char="o"/>
-            </a:pPr>
-            <a:r>
-              <a:rPr lang="en-US" sz="1000" dirty="0">
-                <a:solidFill>
-                  <a:srgbClr val="000000"/>
-                </a:solidFill>
-                <a:effectLst/>
-                <a:latin typeface="Arial"/>
-                <a:ea typeface="Times New Roman"/>
-                <a:cs typeface="Times New Roman"/>
-              </a:rPr>
-              <a:t>Admin Password: </a:t>
-            </a:r>
-            <a:r>
-              <a:rPr lang="en-US" sz="1000" b="1" dirty="0">
-                <a:effectLst/>
-                <a:latin typeface="Arial"/>
-                <a:ea typeface="Times New Roman"/>
-                <a:cs typeface="Times New Roman"/>
-              </a:rPr>
-              <a:t>Pa55w.rd1234</a:t>
-            </a:r>
-            <a:endParaRPr lang="en-GB" sz="1000" dirty="0">
-              <a:effectLst/>
-              <a:latin typeface="Arial"/>
-              <a:ea typeface="Times New Roman"/>
-              <a:cs typeface="Times New Roman"/>
-            </a:endParaRPr>
-          </a:p>
-          <a:p>
-            <a:pPr marL="800100" lvl="1" indent="-342900">
-              <a:lnSpc>
-                <a:spcPct val="115000"/>
-              </a:lnSpc>
-              <a:spcAft>
-                <a:spcPts val="995"/>
-              </a:spcAft>
-              <a:buFont typeface="Courier New"/>
-              <a:buChar char="o"/>
-            </a:pPr>
-            <a:r>
-              <a:rPr lang="en-US" sz="1000" dirty="0" err="1">
-                <a:solidFill>
-                  <a:srgbClr val="000000"/>
-                </a:solidFill>
-                <a:effectLst/>
-                <a:latin typeface="Arial"/>
-                <a:ea typeface="Times New Roman"/>
-                <a:cs typeface="Times New Roman"/>
-              </a:rPr>
-              <a:t>Dns</a:t>
-            </a:r>
-            <a:r>
-              <a:rPr lang="en-US" sz="1000" dirty="0">
-                <a:solidFill>
-                  <a:srgbClr val="000000"/>
-                </a:solidFill>
-                <a:effectLst/>
-                <a:latin typeface="Arial"/>
-                <a:ea typeface="Times New Roman"/>
-                <a:cs typeface="Times New Roman"/>
-              </a:rPr>
-              <a:t> Label Prefix: Unique string consisting of lower-case letters and digits</a:t>
-            </a:r>
-            <a:endParaRPr lang="en-GB" sz="1000" dirty="0">
-              <a:effectLst/>
-              <a:latin typeface="Arial"/>
-              <a:ea typeface="Times New Roman"/>
-              <a:cs typeface="Times New Roman"/>
-            </a:endParaRPr>
-          </a:p>
-          <a:p>
-            <a:pPr marL="800100" lvl="1" indent="-342900">
-              <a:lnSpc>
-                <a:spcPct val="115000"/>
-              </a:lnSpc>
-              <a:spcAft>
-                <a:spcPts val="995"/>
-              </a:spcAft>
-              <a:buFont typeface="Courier New"/>
-              <a:buChar char="o"/>
-            </a:pPr>
-            <a:r>
-              <a:rPr lang="en-US" sz="1000" dirty="0">
-                <a:solidFill>
-                  <a:srgbClr val="000000"/>
-                </a:solidFill>
-                <a:effectLst/>
-                <a:latin typeface="Arial"/>
-                <a:ea typeface="Times New Roman"/>
-                <a:cs typeface="Times New Roman"/>
-              </a:rPr>
-              <a:t>Windows OS Version: </a:t>
-            </a:r>
-            <a:r>
-              <a:rPr lang="en-US" sz="1000" b="1" dirty="0">
-                <a:effectLst/>
-                <a:latin typeface="Arial"/>
-                <a:ea typeface="Times New Roman"/>
-                <a:cs typeface="Times New Roman"/>
-              </a:rPr>
-              <a:t>2016-Datacenter</a:t>
-            </a:r>
-            <a:endParaRPr lang="en-GB" sz="1000" dirty="0">
-              <a:effectLst/>
-              <a:latin typeface="Arial"/>
-              <a:ea typeface="Times New Roman"/>
-              <a:cs typeface="Times New Roman"/>
-            </a:endParaRPr>
-          </a:p>
-          <a:p>
-            <a:pPr marL="342900" lvl="0" indent="-342900">
-              <a:lnSpc>
-                <a:spcPct val="115000"/>
-              </a:lnSpc>
-              <a:spcAft>
-                <a:spcPts val="995"/>
-              </a:spcAft>
-              <a:buFont typeface="+mj-lt"/>
-              <a:buAutoNum type="arabicPeriod"/>
-            </a:pPr>
-            <a:r>
-              <a:rPr lang="en-GB" sz="1000" dirty="0">
-                <a:solidFill>
-                  <a:srgbClr val="000000"/>
-                </a:solidFill>
-                <a:latin typeface="Arial"/>
-                <a:ea typeface="Calibri"/>
-                <a:cs typeface="Times New Roman"/>
-              </a:rPr>
-              <a:t>Click </a:t>
-            </a:r>
-            <a:r>
-              <a:rPr lang="en-GB" sz="1000" b="1" dirty="0">
-                <a:solidFill>
-                  <a:srgbClr val="000000"/>
-                </a:solidFill>
-                <a:latin typeface="Arial"/>
-                <a:ea typeface="Calibri"/>
-                <a:cs typeface="Times New Roman"/>
-              </a:rPr>
-              <a:t>I agree to the terms and conditions stated above</a:t>
-            </a:r>
-            <a:r>
-              <a:rPr lang="en-GB" sz="1000" dirty="0">
-                <a:solidFill>
-                  <a:srgbClr val="000000"/>
-                </a:solidFill>
-                <a:latin typeface="Arial"/>
-                <a:ea typeface="Calibri"/>
-                <a:cs typeface="Times New Roman"/>
-              </a:rPr>
-              <a:t>.</a:t>
-            </a:r>
-          </a:p>
-          <a:p>
-            <a:pPr marL="342900" lvl="0" indent="-342900">
-              <a:lnSpc>
-                <a:spcPct val="115000"/>
-              </a:lnSpc>
-              <a:spcAft>
-                <a:spcPts val="995"/>
-              </a:spcAft>
-              <a:buFont typeface="+mj-lt"/>
-              <a:buAutoNum type="arabicPeriod"/>
-            </a:pPr>
-            <a:r>
-              <a:rPr lang="en-GB" sz="1000" dirty="0">
-                <a:solidFill>
-                  <a:srgbClr val="000000"/>
-                </a:solidFill>
-                <a:latin typeface="Arial"/>
-                <a:ea typeface="Calibri"/>
-                <a:cs typeface="Times New Roman"/>
-              </a:rPr>
-              <a:t>Select the </a:t>
-            </a:r>
-            <a:r>
-              <a:rPr lang="en-GB" sz="1000" b="1" dirty="0">
-                <a:solidFill>
-                  <a:srgbClr val="000000"/>
-                </a:solidFill>
-                <a:latin typeface="Arial"/>
-                <a:ea typeface="Calibri"/>
-                <a:cs typeface="Times New Roman"/>
-              </a:rPr>
-              <a:t>Pin to dashboard </a:t>
-            </a:r>
-            <a:r>
-              <a:rPr lang="en-GB" sz="1000" dirty="0">
-                <a:solidFill>
-                  <a:srgbClr val="000000"/>
-                </a:solidFill>
-                <a:latin typeface="Arial"/>
-                <a:ea typeface="Calibri"/>
-                <a:cs typeface="Times New Roman"/>
-              </a:rPr>
-              <a:t>check box.</a:t>
-            </a:r>
-          </a:p>
-          <a:p>
-            <a:pPr marL="342900" lvl="0" indent="-342900">
-              <a:lnSpc>
-                <a:spcPct val="115000"/>
-              </a:lnSpc>
-              <a:spcAft>
-                <a:spcPts val="995"/>
-              </a:spcAft>
-              <a:buFont typeface="+mj-lt"/>
-              <a:buAutoNum type="arabicPeriod"/>
-            </a:pPr>
-            <a:r>
-              <a:rPr lang="en-GB" sz="1000" dirty="0">
-                <a:solidFill>
-                  <a:srgbClr val="000000"/>
-                </a:solidFill>
-                <a:latin typeface="Arial"/>
-                <a:ea typeface="Calibri"/>
-                <a:cs typeface="Times New Roman"/>
-              </a:rPr>
-              <a:t>Click </a:t>
-            </a:r>
-            <a:r>
-              <a:rPr lang="en-GB" sz="1000" b="1" dirty="0">
-                <a:solidFill>
-                  <a:srgbClr val="000000"/>
-                </a:solidFill>
-                <a:latin typeface="Arial"/>
-                <a:ea typeface="Calibri"/>
-                <a:cs typeface="Times New Roman"/>
-              </a:rPr>
-              <a:t>Purchase</a:t>
-            </a:r>
-            <a:r>
-              <a:rPr lang="en-GB" sz="1000" dirty="0">
-                <a:solidFill>
-                  <a:srgbClr val="000000"/>
-                </a:solidFill>
-                <a:latin typeface="Arial"/>
-                <a:ea typeface="Calibri"/>
-                <a:cs typeface="Times New Roman"/>
-              </a:rPr>
-              <a:t>.</a:t>
-            </a:r>
-          </a:p>
-          <a:p>
-            <a:pPr marL="342900" lvl="0" indent="-342900">
-              <a:lnSpc>
-                <a:spcPct val="115000"/>
-              </a:lnSpc>
-              <a:spcAft>
-                <a:spcPts val="995"/>
-              </a:spcAft>
-              <a:buFont typeface="+mj-lt"/>
-              <a:buAutoNum type="arabicPeriod"/>
-            </a:pPr>
-            <a:r>
-              <a:rPr lang="en-GB" sz="1000" dirty="0">
-                <a:solidFill>
-                  <a:srgbClr val="000000"/>
-                </a:solidFill>
-                <a:latin typeface="Arial"/>
-                <a:ea typeface="Calibri"/>
-                <a:cs typeface="Times New Roman"/>
-              </a:rPr>
-              <a:t>Note the </a:t>
-            </a:r>
-            <a:r>
-              <a:rPr lang="en-GB" sz="1000" b="1" dirty="0">
-                <a:solidFill>
-                  <a:srgbClr val="000000"/>
-                </a:solidFill>
-                <a:latin typeface="Arial"/>
-                <a:ea typeface="Calibri"/>
-                <a:cs typeface="Times New Roman"/>
-              </a:rPr>
-              <a:t>Deployment started</a:t>
-            </a:r>
-            <a:r>
-              <a:rPr lang="en-GB" sz="1000" dirty="0">
-                <a:solidFill>
-                  <a:srgbClr val="000000"/>
-                </a:solidFill>
-                <a:latin typeface="Arial"/>
-                <a:ea typeface="Calibri"/>
-                <a:cs typeface="Times New Roman"/>
-              </a:rPr>
-              <a:t> message in the notification area at the top of the page.</a:t>
-            </a:r>
-          </a:p>
-          <a:p>
-            <a:pPr marL="342900" lvl="0" indent="-342900">
-              <a:lnSpc>
-                <a:spcPct val="115000"/>
-              </a:lnSpc>
-              <a:spcAft>
-                <a:spcPts val="995"/>
-              </a:spcAft>
-              <a:buFont typeface="+mj-lt"/>
-              <a:buAutoNum type="arabicPeriod"/>
-            </a:pPr>
-            <a:r>
-              <a:rPr lang="en-GB" sz="1000" dirty="0">
-                <a:solidFill>
-                  <a:srgbClr val="000000"/>
-                </a:solidFill>
-                <a:latin typeface="Arial"/>
-                <a:ea typeface="Calibri"/>
-                <a:cs typeface="Times New Roman"/>
-              </a:rPr>
-              <a:t>Do not wait for the deployment to complete. Continue with the next topic.</a:t>
-            </a:r>
-          </a:p>
-          <a:p>
-            <a:endParaRPr lang="en-US" dirty="0"/>
+            <a:endParaRPr lang="en-US"/>
           </a:p>
         </p:txBody>
       </p:sp>
@@ -4934,18 +4169,18 @@
           <a:bodyPr/>
           <a:lstStyle/>
           <a:p>
-            <a:fld id="{88E41278-A97F-6B4E-8A96-38954C528C7E}" type="slidenum">
+            <a:fld id="{F19E9337-0361-41F3-9C17-1F4FFD1214BA}" type="slidenum">
               <a:rPr lang="en-US" smtClean="0"/>
               <a:t>17</a:t>
             </a:fld>
-            <a:endParaRPr lang="en-US"/>
+            <a:endParaRPr lang="en-US" dirty="0"/>
           </a:p>
         </p:txBody>
       </p:sp>
     </p:spTree>
     <p:extLst>
       <p:ext uri="{BB962C8B-B14F-4D97-AF65-F5344CB8AC3E}">
-        <p14:creationId xmlns:p14="http://schemas.microsoft.com/office/powerpoint/2010/main" val="2443732759"/>
+        <p14:creationId xmlns:p14="http://schemas.microsoft.com/office/powerpoint/2010/main" val="233100598"/>
       </p:ext>
     </p:extLst>
   </p:cSld>
@@ -5034,7 +4269,7 @@
     </p:spTree>
     <p:extLst>
       <p:ext uri="{BB962C8B-B14F-4D97-AF65-F5344CB8AC3E}">
-        <p14:creationId xmlns:p14="http://schemas.microsoft.com/office/powerpoint/2010/main" val="233100598"/>
+        <p14:creationId xmlns:p14="http://schemas.microsoft.com/office/powerpoint/2010/main" val="968245839"/>
       </p:ext>
     </p:extLst>
   </p:cSld>
@@ -5123,7 +4358,7 @@
     </p:spTree>
     <p:extLst>
       <p:ext uri="{BB962C8B-B14F-4D97-AF65-F5344CB8AC3E}">
-        <p14:creationId xmlns:p14="http://schemas.microsoft.com/office/powerpoint/2010/main" val="968245839"/>
+        <p14:creationId xmlns:p14="http://schemas.microsoft.com/office/powerpoint/2010/main" val="845993492"/>
       </p:ext>
     </p:extLst>
   </p:cSld>
@@ -5201,95 +4436,6 @@
           <a:bodyPr/>
           <a:lstStyle/>
           <a:p>
-            <a:fld id="{F19E9337-0361-41F3-9C17-1F4FFD1214BA}" type="slidenum">
-              <a:rPr lang="en-US" smtClean="0"/>
-              <a:t>20</a:t>
-            </a:fld>
-            <a:endParaRPr lang="en-US" dirty="0"/>
-          </a:p>
-        </p:txBody>
-      </p:sp>
-    </p:spTree>
-    <p:extLst>
-      <p:ext uri="{BB962C8B-B14F-4D97-AF65-F5344CB8AC3E}">
-        <p14:creationId xmlns:p14="http://schemas.microsoft.com/office/powerpoint/2010/main" val="845993492"/>
-      </p:ext>
-    </p:extLst>
-  </p:cSld>
-  <p:clrMapOvr>
-    <a:masterClrMapping/>
-  </p:clrMapOvr>
-</p:notes>
-</file>
-
-<file path=ppt/notesSlides/notesSlide17.xml><?xml version="1.0" encoding="utf-8"?>
-<p:notes xmlns:a="http://schemas.openxmlformats.org/drawingml/2006/main" xmlns:r="http://schemas.openxmlformats.org/officeDocument/2006/relationships" xmlns:p="http://schemas.openxmlformats.org/presentationml/2006/main">
-  <p:cSld>
-    <p:spTree>
-      <p:nvGrpSpPr>
-        <p:cNvPr id="1" name=""/>
-        <p:cNvGrpSpPr/>
-        <p:nvPr/>
-      </p:nvGrpSpPr>
-      <p:grpSpPr>
-        <a:xfrm>
-          <a:off x="0" y="0"/>
-          <a:ext cx="0" cy="0"/>
-          <a:chOff x="0" y="0"/>
-          <a:chExt cx="0" cy="0"/>
-        </a:xfrm>
-      </p:grpSpPr>
-      <p:sp>
-        <p:nvSpPr>
-          <p:cNvPr id="2" name="Slide Image Placeholder 1"/>
-          <p:cNvSpPr>
-            <a:spLocks noGrp="1" noRot="1" noChangeAspect="1"/>
-          </p:cNvSpPr>
-          <p:nvPr>
-            <p:ph type="sldImg"/>
-          </p:nvPr>
-        </p:nvSpPr>
-        <p:spPr>
-          <a:xfrm>
-            <a:off x="3914775" y="73025"/>
-            <a:ext cx="3289300" cy="1851025"/>
-          </a:xfrm>
-        </p:spPr>
-      </p:sp>
-      <p:sp>
-        <p:nvSpPr>
-          <p:cNvPr id="3" name="Notes Placeholder 2"/>
-          <p:cNvSpPr>
-            <a:spLocks noGrp="1"/>
-          </p:cNvSpPr>
-          <p:nvPr>
-            <p:ph type="body" idx="1"/>
-          </p:nvPr>
-        </p:nvSpPr>
-        <p:spPr/>
-        <p:txBody>
-          <a:bodyPr/>
-          <a:lstStyle/>
-          <a:p>
-            <a:endParaRPr lang="en-US"/>
-          </a:p>
-        </p:txBody>
-      </p:sp>
-      <p:sp>
-        <p:nvSpPr>
-          <p:cNvPr id="4" name="Slide Number Placeholder 3"/>
-          <p:cNvSpPr>
-            <a:spLocks noGrp="1"/>
-          </p:cNvSpPr>
-          <p:nvPr>
-            <p:ph type="sldNum" sz="quarter" idx="10"/>
-          </p:nvPr>
-        </p:nvSpPr>
-        <p:spPr/>
-        <p:txBody>
-          <a:bodyPr/>
-          <a:lstStyle/>
-          <a:p>
             <a:pPr marL="0" marR="0" lvl="0" indent="0" algn="r" defTabSz="914400" rtl="0" eaLnBrk="1" fontAlgn="base" latinLnBrk="0" hangingPunct="1">
               <a:lnSpc>
                 <a:spcPct val="100000"/>
@@ -5339,7 +4485,7 @@
                 <a:tabLst/>
                 <a:defRPr/>
               </a:pPr>
-              <a:t>21</a:t>
+              <a:t>20</a:t>
             </a:fld>
             <a:endParaRPr kumimoji="0" lang="en-US" sz="1200" b="1" i="0" u="none" strike="noStrike" kern="1200" cap="none" spc="0" normalizeH="0" baseline="0" noProof="0" dirty="0">
               <a:ln>
@@ -5371,7 +4517,7 @@
 </p:notes>
 </file>
 
-<file path=ppt/notesSlides/notesSlide18.xml><?xml version="1.0" encoding="utf-8"?>
+<file path=ppt/notesSlides/notesSlide17.xml><?xml version="1.0" encoding="utf-8"?>
 <p:notes xmlns:a="http://schemas.openxmlformats.org/drawingml/2006/main" xmlns:r="http://schemas.openxmlformats.org/officeDocument/2006/relationships" xmlns:p="http://schemas.openxmlformats.org/presentationml/2006/main">
   <p:cSld>
     <p:spTree>
@@ -5462,7 +4608,7 @@
           <a:p>
             <a:fld id="{EA2B2ED8-C573-45EF-BF68-CEC19505703A}" type="datetime8">
               <a:rPr lang="en-US" smtClean="0"/>
-              <a:t>5/16/2018 2:51 PM</a:t>
+              <a:t>5/22/2018 4:02 AM</a:t>
             </a:fld>
             <a:endParaRPr lang="en-US" dirty="0"/>
           </a:p>
@@ -5494,7 +4640,7 @@
             <a:fld id="{8B263312-38AA-4E1E-B2B5-0F8F122B24FE}" type="slidenum">
               <a:rPr lang="en-US" smtClean="0"/>
               <a:pPr/>
-              <a:t>23</a:t>
+              <a:t>22</a:t>
             </a:fld>
             <a:endParaRPr lang="en-US" dirty="0"/>
           </a:p>
@@ -5561,6 +4707,176 @@
     <p:extLst>
       <p:ext uri="{BB962C8B-B14F-4D97-AF65-F5344CB8AC3E}">
         <p14:creationId xmlns:p14="http://schemas.microsoft.com/office/powerpoint/2010/main" val="942590685"/>
+      </p:ext>
+    </p:extLst>
+  </p:cSld>
+  <p:clrMapOvr>
+    <a:masterClrMapping/>
+  </p:clrMapOvr>
+</p:notes>
+</file>
+
+<file path=ppt/notesSlides/notesSlide18.xml><?xml version="1.0" encoding="utf-8"?>
+<p:notes xmlns:a="http://schemas.openxmlformats.org/drawingml/2006/main" xmlns:r="http://schemas.openxmlformats.org/officeDocument/2006/relationships" xmlns:p="http://schemas.openxmlformats.org/presentationml/2006/main">
+  <p:cSld>
+    <p:spTree>
+      <p:nvGrpSpPr>
+        <p:cNvPr id="1" name=""/>
+        <p:cNvGrpSpPr/>
+        <p:nvPr/>
+      </p:nvGrpSpPr>
+      <p:grpSpPr>
+        <a:xfrm>
+          <a:off x="0" y="0"/>
+          <a:ext cx="0" cy="0"/>
+          <a:chOff x="0" y="0"/>
+          <a:chExt cx="0" cy="0"/>
+        </a:xfrm>
+      </p:grpSpPr>
+      <p:sp>
+        <p:nvSpPr>
+          <p:cNvPr id="2" name="Slide Image Placeholder 1"/>
+          <p:cNvSpPr>
+            <a:spLocks noGrp="1" noRot="1" noChangeAspect="1"/>
+          </p:cNvSpPr>
+          <p:nvPr>
+            <p:ph type="sldImg"/>
+          </p:nvPr>
+        </p:nvSpPr>
+        <p:spPr>
+          <a:xfrm>
+            <a:off x="3914775" y="73025"/>
+            <a:ext cx="3289300" cy="1851025"/>
+          </a:xfrm>
+        </p:spPr>
+      </p:sp>
+      <p:sp>
+        <p:nvSpPr>
+          <p:cNvPr id="3" name="Notes Placeholder 2"/>
+          <p:cNvSpPr>
+            <a:spLocks noGrp="1"/>
+          </p:cNvSpPr>
+          <p:nvPr>
+            <p:ph type="body" idx="1"/>
+          </p:nvPr>
+        </p:nvSpPr>
+        <p:spPr/>
+        <p:txBody>
+          <a:bodyPr/>
+          <a:lstStyle/>
+          <a:p>
+            <a:endParaRPr lang="en-US" dirty="0"/>
+          </a:p>
+        </p:txBody>
+      </p:sp>
+      <p:sp>
+        <p:nvSpPr>
+          <p:cNvPr id="4" name="Header Placeholder 3"/>
+          <p:cNvSpPr>
+            <a:spLocks noGrp="1"/>
+          </p:cNvSpPr>
+          <p:nvPr>
+            <p:ph type="hdr" sz="quarter" idx="10"/>
+          </p:nvPr>
+        </p:nvSpPr>
+        <p:spPr/>
+        <p:txBody>
+          <a:bodyPr/>
+          <a:lstStyle/>
+          <a:p>
+            <a:endParaRPr lang="en-US" dirty="0"/>
+          </a:p>
+        </p:txBody>
+      </p:sp>
+      <p:sp>
+        <p:nvSpPr>
+          <p:cNvPr id="5" name="Footer Placeholder 4"/>
+          <p:cNvSpPr>
+            <a:spLocks noGrp="1"/>
+          </p:cNvSpPr>
+          <p:nvPr>
+            <p:ph type="ftr" sz="quarter" idx="11"/>
+          </p:nvPr>
+        </p:nvSpPr>
+        <p:spPr/>
+        <p:txBody>
+          <a:bodyPr/>
+          <a:lstStyle/>
+          <a:p>
+            <a:pPr defTabSz="914099" eaLnBrk="0" hangingPunct="0"/>
+            <a:r>
+              <a:rPr lang="en-US" sz="400" dirty="0">
+                <a:gradFill>
+                  <a:gsLst>
+                    <a:gs pos="0">
+                      <a:prstClr val="black"/>
+                    </a:gs>
+                    <a:gs pos="100000">
+                      <a:prstClr val="black"/>
+                    </a:gs>
+                  </a:gsLst>
+                  <a:lin ang="5400000" scaled="0"/>
+                </a:gradFill>
+                <a:latin typeface="Segoe UI" pitchFamily="34" charset="0"/>
+                <a:ea typeface="Segoe UI" pitchFamily="34" charset="0"/>
+                <a:cs typeface="Segoe UI" pitchFamily="34" charset="0"/>
+              </a:rPr>
+              <a:t>© 2014 Microsoft Corporation. All rights reserved. MICROSOFT MAKES NO WARRANTIES, EXPRESS, IMPLIED OR STATUTORY, AS TO THE INFORMATION IN THIS PRESENTATION.</a:t>
+            </a:r>
+          </a:p>
+        </p:txBody>
+      </p:sp>
+      <p:sp>
+        <p:nvSpPr>
+          <p:cNvPr id="6" name="Date Placeholder 5"/>
+          <p:cNvSpPr>
+            <a:spLocks noGrp="1"/>
+          </p:cNvSpPr>
+          <p:nvPr>
+            <p:ph type="dt" idx="12"/>
+          </p:nvPr>
+        </p:nvSpPr>
+        <p:spPr/>
+        <p:txBody>
+          <a:bodyPr/>
+          <a:lstStyle/>
+          <a:p>
+            <a:fld id="{90EC29EE-A8AD-4CE0-9C0B-116E0D4D7533}" type="datetime8">
+              <a:rPr lang="en-US" smtClean="0"/>
+              <a:t>5/22/2018 4:02 AM</a:t>
+            </a:fld>
+            <a:endParaRPr lang="en-US" dirty="0"/>
+          </a:p>
+        </p:txBody>
+      </p:sp>
+      <p:sp>
+        <p:nvSpPr>
+          <p:cNvPr id="7" name="Slide Number Placeholder 6"/>
+          <p:cNvSpPr>
+            <a:spLocks noGrp="1"/>
+          </p:cNvSpPr>
+          <p:nvPr>
+            <p:ph type="sldNum" sz="quarter" idx="13"/>
+          </p:nvPr>
+        </p:nvSpPr>
+        <p:spPr/>
+        <p:txBody>
+          <a:bodyPr/>
+          <a:lstStyle/>
+          <a:p>
+            <a:fld id="{B4008EB6-D09E-4580-8CD6-DDB14511944F}" type="slidenum">
+              <a:rPr lang="en-US" smtClean="0"/>
+              <a:pPr/>
+              <a:t>23</a:t>
+            </a:fld>
+            <a:endParaRPr lang="en-US" dirty="0"/>
+          </a:p>
+        </p:txBody>
+      </p:sp>
+    </p:spTree>
+    <p:extLst>
+      <p:ext uri="{BB962C8B-B14F-4D97-AF65-F5344CB8AC3E}">
+        <p14:creationId xmlns:p14="http://schemas.microsoft.com/office/powerpoint/2010/main" val="165917018"/>
       </p:ext>
     </p:extLst>
   </p:cSld>
@@ -5619,18 +4935,18 @@
           <a:bodyPr/>
           <a:lstStyle/>
           <a:p>
-            <a:endParaRPr lang="en-US" dirty="0"/>
+            <a:endParaRPr lang="en-US"/>
           </a:p>
         </p:txBody>
       </p:sp>
       <p:sp>
         <p:nvSpPr>
-          <p:cNvPr id="4" name="Header Placeholder 3"/>
+          <p:cNvPr id="4" name="Slide Number Placeholder 3"/>
           <p:cNvSpPr>
             <a:spLocks noGrp="1"/>
           </p:cNvSpPr>
           <p:nvPr>
-            <p:ph type="hdr" sz="quarter" idx="10"/>
+            <p:ph type="sldNum" sz="quarter" idx="10"/>
           </p:nvPr>
         </p:nvSpPr>
         <p:spPr/>
@@ -5638,89 +4954,8 @@
           <a:bodyPr/>
           <a:lstStyle/>
           <a:p>
-            <a:endParaRPr lang="en-US" dirty="0"/>
-          </a:p>
-        </p:txBody>
-      </p:sp>
-      <p:sp>
-        <p:nvSpPr>
-          <p:cNvPr id="5" name="Footer Placeholder 4"/>
-          <p:cNvSpPr>
-            <a:spLocks noGrp="1"/>
-          </p:cNvSpPr>
-          <p:nvPr>
-            <p:ph type="ftr" sz="quarter" idx="11"/>
-          </p:nvPr>
-        </p:nvSpPr>
-        <p:spPr/>
-        <p:txBody>
-          <a:bodyPr/>
-          <a:lstStyle/>
-          <a:p>
-            <a:pPr defTabSz="914099" eaLnBrk="0" hangingPunct="0"/>
-            <a:r>
-              <a:rPr lang="en-US" sz="400" dirty="0">
-                <a:gradFill>
-                  <a:gsLst>
-                    <a:gs pos="0">
-                      <a:prstClr val="black"/>
-                    </a:gs>
-                    <a:gs pos="100000">
-                      <a:prstClr val="black"/>
-                    </a:gs>
-                  </a:gsLst>
-                  <a:lin ang="5400000" scaled="0"/>
-                </a:gradFill>
-                <a:latin typeface="Segoe UI" pitchFamily="34" charset="0"/>
-                <a:ea typeface="Segoe UI" pitchFamily="34" charset="0"/>
-                <a:cs typeface="Segoe UI" pitchFamily="34" charset="0"/>
-              </a:rPr>
-              <a:t>© 2014 Microsoft Corporation. All rights reserved. MICROSOFT MAKES NO WARRANTIES, EXPRESS, IMPLIED OR STATUTORY, AS TO THE INFORMATION IN THIS PRESENTATION.</a:t>
-            </a:r>
-          </a:p>
-        </p:txBody>
-      </p:sp>
-      <p:sp>
-        <p:nvSpPr>
-          <p:cNvPr id="6" name="Date Placeholder 5"/>
-          <p:cNvSpPr>
-            <a:spLocks noGrp="1"/>
-          </p:cNvSpPr>
-          <p:nvPr>
-            <p:ph type="dt" idx="12"/>
-          </p:nvPr>
-        </p:nvSpPr>
-        <p:spPr/>
-        <p:txBody>
-          <a:bodyPr/>
-          <a:lstStyle/>
-          <a:p>
-            <a:fld id="{90EC29EE-A8AD-4CE0-9C0B-116E0D4D7533}" type="datetime8">
+            <a:fld id="{F19E9337-0361-41F3-9C17-1F4FFD1214BA}" type="slidenum">
               <a:rPr lang="en-US" smtClean="0"/>
-              <a:t>5/16/2018 2:51 PM</a:t>
-            </a:fld>
-            <a:endParaRPr lang="en-US" dirty="0"/>
-          </a:p>
-        </p:txBody>
-      </p:sp>
-      <p:sp>
-        <p:nvSpPr>
-          <p:cNvPr id="7" name="Slide Number Placeholder 6"/>
-          <p:cNvSpPr>
-            <a:spLocks noGrp="1"/>
-          </p:cNvSpPr>
-          <p:nvPr>
-            <p:ph type="sldNum" sz="quarter" idx="13"/>
-          </p:nvPr>
-        </p:nvSpPr>
-        <p:spPr/>
-        <p:txBody>
-          <a:bodyPr/>
-          <a:lstStyle/>
-          <a:p>
-            <a:fld id="{B4008EB6-D09E-4580-8CD6-DDB14511944F}" type="slidenum">
-              <a:rPr lang="en-US" smtClean="0"/>
-              <a:pPr/>
               <a:t>24</a:t>
             </a:fld>
             <a:endParaRPr lang="en-US" dirty="0"/>
@@ -5730,7 +4965,7 @@
     </p:spTree>
     <p:extLst>
       <p:ext uri="{BB962C8B-B14F-4D97-AF65-F5344CB8AC3E}">
-        <p14:creationId xmlns:p14="http://schemas.microsoft.com/office/powerpoint/2010/main" val="165917018"/>
+        <p14:creationId xmlns:p14="http://schemas.microsoft.com/office/powerpoint/2010/main" val="2177730033"/>
       </p:ext>
     </p:extLst>
   </p:cSld>
@@ -6665,7 +5900,7 @@
     </p:spTree>
     <p:extLst>
       <p:ext uri="{BB962C8B-B14F-4D97-AF65-F5344CB8AC3E}">
-        <p14:creationId xmlns:p14="http://schemas.microsoft.com/office/powerpoint/2010/main" val="2177730033"/>
+        <p14:creationId xmlns:p14="http://schemas.microsoft.com/office/powerpoint/2010/main" val="1403509731"/>
       </p:ext>
     </p:extLst>
   </p:cSld>
@@ -6730,12 +5965,12 @@
       </p:sp>
       <p:sp>
         <p:nvSpPr>
-          <p:cNvPr id="4" name="Header Placeholder 3"/>
+          <p:cNvPr id="4" name="Slide Number Placeholder 3"/>
           <p:cNvSpPr>
             <a:spLocks noGrp="1"/>
           </p:cNvSpPr>
           <p:nvPr>
-            <p:ph type="hdr" sz="quarter" idx="10"/>
+            <p:ph type="sldNum" sz="quarter" idx="10"/>
           </p:nvPr>
         </p:nvSpPr>
         <p:spPr/>
@@ -6743,105 +5978,8 @@
           <a:bodyPr/>
           <a:lstStyle/>
           <a:p>
-            <a:endParaRPr lang="en-US" dirty="0"/>
-          </a:p>
-        </p:txBody>
-      </p:sp>
-      <p:sp>
-        <p:nvSpPr>
-          <p:cNvPr id="5" name="Footer Placeholder 4"/>
-          <p:cNvSpPr>
-            <a:spLocks noGrp="1"/>
-          </p:cNvSpPr>
-          <p:nvPr>
-            <p:ph type="ftr" sz="quarter" idx="11"/>
-          </p:nvPr>
-        </p:nvSpPr>
-        <p:spPr/>
-        <p:txBody>
-          <a:bodyPr/>
-          <a:lstStyle/>
-          <a:p>
-            <a:pPr defTabSz="914099" eaLnBrk="0" hangingPunct="0"/>
-            <a:r>
-              <a:rPr lang="en-US" sz="400">
-                <a:gradFill>
-                  <a:gsLst>
-                    <a:gs pos="0">
-                      <a:prstClr val="black"/>
-                    </a:gs>
-                    <a:gs pos="100000">
-                      <a:prstClr val="black"/>
-                    </a:gs>
-                  </a:gsLst>
-                  <a:lin ang="5400000" scaled="0"/>
-                </a:gradFill>
-                <a:latin typeface="Segoe UI" pitchFamily="34" charset="0"/>
-                <a:ea typeface="Segoe UI" pitchFamily="34" charset="0"/>
-                <a:cs typeface="Segoe UI" pitchFamily="34" charset="0"/>
-              </a:rPr>
-              <a:t>© 2014 Microsoft Corporation. All rights reserved. MICROSOFT MAKES NO WARRANTIES, EXPRESS, IMPLIED OR STATUTORY, AS TO THE INFORMATION IN THIS PRESENTATION.</a:t>
-            </a:r>
-            <a:endParaRPr lang="en-US" sz="400" dirty="0">
-              <a:gradFill>
-                <a:gsLst>
-                  <a:gs pos="0">
-                    <a:prstClr val="black"/>
-                  </a:gs>
-                  <a:gs pos="100000">
-                    <a:prstClr val="black"/>
-                  </a:gs>
-                </a:gsLst>
-                <a:lin ang="5400000" scaled="0"/>
-              </a:gradFill>
-              <a:latin typeface="Segoe UI" pitchFamily="34" charset="0"/>
-              <a:ea typeface="Segoe UI" pitchFamily="34" charset="0"/>
-              <a:cs typeface="Segoe UI" pitchFamily="34" charset="0"/>
-            </a:endParaRPr>
-          </a:p>
-        </p:txBody>
-      </p:sp>
-      <p:sp>
-        <p:nvSpPr>
-          <p:cNvPr id="6" name="Date Placeholder 5"/>
-          <p:cNvSpPr>
-            <a:spLocks noGrp="1"/>
-          </p:cNvSpPr>
-          <p:nvPr>
-            <p:ph type="dt" idx="12"/>
-          </p:nvPr>
-        </p:nvSpPr>
-        <p:spPr/>
-        <p:txBody>
-          <a:bodyPr/>
-          <a:lstStyle/>
-          <a:p>
-            <a:fld id="{38EEC551-8CDA-4EB6-89BB-2A86C9F091C8}" type="datetime8">
+            <a:fld id="{F19E9337-0361-41F3-9C17-1F4FFD1214BA}" type="slidenum">
               <a:rPr lang="en-US" smtClean="0"/>
-              <a:t>5/16/2018 2:51 PM</a:t>
-            </a:fld>
-            <a:endParaRPr lang="en-US" dirty="0"/>
-          </a:p>
-        </p:txBody>
-      </p:sp>
-      <p:sp>
-        <p:nvSpPr>
-          <p:cNvPr id="7" name="Slide Number Placeholder 6"/>
-          <p:cNvSpPr>
-            <a:spLocks noGrp="1"/>
-          </p:cNvSpPr>
-          <p:nvPr>
-            <p:ph type="sldNum" sz="quarter" idx="13"/>
-          </p:nvPr>
-        </p:nvSpPr>
-        <p:spPr/>
-        <p:txBody>
-          <a:bodyPr/>
-          <a:lstStyle/>
-          <a:p>
-            <a:fld id="{B4008EB6-D09E-4580-8CD6-DDB14511944F}" type="slidenum">
-              <a:rPr lang="en-US" smtClean="0"/>
-              <a:pPr/>
               <a:t>26</a:t>
             </a:fld>
             <a:endParaRPr lang="en-US" dirty="0"/>
@@ -6851,7 +5989,7 @@
     </p:spTree>
     <p:extLst>
       <p:ext uri="{BB962C8B-B14F-4D97-AF65-F5344CB8AC3E}">
-        <p14:creationId xmlns:p14="http://schemas.microsoft.com/office/powerpoint/2010/main" val="2275948589"/>
+        <p14:creationId xmlns:p14="http://schemas.microsoft.com/office/powerpoint/2010/main" val="1170603692"/>
       </p:ext>
     </p:extLst>
   </p:cSld>
@@ -6940,7 +6078,7 @@
     </p:spTree>
     <p:extLst>
       <p:ext uri="{BB962C8B-B14F-4D97-AF65-F5344CB8AC3E}">
-        <p14:creationId xmlns:p14="http://schemas.microsoft.com/office/powerpoint/2010/main" val="1403509731"/>
+        <p14:creationId xmlns:p14="http://schemas.microsoft.com/office/powerpoint/2010/main" val="2038021626"/>
       </p:ext>
     </p:extLst>
   </p:cSld>
@@ -7018,18 +6156,78 @@
           <a:bodyPr/>
           <a:lstStyle/>
           <a:p>
+            <a:pPr marL="0" marR="0" lvl="0" indent="0" algn="r" defTabSz="914400" rtl="0" eaLnBrk="1" fontAlgn="base" latinLnBrk="0" hangingPunct="1">
+              <a:lnSpc>
+                <a:spcPct val="100000"/>
+              </a:lnSpc>
+              <a:spcBef>
+                <a:spcPct val="0"/>
+              </a:spcBef>
+              <a:spcAft>
+                <a:spcPct val="0"/>
+              </a:spcAft>
+              <a:buClrTx/>
+              <a:buSzTx/>
+              <a:buFontTx/>
+              <a:buNone/>
+              <a:tabLst/>
+              <a:defRPr/>
+            </a:pPr>
             <a:fld id="{F19E9337-0361-41F3-9C17-1F4FFD1214BA}" type="slidenum">
-              <a:rPr lang="en-US" smtClean="0"/>
+              <a:rPr kumimoji="0" lang="en-US" sz="1200" b="1" i="0" u="none" strike="noStrike" kern="1200" cap="none" spc="0" normalizeH="0" baseline="0" noProof="0" smtClean="0">
+                <a:ln>
+                  <a:noFill/>
+                </a:ln>
+                <a:solidFill>
+                  <a:prstClr val="black"/>
+                </a:solidFill>
+                <a:effectLst/>
+                <a:uLnTx/>
+                <a:uFillTx/>
+                <a:latin typeface="Verdana" pitchFamily="34" charset="0"/>
+                <a:ea typeface="+mn-ea"/>
+                <a:cs typeface="Arial" charset="0"/>
+              </a:rPr>
+              <a:pPr marL="0" marR="0" lvl="0" indent="0" algn="r" defTabSz="914400" rtl="0" eaLnBrk="1" fontAlgn="base" latinLnBrk="0" hangingPunct="1">
+                <a:lnSpc>
+                  <a:spcPct val="100000"/>
+                </a:lnSpc>
+                <a:spcBef>
+                  <a:spcPct val="0"/>
+                </a:spcBef>
+                <a:spcAft>
+                  <a:spcPct val="0"/>
+                </a:spcAft>
+                <a:buClrTx/>
+                <a:buSzTx/>
+                <a:buFontTx/>
+                <a:buNone/>
+                <a:tabLst/>
+                <a:defRPr/>
+              </a:pPr>
               <a:t>28</a:t>
             </a:fld>
-            <a:endParaRPr lang="en-US" dirty="0"/>
+            <a:endParaRPr kumimoji="0" lang="en-US" sz="1200" b="1" i="0" u="none" strike="noStrike" kern="1200" cap="none" spc="0" normalizeH="0" baseline="0" noProof="0" dirty="0">
+              <a:ln>
+                <a:noFill/>
+              </a:ln>
+              <a:solidFill>
+                <a:prstClr val="black"/>
+              </a:solidFill>
+              <a:effectLst/>
+              <a:uLnTx/>
+              <a:uFillTx/>
+              <a:latin typeface="Verdana" pitchFamily="34" charset="0"/>
+              <a:ea typeface="+mn-ea"/>
+              <a:cs typeface="Arial" charset="0"/>
+            </a:endParaRPr>
           </a:p>
         </p:txBody>
       </p:sp>
     </p:spTree>
     <p:extLst>
       <p:ext uri="{BB962C8B-B14F-4D97-AF65-F5344CB8AC3E}">
-        <p14:creationId xmlns:p14="http://schemas.microsoft.com/office/powerpoint/2010/main" val="1170603692"/>
+        <p14:creationId xmlns:p14="http://schemas.microsoft.com/office/powerpoint/2010/main" val="2675351196"/>
       </p:ext>
     </p:extLst>
   </p:cSld>
@@ -7088,94 +6286,217 @@
           <a:bodyPr/>
           <a:lstStyle/>
           <a:p>
+            <a:r>
+              <a:rPr lang="en-US" dirty="0"/>
+              <a:t>Desired Outcome: Prepare for your meeting with Dan and report to the class how you will address the following questions: </a:t>
+            </a:r>
+          </a:p>
+          <a:p>
+            <a:endParaRPr lang="en-US" dirty="0"/>
+          </a:p>
+          <a:p>
+            <a:r>
+              <a:rPr lang="en-US" dirty="0"/>
+              <a:t>What services would you use to monitor and scale the application front end?</a:t>
+            </a:r>
+          </a:p>
+          <a:p>
+            <a:r>
+              <a:rPr lang="en-US" dirty="0"/>
+              <a:t>What services would you use to monitor and scale the SQL Database? </a:t>
+            </a:r>
+          </a:p>
+          <a:p>
+            <a:r>
+              <a:rPr lang="en-US" dirty="0"/>
+              <a:t>What alerts will need to be configured?</a:t>
+            </a:r>
+          </a:p>
+          <a:p>
+            <a:r>
+              <a:rPr lang="en-US" dirty="0"/>
+              <a:t>What automation should be put in place to make sure there is not configuration drift?</a:t>
+            </a:r>
+          </a:p>
+          <a:p>
+            <a:r>
+              <a:rPr lang="en-US" dirty="0"/>
+              <a:t>What foreseeable challenges do you think you need to discuss in your first meeting with Dan?</a:t>
+            </a:r>
+          </a:p>
+          <a:p>
+            <a:endParaRPr lang="en-US" dirty="0"/>
+          </a:p>
+          <a:p>
+            <a:r>
+              <a:rPr lang="en-US" dirty="0"/>
+              <a:t>Cost</a:t>
+            </a:r>
+          </a:p>
+          <a:p>
+            <a:r>
+              <a:rPr lang="en-US" dirty="0"/>
+              <a:t>Cloud compatibility</a:t>
+            </a:r>
+          </a:p>
+          <a:p>
+            <a:r>
+              <a:rPr lang="en-US" dirty="0"/>
+              <a:t>data volume</a:t>
+            </a:r>
+          </a:p>
+          <a:p>
+            <a:r>
+              <a:rPr lang="en-US" dirty="0"/>
+              <a:t>data growth</a:t>
+            </a:r>
+          </a:p>
+          <a:p>
+            <a:r>
+              <a:rPr lang="en-US" dirty="0"/>
+              <a:t>how application was built</a:t>
+            </a:r>
+          </a:p>
+          <a:p>
+            <a:r>
+              <a:rPr lang="en-US" dirty="0" err="1"/>
+              <a:t>sla</a:t>
+            </a:r>
+            <a:r>
+              <a:rPr lang="en-US" dirty="0"/>
+              <a:t> RTO, RPO</a:t>
+            </a:r>
+          </a:p>
+          <a:p>
+            <a:endParaRPr lang="en-US" dirty="0"/>
+          </a:p>
+          <a:p>
+            <a:r>
+              <a:rPr lang="en-US" dirty="0"/>
+              <a:t>State of </a:t>
+            </a:r>
+            <a:r>
+              <a:rPr lang="en-US" dirty="0" err="1"/>
+              <a:t>devops</a:t>
+            </a:r>
+            <a:r>
+              <a:rPr lang="en-US" dirty="0"/>
+              <a:t> pipeline</a:t>
+            </a:r>
+          </a:p>
+          <a:p>
+            <a:r>
+              <a:rPr lang="en-US" dirty="0"/>
+              <a:t>code coverage in testing</a:t>
+            </a:r>
+          </a:p>
+          <a:p>
+            <a:r>
+              <a:rPr lang="en-US" dirty="0" err="1"/>
+              <a:t>golive</a:t>
+            </a:r>
+            <a:r>
+              <a:rPr lang="en-US" dirty="0"/>
+              <a:t>?</a:t>
+            </a:r>
+          </a:p>
+          <a:p>
+            <a:r>
+              <a:rPr lang="en-US" dirty="0"/>
+              <a:t>performance requirements</a:t>
+            </a:r>
+          </a:p>
+          <a:p>
+            <a:r>
+              <a:rPr lang="en-US" dirty="0"/>
+              <a:t>availability</a:t>
+            </a:r>
+          </a:p>
+          <a:p>
+            <a:r>
+              <a:rPr lang="en-US" dirty="0"/>
+              <a:t>current/startup capacity </a:t>
+            </a:r>
+          </a:p>
+          <a:p>
+            <a:endParaRPr lang="en-US" dirty="0"/>
+          </a:p>
+          <a:p>
+            <a:r>
+              <a:rPr lang="en-US" dirty="0" err="1"/>
+              <a:t>Securty</a:t>
+            </a:r>
+            <a:r>
+              <a:rPr lang="en-US" dirty="0"/>
+              <a:t> </a:t>
+            </a:r>
+            <a:r>
+              <a:rPr lang="en-US" dirty="0" err="1"/>
+              <a:t>REquiremetns</a:t>
+            </a:r>
+            <a:endParaRPr lang="en-US" dirty="0"/>
+          </a:p>
+          <a:p>
+            <a:r>
+              <a:rPr lang="en-US" dirty="0"/>
+              <a:t> Endpoint, authentication, type of connections, federation</a:t>
+            </a:r>
+          </a:p>
+          <a:p>
+            <a:endParaRPr lang="en-US" dirty="0"/>
+          </a:p>
+          <a:p>
+            <a:r>
+              <a:rPr lang="en-US" dirty="0"/>
+              <a:t>Data movement</a:t>
+            </a:r>
+          </a:p>
+          <a:p>
+            <a:endParaRPr lang="en-US" dirty="0"/>
+          </a:p>
+          <a:p>
+            <a:r>
+              <a:rPr lang="en-US" dirty="0"/>
+              <a:t>Where are the customers?</a:t>
+            </a:r>
+          </a:p>
+          <a:p>
+            <a:endParaRPr lang="en-US" dirty="0"/>
+          </a:p>
+          <a:p>
+            <a:r>
+              <a:rPr lang="en-US" dirty="0"/>
+              <a:t>What are </a:t>
+            </a:r>
+            <a:r>
+              <a:rPr lang="en-US" dirty="0" err="1"/>
+              <a:t>teh</a:t>
+            </a:r>
+            <a:r>
+              <a:rPr lang="en-US" dirty="0"/>
+              <a:t> teams (QA, UAT, Pre-prod, </a:t>
+            </a:r>
+            <a:r>
+              <a:rPr lang="en-US" dirty="0" err="1"/>
+              <a:t>etc</a:t>
+            </a:r>
+            <a:r>
+              <a:rPr lang="en-US" dirty="0"/>
+              <a:t>)</a:t>
+            </a:r>
+          </a:p>
+          <a:p>
+            <a:endParaRPr lang="en-US" dirty="0"/>
+          </a:p>
+          <a:p>
+            <a:r>
+              <a:rPr lang="en-US" dirty="0"/>
+              <a:t>Backup and recovery</a:t>
+            </a:r>
+          </a:p>
+          <a:p>
             <a:endParaRPr lang="en-US"/>
           </a:p>
-        </p:txBody>
-      </p:sp>
-      <p:sp>
-        <p:nvSpPr>
-          <p:cNvPr id="4" name="Slide Number Placeholder 3"/>
-          <p:cNvSpPr>
-            <a:spLocks noGrp="1"/>
-          </p:cNvSpPr>
-          <p:nvPr>
-            <p:ph type="sldNum" sz="quarter" idx="10"/>
-          </p:nvPr>
-        </p:nvSpPr>
-        <p:spPr/>
-        <p:txBody>
-          <a:bodyPr/>
-          <a:lstStyle/>
-          <a:p>
-            <a:fld id="{F19E9337-0361-41F3-9C17-1F4FFD1214BA}" type="slidenum">
-              <a:rPr lang="en-US" smtClean="0"/>
-              <a:t>29</a:t>
-            </a:fld>
-            <a:endParaRPr lang="en-US" dirty="0"/>
-          </a:p>
-        </p:txBody>
-      </p:sp>
-    </p:spTree>
-    <p:extLst>
-      <p:ext uri="{BB962C8B-B14F-4D97-AF65-F5344CB8AC3E}">
-        <p14:creationId xmlns:p14="http://schemas.microsoft.com/office/powerpoint/2010/main" val="2038021626"/>
-      </p:ext>
-    </p:extLst>
-  </p:cSld>
-  <p:clrMapOvr>
-    <a:masterClrMapping/>
-  </p:clrMapOvr>
-</p:notes>
-</file>
-
-<file path=ppt/notesSlides/notesSlide25.xml><?xml version="1.0" encoding="utf-8"?>
-<p:notes xmlns:a="http://schemas.openxmlformats.org/drawingml/2006/main" xmlns:r="http://schemas.openxmlformats.org/officeDocument/2006/relationships" xmlns:p="http://schemas.openxmlformats.org/presentationml/2006/main">
-  <p:cSld>
-    <p:spTree>
-      <p:nvGrpSpPr>
-        <p:cNvPr id="1" name=""/>
-        <p:cNvGrpSpPr/>
-        <p:nvPr/>
-      </p:nvGrpSpPr>
-      <p:grpSpPr>
-        <a:xfrm>
-          <a:off x="0" y="0"/>
-          <a:ext cx="0" cy="0"/>
-          <a:chOff x="0" y="0"/>
-          <a:chExt cx="0" cy="0"/>
-        </a:xfrm>
-      </p:grpSpPr>
-      <p:sp>
-        <p:nvSpPr>
-          <p:cNvPr id="2" name="Slide Image Placeholder 1"/>
-          <p:cNvSpPr>
-            <a:spLocks noGrp="1" noRot="1" noChangeAspect="1"/>
-          </p:cNvSpPr>
-          <p:nvPr>
-            <p:ph type="sldImg"/>
-          </p:nvPr>
-        </p:nvSpPr>
-        <p:spPr>
-          <a:xfrm>
-            <a:off x="3914775" y="73025"/>
-            <a:ext cx="3289300" cy="1851025"/>
-          </a:xfrm>
-        </p:spPr>
-      </p:sp>
-      <p:sp>
-        <p:nvSpPr>
-          <p:cNvPr id="3" name="Notes Placeholder 2"/>
-          <p:cNvSpPr>
-            <a:spLocks noGrp="1"/>
-          </p:cNvSpPr>
-          <p:nvPr>
-            <p:ph type="body" idx="1"/>
-          </p:nvPr>
-        </p:nvSpPr>
-        <p:spPr/>
-        <p:txBody>
-          <a:bodyPr/>
-          <a:lstStyle/>
           <a:p>
             <a:endParaRPr lang="en-US"/>
           </a:p>
@@ -7245,368 +6566,7 @@
                 <a:tabLst/>
                 <a:defRPr/>
               </a:pPr>
-              <a:t>30</a:t>
-            </a:fld>
-            <a:endParaRPr kumimoji="0" lang="en-US" sz="1200" b="1" i="0" u="none" strike="noStrike" kern="1200" cap="none" spc="0" normalizeH="0" baseline="0" noProof="0" dirty="0">
-              <a:ln>
-                <a:noFill/>
-              </a:ln>
-              <a:solidFill>
-                <a:prstClr val="black"/>
-              </a:solidFill>
-              <a:effectLst/>
-              <a:uLnTx/>
-              <a:uFillTx/>
-              <a:latin typeface="Verdana" pitchFamily="34" charset="0"/>
-              <a:ea typeface="+mn-ea"/>
-              <a:cs typeface="Arial" charset="0"/>
-            </a:endParaRPr>
-          </a:p>
-        </p:txBody>
-      </p:sp>
-    </p:spTree>
-    <p:extLst>
-      <p:ext uri="{BB962C8B-B14F-4D97-AF65-F5344CB8AC3E}">
-        <p14:creationId xmlns:p14="http://schemas.microsoft.com/office/powerpoint/2010/main" val="2675351196"/>
-      </p:ext>
-    </p:extLst>
-  </p:cSld>
-  <p:clrMapOvr>
-    <a:masterClrMapping/>
-  </p:clrMapOvr>
-</p:notes>
-</file>
-
-<file path=ppt/notesSlides/notesSlide26.xml><?xml version="1.0" encoding="utf-8"?>
-<p:notes xmlns:a="http://schemas.openxmlformats.org/drawingml/2006/main" xmlns:r="http://schemas.openxmlformats.org/officeDocument/2006/relationships" xmlns:p="http://schemas.openxmlformats.org/presentationml/2006/main">
-  <p:cSld>
-    <p:spTree>
-      <p:nvGrpSpPr>
-        <p:cNvPr id="1" name=""/>
-        <p:cNvGrpSpPr/>
-        <p:nvPr/>
-      </p:nvGrpSpPr>
-      <p:grpSpPr>
-        <a:xfrm>
-          <a:off x="0" y="0"/>
-          <a:ext cx="0" cy="0"/>
-          <a:chOff x="0" y="0"/>
-          <a:chExt cx="0" cy="0"/>
-        </a:xfrm>
-      </p:grpSpPr>
-      <p:sp>
-        <p:nvSpPr>
-          <p:cNvPr id="2" name="Slide Image Placeholder 1"/>
-          <p:cNvSpPr>
-            <a:spLocks noGrp="1" noRot="1" noChangeAspect="1"/>
-          </p:cNvSpPr>
-          <p:nvPr>
-            <p:ph type="sldImg"/>
-          </p:nvPr>
-        </p:nvSpPr>
-        <p:spPr>
-          <a:xfrm>
-            <a:off x="3914775" y="73025"/>
-            <a:ext cx="3289300" cy="1851025"/>
-          </a:xfrm>
-        </p:spPr>
-      </p:sp>
-      <p:sp>
-        <p:nvSpPr>
-          <p:cNvPr id="3" name="Notes Placeholder 2"/>
-          <p:cNvSpPr>
-            <a:spLocks noGrp="1"/>
-          </p:cNvSpPr>
-          <p:nvPr>
-            <p:ph type="body" idx="1"/>
-          </p:nvPr>
-        </p:nvSpPr>
-        <p:spPr/>
-        <p:txBody>
-          <a:bodyPr/>
-          <a:lstStyle/>
-          <a:p>
-            <a:r>
-              <a:rPr lang="en-US" dirty="0"/>
-              <a:t>Desired Outcome: Prepare for your meeting with Dan and report to the class how you will address the following questions: </a:t>
-            </a:r>
-          </a:p>
-          <a:p>
-            <a:endParaRPr lang="en-US" dirty="0"/>
-          </a:p>
-          <a:p>
-            <a:r>
-              <a:rPr lang="en-US" dirty="0"/>
-              <a:t>What services would you use to monitor and scale the application front end?</a:t>
-            </a:r>
-          </a:p>
-          <a:p>
-            <a:r>
-              <a:rPr lang="en-US" dirty="0"/>
-              <a:t>What services would you use to monitor and scale the SQL Database? </a:t>
-            </a:r>
-          </a:p>
-          <a:p>
-            <a:r>
-              <a:rPr lang="en-US" dirty="0"/>
-              <a:t>What alerts will need to be configured?</a:t>
-            </a:r>
-          </a:p>
-          <a:p>
-            <a:r>
-              <a:rPr lang="en-US" dirty="0"/>
-              <a:t>What automation should be put in place to make sure there is not configuration drift?</a:t>
-            </a:r>
-          </a:p>
-          <a:p>
-            <a:r>
-              <a:rPr lang="en-US" dirty="0"/>
-              <a:t>What foreseeable challenges do you think you need to discuss in your first meeting with Dan?</a:t>
-            </a:r>
-          </a:p>
-          <a:p>
-            <a:endParaRPr lang="en-US" dirty="0"/>
-          </a:p>
-          <a:p>
-            <a:r>
-              <a:rPr lang="en-US" dirty="0"/>
-              <a:t>Cost</a:t>
-            </a:r>
-          </a:p>
-          <a:p>
-            <a:r>
-              <a:rPr lang="en-US" dirty="0"/>
-              <a:t>Cloud compatibility</a:t>
-            </a:r>
-          </a:p>
-          <a:p>
-            <a:r>
-              <a:rPr lang="en-US" dirty="0"/>
-              <a:t>data volume</a:t>
-            </a:r>
-          </a:p>
-          <a:p>
-            <a:r>
-              <a:rPr lang="en-US" dirty="0"/>
-              <a:t>data growth</a:t>
-            </a:r>
-          </a:p>
-          <a:p>
-            <a:r>
-              <a:rPr lang="en-US" dirty="0"/>
-              <a:t>how application was built</a:t>
-            </a:r>
-          </a:p>
-          <a:p>
-            <a:r>
-              <a:rPr lang="en-US" dirty="0" err="1"/>
-              <a:t>sla</a:t>
-            </a:r>
-            <a:r>
-              <a:rPr lang="en-US" dirty="0"/>
-              <a:t> RTO, RPO</a:t>
-            </a:r>
-          </a:p>
-          <a:p>
-            <a:endParaRPr lang="en-US" dirty="0"/>
-          </a:p>
-          <a:p>
-            <a:r>
-              <a:rPr lang="en-US" dirty="0"/>
-              <a:t>State of </a:t>
-            </a:r>
-            <a:r>
-              <a:rPr lang="en-US" dirty="0" err="1"/>
-              <a:t>devops</a:t>
-            </a:r>
-            <a:r>
-              <a:rPr lang="en-US" dirty="0"/>
-              <a:t> pipeline</a:t>
-            </a:r>
-          </a:p>
-          <a:p>
-            <a:r>
-              <a:rPr lang="en-US" dirty="0"/>
-              <a:t>code coverage in testing</a:t>
-            </a:r>
-          </a:p>
-          <a:p>
-            <a:r>
-              <a:rPr lang="en-US" dirty="0" err="1"/>
-              <a:t>golive</a:t>
-            </a:r>
-            <a:r>
-              <a:rPr lang="en-US" dirty="0"/>
-              <a:t>?</a:t>
-            </a:r>
-          </a:p>
-          <a:p>
-            <a:r>
-              <a:rPr lang="en-US" dirty="0"/>
-              <a:t>performance requirements</a:t>
-            </a:r>
-          </a:p>
-          <a:p>
-            <a:r>
-              <a:rPr lang="en-US" dirty="0"/>
-              <a:t>availability</a:t>
-            </a:r>
-          </a:p>
-          <a:p>
-            <a:r>
-              <a:rPr lang="en-US" dirty="0"/>
-              <a:t>current/startup capacity </a:t>
-            </a:r>
-          </a:p>
-          <a:p>
-            <a:endParaRPr lang="en-US" dirty="0"/>
-          </a:p>
-          <a:p>
-            <a:r>
-              <a:rPr lang="en-US" dirty="0" err="1"/>
-              <a:t>Securty</a:t>
-            </a:r>
-            <a:r>
-              <a:rPr lang="en-US" dirty="0"/>
-              <a:t> </a:t>
-            </a:r>
-            <a:r>
-              <a:rPr lang="en-US" dirty="0" err="1"/>
-              <a:t>REquiremetns</a:t>
-            </a:r>
-            <a:endParaRPr lang="en-US" dirty="0"/>
-          </a:p>
-          <a:p>
-            <a:r>
-              <a:rPr lang="en-US" dirty="0"/>
-              <a:t> Endpoint, authentication, type of connections, federation</a:t>
-            </a:r>
-          </a:p>
-          <a:p>
-            <a:endParaRPr lang="en-US" dirty="0"/>
-          </a:p>
-          <a:p>
-            <a:r>
-              <a:rPr lang="en-US" dirty="0"/>
-              <a:t>Data movement</a:t>
-            </a:r>
-          </a:p>
-          <a:p>
-            <a:endParaRPr lang="en-US" dirty="0"/>
-          </a:p>
-          <a:p>
-            <a:r>
-              <a:rPr lang="en-US" dirty="0"/>
-              <a:t>Where are the customers?</a:t>
-            </a:r>
-          </a:p>
-          <a:p>
-            <a:endParaRPr lang="en-US" dirty="0"/>
-          </a:p>
-          <a:p>
-            <a:r>
-              <a:rPr lang="en-US" dirty="0"/>
-              <a:t>What are </a:t>
-            </a:r>
-            <a:r>
-              <a:rPr lang="en-US" dirty="0" err="1"/>
-              <a:t>teh</a:t>
-            </a:r>
-            <a:r>
-              <a:rPr lang="en-US" dirty="0"/>
-              <a:t> teams (QA, UAT, Pre-prod, </a:t>
-            </a:r>
-            <a:r>
-              <a:rPr lang="en-US" dirty="0" err="1"/>
-              <a:t>etc</a:t>
-            </a:r>
-            <a:r>
-              <a:rPr lang="en-US" dirty="0"/>
-              <a:t>)</a:t>
-            </a:r>
-          </a:p>
-          <a:p>
-            <a:endParaRPr lang="en-US" dirty="0"/>
-          </a:p>
-          <a:p>
-            <a:r>
-              <a:rPr lang="en-US" dirty="0"/>
-              <a:t>Backup and recovery</a:t>
-            </a:r>
-          </a:p>
-          <a:p>
-            <a:endParaRPr lang="en-US"/>
-          </a:p>
-          <a:p>
-            <a:endParaRPr lang="en-US"/>
-          </a:p>
-        </p:txBody>
-      </p:sp>
-      <p:sp>
-        <p:nvSpPr>
-          <p:cNvPr id="4" name="Slide Number Placeholder 3"/>
-          <p:cNvSpPr>
-            <a:spLocks noGrp="1"/>
-          </p:cNvSpPr>
-          <p:nvPr>
-            <p:ph type="sldNum" sz="quarter" idx="10"/>
-          </p:nvPr>
-        </p:nvSpPr>
-        <p:spPr/>
-        <p:txBody>
-          <a:bodyPr/>
-          <a:lstStyle/>
-          <a:p>
-            <a:pPr marL="0" marR="0" lvl="0" indent="0" algn="r" defTabSz="914400" rtl="0" eaLnBrk="1" fontAlgn="base" latinLnBrk="0" hangingPunct="1">
-              <a:lnSpc>
-                <a:spcPct val="100000"/>
-              </a:lnSpc>
-              <a:spcBef>
-                <a:spcPct val="0"/>
-              </a:spcBef>
-              <a:spcAft>
-                <a:spcPct val="0"/>
-              </a:spcAft>
-              <a:buClrTx/>
-              <a:buSzTx/>
-              <a:buFontTx/>
-              <a:buNone/>
-              <a:tabLst/>
-              <a:defRPr/>
-            </a:pPr>
-            <a:fld id="{F19E9337-0361-41F3-9C17-1F4FFD1214BA}" type="slidenum">
-              <a:rPr kumimoji="0" lang="en-US" sz="1200" b="1" i="0" u="none" strike="noStrike" kern="1200" cap="none" spc="0" normalizeH="0" baseline="0" noProof="0" smtClean="0">
-                <a:ln>
-                  <a:noFill/>
-                </a:ln>
-                <a:solidFill>
-                  <a:prstClr val="black"/>
-                </a:solidFill>
-                <a:effectLst/>
-                <a:uLnTx/>
-                <a:uFillTx/>
-                <a:latin typeface="Verdana" pitchFamily="34" charset="0"/>
-                <a:ea typeface="+mn-ea"/>
-                <a:cs typeface="Arial" charset="0"/>
-              </a:rPr>
-              <a:pPr marL="0" marR="0" lvl="0" indent="0" algn="r" defTabSz="914400" rtl="0" eaLnBrk="1" fontAlgn="base" latinLnBrk="0" hangingPunct="1">
-                <a:lnSpc>
-                  <a:spcPct val="100000"/>
-                </a:lnSpc>
-                <a:spcBef>
-                  <a:spcPct val="0"/>
-                </a:spcBef>
-                <a:spcAft>
-                  <a:spcPct val="0"/>
-                </a:spcAft>
-                <a:buClrTx/>
-                <a:buSzTx/>
-                <a:buFontTx/>
-                <a:buNone/>
-                <a:tabLst/>
-                <a:defRPr/>
-              </a:pPr>
-              <a:t>31</a:t>
+              <a:t>29</a:t>
             </a:fld>
             <a:endParaRPr kumimoji="0" lang="en-US" sz="1200" b="1" i="0" u="none" strike="noStrike" kern="1200" cap="none" spc="0" normalizeH="0" baseline="0" noProof="0" dirty="0">
               <a:ln>
@@ -11012,7 +9972,7 @@
     </p:spTree>
     <p:extLst>
       <p:ext uri="{BB962C8B-B14F-4D97-AF65-F5344CB8AC3E}">
-        <p14:creationId xmlns:p14="http://schemas.microsoft.com/office/powerpoint/2010/main" val="2077745046"/>
+        <p14:creationId xmlns:p14="http://schemas.microsoft.com/office/powerpoint/2010/main" val="3254643708"/>
       </p:ext>
     </p:extLst>
   </p:cSld>
@@ -11858,7 +10818,7 @@
     </p:spTree>
     <p:extLst>
       <p:ext uri="{BB962C8B-B14F-4D97-AF65-F5344CB8AC3E}">
-        <p14:creationId xmlns:p14="http://schemas.microsoft.com/office/powerpoint/2010/main" val="3254643708"/>
+        <p14:creationId xmlns:p14="http://schemas.microsoft.com/office/powerpoint/2010/main" val="3413810045"/>
       </p:ext>
     </p:extLst>
   </p:cSld>
@@ -12695,7 +11655,7 @@
           <a:p>
             <a:fld id="{88E41278-A97F-6B4E-8A96-38954C528C7E}" type="slidenum">
               <a:rPr lang="en-US" smtClean="0"/>
-              <a:t>11</a:t>
+              <a:t>12</a:t>
             </a:fld>
             <a:endParaRPr lang="en-US"/>
           </a:p>
@@ -12704,7 +11664,7 @@
     </p:spTree>
     <p:extLst>
       <p:ext uri="{BB962C8B-B14F-4D97-AF65-F5344CB8AC3E}">
-        <p14:creationId xmlns:p14="http://schemas.microsoft.com/office/powerpoint/2010/main" val="3413810045"/>
+        <p14:creationId xmlns:p14="http://schemas.microsoft.com/office/powerpoint/2010/main" val="3281342442"/>
       </p:ext>
     </p:extLst>
   </p:cSld>
@@ -13550,7 +12510,7 @@
     </p:spTree>
     <p:extLst>
       <p:ext uri="{BB962C8B-B14F-4D97-AF65-F5344CB8AC3E}">
-        <p14:creationId xmlns:p14="http://schemas.microsoft.com/office/powerpoint/2010/main" val="3281342442"/>
+        <p14:creationId xmlns:p14="http://schemas.microsoft.com/office/powerpoint/2010/main" val="2991759109"/>
       </p:ext>
     </p:extLst>
   </p:cSld>
@@ -22185,7 +21145,15 @@
           <a:p>
             <a:r>
               <a:rPr lang="en-US" dirty="0"/>
-              <a:t>Linux 4. Use Azure Security Center to monitor Linux virtual machines</a:t>
+              <a:t>Linux Bonus. Prepare a Debian VHD for Azure – </a:t>
+            </a:r>
+            <a:r>
+              <a:rPr lang="en-US" dirty="0" err="1"/>
+              <a:t>Prereq’s</a:t>
+            </a:r>
+            <a:r>
+              <a:rPr lang="en-US" dirty="0"/>
+              <a:t> Hyper-V and Debian .ISO</a:t>
             </a:r>
           </a:p>
         </p:txBody>
@@ -22209,7 +21177,7 @@
         <p:spPr/>
         <p:txBody>
           <a:bodyPr>
-            <a:normAutofit/>
+            <a:normAutofit lnSpcReduction="10000"/>
           </a:bodyPr>
           <a:lstStyle/>
           <a:p>
@@ -22224,25 +21192,13 @@
           <a:p>
             <a:r>
               <a:rPr lang="en-US" dirty="0"/>
-              <a:t>Set up data collection</a:t>
-            </a:r>
-          </a:p>
-          <a:p>
-            <a:r>
-              <a:rPr lang="en-US" dirty="0"/>
-              <a:t>Set up security policies</a:t>
-            </a:r>
-          </a:p>
-          <a:p>
-            <a:r>
-              <a:rPr lang="en-US" dirty="0"/>
-              <a:t>View and fix configuration health issues</a:t>
-            </a:r>
-          </a:p>
-          <a:p>
-            <a:r>
-              <a:rPr lang="en-US" dirty="0"/>
-              <a:t>Review detected threats</a:t>
+              <a:t>Use Azure-Manage to create Debian VHDs</a:t>
+            </a:r>
+          </a:p>
+          <a:p>
+            <a:r>
+              <a:rPr lang="en-US" dirty="0"/>
+              <a:t>Manually prepare a Debian VHD</a:t>
             </a:r>
           </a:p>
           <a:p>
@@ -22270,8 +21226,44 @@
               <a:buAutoNum type="arabicPeriod"/>
             </a:pPr>
             <a:r>
-              <a:rPr lang="en-US" dirty="0"/>
-              <a:t>Use VMs from prior labs</a:t>
+              <a:rPr lang="en-US" sz="1800" dirty="0"/>
+              <a:t>This section assumes that you have already installed a Debian Linux operating system from an .</a:t>
+            </a:r>
+            <a:r>
+              <a:rPr lang="en-US" sz="1800" dirty="0" err="1"/>
+              <a:t>iso</a:t>
+            </a:r>
+            <a:r>
+              <a:rPr lang="en-US" sz="1800" dirty="0"/>
+              <a:t> file downloaded from the </a:t>
+            </a:r>
+            <a:r>
+              <a:rPr lang="en-US" sz="1800" u="sng" dirty="0">
+                <a:hlinkClick r:id="rId3"/>
+              </a:rPr>
+              <a:t>Debian website</a:t>
+            </a:r>
+            <a:r>
+              <a:rPr lang="en-US" sz="1800" dirty="0"/>
+              <a:t> to a virtual hard disk. Multiple tools exist to create .</a:t>
+            </a:r>
+            <a:r>
+              <a:rPr lang="en-US" sz="1800" dirty="0" err="1"/>
+              <a:t>vhd</a:t>
+            </a:r>
+            <a:r>
+              <a:rPr lang="en-US" sz="1800" dirty="0"/>
+              <a:t> files; Hyper-V is only one example. For instructions using Hyper-V, see </a:t>
+            </a:r>
+            <a:r>
+              <a:rPr lang="en-US" sz="1800" u="sng" dirty="0">
+                <a:hlinkClick r:id="rId4"/>
+              </a:rPr>
+              <a:t>Install the Hyper-V Role and Configure a Virtual Machine</a:t>
+            </a:r>
+            <a:r>
+              <a:rPr lang="en-US" sz="1800" dirty="0"/>
+              <a:t>.</a:t>
             </a:r>
           </a:p>
           <a:p>
@@ -22280,15 +21272,53 @@
               <a:buAutoNum type="arabicPeriod"/>
             </a:pPr>
             <a:r>
-              <a:rPr lang="en-US" dirty="0"/>
-              <a:t>Stop and Deallocate or Delete resources when done with ALL labs</a:t>
+              <a:rPr lang="en-US" sz="1800" dirty="0"/>
+              <a:t>Please see also </a:t>
+            </a:r>
+            <a:r>
+              <a:rPr lang="en-US" sz="1800" dirty="0">
+                <a:hlinkClick r:id="rId5"/>
+              </a:rPr>
+              <a:t>General Linux Installation Notes</a:t>
+            </a:r>
+            <a:r>
+              <a:rPr lang="en-US" sz="1800" dirty="0"/>
+              <a:t> for more tips on preparing Linux for Azure.</a:t>
             </a:r>
           </a:p>
           <a:p>
             <a:pPr marL="0" indent="0">
               <a:buNone/>
             </a:pPr>
-            <a:endParaRPr lang="en-US" dirty="0"/>
+            <a:r>
+              <a:rPr lang="en-US" sz="2400" u="sng" dirty="0"/>
+              <a:t>SEE ALSO:</a:t>
+            </a:r>
+          </a:p>
+          <a:p>
+            <a:pPr marL="0" indent="0">
+              <a:buNone/>
+            </a:pPr>
+            <a:r>
+              <a:rPr lang="en-US" dirty="0"/>
+              <a:t>Information for Non-Endorsed Distributions</a:t>
+            </a:r>
+            <a:endParaRPr lang="en-US" sz="2000" dirty="0"/>
+          </a:p>
+          <a:p>
+            <a:pPr marL="0" indent="0">
+              <a:buNone/>
+            </a:pPr>
+            <a:r>
+              <a:rPr lang="en-US" sz="2000" dirty="0">
+                <a:hlinkClick r:id="rId6"/>
+              </a:rPr>
+              <a:t>https://docs.microsoft.com/en-us/azure/virtual-machines/linux/create-upload-generic</a:t>
+            </a:r>
+            <a:r>
+              <a:rPr lang="en-US" sz="2000" dirty="0"/>
+              <a:t> </a:t>
+            </a:r>
           </a:p>
         </p:txBody>
       </p:sp>
@@ -22315,7 +21345,7 @@
           <a:p>
             <a:r>
               <a:rPr lang="en-US" sz="2000" dirty="0"/>
-              <a:t>https://docs.microsoft.com/en-us/azure/virtual-machines/linux/tutorial-azure-security</a:t>
+              <a:t>https://docs.microsoft.com/en-us/azure/virtual-machines/linux/debian-create-upload-vhd</a:t>
             </a:r>
           </a:p>
         </p:txBody>
@@ -22323,7 +21353,7 @@
     </p:spTree>
     <p:extLst>
       <p:ext uri="{BB962C8B-B14F-4D97-AF65-F5344CB8AC3E}">
-        <p14:creationId xmlns:p14="http://schemas.microsoft.com/office/powerpoint/2010/main" val="821299105"/>
+        <p14:creationId xmlns:p14="http://schemas.microsoft.com/office/powerpoint/2010/main" val="1732907991"/>
       </p:ext>
     </p:extLst>
   </p:cSld>
@@ -22334,6 +21364,181 @@
 </file>
 
 <file path=ppt/slides/slide11.xml><?xml version="1.0" encoding="utf-8"?>
+<p:sld xmlns:a="http://schemas.openxmlformats.org/drawingml/2006/main" xmlns:r="http://schemas.openxmlformats.org/officeDocument/2006/relationships" xmlns:p="http://schemas.openxmlformats.org/presentationml/2006/main">
+  <p:cSld>
+    <p:spTree>
+      <p:nvGrpSpPr>
+        <p:cNvPr id="1" name=""/>
+        <p:cNvGrpSpPr/>
+        <p:nvPr/>
+      </p:nvGrpSpPr>
+      <p:grpSpPr>
+        <a:xfrm>
+          <a:off x="0" y="0"/>
+          <a:ext cx="0" cy="0"/>
+          <a:chOff x="0" y="0"/>
+          <a:chExt cx="0" cy="0"/>
+        </a:xfrm>
+      </p:grpSpPr>
+      <p:sp>
+        <p:nvSpPr>
+          <p:cNvPr id="5" name="Title 4">
+            <a:extLst>
+              <a:ext uri="{FF2B5EF4-FFF2-40B4-BE49-F238E27FC236}">
+                <a16:creationId xmlns:a16="http://schemas.microsoft.com/office/drawing/2014/main" id="{225FE619-6D74-4E9F-9356-C66A41BA0108}"/>
+              </a:ext>
+            </a:extLst>
+          </p:cNvPr>
+          <p:cNvSpPr>
+            <a:spLocks noGrp="1"/>
+          </p:cNvSpPr>
+          <p:nvPr>
+            <p:ph type="ctrTitle" sz="quarter"/>
+          </p:nvPr>
+        </p:nvSpPr>
+        <p:spPr/>
+        <p:txBody>
+          <a:bodyPr/>
+          <a:lstStyle/>
+          <a:p>
+            <a:r>
+              <a:rPr lang="en-US" dirty="0"/>
+              <a:t>Windows Labs Using Cloud Shell</a:t>
+            </a:r>
+          </a:p>
+        </p:txBody>
+      </p:sp>
+      <p:sp>
+        <p:nvSpPr>
+          <p:cNvPr id="6" name="Subtitle 5">
+            <a:extLst>
+              <a:ext uri="{FF2B5EF4-FFF2-40B4-BE49-F238E27FC236}">
+                <a16:creationId xmlns:a16="http://schemas.microsoft.com/office/drawing/2014/main" id="{6D1586F8-6462-4DE5-9BD2-C61C61932B55}"/>
+              </a:ext>
+            </a:extLst>
+          </p:cNvPr>
+          <p:cNvSpPr>
+            <a:spLocks noGrp="1"/>
+          </p:cNvSpPr>
+          <p:nvPr>
+            <p:ph type="subTitle" sz="quarter" idx="1"/>
+          </p:nvPr>
+        </p:nvSpPr>
+        <p:spPr>
+          <a:xfrm>
+            <a:off x="4914123" y="1740878"/>
+            <a:ext cx="7054357" cy="4091998"/>
+          </a:xfrm>
+        </p:spPr>
+        <p:txBody>
+          <a:bodyPr/>
+          <a:lstStyle/>
+          <a:p>
+            <a:r>
+              <a:rPr lang="en-IN" sz="1600" dirty="0"/>
+              <a:t>Win 1. Creating a VM from an Azure Resource Manager template using Cloud Shell – PowerShell</a:t>
+            </a:r>
+          </a:p>
+          <a:p>
+            <a:r>
+              <a:rPr lang="en-IN" sz="1600" dirty="0"/>
+              <a:t>Win 2a. </a:t>
+            </a:r>
+            <a:r>
+              <a:rPr lang="en-US" sz="1600" dirty="0"/>
+              <a:t>Create a Windows virtual machine install IIS with the Azure CLI 2.0</a:t>
+            </a:r>
+          </a:p>
+          <a:p>
+            <a:r>
+              <a:rPr lang="en-US" sz="1600" dirty="0"/>
+              <a:t>Win 2b. Install the SQL\IIS\.NET stack in a Windows VM with Azure Cloud Shell</a:t>
+            </a:r>
+          </a:p>
+          <a:p>
+            <a:r>
+              <a:rPr lang="en-US" sz="1600" dirty="0"/>
+              <a:t>Win 3. Monitor and update a Windows virtual machine in Azure using Cloud Shell</a:t>
+            </a:r>
+          </a:p>
+          <a:p>
+            <a:r>
+              <a:rPr lang="en-US" sz="1600" dirty="0"/>
+              <a:t>4. Use Azure Security Center to monitor Windows virtual machines</a:t>
+            </a:r>
+          </a:p>
+        </p:txBody>
+      </p:sp>
+      <p:sp>
+        <p:nvSpPr>
+          <p:cNvPr id="7" name="Text Placeholder 6">
+            <a:extLst>
+              <a:ext uri="{FF2B5EF4-FFF2-40B4-BE49-F238E27FC236}">
+                <a16:creationId xmlns:a16="http://schemas.microsoft.com/office/drawing/2014/main" id="{8AB04FB4-6CA9-4C67-8D89-93B38EBA4E00}"/>
+              </a:ext>
+            </a:extLst>
+          </p:cNvPr>
+          <p:cNvSpPr>
+            <a:spLocks noGrp="1"/>
+          </p:cNvSpPr>
+          <p:nvPr>
+            <p:ph type="body" sz="quarter" idx="10"/>
+          </p:nvPr>
+        </p:nvSpPr>
+        <p:spPr/>
+        <p:txBody>
+          <a:bodyPr/>
+          <a:lstStyle/>
+          <a:p>
+            <a:r>
+              <a:rPr lang="en-US" dirty="0"/>
+              <a:t>Windows Labs if you do not have access to RDP or you want to use Azure Cloud Shell</a:t>
+            </a:r>
+          </a:p>
+        </p:txBody>
+      </p:sp>
+      <p:sp>
+        <p:nvSpPr>
+          <p:cNvPr id="8" name="Text Placeholder 7">
+            <a:extLst>
+              <a:ext uri="{FF2B5EF4-FFF2-40B4-BE49-F238E27FC236}">
+                <a16:creationId xmlns:a16="http://schemas.microsoft.com/office/drawing/2014/main" id="{3027BE6E-93A1-46D9-93B6-2448877F2BA7}"/>
+              </a:ext>
+            </a:extLst>
+          </p:cNvPr>
+          <p:cNvSpPr>
+            <a:spLocks noGrp="1"/>
+          </p:cNvSpPr>
+          <p:nvPr>
+            <p:ph type="body" sz="quarter" idx="11"/>
+          </p:nvPr>
+        </p:nvSpPr>
+        <p:spPr/>
+        <p:txBody>
+          <a:bodyPr/>
+          <a:lstStyle/>
+          <a:p>
+            <a:r>
+              <a:rPr lang="en-US" sz="2800" dirty="0"/>
+              <a:t>https://docs.microsoft.com/en-us/azure/virtual-machines/windows</a:t>
+            </a:r>
+          </a:p>
+        </p:txBody>
+      </p:sp>
+    </p:spTree>
+    <p:extLst>
+      <p:ext uri="{BB962C8B-B14F-4D97-AF65-F5344CB8AC3E}">
+        <p14:creationId xmlns:p14="http://schemas.microsoft.com/office/powerpoint/2010/main" val="2688917203"/>
+      </p:ext>
+    </p:extLst>
+  </p:cSld>
+  <p:clrMapOvr>
+    <a:masterClrMapping/>
+  </p:clrMapOvr>
+</p:sld>
+</file>
+
+<file path=ppt/slides/slide12.xml><?xml version="1.0" encoding="utf-8"?>
 <p:sld xmlns:a="http://schemas.openxmlformats.org/drawingml/2006/main" xmlns:r="http://schemas.openxmlformats.org/officeDocument/2006/relationships" xmlns:p="http://schemas.openxmlformats.org/presentationml/2006/main">
   <p:cSld>
     <p:spTree>
@@ -22372,17 +21577,10 @@
           <a:lstStyle/>
           <a:p>
             <a:r>
-              <a:rPr lang="en-US" dirty="0"/>
-              <a:t>Linux Bonus. Prepare a Debian VHD for Azure – </a:t>
-            </a:r>
-            <a:r>
-              <a:rPr lang="en-US" dirty="0" err="1"/>
-              <a:t>Prereq’s</a:t>
-            </a:r>
-            <a:r>
-              <a:rPr lang="en-US" dirty="0"/>
-              <a:t> Hyper-V and Debian .ISO</a:t>
-            </a:r>
+              <a:rPr lang="en-IN" dirty="0"/>
+              <a:t>Win 1. Creating a VM from an Azure Resource Manager template using Cloud Shell - PowerShell</a:t>
+            </a:r>
+            <a:endParaRPr lang="en-US" dirty="0"/>
           </a:p>
         </p:txBody>
       </p:sp>
@@ -22405,7 +21603,7 @@
         <p:spPr/>
         <p:txBody>
           <a:bodyPr>
-            <a:normAutofit lnSpcReduction="10000"/>
+            <a:normAutofit fontScale="92500" lnSpcReduction="20000"/>
           </a:bodyPr>
           <a:lstStyle/>
           <a:p>
@@ -22418,15 +21616,38 @@
             </a:r>
           </a:p>
           <a:p>
-            <a:r>
-              <a:rPr lang="en-US" dirty="0"/>
-              <a:t>Use Azure-Manage to create Debian VHDs</a:t>
-            </a:r>
-          </a:p>
-          <a:p>
-            <a:r>
-              <a:rPr lang="en-US" dirty="0"/>
-              <a:t>Manually prepare a Debian VHD</a:t>
+            <a:pPr lvl="1"/>
+            <a:r>
+              <a:rPr lang="en-US" dirty="0"/>
+              <a:t>Use Azure Cloud Shell</a:t>
+            </a:r>
+          </a:p>
+          <a:p>
+            <a:pPr lvl="1"/>
+            <a:r>
+              <a:rPr lang="en-US" dirty="0"/>
+              <a:t>Create an availability set</a:t>
+            </a:r>
+          </a:p>
+          <a:p>
+            <a:pPr lvl="1"/>
+            <a:r>
+              <a:rPr lang="en-US" dirty="0"/>
+              <a:t>Create a VM in an availability set</a:t>
+            </a:r>
+          </a:p>
+          <a:p>
+            <a:pPr lvl="1"/>
+            <a:r>
+              <a:rPr lang="en-US" dirty="0"/>
+              <a:t>Check available VM sizes</a:t>
+            </a:r>
+          </a:p>
+          <a:p>
+            <a:pPr lvl="1"/>
+            <a:r>
+              <a:rPr lang="en-US" dirty="0"/>
+              <a:t>Check Azure Advisor</a:t>
             </a:r>
           </a:p>
           <a:p>
@@ -22454,44 +21675,52 @@
               <a:buAutoNum type="arabicPeriod"/>
             </a:pPr>
             <a:r>
-              <a:rPr lang="en-US" sz="1800" dirty="0"/>
-              <a:t>This section assumes that you have already installed a Debian Linux operating system from an .</a:t>
-            </a:r>
-            <a:r>
-              <a:rPr lang="en-US" sz="1800" dirty="0" err="1"/>
-              <a:t>iso</a:t>
-            </a:r>
-            <a:r>
-              <a:rPr lang="en-US" sz="1800" dirty="0"/>
-              <a:t> file downloaded from the </a:t>
-            </a:r>
-            <a:r>
-              <a:rPr lang="en-US" sz="1800" u="sng" dirty="0">
-                <a:hlinkClick r:id="rId3"/>
-              </a:rPr>
-              <a:t>Debian website</a:t>
-            </a:r>
-            <a:r>
-              <a:rPr lang="en-US" sz="1800" dirty="0"/>
-              <a:t> to a virtual hard disk. Multiple tools exist to create .</a:t>
-            </a:r>
-            <a:r>
-              <a:rPr lang="en-US" sz="1800" dirty="0" err="1"/>
-              <a:t>vhd</a:t>
-            </a:r>
-            <a:r>
-              <a:rPr lang="en-US" sz="1800" dirty="0"/>
-              <a:t> files; Hyper-V is only one example. For instructions using Hyper-V, see </a:t>
-            </a:r>
-            <a:r>
-              <a:rPr lang="en-US" sz="1800" u="sng" dirty="0">
-                <a:hlinkClick r:id="rId4"/>
-              </a:rPr>
-              <a:t>Install the Hyper-V Role and Configure a Virtual Machine</a:t>
-            </a:r>
-            <a:r>
-              <a:rPr lang="en-US" sz="1800" dirty="0"/>
-              <a:t>.</a:t>
+              <a:rPr lang="en-US" sz="1900" dirty="0"/>
+              <a:t>Use your Initials1514 or other unique code for variables to prevent any duplicate public </a:t>
+            </a:r>
+            <a:r>
+              <a:rPr lang="en-US" sz="1900" dirty="0" err="1"/>
+              <a:t>urls</a:t>
+            </a:r>
+            <a:r>
+              <a:rPr lang="en-US" sz="1900" dirty="0"/>
+              <a:t> e.g. (lowercase):</a:t>
+            </a:r>
+          </a:p>
+          <a:p>
+            <a:pPr marL="742950" lvl="1">
+              <a:buFont typeface="Arial" panose="020B0604020202020204" pitchFamily="34" charset="0"/>
+              <a:buChar char="•"/>
+            </a:pPr>
+            <a:r>
+              <a:rPr lang="en-US" sz="1900" dirty="0"/>
+              <a:t>dan1514IP for “</a:t>
+            </a:r>
+            <a:r>
+              <a:rPr lang="en-US" sz="1900" dirty="0" err="1"/>
+              <a:t>myPublicIpAddress</a:t>
+            </a:r>
+            <a:r>
+              <a:rPr lang="en-US" sz="1900" dirty="0"/>
+              <a:t>” </a:t>
+            </a:r>
+          </a:p>
+          <a:p>
+            <a:pPr marL="742950" lvl="1">
+              <a:buFont typeface="Arial" panose="020B0604020202020204" pitchFamily="34" charset="0"/>
+              <a:buChar char="•"/>
+            </a:pPr>
+            <a:r>
+              <a:rPr lang="en-US" sz="1900" dirty="0"/>
+              <a:t>dan1514vm for “</a:t>
+            </a:r>
+            <a:r>
+              <a:rPr lang="en-US" sz="1900" dirty="0" err="1"/>
+              <a:t>myVM</a:t>
+            </a:r>
+            <a:r>
+              <a:rPr lang="en-US" sz="1900" dirty="0"/>
+              <a:t>” </a:t>
             </a:r>
           </a:p>
           <a:p>
@@ -22500,53 +21729,50 @@
               <a:buAutoNum type="arabicPeriod"/>
             </a:pPr>
             <a:r>
-              <a:rPr lang="en-US" sz="1800" dirty="0"/>
-              <a:t>Please see also </a:t>
-            </a:r>
-            <a:r>
-              <a:rPr lang="en-US" sz="1800" dirty="0">
-                <a:hlinkClick r:id="rId5"/>
-              </a:rPr>
-              <a:t>General Linux Installation Notes</a:t>
-            </a:r>
-            <a:r>
-              <a:rPr lang="en-US" sz="1800" dirty="0"/>
-              <a:t> for more tips on preparing Linux for Azure.</a:t>
-            </a:r>
+              <a:rPr lang="en-US" sz="2000" dirty="0"/>
+              <a:t>Stop and Deallocate or Delete resources when done with </a:t>
+            </a:r>
+            <a:r>
+              <a:rPr lang="en-US" sz="2000" b="1" dirty="0"/>
+              <a:t>ALL</a:t>
+            </a:r>
+            <a:r>
+              <a:rPr lang="en-US" sz="2000" dirty="0"/>
+              <a:t> labs (you </a:t>
+            </a:r>
+            <a:r>
+              <a:rPr lang="en-US" sz="1900" dirty="0"/>
+              <a:t>can reuse these machines for the next few labs but do not forget to go back after done with labs)</a:t>
+            </a:r>
+          </a:p>
+          <a:p>
+            <a:pPr>
+              <a:buFont typeface="+mj-lt"/>
+              <a:buAutoNum type="arabicPeriod"/>
+            </a:pPr>
+            <a:r>
+              <a:rPr lang="en-US" sz="1900" dirty="0"/>
+              <a:t>Do not create the VM Scale Set – we do not have enough Azure Credits </a:t>
+            </a:r>
+            <a:r>
+              <a:rPr lang="en-US" sz="1900" dirty="0">
+                <a:sym typeface="Wingdings" panose="05000000000000000000" pitchFamily="2" charset="2"/>
+              </a:rPr>
+              <a:t></a:t>
+            </a:r>
+          </a:p>
+          <a:p>
+            <a:pPr>
+              <a:buFont typeface="+mj-lt"/>
+              <a:buAutoNum type="arabicPeriod"/>
+            </a:pPr>
+            <a:endParaRPr lang="en-US" sz="1900" dirty="0"/>
           </a:p>
           <a:p>
             <a:pPr marL="0" indent="0">
               <a:buNone/>
             </a:pPr>
-            <a:r>
-              <a:rPr lang="en-US" sz="2400" u="sng" dirty="0"/>
-              <a:t>SEE ALSO:</a:t>
-            </a:r>
-          </a:p>
-          <a:p>
-            <a:pPr marL="0" indent="0">
-              <a:buNone/>
-            </a:pPr>
-            <a:r>
-              <a:rPr lang="en-US" dirty="0"/>
-              <a:t>Information for Non-Endorsed Distributions</a:t>
-            </a:r>
-            <a:endParaRPr lang="en-US" sz="2000" dirty="0"/>
-          </a:p>
-          <a:p>
-            <a:pPr marL="0" indent="0">
-              <a:buNone/>
-            </a:pPr>
-            <a:r>
-              <a:rPr lang="en-US" sz="2000" dirty="0">
-                <a:hlinkClick r:id="rId6"/>
-              </a:rPr>
-              <a:t>https://docs.microsoft.com/en-us/azure/virtual-machines/linux/create-upload-generic</a:t>
-            </a:r>
-            <a:r>
-              <a:rPr lang="en-US" sz="2000" dirty="0"/>
-              <a:t> </a:t>
-            </a:r>
+            <a:endParaRPr lang="en-US" dirty="0"/>
           </a:p>
         </p:txBody>
       </p:sp>
@@ -22572,8 +21798,8 @@
           <a:lstStyle/>
           <a:p>
             <a:r>
-              <a:rPr lang="en-US" sz="2000" dirty="0"/>
-              <a:t>https://docs.microsoft.com/en-us/azure/virtual-machines/linux/debian-create-upload-vhd</a:t>
+              <a:rPr lang="en-US" sz="2400" dirty="0"/>
+              <a:t>https://docs.microsoft.com/en-us/azure/virtual-machines/linux/tutorial-manage-vm</a:t>
             </a:r>
           </a:p>
         </p:txBody>
@@ -22581,182 +21807,7 @@
     </p:spTree>
     <p:extLst>
       <p:ext uri="{BB962C8B-B14F-4D97-AF65-F5344CB8AC3E}">
-        <p14:creationId xmlns:p14="http://schemas.microsoft.com/office/powerpoint/2010/main" val="1732907991"/>
-      </p:ext>
-    </p:extLst>
-  </p:cSld>
-  <p:clrMapOvr>
-    <a:masterClrMapping/>
-  </p:clrMapOvr>
-</p:sld>
-</file>
-
-<file path=ppt/slides/slide12.xml><?xml version="1.0" encoding="utf-8"?>
-<p:sld xmlns:a="http://schemas.openxmlformats.org/drawingml/2006/main" xmlns:r="http://schemas.openxmlformats.org/officeDocument/2006/relationships" xmlns:p="http://schemas.openxmlformats.org/presentationml/2006/main">
-  <p:cSld>
-    <p:spTree>
-      <p:nvGrpSpPr>
-        <p:cNvPr id="1" name=""/>
-        <p:cNvGrpSpPr/>
-        <p:nvPr/>
-      </p:nvGrpSpPr>
-      <p:grpSpPr>
-        <a:xfrm>
-          <a:off x="0" y="0"/>
-          <a:ext cx="0" cy="0"/>
-          <a:chOff x="0" y="0"/>
-          <a:chExt cx="0" cy="0"/>
-        </a:xfrm>
-      </p:grpSpPr>
-      <p:sp>
-        <p:nvSpPr>
-          <p:cNvPr id="5" name="Title 4">
-            <a:extLst>
-              <a:ext uri="{FF2B5EF4-FFF2-40B4-BE49-F238E27FC236}">
-                <a16:creationId xmlns:a16="http://schemas.microsoft.com/office/drawing/2014/main" id="{225FE619-6D74-4E9F-9356-C66A41BA0108}"/>
-              </a:ext>
-            </a:extLst>
-          </p:cNvPr>
-          <p:cNvSpPr>
-            <a:spLocks noGrp="1"/>
-          </p:cNvSpPr>
-          <p:nvPr>
-            <p:ph type="ctrTitle" sz="quarter"/>
-          </p:nvPr>
-        </p:nvSpPr>
-        <p:spPr/>
-        <p:txBody>
-          <a:bodyPr/>
-          <a:lstStyle/>
-          <a:p>
-            <a:r>
-              <a:rPr lang="en-US" dirty="0"/>
-              <a:t>Windows Labs Using Cloud Shell</a:t>
-            </a:r>
-          </a:p>
-        </p:txBody>
-      </p:sp>
-      <p:sp>
-        <p:nvSpPr>
-          <p:cNvPr id="6" name="Subtitle 5">
-            <a:extLst>
-              <a:ext uri="{FF2B5EF4-FFF2-40B4-BE49-F238E27FC236}">
-                <a16:creationId xmlns:a16="http://schemas.microsoft.com/office/drawing/2014/main" id="{6D1586F8-6462-4DE5-9BD2-C61C61932B55}"/>
-              </a:ext>
-            </a:extLst>
-          </p:cNvPr>
-          <p:cNvSpPr>
-            <a:spLocks noGrp="1"/>
-          </p:cNvSpPr>
-          <p:nvPr>
-            <p:ph type="subTitle" sz="quarter" idx="1"/>
-          </p:nvPr>
-        </p:nvSpPr>
-        <p:spPr>
-          <a:xfrm>
-            <a:off x="4914123" y="1740878"/>
-            <a:ext cx="7054357" cy="4091998"/>
-          </a:xfrm>
-        </p:spPr>
-        <p:txBody>
-          <a:bodyPr/>
-          <a:lstStyle/>
-          <a:p>
-            <a:r>
-              <a:rPr lang="en-IN" sz="1600" dirty="0"/>
-              <a:t>Win 1. Creating a VM from an Azure Resource Manager template using Cloud Shell – PowerShell</a:t>
-            </a:r>
-          </a:p>
-          <a:p>
-            <a:r>
-              <a:rPr lang="en-IN" sz="1600" dirty="0"/>
-              <a:t>Win 2a. </a:t>
-            </a:r>
-            <a:r>
-              <a:rPr lang="en-US" sz="1600" dirty="0"/>
-              <a:t>Create a Windows virtual machine install IIS with the Azure CLI 2.0</a:t>
-            </a:r>
-          </a:p>
-          <a:p>
-            <a:r>
-              <a:rPr lang="en-US" sz="1600" dirty="0"/>
-              <a:t>Win 2b. Install the SQL\IIS\.NET stack in a Windows VM with Azure Cloud Shell</a:t>
-            </a:r>
-          </a:p>
-          <a:p>
-            <a:r>
-              <a:rPr lang="en-US" sz="1600" dirty="0"/>
-              <a:t>Win 3. Monitor and update a Windows virtual machine in Azure using Cloud Shell</a:t>
-            </a:r>
-          </a:p>
-          <a:p>
-            <a:r>
-              <a:rPr lang="en-US" sz="1600" dirty="0"/>
-              <a:t>4. Use Azure Security Center to monitor Windows virtual machines</a:t>
-            </a:r>
-          </a:p>
-        </p:txBody>
-      </p:sp>
-      <p:sp>
-        <p:nvSpPr>
-          <p:cNvPr id="7" name="Text Placeholder 6">
-            <a:extLst>
-              <a:ext uri="{FF2B5EF4-FFF2-40B4-BE49-F238E27FC236}">
-                <a16:creationId xmlns:a16="http://schemas.microsoft.com/office/drawing/2014/main" id="{8AB04FB4-6CA9-4C67-8D89-93B38EBA4E00}"/>
-              </a:ext>
-            </a:extLst>
-          </p:cNvPr>
-          <p:cNvSpPr>
-            <a:spLocks noGrp="1"/>
-          </p:cNvSpPr>
-          <p:nvPr>
-            <p:ph type="body" sz="quarter" idx="10"/>
-          </p:nvPr>
-        </p:nvSpPr>
-        <p:spPr/>
-        <p:txBody>
-          <a:bodyPr/>
-          <a:lstStyle/>
-          <a:p>
-            <a:r>
-              <a:rPr lang="en-US" dirty="0"/>
-              <a:t>Windows Labs if you do not have access to RDP or you want to use Azure Cloud Shell</a:t>
-            </a:r>
-          </a:p>
-        </p:txBody>
-      </p:sp>
-      <p:sp>
-        <p:nvSpPr>
-          <p:cNvPr id="8" name="Text Placeholder 7">
-            <a:extLst>
-              <a:ext uri="{FF2B5EF4-FFF2-40B4-BE49-F238E27FC236}">
-                <a16:creationId xmlns:a16="http://schemas.microsoft.com/office/drawing/2014/main" id="{3027BE6E-93A1-46D9-93B6-2448877F2BA7}"/>
-              </a:ext>
-            </a:extLst>
-          </p:cNvPr>
-          <p:cNvSpPr>
-            <a:spLocks noGrp="1"/>
-          </p:cNvSpPr>
-          <p:nvPr>
-            <p:ph type="body" sz="quarter" idx="11"/>
-          </p:nvPr>
-        </p:nvSpPr>
-        <p:spPr/>
-        <p:txBody>
-          <a:bodyPr/>
-          <a:lstStyle/>
-          <a:p>
-            <a:r>
-              <a:rPr lang="en-US" sz="2800" dirty="0"/>
-              <a:t>https://docs.microsoft.com/en-us/azure/virtual-machines/windows</a:t>
-            </a:r>
-          </a:p>
-        </p:txBody>
-      </p:sp>
-    </p:spTree>
-    <p:extLst>
-      <p:ext uri="{BB962C8B-B14F-4D97-AF65-F5344CB8AC3E}">
-        <p14:creationId xmlns:p14="http://schemas.microsoft.com/office/powerpoint/2010/main" val="2688917203"/>
+        <p14:creationId xmlns:p14="http://schemas.microsoft.com/office/powerpoint/2010/main" val="2456198297"/>
       </p:ext>
     </p:extLst>
   </p:cSld>
@@ -22806,9 +21857,12 @@
           <a:p>
             <a:r>
               <a:rPr lang="en-IN" dirty="0"/>
-              <a:t>Win 1. Creating a VM from an Azure Resource Manager template using Cloud Shell - PowerShell</a:t>
-            </a:r>
-            <a:endParaRPr lang="en-US" dirty="0"/>
+              <a:t>Win 2a. </a:t>
+            </a:r>
+            <a:r>
+              <a:rPr lang="en-US" dirty="0"/>
+              <a:t>Create a Windows virtual machine install IIS with the Azure CLI 2.0</a:t>
+            </a:r>
           </a:p>
         </p:txBody>
       </p:sp>
@@ -22854,28 +21908,42 @@
             <a:pPr lvl="1"/>
             <a:r>
               <a:rPr lang="en-US" dirty="0"/>
-              <a:t>Create an availability set</a:t>
+              <a:t>Create a Resource Group</a:t>
             </a:r>
           </a:p>
           <a:p>
             <a:pPr lvl="1"/>
             <a:r>
               <a:rPr lang="en-US" dirty="0"/>
-              <a:t>Create a VM in an availability set</a:t>
+              <a:t>Create a VM</a:t>
             </a:r>
           </a:p>
           <a:p>
             <a:pPr lvl="1"/>
             <a:r>
               <a:rPr lang="en-US" dirty="0"/>
-              <a:t>Check available VM sizes</a:t>
+              <a:t>Install IIS</a:t>
             </a:r>
           </a:p>
           <a:p>
             <a:pPr lvl="1"/>
             <a:r>
               <a:rPr lang="en-US" dirty="0"/>
-              <a:t>Check Azure Advisor</a:t>
+              <a:t>Open Port 80</a:t>
+            </a:r>
+          </a:p>
+          <a:p>
+            <a:pPr lvl="1"/>
+            <a:r>
+              <a:rPr lang="en-US" dirty="0"/>
+              <a:t>Connect via RDP and HTTP</a:t>
+            </a:r>
+          </a:p>
+          <a:p>
+            <a:pPr lvl="1"/>
+            <a:r>
+              <a:rPr lang="en-US" dirty="0"/>
+              <a:t>Delete Resource Group</a:t>
             </a:r>
           </a:p>
           <a:p>
@@ -22922,24 +21990,6 @@
             </a:pPr>
             <a:r>
               <a:rPr lang="en-US" sz="1900" dirty="0"/>
-              <a:t>dan1514IP for “</a:t>
-            </a:r>
-            <a:r>
-              <a:rPr lang="en-US" sz="1900" dirty="0" err="1"/>
-              <a:t>myPublicIpAddress</a:t>
-            </a:r>
-            <a:r>
-              <a:rPr lang="en-US" sz="1900" dirty="0"/>
-              <a:t>” </a:t>
-            </a:r>
-          </a:p>
-          <a:p>
-            <a:pPr marL="742950" lvl="1">
-              <a:buFont typeface="Arial" panose="020B0604020202020204" pitchFamily="34" charset="0"/>
-              <a:buChar char="•"/>
-            </a:pPr>
-            <a:r>
-              <a:rPr lang="en-US" sz="1900" dirty="0"/>
               <a:t>dan1514vm for “</a:t>
             </a:r>
             <a:r>
@@ -22972,29 +22022,6 @@
               <a:rPr lang="en-US" sz="1900" dirty="0"/>
               <a:t>can reuse these machines for the next few labs but do not forget to go back after done with labs)</a:t>
             </a:r>
-          </a:p>
-          <a:p>
-            <a:pPr>
-              <a:buFont typeface="+mj-lt"/>
-              <a:buAutoNum type="arabicPeriod"/>
-            </a:pPr>
-            <a:r>
-              <a:rPr lang="en-US" sz="1900" dirty="0"/>
-              <a:t>Do not create the VM Scale Set – we do not have enough Azure Credits </a:t>
-            </a:r>
-            <a:r>
-              <a:rPr lang="en-US" sz="1900" dirty="0">
-                <a:sym typeface="Wingdings" panose="05000000000000000000" pitchFamily="2" charset="2"/>
-              </a:rPr>
-              <a:t></a:t>
-            </a:r>
-          </a:p>
-          <a:p>
-            <a:pPr>
-              <a:buFont typeface="+mj-lt"/>
-              <a:buAutoNum type="arabicPeriod"/>
-            </a:pPr>
-            <a:endParaRPr lang="en-US" sz="1900" dirty="0"/>
           </a:p>
           <a:p>
             <a:pPr marL="0" indent="0">
@@ -23027,7 +22054,7 @@
           <a:p>
             <a:r>
               <a:rPr lang="en-US" sz="2400" dirty="0"/>
-              <a:t>https://docs.microsoft.com/en-us/azure/virtual-machines/linux/tutorial-manage-vm</a:t>
+              <a:t>https://docs.microsoft.com/en-us/azure/virtual-machines/windows/quick-create-cli</a:t>
             </a:r>
           </a:p>
         </p:txBody>
@@ -23035,7 +22062,7 @@
     </p:spTree>
     <p:extLst>
       <p:ext uri="{BB962C8B-B14F-4D97-AF65-F5344CB8AC3E}">
-        <p14:creationId xmlns:p14="http://schemas.microsoft.com/office/powerpoint/2010/main" val="2456198297"/>
+        <p14:creationId xmlns:p14="http://schemas.microsoft.com/office/powerpoint/2010/main" val="3556655580"/>
       </p:ext>
     </p:extLst>
   </p:cSld>
@@ -23084,12 +22111,8 @@
           <a:lstStyle/>
           <a:p>
             <a:r>
-              <a:rPr lang="en-IN" dirty="0"/>
-              <a:t>Win 2a. </a:t>
-            </a:r>
-            <a:r>
-              <a:rPr lang="en-US" dirty="0"/>
-              <a:t>Create a Windows virtual machine install IIS with the Azure CLI 2.0</a:t>
+              <a:rPr lang="en-US" dirty="0"/>
+              <a:t>Win 2b. Install the IIS\.NET\SQL in a Windows VM with Azure Cloud Shell</a:t>
             </a:r>
           </a:p>
         </p:txBody>
@@ -23113,7 +22136,7 @@
         <p:spPr/>
         <p:txBody>
           <a:bodyPr>
-            <a:normAutofit fontScale="92500" lnSpcReduction="20000"/>
+            <a:normAutofit fontScale="77500" lnSpcReduction="20000"/>
           </a:bodyPr>
           <a:lstStyle/>
           <a:p>
@@ -23122,56 +22145,31 @@
             </a:pPr>
             <a:r>
               <a:rPr lang="en-US" dirty="0"/>
-              <a:t>You learn how to:</a:t>
-            </a:r>
-          </a:p>
-          <a:p>
-            <a:pPr lvl="1"/>
-            <a:r>
-              <a:rPr lang="en-US" dirty="0"/>
-              <a:t>Use Azure Cloud Shell</a:t>
-            </a:r>
-          </a:p>
-          <a:p>
-            <a:pPr lvl="1"/>
-            <a:r>
-              <a:rPr lang="en-US" dirty="0"/>
-              <a:t>Create a Resource Group</a:t>
-            </a:r>
-          </a:p>
-          <a:p>
-            <a:pPr lvl="1"/>
-            <a:r>
-              <a:rPr lang="en-US" dirty="0"/>
-              <a:t>Create a VM</a:t>
-            </a:r>
-          </a:p>
-          <a:p>
-            <a:pPr lvl="1"/>
-            <a:r>
-              <a:rPr lang="en-US" dirty="0"/>
-              <a:t>Install IIS</a:t>
-            </a:r>
-          </a:p>
-          <a:p>
-            <a:pPr lvl="1"/>
-            <a:r>
-              <a:rPr lang="en-US" dirty="0"/>
-              <a:t>Open Port 80</a:t>
-            </a:r>
-          </a:p>
-          <a:p>
-            <a:pPr lvl="1"/>
-            <a:r>
-              <a:rPr lang="en-US" dirty="0"/>
-              <a:t>Connect via RDP and HTTP</a:t>
-            </a:r>
-          </a:p>
-          <a:p>
-            <a:pPr lvl="1"/>
-            <a:r>
-              <a:rPr lang="en-US" dirty="0"/>
-              <a:t>Delete Resource Group</a:t>
+              <a:t>Azure Security Center can help you gain visibility into your Azure resource security practices. Security Center offers integrated security monitoring. It can detect threats that otherwise might go unnoticed. In this tutorial, you learn about Azure Security Center, and how to:</a:t>
+            </a:r>
+          </a:p>
+          <a:p>
+            <a:r>
+              <a:rPr lang="en-US" dirty="0"/>
+              <a:t>Create a VM </a:t>
+            </a:r>
+          </a:p>
+          <a:p>
+            <a:r>
+              <a:rPr lang="en-US" dirty="0"/>
+              <a:t>Install IIS and the .NET Core SDK on the VM</a:t>
+            </a:r>
+          </a:p>
+          <a:p>
+            <a:r>
+              <a:rPr lang="en-US" dirty="0"/>
+              <a:t>Create a VM running SQL Server</a:t>
+            </a:r>
+          </a:p>
+          <a:p>
+            <a:r>
+              <a:rPr lang="en-US" dirty="0"/>
+              <a:t>Install the SQL Server extension</a:t>
             </a:r>
           </a:p>
           <a:p>
@@ -23199,15 +22197,15 @@
               <a:buAutoNum type="arabicPeriod"/>
             </a:pPr>
             <a:r>
-              <a:rPr lang="en-US" sz="1900" dirty="0"/>
-              <a:t>Use your Initials1514 or other unique code for variables to prevent any duplicate public </a:t>
-            </a:r>
-            <a:r>
-              <a:rPr lang="en-US" sz="1900" dirty="0" err="1"/>
+              <a:rPr lang="en-US" dirty="0"/>
+              <a:t>Use your Initials0514 or other unique code for variables to prevent any duplicate public </a:t>
+            </a:r>
+            <a:r>
+              <a:rPr lang="en-US" dirty="0" err="1"/>
               <a:t>urls</a:t>
             </a:r>
             <a:r>
-              <a:rPr lang="en-US" sz="1900" dirty="0"/>
+              <a:rPr lang="en-US" dirty="0"/>
               <a:t> e.g. (lowercase):</a:t>
             </a:r>
           </a:p>
@@ -23217,16 +22215,26 @@
               <a:buChar char="•"/>
             </a:pPr>
             <a:r>
-              <a:rPr lang="en-US" sz="1900" dirty="0"/>
-              <a:t>dan1514vm for “</a:t>
-            </a:r>
-            <a:r>
-              <a:rPr lang="en-US" sz="1900" dirty="0" err="1"/>
-              <a:t>myVM</a:t>
-            </a:r>
-            <a:r>
-              <a:rPr lang="en-US" sz="1900" dirty="0"/>
+              <a:rPr lang="en-US" dirty="0"/>
+              <a:t>dan0514iisip for “</a:t>
+            </a:r>
+            <a:r>
+              <a:rPr lang="en-US" dirty="0" err="1"/>
+              <a:t>myIISPublicIpAddress</a:t>
+            </a:r>
+            <a:r>
+              <a:rPr lang="en-US" dirty="0"/>
               <a:t>” </a:t>
+            </a:r>
+          </a:p>
+          <a:p>
+            <a:pPr marL="742950" lvl="1">
+              <a:buFont typeface="Arial" panose="020B0604020202020204" pitchFamily="34" charset="0"/>
+              <a:buChar char="•"/>
+            </a:pPr>
+            <a:r>
+              <a:rPr lang="en-US" dirty="0"/>
+              <a:t>dan1514vmiis for “IISVM” </a:t>
             </a:r>
           </a:p>
           <a:p>
@@ -23235,20 +22243,8 @@
               <a:buAutoNum type="arabicPeriod"/>
             </a:pPr>
             <a:r>
-              <a:rPr lang="en-US" sz="2000" dirty="0"/>
-              <a:t>Stop and Deallocate or Delete resources when done with </a:t>
-            </a:r>
-            <a:r>
-              <a:rPr lang="en-US" sz="2000" b="1" dirty="0"/>
-              <a:t>ALL</a:t>
-            </a:r>
-            <a:r>
-              <a:rPr lang="en-US" sz="2000" dirty="0"/>
-              <a:t> labs (you </a:t>
-            </a:r>
-            <a:r>
-              <a:rPr lang="en-US" sz="1900" dirty="0"/>
-              <a:t>can reuse these machines for the next few labs but do not forget to go back after done with labs)</a:t>
+              <a:rPr lang="en-US" dirty="0"/>
+              <a:t>Stop and Deallocate or Delete resources when done with ALL labs (After Security Lab 4)</a:t>
             </a:r>
           </a:p>
           <a:p>
@@ -23281,8 +22277,8 @@
           <a:lstStyle/>
           <a:p>
             <a:r>
-              <a:rPr lang="en-US" dirty="0"/>
-              <a:t>https://docs.microsoft.com/en-us/azure/virtual-machines/windows/quick-create-cli</a:t>
+              <a:rPr lang="en-US" sz="2400" dirty="0"/>
+              <a:t>https://docs.microsoft.com/en-us/azure/virtual-machines/windows/tutorial-iis-sql</a:t>
             </a:r>
           </a:p>
         </p:txBody>
@@ -23290,7 +22286,7 @@
     </p:spTree>
     <p:extLst>
       <p:ext uri="{BB962C8B-B14F-4D97-AF65-F5344CB8AC3E}">
-        <p14:creationId xmlns:p14="http://schemas.microsoft.com/office/powerpoint/2010/main" val="3556655580"/>
+        <p14:creationId xmlns:p14="http://schemas.microsoft.com/office/powerpoint/2010/main" val="2608077847"/>
       </p:ext>
     </p:extLst>
   </p:cSld>
@@ -23340,7 +22336,7 @@
           <a:p>
             <a:r>
               <a:rPr lang="en-US" dirty="0"/>
-              <a:t>Win 2b. Install the SQL\IIS\.NET stack in a Windows VM with Azure Cloud Shell</a:t>
+              <a:t>Win 3. Monitor and update a Windows virtual machine in Azure using Cloud Shell</a:t>
             </a:r>
           </a:p>
         </p:txBody>
@@ -23364,7 +22360,7 @@
         <p:spPr/>
         <p:txBody>
           <a:bodyPr>
-            <a:normAutofit fontScale="77500" lnSpcReduction="20000"/>
+            <a:normAutofit fontScale="55000" lnSpcReduction="20000"/>
           </a:bodyPr>
           <a:lstStyle/>
           <a:p>
@@ -23373,31 +22369,67 @@
             </a:pPr>
             <a:r>
               <a:rPr lang="en-US" dirty="0"/>
-              <a:t>Azure Security Center can help you gain visibility into your Azure resource security practices. Security Center offers integrated security monitoring. It can detect threats that otherwise might go unnoticed. In this tutorial, you learn about Azure Security Center, and how to:</a:t>
-            </a:r>
-          </a:p>
-          <a:p>
-            <a:r>
-              <a:rPr lang="en-US" dirty="0"/>
-              <a:t>Create a VM </a:t>
-            </a:r>
-          </a:p>
-          <a:p>
-            <a:r>
-              <a:rPr lang="en-US" dirty="0"/>
-              <a:t>Install IIS and the .NET Core SDK on the VM</a:t>
-            </a:r>
-          </a:p>
-          <a:p>
-            <a:r>
-              <a:rPr lang="en-US" dirty="0"/>
-              <a:t>Create a VM running SQL Server</a:t>
-            </a:r>
-          </a:p>
-          <a:p>
-            <a:r>
-              <a:rPr lang="en-US" dirty="0"/>
-              <a:t>Install the SQL Server extension</a:t>
+              <a:t>You learn how to:</a:t>
+            </a:r>
+          </a:p>
+          <a:p>
+            <a:r>
+              <a:rPr lang="en-US" dirty="0"/>
+              <a:t>Use PowerShell or Azure Cloud Shell</a:t>
+            </a:r>
+          </a:p>
+          <a:p>
+            <a:r>
+              <a:rPr lang="en-US" dirty="0"/>
+              <a:t>Enable boot diagnostics on a VM</a:t>
+            </a:r>
+          </a:p>
+          <a:p>
+            <a:r>
+              <a:rPr lang="en-US" dirty="0"/>
+              <a:t>View boot diagnostics</a:t>
+            </a:r>
+          </a:p>
+          <a:p>
+            <a:r>
+              <a:rPr lang="en-US" dirty="0"/>
+              <a:t>View VM host metrics</a:t>
+            </a:r>
+          </a:p>
+          <a:p>
+            <a:r>
+              <a:rPr lang="en-US" dirty="0"/>
+              <a:t>Install the diagnostics extension</a:t>
+            </a:r>
+          </a:p>
+          <a:p>
+            <a:r>
+              <a:rPr lang="en-US" dirty="0"/>
+              <a:t>View VM metrics</a:t>
+            </a:r>
+          </a:p>
+          <a:p>
+            <a:r>
+              <a:rPr lang="en-US" dirty="0"/>
+              <a:t>Create an alert</a:t>
+            </a:r>
+          </a:p>
+          <a:p>
+            <a:r>
+              <a:rPr lang="en-US" dirty="0"/>
+              <a:t>Manage Windows updates</a:t>
+            </a:r>
+          </a:p>
+          <a:p>
+            <a:r>
+              <a:rPr lang="en-US" dirty="0"/>
+              <a:t>Monitor changes and inventory</a:t>
+            </a:r>
+          </a:p>
+          <a:p>
+            <a:r>
+              <a:rPr lang="en-US" dirty="0"/>
+              <a:t>Set up advanced monitoring</a:t>
             </a:r>
           </a:p>
           <a:p>
@@ -23444,7 +22476,7 @@
             </a:pPr>
             <a:r>
               <a:rPr lang="en-US" dirty="0"/>
-              <a:t>dan0514iisip for “</a:t>
+              <a:t>dan0514ip for “</a:t>
             </a:r>
             <a:r>
               <a:rPr lang="en-US" dirty="0" err="1"/>
@@ -23462,7 +22494,25 @@
             </a:pPr>
             <a:r>
               <a:rPr lang="en-US" dirty="0"/>
-              <a:t>dan1514vmiis for “IISVM” </a:t>
+              <a:t>dan1514vm for “</a:t>
+            </a:r>
+            <a:r>
+              <a:rPr lang="en-US" dirty="0" err="1"/>
+              <a:t>myVM</a:t>
+            </a:r>
+            <a:r>
+              <a:rPr lang="en-US" dirty="0"/>
+              <a:t>” </a:t>
+            </a:r>
+          </a:p>
+          <a:p>
+            <a:pPr marL="742950" lvl="1">
+              <a:buFont typeface="Arial" panose="020B0604020202020204" pitchFamily="34" charset="0"/>
+              <a:buChar char="•"/>
+            </a:pPr>
+            <a:r>
+              <a:rPr lang="en-US" dirty="0"/>
+              <a:t>If you did not delete your VMs from another lab, you can use that VM instead of creating one</a:t>
             </a:r>
           </a:p>
           <a:p>
@@ -23472,8 +22522,25 @@
             </a:pPr>
             <a:r>
               <a:rPr lang="en-US" dirty="0"/>
-              <a:t>Stop and Deallocate or Delete resources when done with ALL labs (After Security Lab 4)</a:t>
-            </a:r>
+              <a:t>Deallocate or Delete the resources when done with the labs</a:t>
+            </a:r>
+          </a:p>
+          <a:p>
+            <a:pPr>
+              <a:buFont typeface="+mj-lt"/>
+              <a:buAutoNum type="arabicPeriod"/>
+            </a:pPr>
+            <a:r>
+              <a:rPr lang="en-US" dirty="0"/>
+              <a:t>Do not create the VM Scale Set – we do not have enough Azure Credits </a:t>
+            </a:r>
+            <a:r>
+              <a:rPr lang="en-US" dirty="0">
+                <a:sym typeface="Wingdings" panose="05000000000000000000" pitchFamily="2" charset="2"/>
+              </a:rPr>
+              <a:t></a:t>
+            </a:r>
+            <a:endParaRPr lang="en-US" dirty="0"/>
           </a:p>
           <a:p>
             <a:pPr marL="0" indent="0">
@@ -23505,8 +22572,8 @@
           <a:lstStyle/>
           <a:p>
             <a:r>
-              <a:rPr lang="en-US" dirty="0"/>
-              <a:t>https://docs.microsoft.com/en-us/azure/virtual-machines/windows/tutorial-iis-sql</a:t>
+              <a:rPr lang="en-US" sz="2000" dirty="0"/>
+              <a:t>https://docs.microsoft.com/en-us/azure/virtual-machines/windows/tutorial-monitoring</a:t>
             </a:r>
           </a:p>
         </p:txBody>
@@ -23514,7 +22581,7 @@
     </p:spTree>
     <p:extLst>
       <p:ext uri="{BB962C8B-B14F-4D97-AF65-F5344CB8AC3E}">
-        <p14:creationId xmlns:p14="http://schemas.microsoft.com/office/powerpoint/2010/main" val="2608077847"/>
+        <p14:creationId xmlns:p14="http://schemas.microsoft.com/office/powerpoint/2010/main" val="3789304177"/>
       </p:ext>
     </p:extLst>
   </p:cSld>
@@ -23564,301 +22631,6 @@
           <a:p>
             <a:r>
               <a:rPr lang="en-US" dirty="0"/>
-              <a:t>Win 3. Monitor and update a Windows virtual machine in Azure using Cloud Shell</a:t>
-            </a:r>
-          </a:p>
-        </p:txBody>
-      </p:sp>
-      <p:sp>
-        <p:nvSpPr>
-          <p:cNvPr id="2" name="Content Placeholder 1">
-            <a:extLst>
-              <a:ext uri="{FF2B5EF4-FFF2-40B4-BE49-F238E27FC236}">
-                <a16:creationId xmlns:a16="http://schemas.microsoft.com/office/drawing/2014/main" id="{6A84E970-B2D5-4816-B0CF-6C55060F7553}"/>
-              </a:ext>
-            </a:extLst>
-          </p:cNvPr>
-          <p:cNvSpPr>
-            <a:spLocks noGrp="1"/>
-          </p:cNvSpPr>
-          <p:nvPr>
-            <p:ph idx="1"/>
-          </p:nvPr>
-        </p:nvSpPr>
-        <p:spPr/>
-        <p:txBody>
-          <a:bodyPr>
-            <a:normAutofit fontScale="55000" lnSpcReduction="20000"/>
-          </a:bodyPr>
-          <a:lstStyle/>
-          <a:p>
-            <a:pPr marL="0" indent="0">
-              <a:buNone/>
-            </a:pPr>
-            <a:r>
-              <a:rPr lang="en-US" dirty="0"/>
-              <a:t>You learn how to:</a:t>
-            </a:r>
-          </a:p>
-          <a:p>
-            <a:r>
-              <a:rPr lang="en-US" dirty="0"/>
-              <a:t>Use PowerShell or Azure Cloud Shell</a:t>
-            </a:r>
-          </a:p>
-          <a:p>
-            <a:r>
-              <a:rPr lang="en-US" dirty="0"/>
-              <a:t>Enable boot diagnostics on a VM</a:t>
-            </a:r>
-          </a:p>
-          <a:p>
-            <a:r>
-              <a:rPr lang="en-US" dirty="0"/>
-              <a:t>View boot diagnostics</a:t>
-            </a:r>
-          </a:p>
-          <a:p>
-            <a:r>
-              <a:rPr lang="en-US" dirty="0"/>
-              <a:t>View VM host metrics</a:t>
-            </a:r>
-          </a:p>
-          <a:p>
-            <a:r>
-              <a:rPr lang="en-US" dirty="0"/>
-              <a:t>Install the diagnostics extension</a:t>
-            </a:r>
-          </a:p>
-          <a:p>
-            <a:r>
-              <a:rPr lang="en-US" dirty="0"/>
-              <a:t>View VM metrics</a:t>
-            </a:r>
-          </a:p>
-          <a:p>
-            <a:r>
-              <a:rPr lang="en-US" dirty="0"/>
-              <a:t>Create an alert</a:t>
-            </a:r>
-          </a:p>
-          <a:p>
-            <a:r>
-              <a:rPr lang="en-US" dirty="0"/>
-              <a:t>Manage Windows updates</a:t>
-            </a:r>
-          </a:p>
-          <a:p>
-            <a:r>
-              <a:rPr lang="en-US" dirty="0"/>
-              <a:t>Monitor changes and inventory</a:t>
-            </a:r>
-          </a:p>
-          <a:p>
-            <a:r>
-              <a:rPr lang="en-US" dirty="0"/>
-              <a:t>Set up advanced monitoring</a:t>
-            </a:r>
-          </a:p>
-          <a:p>
-            <a:pPr marL="0" indent="0">
-              <a:buNone/>
-            </a:pPr>
-            <a:endParaRPr lang="en-US" dirty="0"/>
-          </a:p>
-          <a:p>
-            <a:pPr marL="0" indent="0">
-              <a:buNone/>
-            </a:pPr>
-            <a:r>
-              <a:rPr lang="en-US" u="sng" dirty="0">
-                <a:highlight>
-                  <a:srgbClr val="FFFF00"/>
-                </a:highlight>
-              </a:rPr>
-              <a:t>Important Notes</a:t>
-            </a:r>
-          </a:p>
-          <a:p>
-            <a:pPr>
-              <a:buFont typeface="+mj-lt"/>
-              <a:buAutoNum type="arabicPeriod"/>
-            </a:pPr>
-            <a:r>
-              <a:rPr lang="en-US" dirty="0"/>
-              <a:t>Use your Initials0514 or other unique code for variables to prevent any duplicate public </a:t>
-            </a:r>
-            <a:r>
-              <a:rPr lang="en-US" dirty="0" err="1"/>
-              <a:t>urls</a:t>
-            </a:r>
-            <a:r>
-              <a:rPr lang="en-US" dirty="0"/>
-              <a:t> e.g. (lowercase):</a:t>
-            </a:r>
-          </a:p>
-          <a:p>
-            <a:pPr marL="742950" lvl="1">
-              <a:buFont typeface="Arial" panose="020B0604020202020204" pitchFamily="34" charset="0"/>
-              <a:buChar char="•"/>
-            </a:pPr>
-            <a:r>
-              <a:rPr lang="en-US" dirty="0"/>
-              <a:t>dan0514ip for “</a:t>
-            </a:r>
-            <a:r>
-              <a:rPr lang="en-US" dirty="0" err="1"/>
-              <a:t>myIISPublicIpAddress</a:t>
-            </a:r>
-            <a:r>
-              <a:rPr lang="en-US" dirty="0"/>
-              <a:t>” </a:t>
-            </a:r>
-          </a:p>
-          <a:p>
-            <a:pPr marL="742950" lvl="1">
-              <a:buFont typeface="Arial" panose="020B0604020202020204" pitchFamily="34" charset="0"/>
-              <a:buChar char="•"/>
-            </a:pPr>
-            <a:r>
-              <a:rPr lang="en-US" dirty="0"/>
-              <a:t>dan1514vm for “</a:t>
-            </a:r>
-            <a:r>
-              <a:rPr lang="en-US" dirty="0" err="1"/>
-              <a:t>myVM</a:t>
-            </a:r>
-            <a:r>
-              <a:rPr lang="en-US" dirty="0"/>
-              <a:t>” </a:t>
-            </a:r>
-          </a:p>
-          <a:p>
-            <a:pPr marL="742950" lvl="1">
-              <a:buFont typeface="Arial" panose="020B0604020202020204" pitchFamily="34" charset="0"/>
-              <a:buChar char="•"/>
-            </a:pPr>
-            <a:r>
-              <a:rPr lang="en-US" dirty="0"/>
-              <a:t>If you did not delete your VMs from another lab, you can use that VM instead of creating one</a:t>
-            </a:r>
-          </a:p>
-          <a:p>
-            <a:pPr>
-              <a:buFont typeface="+mj-lt"/>
-              <a:buAutoNum type="arabicPeriod"/>
-            </a:pPr>
-            <a:r>
-              <a:rPr lang="en-US" dirty="0"/>
-              <a:t>Deallocate or Delete the resources when done with the labs</a:t>
-            </a:r>
-          </a:p>
-          <a:p>
-            <a:pPr>
-              <a:buFont typeface="+mj-lt"/>
-              <a:buAutoNum type="arabicPeriod"/>
-            </a:pPr>
-            <a:r>
-              <a:rPr lang="en-US" dirty="0"/>
-              <a:t>Do not create the VM Scale Set – we do not have enough Azure Credits </a:t>
-            </a:r>
-            <a:r>
-              <a:rPr lang="en-US" dirty="0">
-                <a:sym typeface="Wingdings" panose="05000000000000000000" pitchFamily="2" charset="2"/>
-              </a:rPr>
-              <a:t></a:t>
-            </a:r>
-            <a:endParaRPr lang="en-US" dirty="0"/>
-          </a:p>
-          <a:p>
-            <a:pPr marL="0" indent="0">
-              <a:buNone/>
-            </a:pPr>
-            <a:endParaRPr lang="en-US" dirty="0"/>
-          </a:p>
-        </p:txBody>
-      </p:sp>
-      <p:sp>
-        <p:nvSpPr>
-          <p:cNvPr id="6" name="Text Placeholder 5">
-            <a:extLst>
-              <a:ext uri="{FF2B5EF4-FFF2-40B4-BE49-F238E27FC236}">
-                <a16:creationId xmlns:a16="http://schemas.microsoft.com/office/drawing/2014/main" id="{80B11388-CFF3-4CFC-99E3-D2D9B375268C}"/>
-              </a:ext>
-            </a:extLst>
-          </p:cNvPr>
-          <p:cNvSpPr>
-            <a:spLocks noGrp="1"/>
-          </p:cNvSpPr>
-          <p:nvPr>
-            <p:ph type="body" sz="quarter" idx="10"/>
-          </p:nvPr>
-        </p:nvSpPr>
-        <p:spPr/>
-        <p:txBody>
-          <a:bodyPr/>
-          <a:lstStyle/>
-          <a:p>
-            <a:r>
-              <a:rPr lang="en-US" dirty="0"/>
-              <a:t>https://docs.microsoft.com/en-us/azure/virtual-machines/windows/tutorial-monitoring</a:t>
-            </a:r>
-          </a:p>
-        </p:txBody>
-      </p:sp>
-    </p:spTree>
-    <p:extLst>
-      <p:ext uri="{BB962C8B-B14F-4D97-AF65-F5344CB8AC3E}">
-        <p14:creationId xmlns:p14="http://schemas.microsoft.com/office/powerpoint/2010/main" val="3789304177"/>
-      </p:ext>
-    </p:extLst>
-  </p:cSld>
-  <p:clrMapOvr>
-    <a:masterClrMapping/>
-  </p:clrMapOvr>
-</p:sld>
-</file>
-
-<file path=ppt/slides/slide17.xml><?xml version="1.0" encoding="utf-8"?>
-<p:sld xmlns:a="http://schemas.openxmlformats.org/drawingml/2006/main" xmlns:r="http://schemas.openxmlformats.org/officeDocument/2006/relationships" xmlns:p="http://schemas.openxmlformats.org/presentationml/2006/main">
-  <p:cSld>
-    <p:spTree>
-      <p:nvGrpSpPr>
-        <p:cNvPr id="1" name=""/>
-        <p:cNvGrpSpPr/>
-        <p:nvPr/>
-      </p:nvGrpSpPr>
-      <p:grpSpPr>
-        <a:xfrm>
-          <a:off x="0" y="0"/>
-          <a:ext cx="0" cy="0"/>
-          <a:chOff x="0" y="0"/>
-          <a:chExt cx="0" cy="0"/>
-        </a:xfrm>
-      </p:grpSpPr>
-      <p:sp>
-        <p:nvSpPr>
-          <p:cNvPr id="3" name="Title 2">
-            <a:extLst>
-              <a:ext uri="{FF2B5EF4-FFF2-40B4-BE49-F238E27FC236}">
-                <a16:creationId xmlns:a16="http://schemas.microsoft.com/office/drawing/2014/main" id="{6F58B209-4E6F-412E-BA33-6903529DB20C}"/>
-              </a:ext>
-            </a:extLst>
-          </p:cNvPr>
-          <p:cNvSpPr>
-            <a:spLocks noGrp="1"/>
-          </p:cNvSpPr>
-          <p:nvPr>
-            <p:ph type="title"/>
-          </p:nvPr>
-        </p:nvSpPr>
-        <p:spPr/>
-        <p:txBody>
-          <a:bodyPr/>
-          <a:lstStyle/>
-          <a:p>
-            <a:r>
-              <a:rPr lang="en-US" dirty="0"/>
               <a:t>4. Use Azure Security Center to monitor Windows virtual machines</a:t>
             </a:r>
           </a:p>
@@ -23988,8 +22760,8 @@
           <a:lstStyle/>
           <a:p>
             <a:r>
-              <a:rPr lang="en-US" dirty="0"/>
-              <a:t>https://docs.microsoft.com/en-us/azure/virtual-machines/windows/tutorial-iis-sql</a:t>
+              <a:rPr lang="en-US" sz="2000" dirty="0"/>
+              <a:t>https://docs.microsoft.com/en-us/azure/virtual-machines/windows/tutorial-azure-security</a:t>
             </a:r>
           </a:p>
         </p:txBody>
@@ -24007,7 +22779,7 @@
 </p:sld>
 </file>
 
-<file path=ppt/slides/slide18.xml><?xml version="1.0" encoding="utf-8"?>
+<file path=ppt/slides/slide17.xml><?xml version="1.0" encoding="utf-8"?>
 <p:sld xmlns:a="http://schemas.openxmlformats.org/drawingml/2006/main" xmlns:r="http://schemas.openxmlformats.org/officeDocument/2006/relationships" xmlns:p="http://schemas.openxmlformats.org/presentationml/2006/main">
   <p:cSld>
     <p:spTree>
@@ -24148,7 +22920,7 @@
 </p:sld>
 </file>
 
-<file path=ppt/slides/slide19.xml><?xml version="1.0" encoding="utf-8"?>
+<file path=ppt/slides/slide18.xml><?xml version="1.0" encoding="utf-8"?>
 <p:sld xmlns:a="http://schemas.openxmlformats.org/drawingml/2006/main" xmlns:r="http://schemas.openxmlformats.org/officeDocument/2006/relationships" xmlns:p="http://schemas.openxmlformats.org/presentationml/2006/main">
   <p:cSld>
     <p:spTree>
@@ -24325,6 +23097,176 @@
     <p:extLst>
       <p:ext uri="{BB962C8B-B14F-4D97-AF65-F5344CB8AC3E}">
         <p14:creationId xmlns:p14="http://schemas.microsoft.com/office/powerpoint/2010/main" val="190601822"/>
+      </p:ext>
+    </p:extLst>
+  </p:cSld>
+  <p:clrMapOvr>
+    <a:masterClrMapping/>
+  </p:clrMapOvr>
+</p:sld>
+</file>
+
+<file path=ppt/slides/slide19.xml><?xml version="1.0" encoding="utf-8"?>
+<p:sld xmlns:a="http://schemas.openxmlformats.org/drawingml/2006/main" xmlns:r="http://schemas.openxmlformats.org/officeDocument/2006/relationships" xmlns:p="http://schemas.openxmlformats.org/presentationml/2006/main">
+  <p:cSld>
+    <p:spTree>
+      <p:nvGrpSpPr>
+        <p:cNvPr id="1" name=""/>
+        <p:cNvGrpSpPr/>
+        <p:nvPr/>
+      </p:nvGrpSpPr>
+      <p:grpSpPr>
+        <a:xfrm>
+          <a:off x="0" y="0"/>
+          <a:ext cx="0" cy="0"/>
+          <a:chOff x="0" y="0"/>
+          <a:chExt cx="0" cy="0"/>
+        </a:xfrm>
+      </p:grpSpPr>
+      <p:sp>
+        <p:nvSpPr>
+          <p:cNvPr id="2" name="Title 1">
+            <a:extLst>
+              <a:ext uri="{FF2B5EF4-FFF2-40B4-BE49-F238E27FC236}">
+                <a16:creationId xmlns:a16="http://schemas.microsoft.com/office/drawing/2014/main" id="{A5D370CE-3C41-44EE-A701-43375D986C46}"/>
+              </a:ext>
+            </a:extLst>
+          </p:cNvPr>
+          <p:cNvSpPr>
+            <a:spLocks noGrp="1"/>
+          </p:cNvSpPr>
+          <p:nvPr>
+            <p:ph type="title"/>
+          </p:nvPr>
+        </p:nvSpPr>
+        <p:spPr/>
+        <p:txBody>
+          <a:bodyPr/>
+          <a:lstStyle/>
+          <a:p>
+            <a:r>
+              <a:rPr lang="en-US" sz="3600" dirty="0"/>
+              <a:t>Storage and Operational Readiness</a:t>
+            </a:r>
+          </a:p>
+        </p:txBody>
+      </p:sp>
+      <p:sp>
+        <p:nvSpPr>
+          <p:cNvPr id="3" name="Content Placeholder 2">
+            <a:extLst>
+              <a:ext uri="{FF2B5EF4-FFF2-40B4-BE49-F238E27FC236}">
+                <a16:creationId xmlns:a16="http://schemas.microsoft.com/office/drawing/2014/main" id="{91162988-61B1-4BCC-9D7D-779EE61730DE}"/>
+              </a:ext>
+            </a:extLst>
+          </p:cNvPr>
+          <p:cNvSpPr>
+            <a:spLocks noGrp="1"/>
+          </p:cNvSpPr>
+          <p:nvPr>
+            <p:ph idx="1"/>
+          </p:nvPr>
+        </p:nvSpPr>
+        <p:spPr/>
+        <p:txBody>
+          <a:bodyPr>
+            <a:normAutofit/>
+          </a:bodyPr>
+          <a:lstStyle/>
+          <a:p>
+            <a:r>
+              <a:rPr lang="en-US" b="1" dirty="0"/>
+              <a:t>Getting Started with Storage - Manage Storage Account - in </a:t>
+            </a:r>
+            <a:r>
+              <a:rPr lang="en-US" b="1" dirty="0" err="1"/>
+              <a:t>.Net</a:t>
+            </a:r>
+            <a:r>
+              <a:rPr lang="en-US" b="1" dirty="0"/>
+              <a:t> </a:t>
+            </a:r>
+            <a:r>
+              <a:rPr lang="en-US" dirty="0">
+                <a:hlinkClick r:id="rId3"/>
+              </a:rPr>
+              <a:t>https://azure.microsoft.com/en-us/resources/samples/storage-dotnet-manage-storage-accounts/</a:t>
+            </a:r>
+            <a:r>
+              <a:rPr lang="en-US" dirty="0"/>
+              <a:t> </a:t>
+            </a:r>
+          </a:p>
+          <a:p>
+            <a:r>
+              <a:rPr lang="en-US" b="1" dirty="0"/>
+              <a:t>Desired State Configuration (DSC) </a:t>
+            </a:r>
+            <a:r>
+              <a:rPr lang="en-US" dirty="0">
+                <a:hlinkClick r:id="rId4"/>
+              </a:rPr>
+              <a:t>https://docs.microsoft.com/en-us/azure/automation/automation-dsc-getting-started </a:t>
+            </a:r>
+            <a:endParaRPr lang="en-US" dirty="0"/>
+          </a:p>
+          <a:p>
+            <a:r>
+              <a:rPr lang="en-US" b="1" dirty="0"/>
+              <a:t>How Azure Backup Works in 10 mins </a:t>
+            </a:r>
+            <a:r>
+              <a:rPr lang="en-US" dirty="0">
+                <a:hlinkClick r:id="rId5"/>
+              </a:rPr>
+              <a:t>https://docs.microsoft.com/en-us/azure/backup/backup-try-azure-backup-in-10-mins</a:t>
+            </a:r>
+            <a:endParaRPr lang="en-US" dirty="0"/>
+          </a:p>
+        </p:txBody>
+      </p:sp>
+      <p:sp>
+        <p:nvSpPr>
+          <p:cNvPr id="4" name="Text Placeholder 3">
+            <a:extLst>
+              <a:ext uri="{FF2B5EF4-FFF2-40B4-BE49-F238E27FC236}">
+                <a16:creationId xmlns:a16="http://schemas.microsoft.com/office/drawing/2014/main" id="{D9CA9968-947A-48A8-B829-946DC1ACC14B}"/>
+              </a:ext>
+            </a:extLst>
+          </p:cNvPr>
+          <p:cNvSpPr>
+            <a:spLocks noGrp="1"/>
+          </p:cNvSpPr>
+          <p:nvPr>
+            <p:ph type="body" sz="quarter" idx="10"/>
+          </p:nvPr>
+        </p:nvSpPr>
+        <p:spPr/>
+        <p:txBody>
+          <a:bodyPr/>
+          <a:lstStyle/>
+          <a:p>
+            <a:r>
+              <a:rPr lang="en-US" dirty="0"/>
+              <a:t>More Storage: </a:t>
+            </a:r>
+            <a:r>
+              <a:rPr lang="en-US" dirty="0">
+                <a:hlinkClick r:id="rId6"/>
+              </a:rPr>
+              <a:t>https://azure.microsoft.com/en-us/resources/samples/?service=storage</a:t>
+            </a:r>
+            <a:r>
+              <a:rPr lang="en-US" dirty="0"/>
+              <a:t> </a:t>
+            </a:r>
+          </a:p>
+        </p:txBody>
+      </p:sp>
+    </p:spTree>
+    <p:extLst>
+      <p:ext uri="{BB962C8B-B14F-4D97-AF65-F5344CB8AC3E}">
+        <p14:creationId xmlns:p14="http://schemas.microsoft.com/office/powerpoint/2010/main" val="1401110197"/>
       </p:ext>
     </p:extLst>
   </p:cSld>
@@ -25861,176 +24803,6 @@
           <p:cNvPr id="2" name="Title 1">
             <a:extLst>
               <a:ext uri="{FF2B5EF4-FFF2-40B4-BE49-F238E27FC236}">
-                <a16:creationId xmlns:a16="http://schemas.microsoft.com/office/drawing/2014/main" id="{A5D370CE-3C41-44EE-A701-43375D986C46}"/>
-              </a:ext>
-            </a:extLst>
-          </p:cNvPr>
-          <p:cNvSpPr>
-            <a:spLocks noGrp="1"/>
-          </p:cNvSpPr>
-          <p:nvPr>
-            <p:ph type="title"/>
-          </p:nvPr>
-        </p:nvSpPr>
-        <p:spPr/>
-        <p:txBody>
-          <a:bodyPr/>
-          <a:lstStyle/>
-          <a:p>
-            <a:r>
-              <a:rPr lang="en-US" sz="3600" dirty="0"/>
-              <a:t>Storage and Operational Readiness</a:t>
-            </a:r>
-          </a:p>
-        </p:txBody>
-      </p:sp>
-      <p:sp>
-        <p:nvSpPr>
-          <p:cNvPr id="3" name="Content Placeholder 2">
-            <a:extLst>
-              <a:ext uri="{FF2B5EF4-FFF2-40B4-BE49-F238E27FC236}">
-                <a16:creationId xmlns:a16="http://schemas.microsoft.com/office/drawing/2014/main" id="{91162988-61B1-4BCC-9D7D-779EE61730DE}"/>
-              </a:ext>
-            </a:extLst>
-          </p:cNvPr>
-          <p:cNvSpPr>
-            <a:spLocks noGrp="1"/>
-          </p:cNvSpPr>
-          <p:nvPr>
-            <p:ph idx="1"/>
-          </p:nvPr>
-        </p:nvSpPr>
-        <p:spPr/>
-        <p:txBody>
-          <a:bodyPr>
-            <a:normAutofit/>
-          </a:bodyPr>
-          <a:lstStyle/>
-          <a:p>
-            <a:r>
-              <a:rPr lang="en-US" b="1" dirty="0"/>
-              <a:t>Getting Started with Storage - Manage Storage Account - in </a:t>
-            </a:r>
-            <a:r>
-              <a:rPr lang="en-US" b="1" dirty="0" err="1"/>
-              <a:t>.Net</a:t>
-            </a:r>
-            <a:r>
-              <a:rPr lang="en-US" b="1" dirty="0"/>
-              <a:t> </a:t>
-            </a:r>
-            <a:r>
-              <a:rPr lang="en-US" dirty="0">
-                <a:hlinkClick r:id="rId3"/>
-              </a:rPr>
-              <a:t>https://azure.microsoft.com/en-us/resources/samples/storage-dotnet-manage-storage-accounts/</a:t>
-            </a:r>
-            <a:r>
-              <a:rPr lang="en-US" dirty="0"/>
-              <a:t> </a:t>
-            </a:r>
-          </a:p>
-          <a:p>
-            <a:r>
-              <a:rPr lang="en-US" b="1" dirty="0"/>
-              <a:t>Desired State Configuration (DSC) </a:t>
-            </a:r>
-            <a:r>
-              <a:rPr lang="en-US" dirty="0">
-                <a:hlinkClick r:id="rId4"/>
-              </a:rPr>
-              <a:t>https://docs.microsoft.com/en-us/azure/automation/automation-dsc-getting-started </a:t>
-            </a:r>
-            <a:endParaRPr lang="en-US" dirty="0"/>
-          </a:p>
-          <a:p>
-            <a:r>
-              <a:rPr lang="en-US" b="1" dirty="0"/>
-              <a:t>How Azure Backup Works in 10 mins </a:t>
-            </a:r>
-            <a:r>
-              <a:rPr lang="en-US" dirty="0">
-                <a:hlinkClick r:id="rId5"/>
-              </a:rPr>
-              <a:t>https://docs.microsoft.com/en-us/azure/backup/backup-try-azure-backup-in-10-mins</a:t>
-            </a:r>
-            <a:endParaRPr lang="en-US" dirty="0"/>
-          </a:p>
-        </p:txBody>
-      </p:sp>
-      <p:sp>
-        <p:nvSpPr>
-          <p:cNvPr id="4" name="Text Placeholder 3">
-            <a:extLst>
-              <a:ext uri="{FF2B5EF4-FFF2-40B4-BE49-F238E27FC236}">
-                <a16:creationId xmlns:a16="http://schemas.microsoft.com/office/drawing/2014/main" id="{D9CA9968-947A-48A8-B829-946DC1ACC14B}"/>
-              </a:ext>
-            </a:extLst>
-          </p:cNvPr>
-          <p:cNvSpPr>
-            <a:spLocks noGrp="1"/>
-          </p:cNvSpPr>
-          <p:nvPr>
-            <p:ph type="body" sz="quarter" idx="10"/>
-          </p:nvPr>
-        </p:nvSpPr>
-        <p:spPr/>
-        <p:txBody>
-          <a:bodyPr/>
-          <a:lstStyle/>
-          <a:p>
-            <a:r>
-              <a:rPr lang="en-US" dirty="0"/>
-              <a:t>More Storage: </a:t>
-            </a:r>
-            <a:r>
-              <a:rPr lang="en-US" dirty="0">
-                <a:hlinkClick r:id="rId6"/>
-              </a:rPr>
-              <a:t>https://azure.microsoft.com/en-us/resources/samples/?service=storage</a:t>
-            </a:r>
-            <a:r>
-              <a:rPr lang="en-US" dirty="0"/>
-              <a:t> </a:t>
-            </a:r>
-          </a:p>
-        </p:txBody>
-      </p:sp>
-    </p:spTree>
-    <p:extLst>
-      <p:ext uri="{BB962C8B-B14F-4D97-AF65-F5344CB8AC3E}">
-        <p14:creationId xmlns:p14="http://schemas.microsoft.com/office/powerpoint/2010/main" val="1401110197"/>
-      </p:ext>
-    </p:extLst>
-  </p:cSld>
-  <p:clrMapOvr>
-    <a:masterClrMapping/>
-  </p:clrMapOvr>
-</p:sld>
-</file>
-
-<file path=ppt/slides/slide21.xml><?xml version="1.0" encoding="utf-8"?>
-<p:sld xmlns:a="http://schemas.openxmlformats.org/drawingml/2006/main" xmlns:r="http://schemas.openxmlformats.org/officeDocument/2006/relationships" xmlns:p="http://schemas.openxmlformats.org/presentationml/2006/main">
-  <p:cSld>
-    <p:spTree>
-      <p:nvGrpSpPr>
-        <p:cNvPr id="1" name=""/>
-        <p:cNvGrpSpPr/>
-        <p:nvPr/>
-      </p:nvGrpSpPr>
-      <p:grpSpPr>
-        <a:xfrm>
-          <a:off x="0" y="0"/>
-          <a:ext cx="0" cy="0"/>
-          <a:chOff x="0" y="0"/>
-          <a:chExt cx="0" cy="0"/>
-        </a:xfrm>
-      </p:grpSpPr>
-      <p:sp>
-        <p:nvSpPr>
-          <p:cNvPr id="2" name="Title 1">
-            <a:extLst>
-              <a:ext uri="{FF2B5EF4-FFF2-40B4-BE49-F238E27FC236}">
                 <a16:creationId xmlns:a16="http://schemas.microsoft.com/office/drawing/2014/main" id="{F3606FF6-39A1-40A3-B2D1-B06CE96446E4}"/>
               </a:ext>
             </a:extLst>
@@ -26397,7 +25169,7 @@
 </p:sld>
 </file>
 
-<file path=ppt/slides/slide22.xml><?xml version="1.0" encoding="utf-8"?>
+<file path=ppt/slides/slide21.xml><?xml version="1.0" encoding="utf-8"?>
 <p:sld xmlns:a="http://schemas.openxmlformats.org/drawingml/2006/main" xmlns:r="http://schemas.openxmlformats.org/officeDocument/2006/relationships" xmlns:p="http://schemas.openxmlformats.org/presentationml/2006/main">
   <p:cSld>
     <p:spTree>
@@ -26579,7 +25351,7 @@
 </p:sld>
 </file>
 
-<file path=ppt/slides/slide23.xml><?xml version="1.0" encoding="utf-8"?>
+<file path=ppt/slides/slide22.xml><?xml version="1.0" encoding="utf-8"?>
 <p:sld xmlns:a="http://schemas.openxmlformats.org/drawingml/2006/main" xmlns:r="http://schemas.openxmlformats.org/officeDocument/2006/relationships" xmlns:p="http://schemas.openxmlformats.org/presentationml/2006/main" show="0">
   <p:cSld>
     <p:spTree>
@@ -26873,7 +25645,7 @@
 </p:sld>
 </file>
 
-<file path=ppt/slides/slide24.xml><?xml version="1.0" encoding="utf-8"?>
+<file path=ppt/slides/slide23.xml><?xml version="1.0" encoding="utf-8"?>
 <p:sld xmlns:a="http://schemas.openxmlformats.org/drawingml/2006/main" xmlns:r="http://schemas.openxmlformats.org/officeDocument/2006/relationships" xmlns:p="http://schemas.openxmlformats.org/presentationml/2006/main">
   <p:cSld>
     <p:spTree>
@@ -27747,7 +26519,7 @@
 </p:sld>
 </file>
 
-<file path=ppt/slides/slide25.xml><?xml version="1.0" encoding="utf-8"?>
+<file path=ppt/slides/slide24.xml><?xml version="1.0" encoding="utf-8"?>
 <p:sld xmlns:a="http://schemas.openxmlformats.org/drawingml/2006/main" xmlns:r="http://schemas.openxmlformats.org/officeDocument/2006/relationships" xmlns:p="http://schemas.openxmlformats.org/presentationml/2006/main">
   <p:cSld>
     <p:spTree>
@@ -28184,394 +26956,7 @@
 </p:sld>
 </file>
 
-<file path=ppt/slides/slide26.xml><?xml version="1.0" encoding="utf-8"?>
-<p:sld xmlns:a="http://schemas.openxmlformats.org/drawingml/2006/main" xmlns:r="http://schemas.openxmlformats.org/officeDocument/2006/relationships" xmlns:p="http://schemas.openxmlformats.org/presentationml/2006/main">
-  <p:cSld>
-    <p:spTree>
-      <p:nvGrpSpPr>
-        <p:cNvPr id="1" name=""/>
-        <p:cNvGrpSpPr/>
-        <p:nvPr/>
-      </p:nvGrpSpPr>
-      <p:grpSpPr>
-        <a:xfrm>
-          <a:off x="0" y="0"/>
-          <a:ext cx="0" cy="0"/>
-          <a:chOff x="0" y="0"/>
-          <a:chExt cx="0" cy="0"/>
-        </a:xfrm>
-      </p:grpSpPr>
-      <p:sp>
-        <p:nvSpPr>
-          <p:cNvPr id="3" name="Title 2">
-            <a:extLst>
-              <a:ext uri="{FF2B5EF4-FFF2-40B4-BE49-F238E27FC236}">
-                <a16:creationId xmlns:a16="http://schemas.microsoft.com/office/drawing/2014/main" id="{28A0946E-A515-4C90-A442-9C7B2C8BB3F3}"/>
-              </a:ext>
-            </a:extLst>
-          </p:cNvPr>
-          <p:cNvSpPr>
-            <a:spLocks noGrp="1"/>
-          </p:cNvSpPr>
-          <p:nvPr>
-            <p:ph type="title"/>
-          </p:nvPr>
-        </p:nvSpPr>
-        <p:spPr/>
-        <p:txBody>
-          <a:bodyPr/>
-          <a:lstStyle/>
-          <a:p>
-            <a:r>
-              <a:rPr lang="en-US" dirty="0"/>
-              <a:t>Case Study #1: Contoso Vacations</a:t>
-            </a:r>
-          </a:p>
-        </p:txBody>
-      </p:sp>
-      <p:sp>
-        <p:nvSpPr>
-          <p:cNvPr id="2" name="Content Placeholder 1">
-            <a:extLst>
-              <a:ext uri="{FF2B5EF4-FFF2-40B4-BE49-F238E27FC236}">
-                <a16:creationId xmlns:a16="http://schemas.microsoft.com/office/drawing/2014/main" id="{0EDC0FA8-CCA0-40B0-A69B-E23D0A8B5EAC}"/>
-              </a:ext>
-            </a:extLst>
-          </p:cNvPr>
-          <p:cNvSpPr>
-            <a:spLocks noGrp="1"/>
-          </p:cNvSpPr>
-          <p:nvPr>
-            <p:ph idx="1"/>
-          </p:nvPr>
-        </p:nvSpPr>
-        <p:spPr/>
-        <p:txBody>
-          <a:bodyPr>
-            <a:normAutofit/>
-          </a:bodyPr>
-          <a:lstStyle/>
-          <a:p>
-            <a:pPr marL="0" indent="0">
-              <a:spcBef>
-                <a:spcPts val="882"/>
-              </a:spcBef>
-              <a:buNone/>
-            </a:pPr>
-            <a:r>
-              <a:rPr lang="en-US" sz="1324" dirty="0">
-                <a:solidFill>
-                  <a:srgbClr val="000000"/>
-                </a:solidFill>
-                <a:latin typeface="Verdana"/>
-              </a:rPr>
-              <a:t>Contoso Vacations is a full-service travel agency with operations across North America and Europe. As part of a campaign to gain market share in emerging tourism trends, Contoso recently acquired Fabrikam Adventures, a small agritourism company that helps vacationers find and book working vacations on farms and ranches. As part of the acquisition, Contoso has decided to sunset all but three of </a:t>
-            </a:r>
-            <a:r>
-              <a:rPr lang="en-US" sz="1324" dirty="0" err="1">
-                <a:solidFill>
-                  <a:srgbClr val="000000"/>
-                </a:solidFill>
-                <a:latin typeface="Verdana"/>
-              </a:rPr>
-              <a:t>Fabrikam’s</a:t>
-            </a:r>
-            <a:r>
-              <a:rPr lang="en-US" sz="1324" dirty="0">
-                <a:solidFill>
-                  <a:srgbClr val="000000"/>
-                </a:solidFill>
-                <a:latin typeface="Verdana"/>
-              </a:rPr>
-              <a:t> existing applications. </a:t>
-            </a:r>
-          </a:p>
-          <a:p>
-            <a:pPr marL="0" indent="0">
-              <a:spcBef>
-                <a:spcPts val="882"/>
-              </a:spcBef>
-              <a:buNone/>
-            </a:pPr>
-            <a:r>
-              <a:rPr lang="en-US" sz="1324" dirty="0">
-                <a:solidFill>
-                  <a:srgbClr val="000000"/>
-                </a:solidFill>
-                <a:latin typeface="Verdana"/>
-              </a:rPr>
-              <a:t>The three applications that remain will be migrated to Azure, so that </a:t>
-            </a:r>
-            <a:r>
-              <a:rPr lang="en-US" sz="1324" dirty="0" err="1">
-                <a:solidFill>
-                  <a:srgbClr val="000000"/>
-                </a:solidFill>
-                <a:latin typeface="Verdana"/>
-              </a:rPr>
-              <a:t>Fabrikam’s</a:t>
-            </a:r>
-            <a:r>
-              <a:rPr lang="en-US" sz="1324" dirty="0">
-                <a:solidFill>
-                  <a:srgbClr val="000000"/>
-                </a:solidFill>
-                <a:latin typeface="Verdana"/>
-              </a:rPr>
-              <a:t> existing datacenter can be decommissioned. The three applications that will be migrated to Azure include:</a:t>
-            </a:r>
-          </a:p>
-          <a:p>
-            <a:pPr marL="252134" indent="-252134">
-              <a:spcBef>
-                <a:spcPts val="882"/>
-              </a:spcBef>
-              <a:buFont typeface="Arial" panose="020B0604020202020204" pitchFamily="34" charset="0"/>
-              <a:buChar char="•"/>
-            </a:pPr>
-            <a:r>
-              <a:rPr lang="en-US" sz="1324" b="1" dirty="0">
-                <a:solidFill>
-                  <a:srgbClr val="000000"/>
-                </a:solidFill>
-                <a:latin typeface="Verdana"/>
-              </a:rPr>
-              <a:t>GoFabrikam.com </a:t>
-            </a:r>
-            <a:r>
-              <a:rPr lang="en-US" sz="1324" dirty="0">
-                <a:solidFill>
-                  <a:srgbClr val="000000"/>
-                </a:solidFill>
-                <a:latin typeface="Verdana"/>
-              </a:rPr>
-              <a:t>– </a:t>
-            </a:r>
-            <a:r>
-              <a:rPr lang="en-US" sz="1324" dirty="0" err="1">
-                <a:solidFill>
-                  <a:srgbClr val="000000"/>
-                </a:solidFill>
-                <a:latin typeface="Verdana"/>
-              </a:rPr>
-              <a:t>Fabrikam’s</a:t>
-            </a:r>
-            <a:r>
-              <a:rPr lang="en-US" sz="1324" dirty="0">
-                <a:solidFill>
-                  <a:srgbClr val="000000"/>
-                </a:solidFill>
-                <a:latin typeface="Verdana"/>
-              </a:rPr>
-              <a:t> customer-facing website lets vacationers browse, search, and book trips. The current website is an asp.net application that runs on IIS and SQL Server 2014 SP2. Traffic volume to this website is low, but performance needs to be reliable in order to capture every potential booking.</a:t>
-            </a:r>
-          </a:p>
-          <a:p>
-            <a:pPr marL="252134" indent="-252134">
-              <a:spcBef>
-                <a:spcPts val="882"/>
-              </a:spcBef>
-              <a:buFont typeface="Arial" panose="020B0604020202020204" pitchFamily="34" charset="0"/>
-              <a:buChar char="•"/>
-            </a:pPr>
-            <a:r>
-              <a:rPr lang="en-US" sz="1324" b="1" dirty="0" err="1">
-                <a:solidFill>
-                  <a:srgbClr val="000000"/>
-                </a:solidFill>
-                <a:latin typeface="Verdana"/>
-              </a:rPr>
-              <a:t>Agri</a:t>
-            </a:r>
-            <a:r>
-              <a:rPr lang="en-US" sz="1324" b="1" dirty="0">
-                <a:solidFill>
-                  <a:srgbClr val="000000"/>
-                </a:solidFill>
-                <a:latin typeface="Verdana"/>
-              </a:rPr>
-              <a:t>-Hub </a:t>
-            </a:r>
-            <a:r>
-              <a:rPr lang="en-US" sz="1324" dirty="0">
-                <a:solidFill>
-                  <a:srgbClr val="000000"/>
-                </a:solidFill>
-                <a:latin typeface="Verdana"/>
-              </a:rPr>
-              <a:t>– </a:t>
-            </a:r>
-            <a:r>
-              <a:rPr lang="en-US" sz="1324" dirty="0" err="1">
-                <a:solidFill>
-                  <a:srgbClr val="000000"/>
-                </a:solidFill>
-                <a:latin typeface="Verdana"/>
-              </a:rPr>
-              <a:t>Fabrikam’s</a:t>
-            </a:r>
-            <a:r>
-              <a:rPr lang="en-US" sz="1324" dirty="0">
-                <a:solidFill>
-                  <a:srgbClr val="000000"/>
-                </a:solidFill>
-                <a:latin typeface="Verdana"/>
-              </a:rPr>
-              <a:t> partner-facing website is used by farm operators to enter and update inventory, manage reservations and customer charges, and coordinate revenue payments from Fabrikam. The partner website is a section of the main website, but uses a SQL server 2008 (SP4) backend for reservations. It also has several custom APIs and scheduled batch process jobs that were written in Java, PHP, and C#, which allow the reservation system to integrate with several 3</a:t>
-            </a:r>
-            <a:r>
-              <a:rPr lang="en-US" sz="1324" baseline="30000" dirty="0">
-                <a:solidFill>
-                  <a:srgbClr val="000000"/>
-                </a:solidFill>
-                <a:latin typeface="Verdana"/>
-              </a:rPr>
-              <a:t>rd</a:t>
-            </a:r>
-            <a:r>
-              <a:rPr lang="en-US" sz="1324" dirty="0">
-                <a:solidFill>
-                  <a:srgbClr val="000000"/>
-                </a:solidFill>
-                <a:latin typeface="Verdana"/>
-              </a:rPr>
-              <a:t> party service providers, including airlines, credit card processors, and banks.</a:t>
-            </a:r>
-          </a:p>
-          <a:p>
-            <a:pPr marL="252134" indent="-252134">
-              <a:spcBef>
-                <a:spcPts val="882"/>
-              </a:spcBef>
-              <a:buFont typeface="Arial" panose="020B0604020202020204" pitchFamily="34" charset="0"/>
-              <a:buChar char="•"/>
-            </a:pPr>
-            <a:r>
-              <a:rPr lang="en-US" sz="1324" b="1" dirty="0">
-                <a:solidFill>
-                  <a:srgbClr val="000000"/>
-                </a:solidFill>
-                <a:latin typeface="Verdana"/>
-              </a:rPr>
-              <a:t>Farm Viewer (“View”)</a:t>
-            </a:r>
-            <a:r>
-              <a:rPr lang="en-US" sz="1324" dirty="0">
-                <a:solidFill>
-                  <a:srgbClr val="000000"/>
-                </a:solidFill>
-                <a:latin typeface="Verdana"/>
-              </a:rPr>
-              <a:t> –Fabrikam provides real-time data about each farm on their website. Visitors can research information about crops, livestock, weather, and harvest activities as they book their trips. This information is collected by IoT sensors at each farm. The sensor data are sent to a web service, where they are collected and stored in a MongoDB database. The information is then accessed and displayed on the main website.</a:t>
-            </a:r>
-          </a:p>
-        </p:txBody>
-      </p:sp>
-      <p:sp>
-        <p:nvSpPr>
-          <p:cNvPr id="4" name="Text Placeholder 3">
-            <a:extLst>
-              <a:ext uri="{FF2B5EF4-FFF2-40B4-BE49-F238E27FC236}">
-                <a16:creationId xmlns:a16="http://schemas.microsoft.com/office/drawing/2014/main" id="{182EE5B5-8C34-479D-BB87-26D904DBF342}"/>
-              </a:ext>
-            </a:extLst>
-          </p:cNvPr>
-          <p:cNvSpPr>
-            <a:spLocks noGrp="1"/>
-          </p:cNvSpPr>
-          <p:nvPr>
-            <p:ph type="body" sz="quarter" idx="10"/>
-          </p:nvPr>
-        </p:nvSpPr>
-        <p:spPr/>
-        <p:txBody>
-          <a:bodyPr/>
-          <a:lstStyle/>
-          <a:p>
-            <a:pPr>
-              <a:spcBef>
-                <a:spcPts val="882"/>
-              </a:spcBef>
-            </a:pPr>
-            <a:r>
-              <a:rPr lang="en-US" sz="2000" dirty="0">
-                <a:hlinkClick r:id="rId3"/>
-              </a:rPr>
-              <a:t>https://github.com/guruskill/70-535</a:t>
-            </a:r>
-            <a:r>
-              <a:rPr lang="en-US" sz="2000" dirty="0"/>
-              <a:t> Labs folder 70-534-00-Labs.pptx (or .PDF)</a:t>
-            </a:r>
-          </a:p>
-        </p:txBody>
-      </p:sp>
-      <p:sp>
-        <p:nvSpPr>
-          <p:cNvPr id="5" name="Rectangle 4">
-            <a:extLst>
-              <a:ext uri="{FF2B5EF4-FFF2-40B4-BE49-F238E27FC236}">
-                <a16:creationId xmlns:a16="http://schemas.microsoft.com/office/drawing/2014/main" id="{86F2B04F-386F-45D2-85EB-F55BE4B1E054}"/>
-              </a:ext>
-            </a:extLst>
-          </p:cNvPr>
-          <p:cNvSpPr/>
-          <p:nvPr/>
-        </p:nvSpPr>
-        <p:spPr>
-          <a:xfrm>
-            <a:off x="9174480" y="5404374"/>
-            <a:ext cx="2859024" cy="646331"/>
-          </a:xfrm>
-          <a:prstGeom prst="rect">
-            <a:avLst/>
-          </a:prstGeom>
-        </p:spPr>
-        <p:txBody>
-          <a:bodyPr wrap="square">
-            <a:spAutoFit/>
-          </a:bodyPr>
-          <a:lstStyle/>
-          <a:p>
-            <a:r>
-              <a:rPr lang="en-US" sz="1200" dirty="0"/>
-              <a:t>Resources:</a:t>
-            </a:r>
-          </a:p>
-          <a:p>
-            <a:r>
-              <a:rPr lang="en-US" sz="1200" u="sng" dirty="0">
-                <a:hlinkClick r:id="rId4"/>
-              </a:rPr>
-              <a:t>Azure Architecture Styles</a:t>
-            </a:r>
-            <a:endParaRPr lang="en-US" sz="1200" dirty="0"/>
-          </a:p>
-          <a:p>
-            <a:r>
-              <a:rPr lang="en-US" sz="1200" u="sng" dirty="0">
-                <a:hlinkClick r:id="rId5"/>
-              </a:rPr>
-              <a:t>Azure Reference Architectures</a:t>
-            </a:r>
-            <a:endParaRPr lang="en-US" sz="1200" dirty="0"/>
-          </a:p>
-        </p:txBody>
-      </p:sp>
-    </p:spTree>
-    <p:extLst>
-      <p:ext uri="{BB962C8B-B14F-4D97-AF65-F5344CB8AC3E}">
-        <p14:creationId xmlns:p14="http://schemas.microsoft.com/office/powerpoint/2010/main" val="1589382418"/>
-      </p:ext>
-    </p:extLst>
-  </p:cSld>
-  <p:clrMapOvr>
-    <a:masterClrMapping/>
-  </p:clrMapOvr>
-</p:sld>
-</file>
-
-<file path=ppt/slides/slide27.xml><?xml version="1.0" encoding="utf-8"?>
+<file path=ppt/slides/slide25.xml><?xml version="1.0" encoding="utf-8"?>
 <p:sld xmlns:a="http://schemas.openxmlformats.org/drawingml/2006/main" xmlns:r="http://schemas.openxmlformats.org/officeDocument/2006/relationships" xmlns:p="http://schemas.openxmlformats.org/presentationml/2006/main">
   <p:cSld>
     <p:spTree>
@@ -29107,7 +27492,7 @@
 </p:sld>
 </file>
 
-<file path=ppt/slides/slide28.xml><?xml version="1.0" encoding="utf-8"?>
+<file path=ppt/slides/slide26.xml><?xml version="1.0" encoding="utf-8"?>
 <p:sld xmlns:a="http://schemas.openxmlformats.org/drawingml/2006/main" xmlns:r="http://schemas.openxmlformats.org/officeDocument/2006/relationships" xmlns:p="http://schemas.openxmlformats.org/presentationml/2006/main">
   <p:cSld>
     <p:spTree>
@@ -29978,7 +28363,7 @@
 </p:sld>
 </file>
 
-<file path=ppt/slides/slide29.xml><?xml version="1.0" encoding="utf-8"?>
+<file path=ppt/slides/slide27.xml><?xml version="1.0" encoding="utf-8"?>
 <p:sld xmlns:a="http://schemas.openxmlformats.org/drawingml/2006/main" xmlns:r="http://schemas.openxmlformats.org/officeDocument/2006/relationships" xmlns:p="http://schemas.openxmlformats.org/presentationml/2006/main">
   <p:cSld>
     <p:spTree>
@@ -30316,165 +28701,7 @@
 </p:sld>
 </file>
 
-<file path=ppt/slides/slide3.xml><?xml version="1.0" encoding="utf-8"?>
-<p:sld xmlns:a="http://schemas.openxmlformats.org/drawingml/2006/main" xmlns:r="http://schemas.openxmlformats.org/officeDocument/2006/relationships" xmlns:p="http://schemas.openxmlformats.org/presentationml/2006/main">
-  <p:cSld>
-    <p:spTree>
-      <p:nvGrpSpPr>
-        <p:cNvPr id="1" name=""/>
-        <p:cNvGrpSpPr/>
-        <p:nvPr/>
-      </p:nvGrpSpPr>
-      <p:grpSpPr>
-        <a:xfrm>
-          <a:off x="0" y="0"/>
-          <a:ext cx="0" cy="0"/>
-          <a:chOff x="0" y="0"/>
-          <a:chExt cx="0" cy="0"/>
-        </a:xfrm>
-      </p:grpSpPr>
-      <p:sp>
-        <p:nvSpPr>
-          <p:cNvPr id="2" name="Title 1">
-            <a:extLst>
-              <a:ext uri="{FF2B5EF4-FFF2-40B4-BE49-F238E27FC236}">
-                <a16:creationId xmlns:a16="http://schemas.microsoft.com/office/drawing/2014/main" id="{EF6C924A-004D-41B9-BF11-86B46B255415}"/>
-              </a:ext>
-            </a:extLst>
-          </p:cNvPr>
-          <p:cNvSpPr>
-            <a:spLocks noGrp="1"/>
-          </p:cNvSpPr>
-          <p:nvPr>
-            <p:ph type="title"/>
-          </p:nvPr>
-        </p:nvSpPr>
-        <p:spPr/>
-        <p:txBody>
-          <a:bodyPr/>
-          <a:lstStyle/>
-          <a:p>
-            <a:r>
-              <a:rPr lang="en-US" sz="3200" dirty="0"/>
-              <a:t>Attendee Challenge </a:t>
-            </a:r>
-            <a:r>
-              <a:rPr lang="en-US" dirty="0"/>
-              <a:t>– What Azure challenges should we tackle?</a:t>
-            </a:r>
-            <a:br>
-              <a:rPr lang="en-US" dirty="0"/>
-            </a:br>
-            <a:r>
-              <a:rPr lang="en-US" sz="3200" dirty="0"/>
-              <a:t>What Challenges Are You Facing?</a:t>
-            </a:r>
-            <a:endParaRPr lang="en-US" dirty="0"/>
-          </a:p>
-        </p:txBody>
-      </p:sp>
-      <p:sp>
-        <p:nvSpPr>
-          <p:cNvPr id="3" name="Content Placeholder 2">
-            <a:extLst>
-              <a:ext uri="{FF2B5EF4-FFF2-40B4-BE49-F238E27FC236}">
-                <a16:creationId xmlns:a16="http://schemas.microsoft.com/office/drawing/2014/main" id="{0650CD24-E0F6-4EAE-8CDE-5B07ACA1F82A}"/>
-              </a:ext>
-            </a:extLst>
-          </p:cNvPr>
-          <p:cNvSpPr>
-            <a:spLocks noGrp="1"/>
-          </p:cNvSpPr>
-          <p:nvPr>
-            <p:ph idx="1"/>
-          </p:nvPr>
-        </p:nvSpPr>
-        <p:spPr/>
-        <p:txBody>
-          <a:bodyPr/>
-          <a:lstStyle/>
-          <a:p>
-            <a:pPr marL="0" indent="0">
-              <a:buNone/>
-            </a:pPr>
-            <a:r>
-              <a:rPr lang="en-US" dirty="0"/>
-              <a:t>Examples: </a:t>
-            </a:r>
-          </a:p>
-          <a:p>
-            <a:r>
-              <a:rPr lang="en-US" dirty="0"/>
-              <a:t>Contoso Purchases Fabrikam and needs to Migrate Fabrikam to Contoso or Azure</a:t>
-            </a:r>
-          </a:p>
-          <a:p>
-            <a:r>
-              <a:rPr lang="en-US" dirty="0"/>
-              <a:t>How to Architect Networks </a:t>
-            </a:r>
-            <a:r>
-              <a:rPr lang="en-US" sz="2800" dirty="0"/>
-              <a:t>Using Isolation Security Zones to Enhance Security Posture When Moving to Azure</a:t>
-            </a:r>
-            <a:endParaRPr lang="en-US" dirty="0"/>
-          </a:p>
-          <a:p>
-            <a:r>
-              <a:rPr lang="en-US" dirty="0"/>
-              <a:t>What challenges are YOU facing?</a:t>
-            </a:r>
-          </a:p>
-        </p:txBody>
-      </p:sp>
-      <p:sp>
-        <p:nvSpPr>
-          <p:cNvPr id="4" name="Text Placeholder 3">
-            <a:extLst>
-              <a:ext uri="{FF2B5EF4-FFF2-40B4-BE49-F238E27FC236}">
-                <a16:creationId xmlns:a16="http://schemas.microsoft.com/office/drawing/2014/main" id="{4E2C55FB-22E2-478F-9604-E02014DC97AA}"/>
-              </a:ext>
-            </a:extLst>
-          </p:cNvPr>
-          <p:cNvSpPr>
-            <a:spLocks noGrp="1"/>
-          </p:cNvSpPr>
-          <p:nvPr>
-            <p:ph type="body" sz="quarter" idx="10"/>
-          </p:nvPr>
-        </p:nvSpPr>
-        <p:spPr/>
-        <p:txBody>
-          <a:bodyPr/>
-          <a:lstStyle/>
-          <a:p>
-            <a:r>
-              <a:rPr lang="en-US" sz="2400" dirty="0">
-                <a:hlinkClick r:id="rId2"/>
-              </a:rPr>
-              <a:t>http://github.com/guruskill/70-535</a:t>
-            </a:r>
-            <a:r>
-              <a:rPr lang="en-US" sz="2400" dirty="0"/>
-              <a:t>    Labs/</a:t>
-            </a:r>
-          </a:p>
-        </p:txBody>
-      </p:sp>
-    </p:spTree>
-    <p:extLst>
-      <p:ext uri="{BB962C8B-B14F-4D97-AF65-F5344CB8AC3E}">
-        <p14:creationId xmlns:p14="http://schemas.microsoft.com/office/powerpoint/2010/main" val="3576520436"/>
-      </p:ext>
-    </p:extLst>
-  </p:cSld>
-  <p:clrMapOvr>
-    <a:masterClrMapping/>
-  </p:clrMapOvr>
-</p:sld>
-</file>
-
-<file path=ppt/slides/slide30.xml><?xml version="1.0" encoding="utf-8"?>
+<file path=ppt/slides/slide28.xml><?xml version="1.0" encoding="utf-8"?>
 <p:sld xmlns:a="http://schemas.openxmlformats.org/drawingml/2006/main" xmlns:r="http://schemas.openxmlformats.org/officeDocument/2006/relationships" xmlns:p="http://schemas.openxmlformats.org/presentationml/2006/main">
   <p:cSld>
     <p:spTree>
@@ -30883,7 +29110,7 @@
 </p:sld>
 </file>
 
-<file path=ppt/slides/slide31.xml><?xml version="1.0" encoding="utf-8"?>
+<file path=ppt/slides/slide29.xml><?xml version="1.0" encoding="utf-8"?>
 <p:sld xmlns:a="http://schemas.openxmlformats.org/drawingml/2006/main" xmlns:r="http://schemas.openxmlformats.org/officeDocument/2006/relationships" xmlns:p="http://schemas.openxmlformats.org/presentationml/2006/main">
   <p:cSld>
     <p:spTree>
@@ -31300,7 +29527,165 @@
 </p:sld>
 </file>
 
-<file path=ppt/slides/slide32.xml><?xml version="1.0" encoding="utf-8"?>
+<file path=ppt/slides/slide3.xml><?xml version="1.0" encoding="utf-8"?>
+<p:sld xmlns:a="http://schemas.openxmlformats.org/drawingml/2006/main" xmlns:r="http://schemas.openxmlformats.org/officeDocument/2006/relationships" xmlns:p="http://schemas.openxmlformats.org/presentationml/2006/main">
+  <p:cSld>
+    <p:spTree>
+      <p:nvGrpSpPr>
+        <p:cNvPr id="1" name=""/>
+        <p:cNvGrpSpPr/>
+        <p:nvPr/>
+      </p:nvGrpSpPr>
+      <p:grpSpPr>
+        <a:xfrm>
+          <a:off x="0" y="0"/>
+          <a:ext cx="0" cy="0"/>
+          <a:chOff x="0" y="0"/>
+          <a:chExt cx="0" cy="0"/>
+        </a:xfrm>
+      </p:grpSpPr>
+      <p:sp>
+        <p:nvSpPr>
+          <p:cNvPr id="2" name="Title 1">
+            <a:extLst>
+              <a:ext uri="{FF2B5EF4-FFF2-40B4-BE49-F238E27FC236}">
+                <a16:creationId xmlns:a16="http://schemas.microsoft.com/office/drawing/2014/main" id="{EF6C924A-004D-41B9-BF11-86B46B255415}"/>
+              </a:ext>
+            </a:extLst>
+          </p:cNvPr>
+          <p:cNvSpPr>
+            <a:spLocks noGrp="1"/>
+          </p:cNvSpPr>
+          <p:nvPr>
+            <p:ph type="title"/>
+          </p:nvPr>
+        </p:nvSpPr>
+        <p:spPr/>
+        <p:txBody>
+          <a:bodyPr/>
+          <a:lstStyle/>
+          <a:p>
+            <a:r>
+              <a:rPr lang="en-US" sz="3200" dirty="0"/>
+              <a:t>Attendee Challenge </a:t>
+            </a:r>
+            <a:r>
+              <a:rPr lang="en-US" dirty="0"/>
+              <a:t>– What Azure challenges should we tackle?</a:t>
+            </a:r>
+            <a:br>
+              <a:rPr lang="en-US" dirty="0"/>
+            </a:br>
+            <a:r>
+              <a:rPr lang="en-US" sz="3200" dirty="0"/>
+              <a:t>What Challenges Are You Facing?</a:t>
+            </a:r>
+            <a:endParaRPr lang="en-US" dirty="0"/>
+          </a:p>
+        </p:txBody>
+      </p:sp>
+      <p:sp>
+        <p:nvSpPr>
+          <p:cNvPr id="3" name="Content Placeholder 2">
+            <a:extLst>
+              <a:ext uri="{FF2B5EF4-FFF2-40B4-BE49-F238E27FC236}">
+                <a16:creationId xmlns:a16="http://schemas.microsoft.com/office/drawing/2014/main" id="{0650CD24-E0F6-4EAE-8CDE-5B07ACA1F82A}"/>
+              </a:ext>
+            </a:extLst>
+          </p:cNvPr>
+          <p:cNvSpPr>
+            <a:spLocks noGrp="1"/>
+          </p:cNvSpPr>
+          <p:nvPr>
+            <p:ph idx="1"/>
+          </p:nvPr>
+        </p:nvSpPr>
+        <p:spPr/>
+        <p:txBody>
+          <a:bodyPr/>
+          <a:lstStyle/>
+          <a:p>
+            <a:pPr marL="0" indent="0">
+              <a:buNone/>
+            </a:pPr>
+            <a:r>
+              <a:rPr lang="en-US" dirty="0"/>
+              <a:t>Examples: </a:t>
+            </a:r>
+          </a:p>
+          <a:p>
+            <a:r>
+              <a:rPr lang="en-US" dirty="0"/>
+              <a:t>Contoso Purchases Fabrikam and needs to Migrate Fabrikam to Contoso or Azure</a:t>
+            </a:r>
+          </a:p>
+          <a:p>
+            <a:r>
+              <a:rPr lang="en-US" dirty="0"/>
+              <a:t>How to Architect Networks </a:t>
+            </a:r>
+            <a:r>
+              <a:rPr lang="en-US" sz="2800" dirty="0"/>
+              <a:t>Using Isolation Security Zones to Enhance Security Posture When Moving to Azure</a:t>
+            </a:r>
+            <a:endParaRPr lang="en-US" dirty="0"/>
+          </a:p>
+          <a:p>
+            <a:r>
+              <a:rPr lang="en-US" dirty="0"/>
+              <a:t>What challenges are YOU facing?</a:t>
+            </a:r>
+          </a:p>
+        </p:txBody>
+      </p:sp>
+      <p:sp>
+        <p:nvSpPr>
+          <p:cNvPr id="4" name="Text Placeholder 3">
+            <a:extLst>
+              <a:ext uri="{FF2B5EF4-FFF2-40B4-BE49-F238E27FC236}">
+                <a16:creationId xmlns:a16="http://schemas.microsoft.com/office/drawing/2014/main" id="{4E2C55FB-22E2-478F-9604-E02014DC97AA}"/>
+              </a:ext>
+            </a:extLst>
+          </p:cNvPr>
+          <p:cNvSpPr>
+            <a:spLocks noGrp="1"/>
+          </p:cNvSpPr>
+          <p:nvPr>
+            <p:ph type="body" sz="quarter" idx="10"/>
+          </p:nvPr>
+        </p:nvSpPr>
+        <p:spPr/>
+        <p:txBody>
+          <a:bodyPr/>
+          <a:lstStyle/>
+          <a:p>
+            <a:r>
+              <a:rPr lang="en-US" sz="2400" dirty="0">
+                <a:hlinkClick r:id="rId2"/>
+              </a:rPr>
+              <a:t>http://github.com/guruskill/70-535</a:t>
+            </a:r>
+            <a:r>
+              <a:rPr lang="en-US" sz="2400" dirty="0"/>
+              <a:t>    Labs/</a:t>
+            </a:r>
+          </a:p>
+        </p:txBody>
+      </p:sp>
+    </p:spTree>
+    <p:extLst>
+      <p:ext uri="{BB962C8B-B14F-4D97-AF65-F5344CB8AC3E}">
+        <p14:creationId xmlns:p14="http://schemas.microsoft.com/office/powerpoint/2010/main" val="3576520436"/>
+      </p:ext>
+    </p:extLst>
+  </p:cSld>
+  <p:clrMapOvr>
+    <a:masterClrMapping/>
+  </p:clrMapOvr>
+</p:sld>
+</file>
+
+<file path=ppt/slides/slide30.xml><?xml version="1.0" encoding="utf-8"?>
 <p:sld xmlns:a="http://schemas.openxmlformats.org/drawingml/2006/main" xmlns:r="http://schemas.openxmlformats.org/officeDocument/2006/relationships" xmlns:p="http://schemas.openxmlformats.org/presentationml/2006/main">
   <p:cSld>
     <p:spTree>
@@ -32567,7 +30952,7 @@
 </file>
 
 <file path=ppt/slides/slide8.xml><?xml version="1.0" encoding="utf-8"?>
-<p:sld xmlns:a="http://schemas.openxmlformats.org/drawingml/2006/main" xmlns:r="http://schemas.openxmlformats.org/officeDocument/2006/relationships" xmlns:p="http://schemas.openxmlformats.org/presentationml/2006/main" show="0">
+<p:sld xmlns:a="http://schemas.openxmlformats.org/drawingml/2006/main" xmlns:r="http://schemas.openxmlformats.org/officeDocument/2006/relationships" xmlns:p="http://schemas.openxmlformats.org/presentationml/2006/main">
   <p:cSld>
     <p:spTree>
       <p:nvGrpSpPr>
@@ -32606,7 +30991,7 @@
           <a:p>
             <a:r>
               <a:rPr lang="en-US" dirty="0"/>
-              <a:t>Linux 2c. Create a MongoDB, Express, AngularJS, and Node.js (MEAN) stack on a Linux virtual machine in Azure</a:t>
+              <a:t>Linux 3. Monitor and update a Linux virtual machine in Azure using Cloud Shell</a:t>
             </a:r>
           </a:p>
         </p:txBody>
@@ -32627,10 +31012,15 @@
             <p:ph idx="1"/>
           </p:nvPr>
         </p:nvSpPr>
-        <p:spPr/>
+        <p:spPr>
+          <a:xfrm>
+            <a:off x="348251" y="1372626"/>
+            <a:ext cx="11778205" cy="4793789"/>
+          </a:xfrm>
+        </p:spPr>
         <p:txBody>
           <a:bodyPr>
-            <a:normAutofit fontScale="92500" lnSpcReduction="20000"/>
+            <a:normAutofit fontScale="77500" lnSpcReduction="20000"/>
           </a:bodyPr>
           <a:lstStyle/>
           <a:p>
@@ -32645,37 +31035,55 @@
           <a:p>
             <a:r>
               <a:rPr lang="en-US" dirty="0"/>
-              <a:t>Create a Linux VM</a:t>
-            </a:r>
-          </a:p>
-          <a:p>
-            <a:r>
-              <a:rPr lang="en-US" dirty="0"/>
-              <a:t>Install Node.js</a:t>
-            </a:r>
-          </a:p>
-          <a:p>
-            <a:r>
-              <a:rPr lang="en-US" dirty="0"/>
-              <a:t>Install MongoDB and set up the server</a:t>
-            </a:r>
-          </a:p>
-          <a:p>
-            <a:r>
-              <a:rPr lang="en-US" dirty="0"/>
-              <a:t>Install Express and set up routes to the server</a:t>
-            </a:r>
-          </a:p>
-          <a:p>
-            <a:r>
-              <a:rPr lang="en-US" dirty="0"/>
-              <a:t>Access the routes with AngularJS</a:t>
-            </a:r>
-          </a:p>
-          <a:p>
-            <a:r>
-              <a:rPr lang="en-US" dirty="0"/>
-              <a:t>Run the application</a:t>
+              <a:t>Enable boot diagnostics on the VM</a:t>
+            </a:r>
+          </a:p>
+          <a:p>
+            <a:r>
+              <a:rPr lang="en-US" dirty="0"/>
+              <a:t>View boot diagnostics</a:t>
+            </a:r>
+          </a:p>
+          <a:p>
+            <a:r>
+              <a:rPr lang="en-US" dirty="0"/>
+              <a:t>View host metrics</a:t>
+            </a:r>
+          </a:p>
+          <a:p>
+            <a:r>
+              <a:rPr lang="en-US" dirty="0"/>
+              <a:t>Enable diagnostics extension on the VM</a:t>
+            </a:r>
+          </a:p>
+          <a:p>
+            <a:r>
+              <a:rPr lang="en-US" dirty="0"/>
+              <a:t>View VM metrics</a:t>
+            </a:r>
+          </a:p>
+          <a:p>
+            <a:r>
+              <a:rPr lang="en-US" dirty="0"/>
+              <a:t>Create alerts based on diagnostic metrics</a:t>
+            </a:r>
+          </a:p>
+          <a:p>
+            <a:r>
+              <a:rPr lang="en-US" dirty="0"/>
+              <a:t>Manage package updates</a:t>
+            </a:r>
+          </a:p>
+          <a:p>
+            <a:r>
+              <a:rPr lang="en-US" dirty="0"/>
+              <a:t>Monitor changes and inventory</a:t>
+            </a:r>
+          </a:p>
+          <a:p>
+            <a:r>
+              <a:rPr lang="en-US" dirty="0"/>
+              <a:t>Set up advanced monitoring</a:t>
             </a:r>
           </a:p>
           <a:p>
@@ -32708,33 +31116,7 @@
             </a:pPr>
             <a:r>
               <a:rPr lang="en-US" sz="1900" dirty="0"/>
-              <a:t>Use your Initials1514 or other unique code for variables to prevent any duplicate public </a:t>
-            </a:r>
-            <a:r>
-              <a:rPr lang="en-US" sz="1900" dirty="0" err="1"/>
-              <a:t>urls</a:t>
-            </a:r>
-            <a:r>
-              <a:rPr lang="en-US" sz="1900" dirty="0"/>
-              <a:t> e.g. (lowercase):</a:t>
-            </a:r>
-          </a:p>
-          <a:p>
-            <a:pPr marL="742950" lvl="1">
-              <a:buFont typeface="Arial" panose="020B0604020202020204" pitchFamily="34" charset="0"/>
-              <a:buChar char="•"/>
-            </a:pPr>
-            <a:r>
-              <a:rPr lang="en-US" sz="1900" dirty="0"/>
-              <a:t>dan1514vm for “</a:t>
-            </a:r>
-            <a:r>
-              <a:rPr lang="en-US" sz="1900" dirty="0" err="1"/>
-              <a:t>myVM</a:t>
-            </a:r>
-            <a:r>
-              <a:rPr lang="en-US" sz="1900" dirty="0"/>
-              <a:t>” </a:t>
+              <a:t>Monitor VMs from prior labs</a:t>
             </a:r>
           </a:p>
           <a:p>
@@ -32790,7 +31172,7 @@
           <a:p>
             <a:r>
               <a:rPr lang="en-US" sz="2000" dirty="0"/>
-              <a:t>https://docs.microsoft.com/en-us/azure/virtual-machines/linux/tutorial-mean-stack</a:t>
+              <a:t>https://docs.microsoft.com/en-us/azure/virtual-machines/linux/tutorial-monitoring </a:t>
             </a:r>
           </a:p>
         </p:txBody>
@@ -32848,7 +31230,7 @@
           <a:p>
             <a:r>
               <a:rPr lang="en-US" dirty="0"/>
-              <a:t>Linux 3. Monitor and update a Linux virtual machine in Azure using Cloud Shell</a:t>
+              <a:t>Linux 4. Use Azure Security Center to monitor Linux virtual machines</a:t>
             </a:r>
           </a:p>
         </p:txBody>
@@ -32872,7 +31254,7 @@
         <p:spPr/>
         <p:txBody>
           <a:bodyPr>
-            <a:normAutofit fontScale="62500" lnSpcReduction="20000"/>
+            <a:normAutofit/>
           </a:bodyPr>
           <a:lstStyle/>
           <a:p>
@@ -32887,55 +31269,25 @@
           <a:p>
             <a:r>
               <a:rPr lang="en-US" dirty="0"/>
-              <a:t>Enable boot diagnostics on the VM</a:t>
-            </a:r>
-          </a:p>
-          <a:p>
-            <a:r>
-              <a:rPr lang="en-US" dirty="0"/>
-              <a:t>View boot diagnostics</a:t>
-            </a:r>
-          </a:p>
-          <a:p>
-            <a:r>
-              <a:rPr lang="en-US" dirty="0"/>
-              <a:t>View host metrics</a:t>
-            </a:r>
-          </a:p>
-          <a:p>
-            <a:r>
-              <a:rPr lang="en-US" dirty="0"/>
-              <a:t>Enable diagnostics extension on the VM</a:t>
-            </a:r>
-          </a:p>
-          <a:p>
-            <a:r>
-              <a:rPr lang="en-US" dirty="0"/>
-              <a:t>View VM metrics</a:t>
-            </a:r>
-          </a:p>
-          <a:p>
-            <a:r>
-              <a:rPr lang="en-US" dirty="0"/>
-              <a:t>Create alerts based on diagnostic metrics</a:t>
-            </a:r>
-          </a:p>
-          <a:p>
-            <a:r>
-              <a:rPr lang="en-US" dirty="0"/>
-              <a:t>Manage package updates</a:t>
-            </a:r>
-          </a:p>
-          <a:p>
-            <a:r>
-              <a:rPr lang="en-US" dirty="0"/>
-              <a:t>Monitor changes and inventory</a:t>
-            </a:r>
-          </a:p>
-          <a:p>
-            <a:r>
-              <a:rPr lang="en-US" dirty="0"/>
-              <a:t>Set up advanced monitoring</a:t>
+              <a:t>Set up data collection</a:t>
+            </a:r>
+          </a:p>
+          <a:p>
+            <a:r>
+              <a:rPr lang="en-US" dirty="0"/>
+              <a:t>Set up security policies</a:t>
+            </a:r>
+          </a:p>
+          <a:p>
+            <a:r>
+              <a:rPr lang="en-US" dirty="0"/>
+              <a:t>View and fix configuration health issues</a:t>
+            </a:r>
+          </a:p>
+          <a:p>
+            <a:r>
+              <a:rPr lang="en-US" dirty="0"/>
+              <a:t>Review detected threats</a:t>
             </a:r>
           </a:p>
           <a:p>
@@ -32964,43 +31316,7 @@
             </a:pPr>
             <a:r>
               <a:rPr lang="en-US" dirty="0"/>
-              <a:t>Use your Initials0514 or other unique code for variables to prevent any duplicate public </a:t>
-            </a:r>
-            <a:r>
-              <a:rPr lang="en-US" dirty="0" err="1"/>
-              <a:t>urls</a:t>
-            </a:r>
-            <a:r>
-              <a:rPr lang="en-US" dirty="0"/>
-              <a:t> e.g. (lowercase):</a:t>
-            </a:r>
-          </a:p>
-          <a:p>
-            <a:pPr marL="742950" lvl="1">
-              <a:buFont typeface="Arial" panose="020B0604020202020204" pitchFamily="34" charset="0"/>
-              <a:buChar char="•"/>
-            </a:pPr>
-            <a:r>
-              <a:rPr lang="en-US" dirty="0"/>
-              <a:t>dan1514vm for “</a:t>
-            </a:r>
-            <a:r>
-              <a:rPr lang="en-US" dirty="0" err="1"/>
-              <a:t>myVM</a:t>
-            </a:r>
-            <a:r>
-              <a:rPr lang="en-US" dirty="0"/>
-              <a:t>” </a:t>
-            </a:r>
-          </a:p>
-          <a:p>
-            <a:pPr marL="742950" lvl="1">
-              <a:buFont typeface="Arial" panose="020B0604020202020204" pitchFamily="34" charset="0"/>
-              <a:buChar char="•"/>
-            </a:pPr>
-            <a:r>
-              <a:rPr lang="en-US" dirty="0"/>
-              <a:t>If you did not delete your VMs from another lab, you can use that VM instead of creating one</a:t>
+              <a:t>Use VMs from prior labs</a:t>
             </a:r>
           </a:p>
           <a:p>
@@ -33010,25 +31326,8 @@
             </a:pPr>
             <a:r>
               <a:rPr lang="en-US" dirty="0"/>
-              <a:t>Deallocate or Delete the resources when done with the labs</a:t>
-            </a:r>
-          </a:p>
-          <a:p>
-            <a:pPr>
-              <a:buFont typeface="+mj-lt"/>
-              <a:buAutoNum type="arabicPeriod"/>
-            </a:pPr>
-            <a:r>
-              <a:rPr lang="en-US" dirty="0"/>
-              <a:t>Do not create the VM Scale Set – we do not have enough Azure Credits </a:t>
-            </a:r>
-            <a:r>
-              <a:rPr lang="en-US" dirty="0">
-                <a:sym typeface="Wingdings" panose="05000000000000000000" pitchFamily="2" charset="2"/>
-              </a:rPr>
-              <a:t></a:t>
-            </a:r>
-            <a:endParaRPr lang="en-US" dirty="0"/>
+              <a:t>Stop and Deallocate or Delete resources when done with ALL labs</a:t>
+            </a:r>
           </a:p>
           <a:p>
             <a:pPr marL="0" indent="0">
@@ -33060,8 +31359,8 @@
           <a:lstStyle/>
           <a:p>
             <a:r>
-              <a:rPr lang="en-US" sz="2400" dirty="0"/>
-              <a:t>https://docs.microsoft.com/en-us/azure/virtual-machines/linux/tutorial-monitoring</a:t>
+              <a:rPr lang="en-US" sz="2000" dirty="0"/>
+              <a:t>https://docs.microsoft.com/en-us/azure/virtual-machines/linux/tutorial-azure-security</a:t>
             </a:r>
           </a:p>
         </p:txBody>
@@ -33069,7 +31368,7 @@
     </p:spTree>
     <p:extLst>
       <p:ext uri="{BB962C8B-B14F-4D97-AF65-F5344CB8AC3E}">
-        <p14:creationId xmlns:p14="http://schemas.microsoft.com/office/powerpoint/2010/main" val="2373264461"/>
+        <p14:creationId xmlns:p14="http://schemas.microsoft.com/office/powerpoint/2010/main" val="821299105"/>
       </p:ext>
     </p:extLst>
   </p:cSld>

--- a/Labs/70-535-00-Labs.pptx
+++ b/Labs/70-535-00-Labs.pptx
@@ -5,78 +5,81 @@
     <p:sldMasterId id="2147483660" r:id="rId1"/>
   </p:sldMasterIdLst>
   <p:notesMasterIdLst>
-    <p:notesMasterId r:id="rId32"/>
+    <p:notesMasterId r:id="rId35"/>
   </p:notesMasterIdLst>
   <p:handoutMasterIdLst>
-    <p:handoutMasterId r:id="rId33"/>
+    <p:handoutMasterId r:id="rId36"/>
   </p:handoutMasterIdLst>
   <p:sldIdLst>
     <p:sldId id="256" r:id="rId2"/>
     <p:sldId id="359" r:id="rId3"/>
     <p:sldId id="376" r:id="rId4"/>
-    <p:sldId id="381" r:id="rId5"/>
-    <p:sldId id="361" r:id="rId6"/>
-    <p:sldId id="363" r:id="rId7"/>
-    <p:sldId id="365" r:id="rId8"/>
-    <p:sldId id="366" r:id="rId9"/>
-    <p:sldId id="368" r:id="rId10"/>
-    <p:sldId id="367" r:id="rId11"/>
-    <p:sldId id="382" r:id="rId12"/>
-    <p:sldId id="353" r:id="rId13"/>
-    <p:sldId id="358" r:id="rId14"/>
-    <p:sldId id="355" r:id="rId15"/>
-    <p:sldId id="364" r:id="rId16"/>
-    <p:sldId id="356" r:id="rId17"/>
-    <p:sldId id="336" r:id="rId18"/>
-    <p:sldId id="333" r:id="rId19"/>
-    <p:sldId id="335" r:id="rId20"/>
-    <p:sldId id="340" r:id="rId21"/>
-    <p:sldId id="383" r:id="rId22"/>
-    <p:sldId id="346" r:id="rId23"/>
-    <p:sldId id="347" r:id="rId24"/>
-    <p:sldId id="369" r:id="rId25"/>
-    <p:sldId id="343" r:id="rId26"/>
-    <p:sldId id="378" r:id="rId27"/>
-    <p:sldId id="379" r:id="rId28"/>
-    <p:sldId id="370" r:id="rId29"/>
-    <p:sldId id="384" r:id="rId30"/>
-    <p:sldId id="380" r:id="rId31"/>
+    <p:sldId id="393" r:id="rId5"/>
+    <p:sldId id="381" r:id="rId6"/>
+    <p:sldId id="361" r:id="rId7"/>
+    <p:sldId id="363" r:id="rId8"/>
+    <p:sldId id="365" r:id="rId9"/>
+    <p:sldId id="366" r:id="rId10"/>
+    <p:sldId id="368" r:id="rId11"/>
+    <p:sldId id="367" r:id="rId12"/>
+    <p:sldId id="382" r:id="rId13"/>
+    <p:sldId id="353" r:id="rId14"/>
+    <p:sldId id="358" r:id="rId15"/>
+    <p:sldId id="355" r:id="rId16"/>
+    <p:sldId id="364" r:id="rId17"/>
+    <p:sldId id="356" r:id="rId18"/>
+    <p:sldId id="336" r:id="rId19"/>
+    <p:sldId id="333" r:id="rId20"/>
+    <p:sldId id="335" r:id="rId21"/>
+    <p:sldId id="340" r:id="rId22"/>
+    <p:sldId id="383" r:id="rId23"/>
+    <p:sldId id="360" r:id="rId24"/>
+    <p:sldId id="392" r:id="rId25"/>
+    <p:sldId id="346" r:id="rId26"/>
+    <p:sldId id="347" r:id="rId27"/>
+    <p:sldId id="369" r:id="rId28"/>
+    <p:sldId id="343" r:id="rId29"/>
+    <p:sldId id="378" r:id="rId30"/>
+    <p:sldId id="379" r:id="rId31"/>
+    <p:sldId id="370" r:id="rId32"/>
+    <p:sldId id="384" r:id="rId33"/>
+    <p:sldId id="380" r:id="rId34"/>
   </p:sldIdLst>
   <p:sldSz cx="12192000" cy="6858000"/>
   <p:notesSz cx="6858000" cy="9144000"/>
   <p:embeddedFontLst>
     <p:embeddedFont>
       <p:font typeface="Calibri" panose="020F0502020204030204" pitchFamily="34" charset="0"/>
-      <p:regular r:id="rId34"/>
-      <p:bold r:id="rId35"/>
-      <p:italic r:id="rId36"/>
-      <p:boldItalic r:id="rId37"/>
+      <p:regular r:id="rId37"/>
+      <p:bold r:id="rId38"/>
+      <p:italic r:id="rId39"/>
+      <p:boldItalic r:id="rId40"/>
     </p:embeddedFont>
     <p:embeddedFont>
       <p:font typeface="Consolas" panose="020B0609020204030204" pitchFamily="49" charset="0"/>
-      <p:regular r:id="rId38"/>
-      <p:bold r:id="rId39"/>
-      <p:italic r:id="rId40"/>
-      <p:boldItalic r:id="rId41"/>
+      <p:regular r:id="rId41"/>
+      <p:bold r:id="rId42"/>
+      <p:italic r:id="rId43"/>
+      <p:boldItalic r:id="rId44"/>
     </p:embeddedFont>
     <p:embeddedFont>
       <p:font typeface="Segoe UI" panose="020B0502040204020203" pitchFamily="34" charset="0"/>
-      <p:regular r:id="rId42"/>
-      <p:bold r:id="rId43"/>
-      <p:italic r:id="rId44"/>
-      <p:boldItalic r:id="rId45"/>
+      <p:regular r:id="rId45"/>
+      <p:bold r:id="rId46"/>
+      <p:italic r:id="rId47"/>
+      <p:boldItalic r:id="rId48"/>
     </p:embeddedFont>
     <p:embeddedFont>
       <p:font typeface="Segoe UI Light" panose="020B0502040204020203" pitchFamily="34" charset="0"/>
-      <p:regular r:id="rId46"/>
-      <p:italic r:id="rId47"/>
+      <p:regular r:id="rId49"/>
+      <p:italic r:id="rId50"/>
     </p:embeddedFont>
     <p:embeddedFont>
       <p:font typeface="Verdana" panose="020B0604030504040204" pitchFamily="34" charset="0"/>
-      <p:regular r:id="rId48"/>
-      <p:bold r:id="rId49"/>
-      <p:italic r:id="rId50"/>
-      <p:boldItalic r:id="rId51"/>
+      <p:regular r:id="rId51"/>
+      <p:bold r:id="rId52"/>
+      <p:italic r:id="rId53"/>
+      <p:boldItalic r:id="rId54"/>
     </p:embeddedFont>
   </p:embeddedFontLst>
   <p:defaultTextStyle>
@@ -216,6 +219,7 @@
           <p14:sldIdLst>
             <p14:sldId id="359"/>
             <p14:sldId id="376"/>
+            <p14:sldId id="393"/>
           </p14:sldIdLst>
         </p14:section>
         <p14:section name="Linux Track - Cloud Shell" id="{E1D1518B-0EED-45F5-8B2E-099A1594D225}">
@@ -250,6 +254,8 @@
         <p14:section name="Thought Experiments-Case Studies" id="{C6CA8BCC-132D-4D96-BDA1-177F205D70D8}">
           <p14:sldIdLst>
             <p14:sldId id="383"/>
+            <p14:sldId id="360"/>
+            <p14:sldId id="392"/>
           </p14:sldIdLst>
         </p14:section>
         <p14:section name=" Apps Architecture-Case1" id="{94BF165F-9C51-47ED-858F-0C8E14062621}">
@@ -2390,7 +2396,7 @@
           <a:p>
             <a:fld id="{88E41278-A97F-6B4E-8A96-38954C528C7E}" type="slidenum">
               <a:rPr lang="en-US" smtClean="0"/>
-              <a:t>14</a:t>
+              <a:t>15</a:t>
             </a:fld>
             <a:endParaRPr lang="en-US"/>
           </a:p>
@@ -3236,7 +3242,7 @@
           <a:p>
             <a:fld id="{88E41278-A97F-6B4E-8A96-38954C528C7E}" type="slidenum">
               <a:rPr lang="en-US" smtClean="0"/>
-              <a:t>15</a:t>
+              <a:t>16</a:t>
             </a:fld>
             <a:endParaRPr lang="en-US"/>
           </a:p>
@@ -4082,7 +4088,7 @@
           <a:p>
             <a:fld id="{88E41278-A97F-6B4E-8A96-38954C528C7E}" type="slidenum">
               <a:rPr lang="en-US" smtClean="0"/>
-              <a:t>16</a:t>
+              <a:t>17</a:t>
             </a:fld>
             <a:endParaRPr lang="en-US"/>
           </a:p>
@@ -4171,7 +4177,7 @@
           <a:p>
             <a:fld id="{F19E9337-0361-41F3-9C17-1F4FFD1214BA}" type="slidenum">
               <a:rPr lang="en-US" smtClean="0"/>
-              <a:t>17</a:t>
+              <a:t>18</a:t>
             </a:fld>
             <a:endParaRPr lang="en-US" dirty="0"/>
           </a:p>
@@ -4260,7 +4266,7 @@
           <a:p>
             <a:fld id="{F19E9337-0361-41F3-9C17-1F4FFD1214BA}" type="slidenum">
               <a:rPr lang="en-US" smtClean="0"/>
-              <a:t>18</a:t>
+              <a:t>19</a:t>
             </a:fld>
             <a:endParaRPr lang="en-US" dirty="0"/>
           </a:p>
@@ -4349,7 +4355,7 @@
           <a:p>
             <a:fld id="{F19E9337-0361-41F3-9C17-1F4FFD1214BA}" type="slidenum">
               <a:rPr lang="en-US" smtClean="0"/>
-              <a:t>19</a:t>
+              <a:t>20</a:t>
             </a:fld>
             <a:endParaRPr lang="en-US" dirty="0"/>
           </a:p>
@@ -4485,7 +4491,7 @@
                 <a:tabLst/>
                 <a:defRPr/>
               </a:pPr>
-              <a:t>20</a:t>
+              <a:t>21</a:t>
             </a:fld>
             <a:endParaRPr kumimoji="0" lang="en-US" sz="1200" b="1" i="0" u="none" strike="noStrike" kern="1200" cap="none" spc="0" normalizeH="0" baseline="0" noProof="0" dirty="0">
               <a:ln>
@@ -4608,7 +4614,7 @@
           <a:p>
             <a:fld id="{EA2B2ED8-C573-45EF-BF68-CEC19505703A}" type="datetime8">
               <a:rPr lang="en-US" smtClean="0"/>
-              <a:t>5/22/2018 4:02 AM</a:t>
+              <a:t>5/22/2018 1:02 PM</a:t>
             </a:fld>
             <a:endParaRPr lang="en-US" dirty="0"/>
           </a:p>
@@ -4640,7 +4646,7 @@
             <a:fld id="{8B263312-38AA-4E1E-B2B5-0F8F122B24FE}" type="slidenum">
               <a:rPr lang="en-US" smtClean="0"/>
               <a:pPr/>
-              <a:t>22</a:t>
+              <a:t>25</a:t>
             </a:fld>
             <a:endParaRPr lang="en-US" dirty="0"/>
           </a:p>
@@ -4843,7 +4849,7 @@
           <a:p>
             <a:fld id="{90EC29EE-A8AD-4CE0-9C0B-116E0D4D7533}" type="datetime8">
               <a:rPr lang="en-US" smtClean="0"/>
-              <a:t>5/22/2018 4:02 AM</a:t>
+              <a:t>5/22/2018 1:02 PM</a:t>
             </a:fld>
             <a:endParaRPr lang="en-US" dirty="0"/>
           </a:p>
@@ -4867,7 +4873,7 @@
             <a:fld id="{B4008EB6-D09E-4580-8CD6-DDB14511944F}" type="slidenum">
               <a:rPr lang="en-US" smtClean="0"/>
               <a:pPr/>
-              <a:t>23</a:t>
+              <a:t>26</a:t>
             </a:fld>
             <a:endParaRPr lang="en-US" dirty="0"/>
           </a:p>
@@ -4956,7 +4962,7 @@
           <a:p>
             <a:fld id="{F19E9337-0361-41F3-9C17-1F4FFD1214BA}" type="slidenum">
               <a:rPr lang="en-US" smtClean="0"/>
-              <a:t>24</a:t>
+              <a:t>27</a:t>
             </a:fld>
             <a:endParaRPr lang="en-US" dirty="0"/>
           </a:p>
@@ -5802,7 +5808,7 @@
           <a:p>
             <a:fld id="{88E41278-A97F-6B4E-8A96-38954C528C7E}" type="slidenum">
               <a:rPr lang="en-US" smtClean="0"/>
-              <a:t>5</a:t>
+              <a:t>6</a:t>
             </a:fld>
             <a:endParaRPr lang="en-US"/>
           </a:p>
@@ -5891,7 +5897,7 @@
           <a:p>
             <a:fld id="{F19E9337-0361-41F3-9C17-1F4FFD1214BA}" type="slidenum">
               <a:rPr lang="en-US" smtClean="0"/>
-              <a:t>25</a:t>
+              <a:t>28</a:t>
             </a:fld>
             <a:endParaRPr lang="en-US" dirty="0"/>
           </a:p>
@@ -5980,7 +5986,7 @@
           <a:p>
             <a:fld id="{F19E9337-0361-41F3-9C17-1F4FFD1214BA}" type="slidenum">
               <a:rPr lang="en-US" smtClean="0"/>
-              <a:t>26</a:t>
+              <a:t>29</a:t>
             </a:fld>
             <a:endParaRPr lang="en-US" dirty="0"/>
           </a:p>
@@ -6069,7 +6075,7 @@
           <a:p>
             <a:fld id="{F19E9337-0361-41F3-9C17-1F4FFD1214BA}" type="slidenum">
               <a:rPr lang="en-US" smtClean="0"/>
-              <a:t>27</a:t>
+              <a:t>30</a:t>
             </a:fld>
             <a:endParaRPr lang="en-US" dirty="0"/>
           </a:p>
@@ -6205,7 +6211,7 @@
                 <a:tabLst/>
                 <a:defRPr/>
               </a:pPr>
-              <a:t>28</a:t>
+              <a:t>31</a:t>
             </a:fld>
             <a:endParaRPr kumimoji="0" lang="en-US" sz="1200" b="1" i="0" u="none" strike="noStrike" kern="1200" cap="none" spc="0" normalizeH="0" baseline="0" noProof="0" dirty="0">
               <a:ln>
@@ -6566,7 +6572,7 @@
                 <a:tabLst/>
                 <a:defRPr/>
               </a:pPr>
-              <a:t>29</a:t>
+              <a:t>32</a:t>
             </a:fld>
             <a:endParaRPr kumimoji="0" lang="en-US" sz="1200" b="1" i="0" u="none" strike="noStrike" kern="1200" cap="none" spc="0" normalizeH="0" baseline="0" noProof="0" dirty="0">
               <a:ln>
@@ -7425,7 +7431,7 @@
           <a:p>
             <a:fld id="{88E41278-A97F-6B4E-8A96-38954C528C7E}" type="slidenum">
               <a:rPr lang="en-US" smtClean="0"/>
-              <a:t>6</a:t>
+              <a:t>7</a:t>
             </a:fld>
             <a:endParaRPr lang="en-US"/>
           </a:p>
@@ -8271,7 +8277,7 @@
           <a:p>
             <a:fld id="{88E41278-A97F-6B4E-8A96-38954C528C7E}" type="slidenum">
               <a:rPr lang="en-US" smtClean="0"/>
-              <a:t>7</a:t>
+              <a:t>8</a:t>
             </a:fld>
             <a:endParaRPr lang="en-US"/>
           </a:p>
@@ -9117,7 +9123,7 @@
           <a:p>
             <a:fld id="{88E41278-A97F-6B4E-8A96-38954C528C7E}" type="slidenum">
               <a:rPr lang="en-US" smtClean="0"/>
-              <a:t>8</a:t>
+              <a:t>9</a:t>
             </a:fld>
             <a:endParaRPr lang="en-US"/>
           </a:p>
@@ -9963,7 +9969,7 @@
           <a:p>
             <a:fld id="{88E41278-A97F-6B4E-8A96-38954C528C7E}" type="slidenum">
               <a:rPr lang="en-US" smtClean="0"/>
-              <a:t>9</a:t>
+              <a:t>10</a:t>
             </a:fld>
             <a:endParaRPr lang="en-US"/>
           </a:p>
@@ -10809,7 +10815,7 @@
           <a:p>
             <a:fld id="{88E41278-A97F-6B4E-8A96-38954C528C7E}" type="slidenum">
               <a:rPr lang="en-US" smtClean="0"/>
-              <a:t>10</a:t>
+              <a:t>11</a:t>
             </a:fld>
             <a:endParaRPr lang="en-US"/>
           </a:p>
@@ -11655,7 +11661,7 @@
           <a:p>
             <a:fld id="{88E41278-A97F-6B4E-8A96-38954C528C7E}" type="slidenum">
               <a:rPr lang="en-US" smtClean="0"/>
-              <a:t>12</a:t>
+              <a:t>13</a:t>
             </a:fld>
             <a:endParaRPr lang="en-US"/>
           </a:p>
@@ -12501,7 +12507,7 @@
           <a:p>
             <a:fld id="{88E41278-A97F-6B4E-8A96-38954C528C7E}" type="slidenum">
               <a:rPr lang="en-US" smtClean="0"/>
-              <a:t>13</a:t>
+              <a:t>14</a:t>
             </a:fld>
             <a:endParaRPr lang="en-US"/>
           </a:p>
@@ -21145,6 +21151,194 @@
           <a:p>
             <a:r>
               <a:rPr lang="en-US" dirty="0"/>
+              <a:t>Linux 4. Use Azure Security Center to monitor Linux virtual machines</a:t>
+            </a:r>
+          </a:p>
+        </p:txBody>
+      </p:sp>
+      <p:sp>
+        <p:nvSpPr>
+          <p:cNvPr id="2" name="Content Placeholder 1">
+            <a:extLst>
+              <a:ext uri="{FF2B5EF4-FFF2-40B4-BE49-F238E27FC236}">
+                <a16:creationId xmlns:a16="http://schemas.microsoft.com/office/drawing/2014/main" id="{6A84E970-B2D5-4816-B0CF-6C55060F7553}"/>
+              </a:ext>
+            </a:extLst>
+          </p:cNvPr>
+          <p:cNvSpPr>
+            <a:spLocks noGrp="1"/>
+          </p:cNvSpPr>
+          <p:nvPr>
+            <p:ph idx="1"/>
+          </p:nvPr>
+        </p:nvSpPr>
+        <p:spPr/>
+        <p:txBody>
+          <a:bodyPr>
+            <a:normAutofit/>
+          </a:bodyPr>
+          <a:lstStyle/>
+          <a:p>
+            <a:pPr marL="0" indent="0">
+              <a:buNone/>
+            </a:pPr>
+            <a:r>
+              <a:rPr lang="en-US" dirty="0"/>
+              <a:t>You learn how to:</a:t>
+            </a:r>
+          </a:p>
+          <a:p>
+            <a:r>
+              <a:rPr lang="en-US" dirty="0"/>
+              <a:t>Set up data collection</a:t>
+            </a:r>
+          </a:p>
+          <a:p>
+            <a:r>
+              <a:rPr lang="en-US" dirty="0"/>
+              <a:t>Set up security policies</a:t>
+            </a:r>
+          </a:p>
+          <a:p>
+            <a:r>
+              <a:rPr lang="en-US" dirty="0"/>
+              <a:t>View and fix configuration health issues</a:t>
+            </a:r>
+          </a:p>
+          <a:p>
+            <a:r>
+              <a:rPr lang="en-US" dirty="0"/>
+              <a:t>Review detected threats</a:t>
+            </a:r>
+          </a:p>
+          <a:p>
+            <a:pPr marL="0" indent="0">
+              <a:buNone/>
+            </a:pPr>
+            <a:endParaRPr lang="en-US" dirty="0"/>
+          </a:p>
+          <a:p>
+            <a:pPr marL="0" indent="0">
+              <a:buNone/>
+            </a:pPr>
+            <a:r>
+              <a:rPr lang="en-US" u="sng" dirty="0">
+                <a:highlight>
+                  <a:srgbClr val="FFFF00"/>
+                </a:highlight>
+              </a:rPr>
+              <a:t>Important Notes</a:t>
+            </a:r>
+          </a:p>
+          <a:p>
+            <a:pPr>
+              <a:buFont typeface="+mj-lt"/>
+              <a:buAutoNum type="arabicPeriod"/>
+            </a:pPr>
+            <a:r>
+              <a:rPr lang="en-US" dirty="0"/>
+              <a:t>Use VMs from prior labs</a:t>
+            </a:r>
+          </a:p>
+          <a:p>
+            <a:pPr>
+              <a:buFont typeface="+mj-lt"/>
+              <a:buAutoNum type="arabicPeriod"/>
+            </a:pPr>
+            <a:r>
+              <a:rPr lang="en-US" dirty="0"/>
+              <a:t>Stop and Deallocate or Delete resources when done with ALL labs</a:t>
+            </a:r>
+          </a:p>
+          <a:p>
+            <a:pPr marL="0" indent="0">
+              <a:buNone/>
+            </a:pPr>
+            <a:endParaRPr lang="en-US" dirty="0"/>
+          </a:p>
+        </p:txBody>
+      </p:sp>
+      <p:sp>
+        <p:nvSpPr>
+          <p:cNvPr id="6" name="Text Placeholder 5">
+            <a:extLst>
+              <a:ext uri="{FF2B5EF4-FFF2-40B4-BE49-F238E27FC236}">
+                <a16:creationId xmlns:a16="http://schemas.microsoft.com/office/drawing/2014/main" id="{80B11388-CFF3-4CFC-99E3-D2D9B375268C}"/>
+              </a:ext>
+            </a:extLst>
+          </p:cNvPr>
+          <p:cNvSpPr>
+            <a:spLocks noGrp="1"/>
+          </p:cNvSpPr>
+          <p:nvPr>
+            <p:ph type="body" sz="quarter" idx="10"/>
+          </p:nvPr>
+        </p:nvSpPr>
+        <p:spPr/>
+        <p:txBody>
+          <a:bodyPr/>
+          <a:lstStyle/>
+          <a:p>
+            <a:r>
+              <a:rPr lang="en-US" sz="2000" dirty="0"/>
+              <a:t>https://docs.microsoft.com/en-us/azure/virtual-machines/linux/tutorial-azure-security</a:t>
+            </a:r>
+          </a:p>
+        </p:txBody>
+      </p:sp>
+    </p:spTree>
+    <p:extLst>
+      <p:ext uri="{BB962C8B-B14F-4D97-AF65-F5344CB8AC3E}">
+        <p14:creationId xmlns:p14="http://schemas.microsoft.com/office/powerpoint/2010/main" val="821299105"/>
+      </p:ext>
+    </p:extLst>
+  </p:cSld>
+  <p:clrMapOvr>
+    <a:masterClrMapping/>
+  </p:clrMapOvr>
+</p:sld>
+</file>
+
+<file path=ppt/slides/slide11.xml><?xml version="1.0" encoding="utf-8"?>
+<p:sld xmlns:a="http://schemas.openxmlformats.org/drawingml/2006/main" xmlns:r="http://schemas.openxmlformats.org/officeDocument/2006/relationships" xmlns:p="http://schemas.openxmlformats.org/presentationml/2006/main">
+  <p:cSld>
+    <p:spTree>
+      <p:nvGrpSpPr>
+        <p:cNvPr id="1" name=""/>
+        <p:cNvGrpSpPr/>
+        <p:nvPr/>
+      </p:nvGrpSpPr>
+      <p:grpSpPr>
+        <a:xfrm>
+          <a:off x="0" y="0"/>
+          <a:ext cx="0" cy="0"/>
+          <a:chOff x="0" y="0"/>
+          <a:chExt cx="0" cy="0"/>
+        </a:xfrm>
+      </p:grpSpPr>
+      <p:sp>
+        <p:nvSpPr>
+          <p:cNvPr id="3" name="Title 2">
+            <a:extLst>
+              <a:ext uri="{FF2B5EF4-FFF2-40B4-BE49-F238E27FC236}">
+                <a16:creationId xmlns:a16="http://schemas.microsoft.com/office/drawing/2014/main" id="{6F58B209-4E6F-412E-BA33-6903529DB20C}"/>
+              </a:ext>
+            </a:extLst>
+          </p:cNvPr>
+          <p:cNvSpPr>
+            <a:spLocks noGrp="1"/>
+          </p:cNvSpPr>
+          <p:nvPr>
+            <p:ph type="title"/>
+          </p:nvPr>
+        </p:nvSpPr>
+        <p:spPr/>
+        <p:txBody>
+          <a:bodyPr/>
+          <a:lstStyle/>
+          <a:p>
+            <a:r>
+              <a:rPr lang="en-US" dirty="0"/>
               <a:t>Linux Bonus. Prepare a Debian VHD for Azure – </a:t>
             </a:r>
             <a:r>
@@ -21363,7 +21557,7 @@
 </p:sld>
 </file>
 
-<file path=ppt/slides/slide11.xml><?xml version="1.0" encoding="utf-8"?>
+<file path=ppt/slides/slide12.xml><?xml version="1.0" encoding="utf-8"?>
 <p:sld xmlns:a="http://schemas.openxmlformats.org/drawingml/2006/main" xmlns:r="http://schemas.openxmlformats.org/officeDocument/2006/relationships" xmlns:p="http://schemas.openxmlformats.org/presentationml/2006/main">
   <p:cSld>
     <p:spTree>
@@ -21529,285 +21723,6 @@
     <p:extLst>
       <p:ext uri="{BB962C8B-B14F-4D97-AF65-F5344CB8AC3E}">
         <p14:creationId xmlns:p14="http://schemas.microsoft.com/office/powerpoint/2010/main" val="2688917203"/>
-      </p:ext>
-    </p:extLst>
-  </p:cSld>
-  <p:clrMapOvr>
-    <a:masterClrMapping/>
-  </p:clrMapOvr>
-</p:sld>
-</file>
-
-<file path=ppt/slides/slide12.xml><?xml version="1.0" encoding="utf-8"?>
-<p:sld xmlns:a="http://schemas.openxmlformats.org/drawingml/2006/main" xmlns:r="http://schemas.openxmlformats.org/officeDocument/2006/relationships" xmlns:p="http://schemas.openxmlformats.org/presentationml/2006/main">
-  <p:cSld>
-    <p:spTree>
-      <p:nvGrpSpPr>
-        <p:cNvPr id="1" name=""/>
-        <p:cNvGrpSpPr/>
-        <p:nvPr/>
-      </p:nvGrpSpPr>
-      <p:grpSpPr>
-        <a:xfrm>
-          <a:off x="0" y="0"/>
-          <a:ext cx="0" cy="0"/>
-          <a:chOff x="0" y="0"/>
-          <a:chExt cx="0" cy="0"/>
-        </a:xfrm>
-      </p:grpSpPr>
-      <p:sp>
-        <p:nvSpPr>
-          <p:cNvPr id="3" name="Title 2">
-            <a:extLst>
-              <a:ext uri="{FF2B5EF4-FFF2-40B4-BE49-F238E27FC236}">
-                <a16:creationId xmlns:a16="http://schemas.microsoft.com/office/drawing/2014/main" id="{6F58B209-4E6F-412E-BA33-6903529DB20C}"/>
-              </a:ext>
-            </a:extLst>
-          </p:cNvPr>
-          <p:cNvSpPr>
-            <a:spLocks noGrp="1"/>
-          </p:cNvSpPr>
-          <p:nvPr>
-            <p:ph type="title"/>
-          </p:nvPr>
-        </p:nvSpPr>
-        <p:spPr/>
-        <p:txBody>
-          <a:bodyPr/>
-          <a:lstStyle/>
-          <a:p>
-            <a:r>
-              <a:rPr lang="en-IN" dirty="0"/>
-              <a:t>Win 1. Creating a VM from an Azure Resource Manager template using Cloud Shell - PowerShell</a:t>
-            </a:r>
-            <a:endParaRPr lang="en-US" dirty="0"/>
-          </a:p>
-        </p:txBody>
-      </p:sp>
-      <p:sp>
-        <p:nvSpPr>
-          <p:cNvPr id="2" name="Content Placeholder 1">
-            <a:extLst>
-              <a:ext uri="{FF2B5EF4-FFF2-40B4-BE49-F238E27FC236}">
-                <a16:creationId xmlns:a16="http://schemas.microsoft.com/office/drawing/2014/main" id="{6A84E970-B2D5-4816-B0CF-6C55060F7553}"/>
-              </a:ext>
-            </a:extLst>
-          </p:cNvPr>
-          <p:cNvSpPr>
-            <a:spLocks noGrp="1"/>
-          </p:cNvSpPr>
-          <p:nvPr>
-            <p:ph idx="1"/>
-          </p:nvPr>
-        </p:nvSpPr>
-        <p:spPr/>
-        <p:txBody>
-          <a:bodyPr>
-            <a:normAutofit fontScale="92500" lnSpcReduction="20000"/>
-          </a:bodyPr>
-          <a:lstStyle/>
-          <a:p>
-            <a:pPr marL="0" indent="0">
-              <a:buNone/>
-            </a:pPr>
-            <a:r>
-              <a:rPr lang="en-US" dirty="0"/>
-              <a:t>You learn how to:</a:t>
-            </a:r>
-          </a:p>
-          <a:p>
-            <a:pPr lvl="1"/>
-            <a:r>
-              <a:rPr lang="en-US" dirty="0"/>
-              <a:t>Use Azure Cloud Shell</a:t>
-            </a:r>
-          </a:p>
-          <a:p>
-            <a:pPr lvl="1"/>
-            <a:r>
-              <a:rPr lang="en-US" dirty="0"/>
-              <a:t>Create an availability set</a:t>
-            </a:r>
-          </a:p>
-          <a:p>
-            <a:pPr lvl="1"/>
-            <a:r>
-              <a:rPr lang="en-US" dirty="0"/>
-              <a:t>Create a VM in an availability set</a:t>
-            </a:r>
-          </a:p>
-          <a:p>
-            <a:pPr lvl="1"/>
-            <a:r>
-              <a:rPr lang="en-US" dirty="0"/>
-              <a:t>Check available VM sizes</a:t>
-            </a:r>
-          </a:p>
-          <a:p>
-            <a:pPr lvl="1"/>
-            <a:r>
-              <a:rPr lang="en-US" dirty="0"/>
-              <a:t>Check Azure Advisor</a:t>
-            </a:r>
-          </a:p>
-          <a:p>
-            <a:pPr marL="0" indent="0">
-              <a:buNone/>
-            </a:pPr>
-            <a:endParaRPr lang="en-US" dirty="0"/>
-          </a:p>
-          <a:p>
-            <a:pPr marL="0" indent="0">
-              <a:buNone/>
-            </a:pPr>
-            <a:r>
-              <a:rPr lang="en-US" u="sng" dirty="0">
-                <a:highlight>
-                  <a:srgbClr val="FFFF00"/>
-                </a:highlight>
-              </a:rPr>
-              <a:t>Important Notes</a:t>
-            </a:r>
-          </a:p>
-          <a:p>
-            <a:pPr>
-              <a:buFont typeface="+mj-lt"/>
-              <a:buAutoNum type="arabicPeriod"/>
-            </a:pPr>
-            <a:r>
-              <a:rPr lang="en-US" sz="1900" dirty="0"/>
-              <a:t>Use your Initials1514 or other unique code for variables to prevent any duplicate public </a:t>
-            </a:r>
-            <a:r>
-              <a:rPr lang="en-US" sz="1900" dirty="0" err="1"/>
-              <a:t>urls</a:t>
-            </a:r>
-            <a:r>
-              <a:rPr lang="en-US" sz="1900" dirty="0"/>
-              <a:t> e.g. (lowercase):</a:t>
-            </a:r>
-          </a:p>
-          <a:p>
-            <a:pPr marL="742950" lvl="1">
-              <a:buFont typeface="Arial" panose="020B0604020202020204" pitchFamily="34" charset="0"/>
-              <a:buChar char="•"/>
-            </a:pPr>
-            <a:r>
-              <a:rPr lang="en-US" sz="1900" dirty="0"/>
-              <a:t>dan1514IP for “</a:t>
-            </a:r>
-            <a:r>
-              <a:rPr lang="en-US" sz="1900" dirty="0" err="1"/>
-              <a:t>myPublicIpAddress</a:t>
-            </a:r>
-            <a:r>
-              <a:rPr lang="en-US" sz="1900" dirty="0"/>
-              <a:t>” </a:t>
-            </a:r>
-          </a:p>
-          <a:p>
-            <a:pPr marL="742950" lvl="1">
-              <a:buFont typeface="Arial" panose="020B0604020202020204" pitchFamily="34" charset="0"/>
-              <a:buChar char="•"/>
-            </a:pPr>
-            <a:r>
-              <a:rPr lang="en-US" sz="1900" dirty="0"/>
-              <a:t>dan1514vm for “</a:t>
-            </a:r>
-            <a:r>
-              <a:rPr lang="en-US" sz="1900" dirty="0" err="1"/>
-              <a:t>myVM</a:t>
-            </a:r>
-            <a:r>
-              <a:rPr lang="en-US" sz="1900" dirty="0"/>
-              <a:t>” </a:t>
-            </a:r>
-          </a:p>
-          <a:p>
-            <a:pPr>
-              <a:buFont typeface="+mj-lt"/>
-              <a:buAutoNum type="arabicPeriod"/>
-            </a:pPr>
-            <a:r>
-              <a:rPr lang="en-US" sz="2000" dirty="0"/>
-              <a:t>Stop and Deallocate or Delete resources when done with </a:t>
-            </a:r>
-            <a:r>
-              <a:rPr lang="en-US" sz="2000" b="1" dirty="0"/>
-              <a:t>ALL</a:t>
-            </a:r>
-            <a:r>
-              <a:rPr lang="en-US" sz="2000" dirty="0"/>
-              <a:t> labs (you </a:t>
-            </a:r>
-            <a:r>
-              <a:rPr lang="en-US" sz="1900" dirty="0"/>
-              <a:t>can reuse these machines for the next few labs but do not forget to go back after done with labs)</a:t>
-            </a:r>
-          </a:p>
-          <a:p>
-            <a:pPr>
-              <a:buFont typeface="+mj-lt"/>
-              <a:buAutoNum type="arabicPeriod"/>
-            </a:pPr>
-            <a:r>
-              <a:rPr lang="en-US" sz="1900" dirty="0"/>
-              <a:t>Do not create the VM Scale Set – we do not have enough Azure Credits </a:t>
-            </a:r>
-            <a:r>
-              <a:rPr lang="en-US" sz="1900" dirty="0">
-                <a:sym typeface="Wingdings" panose="05000000000000000000" pitchFamily="2" charset="2"/>
-              </a:rPr>
-              <a:t></a:t>
-            </a:r>
-          </a:p>
-          <a:p>
-            <a:pPr>
-              <a:buFont typeface="+mj-lt"/>
-              <a:buAutoNum type="arabicPeriod"/>
-            </a:pPr>
-            <a:endParaRPr lang="en-US" sz="1900" dirty="0"/>
-          </a:p>
-          <a:p>
-            <a:pPr marL="0" indent="0">
-              <a:buNone/>
-            </a:pPr>
-            <a:endParaRPr lang="en-US" dirty="0"/>
-          </a:p>
-        </p:txBody>
-      </p:sp>
-      <p:sp>
-        <p:nvSpPr>
-          <p:cNvPr id="6" name="Text Placeholder 5">
-            <a:extLst>
-              <a:ext uri="{FF2B5EF4-FFF2-40B4-BE49-F238E27FC236}">
-                <a16:creationId xmlns:a16="http://schemas.microsoft.com/office/drawing/2014/main" id="{80B11388-CFF3-4CFC-99E3-D2D9B375268C}"/>
-              </a:ext>
-            </a:extLst>
-          </p:cNvPr>
-          <p:cNvSpPr>
-            <a:spLocks noGrp="1"/>
-          </p:cNvSpPr>
-          <p:nvPr>
-            <p:ph type="body" sz="quarter" idx="10"/>
-          </p:nvPr>
-        </p:nvSpPr>
-        <p:spPr/>
-        <p:txBody>
-          <a:bodyPr/>
-          <a:lstStyle/>
-          <a:p>
-            <a:r>
-              <a:rPr lang="en-US" sz="2400" dirty="0"/>
-              <a:t>https://docs.microsoft.com/en-us/azure/virtual-machines/linux/tutorial-manage-vm</a:t>
-            </a:r>
-          </a:p>
-        </p:txBody>
-      </p:sp>
-    </p:spTree>
-    <p:extLst>
-      <p:ext uri="{BB962C8B-B14F-4D97-AF65-F5344CB8AC3E}">
-        <p14:creationId xmlns:p14="http://schemas.microsoft.com/office/powerpoint/2010/main" val="2456198297"/>
       </p:ext>
     </p:extLst>
   </p:cSld>
@@ -21857,12 +21772,9 @@
           <a:p>
             <a:r>
               <a:rPr lang="en-IN" dirty="0"/>
-              <a:t>Win 2a. </a:t>
-            </a:r>
-            <a:r>
-              <a:rPr lang="en-US" dirty="0"/>
-              <a:t>Create a Windows virtual machine install IIS with the Azure CLI 2.0</a:t>
-            </a:r>
+              <a:t>Win 1. Creating a VM from an Azure Resource Manager template using Cloud Shell - PowerShell</a:t>
+            </a:r>
+            <a:endParaRPr lang="en-US" dirty="0"/>
           </a:p>
         </p:txBody>
       </p:sp>
@@ -21908,42 +21820,28 @@
             <a:pPr lvl="1"/>
             <a:r>
               <a:rPr lang="en-US" dirty="0"/>
-              <a:t>Create a Resource Group</a:t>
+              <a:t>Create an availability set</a:t>
             </a:r>
           </a:p>
           <a:p>
             <a:pPr lvl="1"/>
             <a:r>
               <a:rPr lang="en-US" dirty="0"/>
-              <a:t>Create a VM</a:t>
+              <a:t>Create a VM in an availability set</a:t>
             </a:r>
           </a:p>
           <a:p>
             <a:pPr lvl="1"/>
             <a:r>
               <a:rPr lang="en-US" dirty="0"/>
-              <a:t>Install IIS</a:t>
+              <a:t>Check available VM sizes</a:t>
             </a:r>
           </a:p>
           <a:p>
             <a:pPr lvl="1"/>
             <a:r>
               <a:rPr lang="en-US" dirty="0"/>
-              <a:t>Open Port 80</a:t>
-            </a:r>
-          </a:p>
-          <a:p>
-            <a:pPr lvl="1"/>
-            <a:r>
-              <a:rPr lang="en-US" dirty="0"/>
-              <a:t>Connect via RDP and HTTP</a:t>
-            </a:r>
-          </a:p>
-          <a:p>
-            <a:pPr lvl="1"/>
-            <a:r>
-              <a:rPr lang="en-US" dirty="0"/>
-              <a:t>Delete Resource Group</a:t>
+              <a:t>Check Azure Advisor</a:t>
             </a:r>
           </a:p>
           <a:p>
@@ -21990,6 +21888,24 @@
             </a:pPr>
             <a:r>
               <a:rPr lang="en-US" sz="1900" dirty="0"/>
+              <a:t>dan1514IP for “</a:t>
+            </a:r>
+            <a:r>
+              <a:rPr lang="en-US" sz="1900" dirty="0" err="1"/>
+              <a:t>myPublicIpAddress</a:t>
+            </a:r>
+            <a:r>
+              <a:rPr lang="en-US" sz="1900" dirty="0"/>
+              <a:t>” </a:t>
+            </a:r>
+          </a:p>
+          <a:p>
+            <a:pPr marL="742950" lvl="1">
+              <a:buFont typeface="Arial" panose="020B0604020202020204" pitchFamily="34" charset="0"/>
+              <a:buChar char="•"/>
+            </a:pPr>
+            <a:r>
+              <a:rPr lang="en-US" sz="1900" dirty="0"/>
               <a:t>dan1514vm for “</a:t>
             </a:r>
             <a:r>
@@ -22022,6 +21938,29 @@
               <a:rPr lang="en-US" sz="1900" dirty="0"/>
               <a:t>can reuse these machines for the next few labs but do not forget to go back after done with labs)</a:t>
             </a:r>
+          </a:p>
+          <a:p>
+            <a:pPr>
+              <a:buFont typeface="+mj-lt"/>
+              <a:buAutoNum type="arabicPeriod"/>
+            </a:pPr>
+            <a:r>
+              <a:rPr lang="en-US" sz="1900" dirty="0"/>
+              <a:t>Do not create the VM Scale Set – we do not have enough Azure Credits </a:t>
+            </a:r>
+            <a:r>
+              <a:rPr lang="en-US" sz="1900" dirty="0">
+                <a:sym typeface="Wingdings" panose="05000000000000000000" pitchFamily="2" charset="2"/>
+              </a:rPr>
+              <a:t></a:t>
+            </a:r>
+          </a:p>
+          <a:p>
+            <a:pPr>
+              <a:buFont typeface="+mj-lt"/>
+              <a:buAutoNum type="arabicPeriod"/>
+            </a:pPr>
+            <a:endParaRPr lang="en-US" sz="1900" dirty="0"/>
           </a:p>
           <a:p>
             <a:pPr marL="0" indent="0">
@@ -22054,7 +21993,7 @@
           <a:p>
             <a:r>
               <a:rPr lang="en-US" sz="2400" dirty="0"/>
-              <a:t>https://docs.microsoft.com/en-us/azure/virtual-machines/windows/quick-create-cli</a:t>
+              <a:t>https://docs.microsoft.com/en-us/azure/virtual-machines/linux/tutorial-manage-vm</a:t>
             </a:r>
           </a:p>
         </p:txBody>
@@ -22062,7 +22001,7 @@
     </p:spTree>
     <p:extLst>
       <p:ext uri="{BB962C8B-B14F-4D97-AF65-F5344CB8AC3E}">
-        <p14:creationId xmlns:p14="http://schemas.microsoft.com/office/powerpoint/2010/main" val="3556655580"/>
+        <p14:creationId xmlns:p14="http://schemas.microsoft.com/office/powerpoint/2010/main" val="2456198297"/>
       </p:ext>
     </p:extLst>
   </p:cSld>
@@ -22111,8 +22050,12 @@
           <a:lstStyle/>
           <a:p>
             <a:r>
-              <a:rPr lang="en-US" dirty="0"/>
-              <a:t>Win 2b. Install the IIS\.NET\SQL in a Windows VM with Azure Cloud Shell</a:t>
+              <a:rPr lang="en-IN" dirty="0"/>
+              <a:t>Win 2a. </a:t>
+            </a:r>
+            <a:r>
+              <a:rPr lang="en-US" dirty="0"/>
+              <a:t>Create a Windows virtual machine install IIS with the Azure CLI 2.0</a:t>
             </a:r>
           </a:p>
         </p:txBody>
@@ -22136,7 +22079,7 @@
         <p:spPr/>
         <p:txBody>
           <a:bodyPr>
-            <a:normAutofit fontScale="77500" lnSpcReduction="20000"/>
+            <a:normAutofit fontScale="92500" lnSpcReduction="20000"/>
           </a:bodyPr>
           <a:lstStyle/>
           <a:p>
@@ -22145,31 +22088,56 @@
             </a:pPr>
             <a:r>
               <a:rPr lang="en-US" dirty="0"/>
-              <a:t>Azure Security Center can help you gain visibility into your Azure resource security practices. Security Center offers integrated security monitoring. It can detect threats that otherwise might go unnoticed. In this tutorial, you learn about Azure Security Center, and how to:</a:t>
-            </a:r>
-          </a:p>
-          <a:p>
-            <a:r>
-              <a:rPr lang="en-US" dirty="0"/>
-              <a:t>Create a VM </a:t>
-            </a:r>
-          </a:p>
-          <a:p>
-            <a:r>
-              <a:rPr lang="en-US" dirty="0"/>
-              <a:t>Install IIS and the .NET Core SDK on the VM</a:t>
-            </a:r>
-          </a:p>
-          <a:p>
-            <a:r>
-              <a:rPr lang="en-US" dirty="0"/>
-              <a:t>Create a VM running SQL Server</a:t>
-            </a:r>
-          </a:p>
-          <a:p>
-            <a:r>
-              <a:rPr lang="en-US" dirty="0"/>
-              <a:t>Install the SQL Server extension</a:t>
+              <a:t>You learn how to:</a:t>
+            </a:r>
+          </a:p>
+          <a:p>
+            <a:pPr lvl="1"/>
+            <a:r>
+              <a:rPr lang="en-US" dirty="0"/>
+              <a:t>Use Azure Cloud Shell</a:t>
+            </a:r>
+          </a:p>
+          <a:p>
+            <a:pPr lvl="1"/>
+            <a:r>
+              <a:rPr lang="en-US" dirty="0"/>
+              <a:t>Create a Resource Group</a:t>
+            </a:r>
+          </a:p>
+          <a:p>
+            <a:pPr lvl="1"/>
+            <a:r>
+              <a:rPr lang="en-US" dirty="0"/>
+              <a:t>Create a VM</a:t>
+            </a:r>
+          </a:p>
+          <a:p>
+            <a:pPr lvl="1"/>
+            <a:r>
+              <a:rPr lang="en-US" dirty="0"/>
+              <a:t>Install IIS</a:t>
+            </a:r>
+          </a:p>
+          <a:p>
+            <a:pPr lvl="1"/>
+            <a:r>
+              <a:rPr lang="en-US" dirty="0"/>
+              <a:t>Open Port 80</a:t>
+            </a:r>
+          </a:p>
+          <a:p>
+            <a:pPr lvl="1"/>
+            <a:r>
+              <a:rPr lang="en-US" dirty="0"/>
+              <a:t>Connect via RDP and HTTP</a:t>
+            </a:r>
+          </a:p>
+          <a:p>
+            <a:pPr lvl="1"/>
+            <a:r>
+              <a:rPr lang="en-US" dirty="0"/>
+              <a:t>Delete Resource Group</a:t>
             </a:r>
           </a:p>
           <a:p>
@@ -22197,15 +22165,15 @@
               <a:buAutoNum type="arabicPeriod"/>
             </a:pPr>
             <a:r>
-              <a:rPr lang="en-US" dirty="0"/>
-              <a:t>Use your Initials0514 or other unique code for variables to prevent any duplicate public </a:t>
-            </a:r>
-            <a:r>
-              <a:rPr lang="en-US" dirty="0" err="1"/>
+              <a:rPr lang="en-US" sz="1900" dirty="0"/>
+              <a:t>Use your Initials1514 or other unique code for variables to prevent any duplicate public </a:t>
+            </a:r>
+            <a:r>
+              <a:rPr lang="en-US" sz="1900" dirty="0" err="1"/>
               <a:t>urls</a:t>
             </a:r>
             <a:r>
-              <a:rPr lang="en-US" dirty="0"/>
+              <a:rPr lang="en-US" sz="1900" dirty="0"/>
               <a:t> e.g. (lowercase):</a:t>
             </a:r>
           </a:p>
@@ -22215,26 +22183,16 @@
               <a:buChar char="•"/>
             </a:pPr>
             <a:r>
-              <a:rPr lang="en-US" dirty="0"/>
-              <a:t>dan0514iisip for “</a:t>
-            </a:r>
-            <a:r>
-              <a:rPr lang="en-US" dirty="0" err="1"/>
-              <a:t>myIISPublicIpAddress</a:t>
-            </a:r>
-            <a:r>
-              <a:rPr lang="en-US" dirty="0"/>
+              <a:rPr lang="en-US" sz="1900" dirty="0"/>
+              <a:t>dan1514vm for “</a:t>
+            </a:r>
+            <a:r>
+              <a:rPr lang="en-US" sz="1900" dirty="0" err="1"/>
+              <a:t>myVM</a:t>
+            </a:r>
+            <a:r>
+              <a:rPr lang="en-US" sz="1900" dirty="0"/>
               <a:t>” </a:t>
-            </a:r>
-          </a:p>
-          <a:p>
-            <a:pPr marL="742950" lvl="1">
-              <a:buFont typeface="Arial" panose="020B0604020202020204" pitchFamily="34" charset="0"/>
-              <a:buChar char="•"/>
-            </a:pPr>
-            <a:r>
-              <a:rPr lang="en-US" dirty="0"/>
-              <a:t>dan1514vmiis for “IISVM” </a:t>
             </a:r>
           </a:p>
           <a:p>
@@ -22243,8 +22201,20 @@
               <a:buAutoNum type="arabicPeriod"/>
             </a:pPr>
             <a:r>
-              <a:rPr lang="en-US" dirty="0"/>
-              <a:t>Stop and Deallocate or Delete resources when done with ALL labs (After Security Lab 4)</a:t>
+              <a:rPr lang="en-US" sz="2000" dirty="0"/>
+              <a:t>Stop and Deallocate or Delete resources when done with </a:t>
+            </a:r>
+            <a:r>
+              <a:rPr lang="en-US" sz="2000" b="1" dirty="0"/>
+              <a:t>ALL</a:t>
+            </a:r>
+            <a:r>
+              <a:rPr lang="en-US" sz="2000" dirty="0"/>
+              <a:t> labs (you </a:t>
+            </a:r>
+            <a:r>
+              <a:rPr lang="en-US" sz="1900" dirty="0"/>
+              <a:t>can reuse these machines for the next few labs but do not forget to go back after done with labs)</a:t>
             </a:r>
           </a:p>
           <a:p>
@@ -22278,7 +22248,7 @@
           <a:p>
             <a:r>
               <a:rPr lang="en-US" sz="2400" dirty="0"/>
-              <a:t>https://docs.microsoft.com/en-us/azure/virtual-machines/windows/tutorial-iis-sql</a:t>
+              <a:t>https://docs.microsoft.com/en-us/azure/virtual-machines/windows/quick-create-cli</a:t>
             </a:r>
           </a:p>
         </p:txBody>
@@ -22286,7 +22256,7 @@
     </p:spTree>
     <p:extLst>
       <p:ext uri="{BB962C8B-B14F-4D97-AF65-F5344CB8AC3E}">
-        <p14:creationId xmlns:p14="http://schemas.microsoft.com/office/powerpoint/2010/main" val="2608077847"/>
+        <p14:creationId xmlns:p14="http://schemas.microsoft.com/office/powerpoint/2010/main" val="3556655580"/>
       </p:ext>
     </p:extLst>
   </p:cSld>
@@ -22336,7 +22306,7 @@
           <a:p>
             <a:r>
               <a:rPr lang="en-US" dirty="0"/>
-              <a:t>Win 3. Monitor and update a Windows virtual machine in Azure using Cloud Shell</a:t>
+              <a:t>Win 2b. Install the IIS\.NET\SQL in a Windows VM with Azure Cloud Shell</a:t>
             </a:r>
           </a:p>
         </p:txBody>
@@ -22360,7 +22330,7 @@
         <p:spPr/>
         <p:txBody>
           <a:bodyPr>
-            <a:normAutofit fontScale="55000" lnSpcReduction="20000"/>
+            <a:normAutofit fontScale="77500" lnSpcReduction="20000"/>
           </a:bodyPr>
           <a:lstStyle/>
           <a:p>
@@ -22369,67 +22339,31 @@
             </a:pPr>
             <a:r>
               <a:rPr lang="en-US" dirty="0"/>
-              <a:t>You learn how to:</a:t>
-            </a:r>
-          </a:p>
-          <a:p>
-            <a:r>
-              <a:rPr lang="en-US" dirty="0"/>
-              <a:t>Use PowerShell or Azure Cloud Shell</a:t>
-            </a:r>
-          </a:p>
-          <a:p>
-            <a:r>
-              <a:rPr lang="en-US" dirty="0"/>
-              <a:t>Enable boot diagnostics on a VM</a:t>
-            </a:r>
-          </a:p>
-          <a:p>
-            <a:r>
-              <a:rPr lang="en-US" dirty="0"/>
-              <a:t>View boot diagnostics</a:t>
-            </a:r>
-          </a:p>
-          <a:p>
-            <a:r>
-              <a:rPr lang="en-US" dirty="0"/>
-              <a:t>View VM host metrics</a:t>
-            </a:r>
-          </a:p>
-          <a:p>
-            <a:r>
-              <a:rPr lang="en-US" dirty="0"/>
-              <a:t>Install the diagnostics extension</a:t>
-            </a:r>
-          </a:p>
-          <a:p>
-            <a:r>
-              <a:rPr lang="en-US" dirty="0"/>
-              <a:t>View VM metrics</a:t>
-            </a:r>
-          </a:p>
-          <a:p>
-            <a:r>
-              <a:rPr lang="en-US" dirty="0"/>
-              <a:t>Create an alert</a:t>
-            </a:r>
-          </a:p>
-          <a:p>
-            <a:r>
-              <a:rPr lang="en-US" dirty="0"/>
-              <a:t>Manage Windows updates</a:t>
-            </a:r>
-          </a:p>
-          <a:p>
-            <a:r>
-              <a:rPr lang="en-US" dirty="0"/>
-              <a:t>Monitor changes and inventory</a:t>
-            </a:r>
-          </a:p>
-          <a:p>
-            <a:r>
-              <a:rPr lang="en-US" dirty="0"/>
-              <a:t>Set up advanced monitoring</a:t>
+              <a:t>Azure Security Center can help you gain visibility into your Azure resource security practices. Security Center offers integrated security monitoring. It can detect threats that otherwise might go unnoticed. In this tutorial, you learn about Azure Security Center, and how to:</a:t>
+            </a:r>
+          </a:p>
+          <a:p>
+            <a:r>
+              <a:rPr lang="en-US" dirty="0"/>
+              <a:t>Create a VM </a:t>
+            </a:r>
+          </a:p>
+          <a:p>
+            <a:r>
+              <a:rPr lang="en-US" dirty="0"/>
+              <a:t>Install IIS and the .NET Core SDK on the VM</a:t>
+            </a:r>
+          </a:p>
+          <a:p>
+            <a:r>
+              <a:rPr lang="en-US" dirty="0"/>
+              <a:t>Create a VM running SQL Server</a:t>
+            </a:r>
+          </a:p>
+          <a:p>
+            <a:r>
+              <a:rPr lang="en-US" dirty="0"/>
+              <a:t>Install the SQL Server extension</a:t>
             </a:r>
           </a:p>
           <a:p>
@@ -22476,7 +22410,7 @@
             </a:pPr>
             <a:r>
               <a:rPr lang="en-US" dirty="0"/>
-              <a:t>dan0514ip for “</a:t>
+              <a:t>dan0514iisip for “</a:t>
             </a:r>
             <a:r>
               <a:rPr lang="en-US" dirty="0" err="1"/>
@@ -22494,25 +22428,7 @@
             </a:pPr>
             <a:r>
               <a:rPr lang="en-US" dirty="0"/>
-              <a:t>dan1514vm for “</a:t>
-            </a:r>
-            <a:r>
-              <a:rPr lang="en-US" dirty="0" err="1"/>
-              <a:t>myVM</a:t>
-            </a:r>
-            <a:r>
-              <a:rPr lang="en-US" dirty="0"/>
-              <a:t>” </a:t>
-            </a:r>
-          </a:p>
-          <a:p>
-            <a:pPr marL="742950" lvl="1">
-              <a:buFont typeface="Arial" panose="020B0604020202020204" pitchFamily="34" charset="0"/>
-              <a:buChar char="•"/>
-            </a:pPr>
-            <a:r>
-              <a:rPr lang="en-US" dirty="0"/>
-              <a:t>If you did not delete your VMs from another lab, you can use that VM instead of creating one</a:t>
+              <a:t>dan1514vmiis for “IISVM” </a:t>
             </a:r>
           </a:p>
           <a:p>
@@ -22522,25 +22438,8 @@
             </a:pPr>
             <a:r>
               <a:rPr lang="en-US" dirty="0"/>
-              <a:t>Deallocate or Delete the resources when done with the labs</a:t>
-            </a:r>
-          </a:p>
-          <a:p>
-            <a:pPr>
-              <a:buFont typeface="+mj-lt"/>
-              <a:buAutoNum type="arabicPeriod"/>
-            </a:pPr>
-            <a:r>
-              <a:rPr lang="en-US" dirty="0"/>
-              <a:t>Do not create the VM Scale Set – we do not have enough Azure Credits </a:t>
-            </a:r>
-            <a:r>
-              <a:rPr lang="en-US" dirty="0">
-                <a:sym typeface="Wingdings" panose="05000000000000000000" pitchFamily="2" charset="2"/>
-              </a:rPr>
-              <a:t></a:t>
-            </a:r>
-            <a:endParaRPr lang="en-US" dirty="0"/>
+              <a:t>Stop and Deallocate or Delete resources when done with ALL labs (After Security Lab 4)</a:t>
+            </a:r>
           </a:p>
           <a:p>
             <a:pPr marL="0" indent="0">
@@ -22572,8 +22471,8 @@
           <a:lstStyle/>
           <a:p>
             <a:r>
-              <a:rPr lang="en-US" sz="2000" dirty="0"/>
-              <a:t>https://docs.microsoft.com/en-us/azure/virtual-machines/windows/tutorial-monitoring</a:t>
+              <a:rPr lang="en-US" sz="2400" dirty="0"/>
+              <a:t>https://docs.microsoft.com/en-us/azure/virtual-machines/windows/tutorial-iis-sql</a:t>
             </a:r>
           </a:p>
         </p:txBody>
@@ -22581,7 +22480,7 @@
     </p:spTree>
     <p:extLst>
       <p:ext uri="{BB962C8B-B14F-4D97-AF65-F5344CB8AC3E}">
-        <p14:creationId xmlns:p14="http://schemas.microsoft.com/office/powerpoint/2010/main" val="3789304177"/>
+        <p14:creationId xmlns:p14="http://schemas.microsoft.com/office/powerpoint/2010/main" val="2608077847"/>
       </p:ext>
     </p:extLst>
   </p:cSld>
@@ -22631,6 +22530,301 @@
           <a:p>
             <a:r>
               <a:rPr lang="en-US" dirty="0"/>
+              <a:t>Win 3. Monitor and update a Windows virtual machine in Azure using Cloud Shell</a:t>
+            </a:r>
+          </a:p>
+        </p:txBody>
+      </p:sp>
+      <p:sp>
+        <p:nvSpPr>
+          <p:cNvPr id="2" name="Content Placeholder 1">
+            <a:extLst>
+              <a:ext uri="{FF2B5EF4-FFF2-40B4-BE49-F238E27FC236}">
+                <a16:creationId xmlns:a16="http://schemas.microsoft.com/office/drawing/2014/main" id="{6A84E970-B2D5-4816-B0CF-6C55060F7553}"/>
+              </a:ext>
+            </a:extLst>
+          </p:cNvPr>
+          <p:cNvSpPr>
+            <a:spLocks noGrp="1"/>
+          </p:cNvSpPr>
+          <p:nvPr>
+            <p:ph idx="1"/>
+          </p:nvPr>
+        </p:nvSpPr>
+        <p:spPr/>
+        <p:txBody>
+          <a:bodyPr>
+            <a:normAutofit fontScale="55000" lnSpcReduction="20000"/>
+          </a:bodyPr>
+          <a:lstStyle/>
+          <a:p>
+            <a:pPr marL="0" indent="0">
+              <a:buNone/>
+            </a:pPr>
+            <a:r>
+              <a:rPr lang="en-US" dirty="0"/>
+              <a:t>You learn how to:</a:t>
+            </a:r>
+          </a:p>
+          <a:p>
+            <a:r>
+              <a:rPr lang="en-US" dirty="0"/>
+              <a:t>Use PowerShell or Azure Cloud Shell</a:t>
+            </a:r>
+          </a:p>
+          <a:p>
+            <a:r>
+              <a:rPr lang="en-US" dirty="0"/>
+              <a:t>Enable boot diagnostics on a VM</a:t>
+            </a:r>
+          </a:p>
+          <a:p>
+            <a:r>
+              <a:rPr lang="en-US" dirty="0"/>
+              <a:t>View boot diagnostics</a:t>
+            </a:r>
+          </a:p>
+          <a:p>
+            <a:r>
+              <a:rPr lang="en-US" dirty="0"/>
+              <a:t>View VM host metrics</a:t>
+            </a:r>
+          </a:p>
+          <a:p>
+            <a:r>
+              <a:rPr lang="en-US" dirty="0"/>
+              <a:t>Install the diagnostics extension</a:t>
+            </a:r>
+          </a:p>
+          <a:p>
+            <a:r>
+              <a:rPr lang="en-US" dirty="0"/>
+              <a:t>View VM metrics</a:t>
+            </a:r>
+          </a:p>
+          <a:p>
+            <a:r>
+              <a:rPr lang="en-US" dirty="0"/>
+              <a:t>Create an alert</a:t>
+            </a:r>
+          </a:p>
+          <a:p>
+            <a:r>
+              <a:rPr lang="en-US" dirty="0"/>
+              <a:t>Manage Windows updates</a:t>
+            </a:r>
+          </a:p>
+          <a:p>
+            <a:r>
+              <a:rPr lang="en-US" dirty="0"/>
+              <a:t>Monitor changes and inventory</a:t>
+            </a:r>
+          </a:p>
+          <a:p>
+            <a:r>
+              <a:rPr lang="en-US" dirty="0"/>
+              <a:t>Set up advanced monitoring</a:t>
+            </a:r>
+          </a:p>
+          <a:p>
+            <a:pPr marL="0" indent="0">
+              <a:buNone/>
+            </a:pPr>
+            <a:endParaRPr lang="en-US" dirty="0"/>
+          </a:p>
+          <a:p>
+            <a:pPr marL="0" indent="0">
+              <a:buNone/>
+            </a:pPr>
+            <a:r>
+              <a:rPr lang="en-US" u="sng" dirty="0">
+                <a:highlight>
+                  <a:srgbClr val="FFFF00"/>
+                </a:highlight>
+              </a:rPr>
+              <a:t>Important Notes</a:t>
+            </a:r>
+          </a:p>
+          <a:p>
+            <a:pPr>
+              <a:buFont typeface="+mj-lt"/>
+              <a:buAutoNum type="arabicPeriod"/>
+            </a:pPr>
+            <a:r>
+              <a:rPr lang="en-US" dirty="0"/>
+              <a:t>Use your Initials0514 or other unique code for variables to prevent any duplicate public </a:t>
+            </a:r>
+            <a:r>
+              <a:rPr lang="en-US" dirty="0" err="1"/>
+              <a:t>urls</a:t>
+            </a:r>
+            <a:r>
+              <a:rPr lang="en-US" dirty="0"/>
+              <a:t> e.g. (lowercase):</a:t>
+            </a:r>
+          </a:p>
+          <a:p>
+            <a:pPr marL="742950" lvl="1">
+              <a:buFont typeface="Arial" panose="020B0604020202020204" pitchFamily="34" charset="0"/>
+              <a:buChar char="•"/>
+            </a:pPr>
+            <a:r>
+              <a:rPr lang="en-US" dirty="0"/>
+              <a:t>dan0514ip for “</a:t>
+            </a:r>
+            <a:r>
+              <a:rPr lang="en-US" dirty="0" err="1"/>
+              <a:t>myIISPublicIpAddress</a:t>
+            </a:r>
+            <a:r>
+              <a:rPr lang="en-US" dirty="0"/>
+              <a:t>” </a:t>
+            </a:r>
+          </a:p>
+          <a:p>
+            <a:pPr marL="742950" lvl="1">
+              <a:buFont typeface="Arial" panose="020B0604020202020204" pitchFamily="34" charset="0"/>
+              <a:buChar char="•"/>
+            </a:pPr>
+            <a:r>
+              <a:rPr lang="en-US" dirty="0"/>
+              <a:t>dan1514vm for “</a:t>
+            </a:r>
+            <a:r>
+              <a:rPr lang="en-US" dirty="0" err="1"/>
+              <a:t>myVM</a:t>
+            </a:r>
+            <a:r>
+              <a:rPr lang="en-US" dirty="0"/>
+              <a:t>” </a:t>
+            </a:r>
+          </a:p>
+          <a:p>
+            <a:pPr marL="742950" lvl="1">
+              <a:buFont typeface="Arial" panose="020B0604020202020204" pitchFamily="34" charset="0"/>
+              <a:buChar char="•"/>
+            </a:pPr>
+            <a:r>
+              <a:rPr lang="en-US" dirty="0"/>
+              <a:t>If you did not delete your VMs from another lab, you can use that VM instead of creating one</a:t>
+            </a:r>
+          </a:p>
+          <a:p>
+            <a:pPr>
+              <a:buFont typeface="+mj-lt"/>
+              <a:buAutoNum type="arabicPeriod"/>
+            </a:pPr>
+            <a:r>
+              <a:rPr lang="en-US" dirty="0"/>
+              <a:t>Deallocate or Delete the resources when done with the labs</a:t>
+            </a:r>
+          </a:p>
+          <a:p>
+            <a:pPr>
+              <a:buFont typeface="+mj-lt"/>
+              <a:buAutoNum type="arabicPeriod"/>
+            </a:pPr>
+            <a:r>
+              <a:rPr lang="en-US" dirty="0"/>
+              <a:t>Do not create the VM Scale Set – we do not have enough Azure Credits </a:t>
+            </a:r>
+            <a:r>
+              <a:rPr lang="en-US" dirty="0">
+                <a:sym typeface="Wingdings" panose="05000000000000000000" pitchFamily="2" charset="2"/>
+              </a:rPr>
+              <a:t></a:t>
+            </a:r>
+            <a:endParaRPr lang="en-US" dirty="0"/>
+          </a:p>
+          <a:p>
+            <a:pPr marL="0" indent="0">
+              <a:buNone/>
+            </a:pPr>
+            <a:endParaRPr lang="en-US" dirty="0"/>
+          </a:p>
+        </p:txBody>
+      </p:sp>
+      <p:sp>
+        <p:nvSpPr>
+          <p:cNvPr id="6" name="Text Placeholder 5">
+            <a:extLst>
+              <a:ext uri="{FF2B5EF4-FFF2-40B4-BE49-F238E27FC236}">
+                <a16:creationId xmlns:a16="http://schemas.microsoft.com/office/drawing/2014/main" id="{80B11388-CFF3-4CFC-99E3-D2D9B375268C}"/>
+              </a:ext>
+            </a:extLst>
+          </p:cNvPr>
+          <p:cNvSpPr>
+            <a:spLocks noGrp="1"/>
+          </p:cNvSpPr>
+          <p:nvPr>
+            <p:ph type="body" sz="quarter" idx="10"/>
+          </p:nvPr>
+        </p:nvSpPr>
+        <p:spPr/>
+        <p:txBody>
+          <a:bodyPr/>
+          <a:lstStyle/>
+          <a:p>
+            <a:r>
+              <a:rPr lang="en-US" sz="2000" dirty="0"/>
+              <a:t>https://docs.microsoft.com/en-us/azure/virtual-machines/windows/tutorial-monitoring</a:t>
+            </a:r>
+          </a:p>
+        </p:txBody>
+      </p:sp>
+    </p:spTree>
+    <p:extLst>
+      <p:ext uri="{BB962C8B-B14F-4D97-AF65-F5344CB8AC3E}">
+        <p14:creationId xmlns:p14="http://schemas.microsoft.com/office/powerpoint/2010/main" val="3789304177"/>
+      </p:ext>
+    </p:extLst>
+  </p:cSld>
+  <p:clrMapOvr>
+    <a:masterClrMapping/>
+  </p:clrMapOvr>
+</p:sld>
+</file>
+
+<file path=ppt/slides/slide17.xml><?xml version="1.0" encoding="utf-8"?>
+<p:sld xmlns:a="http://schemas.openxmlformats.org/drawingml/2006/main" xmlns:r="http://schemas.openxmlformats.org/officeDocument/2006/relationships" xmlns:p="http://schemas.openxmlformats.org/presentationml/2006/main">
+  <p:cSld>
+    <p:spTree>
+      <p:nvGrpSpPr>
+        <p:cNvPr id="1" name=""/>
+        <p:cNvGrpSpPr/>
+        <p:nvPr/>
+      </p:nvGrpSpPr>
+      <p:grpSpPr>
+        <a:xfrm>
+          <a:off x="0" y="0"/>
+          <a:ext cx="0" cy="0"/>
+          <a:chOff x="0" y="0"/>
+          <a:chExt cx="0" cy="0"/>
+        </a:xfrm>
+      </p:grpSpPr>
+      <p:sp>
+        <p:nvSpPr>
+          <p:cNvPr id="3" name="Title 2">
+            <a:extLst>
+              <a:ext uri="{FF2B5EF4-FFF2-40B4-BE49-F238E27FC236}">
+                <a16:creationId xmlns:a16="http://schemas.microsoft.com/office/drawing/2014/main" id="{6F58B209-4E6F-412E-BA33-6903529DB20C}"/>
+              </a:ext>
+            </a:extLst>
+          </p:cNvPr>
+          <p:cNvSpPr>
+            <a:spLocks noGrp="1"/>
+          </p:cNvSpPr>
+          <p:nvPr>
+            <p:ph type="title"/>
+          </p:nvPr>
+        </p:nvSpPr>
+        <p:spPr/>
+        <p:txBody>
+          <a:bodyPr/>
+          <a:lstStyle/>
+          <a:p>
+            <a:r>
+              <a:rPr lang="en-US" dirty="0"/>
               <a:t>4. Use Azure Security Center to monitor Windows virtual machines</a:t>
             </a:r>
           </a:p>
@@ -22779,7 +22973,7 @@
 </p:sld>
 </file>
 
-<file path=ppt/slides/slide17.xml><?xml version="1.0" encoding="utf-8"?>
+<file path=ppt/slides/slide18.xml><?xml version="1.0" encoding="utf-8"?>
 <p:sld xmlns:a="http://schemas.openxmlformats.org/drawingml/2006/main" xmlns:r="http://schemas.openxmlformats.org/officeDocument/2006/relationships" xmlns:p="http://schemas.openxmlformats.org/presentationml/2006/main">
   <p:cSld>
     <p:spTree>
@@ -22920,7 +23114,7 @@
 </p:sld>
 </file>
 
-<file path=ppt/slides/slide18.xml><?xml version="1.0" encoding="utf-8"?>
+<file path=ppt/slides/slide19.xml><?xml version="1.0" encoding="utf-8"?>
 <p:sld xmlns:a="http://schemas.openxmlformats.org/drawingml/2006/main" xmlns:r="http://schemas.openxmlformats.org/officeDocument/2006/relationships" xmlns:p="http://schemas.openxmlformats.org/presentationml/2006/main">
   <p:cSld>
     <p:spTree>
@@ -23097,176 +23291,6 @@
     <p:extLst>
       <p:ext uri="{BB962C8B-B14F-4D97-AF65-F5344CB8AC3E}">
         <p14:creationId xmlns:p14="http://schemas.microsoft.com/office/powerpoint/2010/main" val="190601822"/>
-      </p:ext>
-    </p:extLst>
-  </p:cSld>
-  <p:clrMapOvr>
-    <a:masterClrMapping/>
-  </p:clrMapOvr>
-</p:sld>
-</file>
-
-<file path=ppt/slides/slide19.xml><?xml version="1.0" encoding="utf-8"?>
-<p:sld xmlns:a="http://schemas.openxmlformats.org/drawingml/2006/main" xmlns:r="http://schemas.openxmlformats.org/officeDocument/2006/relationships" xmlns:p="http://schemas.openxmlformats.org/presentationml/2006/main">
-  <p:cSld>
-    <p:spTree>
-      <p:nvGrpSpPr>
-        <p:cNvPr id="1" name=""/>
-        <p:cNvGrpSpPr/>
-        <p:nvPr/>
-      </p:nvGrpSpPr>
-      <p:grpSpPr>
-        <a:xfrm>
-          <a:off x="0" y="0"/>
-          <a:ext cx="0" cy="0"/>
-          <a:chOff x="0" y="0"/>
-          <a:chExt cx="0" cy="0"/>
-        </a:xfrm>
-      </p:grpSpPr>
-      <p:sp>
-        <p:nvSpPr>
-          <p:cNvPr id="2" name="Title 1">
-            <a:extLst>
-              <a:ext uri="{FF2B5EF4-FFF2-40B4-BE49-F238E27FC236}">
-                <a16:creationId xmlns:a16="http://schemas.microsoft.com/office/drawing/2014/main" id="{A5D370CE-3C41-44EE-A701-43375D986C46}"/>
-              </a:ext>
-            </a:extLst>
-          </p:cNvPr>
-          <p:cNvSpPr>
-            <a:spLocks noGrp="1"/>
-          </p:cNvSpPr>
-          <p:nvPr>
-            <p:ph type="title"/>
-          </p:nvPr>
-        </p:nvSpPr>
-        <p:spPr/>
-        <p:txBody>
-          <a:bodyPr/>
-          <a:lstStyle/>
-          <a:p>
-            <a:r>
-              <a:rPr lang="en-US" sz="3600" dirty="0"/>
-              <a:t>Storage and Operational Readiness</a:t>
-            </a:r>
-          </a:p>
-        </p:txBody>
-      </p:sp>
-      <p:sp>
-        <p:nvSpPr>
-          <p:cNvPr id="3" name="Content Placeholder 2">
-            <a:extLst>
-              <a:ext uri="{FF2B5EF4-FFF2-40B4-BE49-F238E27FC236}">
-                <a16:creationId xmlns:a16="http://schemas.microsoft.com/office/drawing/2014/main" id="{91162988-61B1-4BCC-9D7D-779EE61730DE}"/>
-              </a:ext>
-            </a:extLst>
-          </p:cNvPr>
-          <p:cNvSpPr>
-            <a:spLocks noGrp="1"/>
-          </p:cNvSpPr>
-          <p:nvPr>
-            <p:ph idx="1"/>
-          </p:nvPr>
-        </p:nvSpPr>
-        <p:spPr/>
-        <p:txBody>
-          <a:bodyPr>
-            <a:normAutofit/>
-          </a:bodyPr>
-          <a:lstStyle/>
-          <a:p>
-            <a:r>
-              <a:rPr lang="en-US" b="1" dirty="0"/>
-              <a:t>Getting Started with Storage - Manage Storage Account - in </a:t>
-            </a:r>
-            <a:r>
-              <a:rPr lang="en-US" b="1" dirty="0" err="1"/>
-              <a:t>.Net</a:t>
-            </a:r>
-            <a:r>
-              <a:rPr lang="en-US" b="1" dirty="0"/>
-              <a:t> </a:t>
-            </a:r>
-            <a:r>
-              <a:rPr lang="en-US" dirty="0">
-                <a:hlinkClick r:id="rId3"/>
-              </a:rPr>
-              <a:t>https://azure.microsoft.com/en-us/resources/samples/storage-dotnet-manage-storage-accounts/</a:t>
-            </a:r>
-            <a:r>
-              <a:rPr lang="en-US" dirty="0"/>
-              <a:t> </a:t>
-            </a:r>
-          </a:p>
-          <a:p>
-            <a:r>
-              <a:rPr lang="en-US" b="1" dirty="0"/>
-              <a:t>Desired State Configuration (DSC) </a:t>
-            </a:r>
-            <a:r>
-              <a:rPr lang="en-US" dirty="0">
-                <a:hlinkClick r:id="rId4"/>
-              </a:rPr>
-              <a:t>https://docs.microsoft.com/en-us/azure/automation/automation-dsc-getting-started </a:t>
-            </a:r>
-            <a:endParaRPr lang="en-US" dirty="0"/>
-          </a:p>
-          <a:p>
-            <a:r>
-              <a:rPr lang="en-US" b="1" dirty="0"/>
-              <a:t>How Azure Backup Works in 10 mins </a:t>
-            </a:r>
-            <a:r>
-              <a:rPr lang="en-US" dirty="0">
-                <a:hlinkClick r:id="rId5"/>
-              </a:rPr>
-              <a:t>https://docs.microsoft.com/en-us/azure/backup/backup-try-azure-backup-in-10-mins</a:t>
-            </a:r>
-            <a:endParaRPr lang="en-US" dirty="0"/>
-          </a:p>
-        </p:txBody>
-      </p:sp>
-      <p:sp>
-        <p:nvSpPr>
-          <p:cNvPr id="4" name="Text Placeholder 3">
-            <a:extLst>
-              <a:ext uri="{FF2B5EF4-FFF2-40B4-BE49-F238E27FC236}">
-                <a16:creationId xmlns:a16="http://schemas.microsoft.com/office/drawing/2014/main" id="{D9CA9968-947A-48A8-B829-946DC1ACC14B}"/>
-              </a:ext>
-            </a:extLst>
-          </p:cNvPr>
-          <p:cNvSpPr>
-            <a:spLocks noGrp="1"/>
-          </p:cNvSpPr>
-          <p:nvPr>
-            <p:ph type="body" sz="quarter" idx="10"/>
-          </p:nvPr>
-        </p:nvSpPr>
-        <p:spPr/>
-        <p:txBody>
-          <a:bodyPr/>
-          <a:lstStyle/>
-          <a:p>
-            <a:r>
-              <a:rPr lang="en-US" dirty="0"/>
-              <a:t>More Storage: </a:t>
-            </a:r>
-            <a:r>
-              <a:rPr lang="en-US" dirty="0">
-                <a:hlinkClick r:id="rId6"/>
-              </a:rPr>
-              <a:t>https://azure.microsoft.com/en-us/resources/samples/?service=storage</a:t>
-            </a:r>
-            <a:r>
-              <a:rPr lang="en-US" dirty="0"/>
-              <a:t> </a:t>
-            </a:r>
-          </a:p>
-        </p:txBody>
-      </p:sp>
-    </p:spTree>
-    <p:extLst>
-      <p:ext uri="{BB962C8B-B14F-4D97-AF65-F5344CB8AC3E}">
-        <p14:creationId xmlns:p14="http://schemas.microsoft.com/office/powerpoint/2010/main" val="1401110197"/>
       </p:ext>
     </p:extLst>
   </p:cSld>
@@ -24803,6 +24827,176 @@
           <p:cNvPr id="2" name="Title 1">
             <a:extLst>
               <a:ext uri="{FF2B5EF4-FFF2-40B4-BE49-F238E27FC236}">
+                <a16:creationId xmlns:a16="http://schemas.microsoft.com/office/drawing/2014/main" id="{A5D370CE-3C41-44EE-A701-43375D986C46}"/>
+              </a:ext>
+            </a:extLst>
+          </p:cNvPr>
+          <p:cNvSpPr>
+            <a:spLocks noGrp="1"/>
+          </p:cNvSpPr>
+          <p:nvPr>
+            <p:ph type="title"/>
+          </p:nvPr>
+        </p:nvSpPr>
+        <p:spPr/>
+        <p:txBody>
+          <a:bodyPr/>
+          <a:lstStyle/>
+          <a:p>
+            <a:r>
+              <a:rPr lang="en-US" sz="3600" dirty="0"/>
+              <a:t>Storage and Operational Readiness</a:t>
+            </a:r>
+          </a:p>
+        </p:txBody>
+      </p:sp>
+      <p:sp>
+        <p:nvSpPr>
+          <p:cNvPr id="3" name="Content Placeholder 2">
+            <a:extLst>
+              <a:ext uri="{FF2B5EF4-FFF2-40B4-BE49-F238E27FC236}">
+                <a16:creationId xmlns:a16="http://schemas.microsoft.com/office/drawing/2014/main" id="{91162988-61B1-4BCC-9D7D-779EE61730DE}"/>
+              </a:ext>
+            </a:extLst>
+          </p:cNvPr>
+          <p:cNvSpPr>
+            <a:spLocks noGrp="1"/>
+          </p:cNvSpPr>
+          <p:nvPr>
+            <p:ph idx="1"/>
+          </p:nvPr>
+        </p:nvSpPr>
+        <p:spPr/>
+        <p:txBody>
+          <a:bodyPr>
+            <a:normAutofit/>
+          </a:bodyPr>
+          <a:lstStyle/>
+          <a:p>
+            <a:r>
+              <a:rPr lang="en-US" b="1" dirty="0"/>
+              <a:t>Getting Started with Storage - Manage Storage Account - in </a:t>
+            </a:r>
+            <a:r>
+              <a:rPr lang="en-US" b="1" dirty="0" err="1"/>
+              <a:t>.Net</a:t>
+            </a:r>
+            <a:r>
+              <a:rPr lang="en-US" b="1" dirty="0"/>
+              <a:t> </a:t>
+            </a:r>
+            <a:r>
+              <a:rPr lang="en-US" dirty="0">
+                <a:hlinkClick r:id="rId3"/>
+              </a:rPr>
+              <a:t>https://azure.microsoft.com/en-us/resources/samples/storage-dotnet-manage-storage-accounts/</a:t>
+            </a:r>
+            <a:r>
+              <a:rPr lang="en-US" dirty="0"/>
+              <a:t> </a:t>
+            </a:r>
+          </a:p>
+          <a:p>
+            <a:r>
+              <a:rPr lang="en-US" b="1" dirty="0"/>
+              <a:t>Desired State Configuration (DSC) </a:t>
+            </a:r>
+            <a:r>
+              <a:rPr lang="en-US" dirty="0">
+                <a:hlinkClick r:id="rId4"/>
+              </a:rPr>
+              <a:t>https://docs.microsoft.com/en-us/azure/automation/automation-dsc-getting-started </a:t>
+            </a:r>
+            <a:endParaRPr lang="en-US" dirty="0"/>
+          </a:p>
+          <a:p>
+            <a:r>
+              <a:rPr lang="en-US" b="1" dirty="0"/>
+              <a:t>How Azure Backup Works in 10 mins </a:t>
+            </a:r>
+            <a:r>
+              <a:rPr lang="en-US" dirty="0">
+                <a:hlinkClick r:id="rId5"/>
+              </a:rPr>
+              <a:t>https://docs.microsoft.com/en-us/azure/backup/backup-try-azure-backup-in-10-mins</a:t>
+            </a:r>
+            <a:endParaRPr lang="en-US" dirty="0"/>
+          </a:p>
+        </p:txBody>
+      </p:sp>
+      <p:sp>
+        <p:nvSpPr>
+          <p:cNvPr id="4" name="Text Placeholder 3">
+            <a:extLst>
+              <a:ext uri="{FF2B5EF4-FFF2-40B4-BE49-F238E27FC236}">
+                <a16:creationId xmlns:a16="http://schemas.microsoft.com/office/drawing/2014/main" id="{D9CA9968-947A-48A8-B829-946DC1ACC14B}"/>
+              </a:ext>
+            </a:extLst>
+          </p:cNvPr>
+          <p:cNvSpPr>
+            <a:spLocks noGrp="1"/>
+          </p:cNvSpPr>
+          <p:nvPr>
+            <p:ph type="body" sz="quarter" idx="10"/>
+          </p:nvPr>
+        </p:nvSpPr>
+        <p:spPr/>
+        <p:txBody>
+          <a:bodyPr/>
+          <a:lstStyle/>
+          <a:p>
+            <a:r>
+              <a:rPr lang="en-US" dirty="0"/>
+              <a:t>More Storage: </a:t>
+            </a:r>
+            <a:r>
+              <a:rPr lang="en-US" dirty="0">
+                <a:hlinkClick r:id="rId6"/>
+              </a:rPr>
+              <a:t>https://azure.microsoft.com/en-us/resources/samples/?service=storage</a:t>
+            </a:r>
+            <a:r>
+              <a:rPr lang="en-US" dirty="0"/>
+              <a:t> </a:t>
+            </a:r>
+          </a:p>
+        </p:txBody>
+      </p:sp>
+    </p:spTree>
+    <p:extLst>
+      <p:ext uri="{BB962C8B-B14F-4D97-AF65-F5344CB8AC3E}">
+        <p14:creationId xmlns:p14="http://schemas.microsoft.com/office/powerpoint/2010/main" val="1401110197"/>
+      </p:ext>
+    </p:extLst>
+  </p:cSld>
+  <p:clrMapOvr>
+    <a:masterClrMapping/>
+  </p:clrMapOvr>
+</p:sld>
+</file>
+
+<file path=ppt/slides/slide21.xml><?xml version="1.0" encoding="utf-8"?>
+<p:sld xmlns:a="http://schemas.openxmlformats.org/drawingml/2006/main" xmlns:r="http://schemas.openxmlformats.org/officeDocument/2006/relationships" xmlns:p="http://schemas.openxmlformats.org/presentationml/2006/main">
+  <p:cSld>
+    <p:spTree>
+      <p:nvGrpSpPr>
+        <p:cNvPr id="1" name=""/>
+        <p:cNvGrpSpPr/>
+        <p:nvPr/>
+      </p:nvGrpSpPr>
+      <p:grpSpPr>
+        <a:xfrm>
+          <a:off x="0" y="0"/>
+          <a:ext cx="0" cy="0"/>
+          <a:chOff x="0" y="0"/>
+          <a:chExt cx="0" cy="0"/>
+        </a:xfrm>
+      </p:grpSpPr>
+      <p:sp>
+        <p:nvSpPr>
+          <p:cNvPr id="2" name="Title 1">
+            <a:extLst>
+              <a:ext uri="{FF2B5EF4-FFF2-40B4-BE49-F238E27FC236}">
                 <a16:creationId xmlns:a16="http://schemas.microsoft.com/office/drawing/2014/main" id="{F3606FF6-39A1-40A3-B2D1-B06CE96446E4}"/>
               </a:ext>
             </a:extLst>
@@ -25169,7 +25363,7 @@
 </p:sld>
 </file>
 
-<file path=ppt/slides/slide21.xml><?xml version="1.0" encoding="utf-8"?>
+<file path=ppt/slides/slide22.xml><?xml version="1.0" encoding="utf-8"?>
 <p:sld xmlns:a="http://schemas.openxmlformats.org/drawingml/2006/main" xmlns:r="http://schemas.openxmlformats.org/officeDocument/2006/relationships" xmlns:p="http://schemas.openxmlformats.org/presentationml/2006/main">
   <p:cSld>
     <p:spTree>
@@ -25351,7 +25545,561 @@
 </p:sld>
 </file>
 
-<file path=ppt/slides/slide22.xml><?xml version="1.0" encoding="utf-8"?>
+<file path=ppt/slides/slide23.xml><?xml version="1.0" encoding="utf-8"?>
+<p:sld xmlns:a="http://schemas.openxmlformats.org/drawingml/2006/main" xmlns:r="http://schemas.openxmlformats.org/officeDocument/2006/relationships" xmlns:p="http://schemas.openxmlformats.org/presentationml/2006/main">
+  <p:cSld>
+    <p:spTree>
+      <p:nvGrpSpPr>
+        <p:cNvPr id="1" name=""/>
+        <p:cNvGrpSpPr/>
+        <p:nvPr/>
+      </p:nvGrpSpPr>
+      <p:grpSpPr>
+        <a:xfrm>
+          <a:off x="0" y="0"/>
+          <a:ext cx="0" cy="0"/>
+          <a:chOff x="0" y="0"/>
+          <a:chExt cx="0" cy="0"/>
+        </a:xfrm>
+      </p:grpSpPr>
+      <p:sp>
+        <p:nvSpPr>
+          <p:cNvPr id="2" name="Title 1">
+            <a:extLst>
+              <a:ext uri="{FF2B5EF4-FFF2-40B4-BE49-F238E27FC236}">
+                <a16:creationId xmlns:a16="http://schemas.microsoft.com/office/drawing/2014/main" id="{EF6C924A-004D-41B9-BF11-86B46B255415}"/>
+              </a:ext>
+            </a:extLst>
+          </p:cNvPr>
+          <p:cNvSpPr>
+            <a:spLocks noGrp="1"/>
+          </p:cNvSpPr>
+          <p:nvPr>
+            <p:ph type="title"/>
+          </p:nvPr>
+        </p:nvSpPr>
+        <p:spPr/>
+        <p:txBody>
+          <a:bodyPr/>
+          <a:lstStyle/>
+          <a:p>
+            <a:r>
+              <a:rPr lang="en-US" sz="3200" dirty="0"/>
+              <a:t>Attendee Challenge </a:t>
+            </a:r>
+            <a:r>
+              <a:rPr lang="en-US" dirty="0"/>
+              <a:t>– What Azure challenges should we tackle?</a:t>
+            </a:r>
+            <a:br>
+              <a:rPr lang="en-US" dirty="0"/>
+            </a:br>
+            <a:r>
+              <a:rPr lang="en-US" sz="3200" dirty="0"/>
+              <a:t>What Challenges Are You Facing?</a:t>
+            </a:r>
+            <a:br>
+              <a:rPr lang="en-US" sz="3200" dirty="0"/>
+            </a:br>
+            <a:r>
+              <a:rPr lang="en-US" sz="3200" dirty="0"/>
+              <a:t>What ideas do you have for projects?</a:t>
+            </a:r>
+            <a:endParaRPr lang="en-US" dirty="0"/>
+          </a:p>
+        </p:txBody>
+      </p:sp>
+      <p:sp>
+        <p:nvSpPr>
+          <p:cNvPr id="3" name="Content Placeholder 2">
+            <a:extLst>
+              <a:ext uri="{FF2B5EF4-FFF2-40B4-BE49-F238E27FC236}">
+                <a16:creationId xmlns:a16="http://schemas.microsoft.com/office/drawing/2014/main" id="{0650CD24-E0F6-4EAE-8CDE-5B07ACA1F82A}"/>
+              </a:ext>
+            </a:extLst>
+          </p:cNvPr>
+          <p:cNvSpPr>
+            <a:spLocks noGrp="1"/>
+          </p:cNvSpPr>
+          <p:nvPr>
+            <p:ph idx="1"/>
+          </p:nvPr>
+        </p:nvSpPr>
+        <p:spPr/>
+        <p:txBody>
+          <a:bodyPr/>
+          <a:lstStyle/>
+          <a:p>
+            <a:pPr marL="0" indent="0">
+              <a:buNone/>
+            </a:pPr>
+            <a:r>
+              <a:rPr lang="en-US" dirty="0"/>
+              <a:t>Examples: </a:t>
+            </a:r>
+          </a:p>
+          <a:p>
+            <a:r>
+              <a:rPr lang="en-US" sz="2000" dirty="0"/>
+              <a:t>Contoso Purchases Fabrikam and needs to Migrate Fabrikam to Contoso or Azure</a:t>
+            </a:r>
+          </a:p>
+          <a:p>
+            <a:r>
+              <a:rPr lang="en-US" sz="2000" dirty="0"/>
+              <a:t>How to Architect Networks Using Isolation Security Zones to Enhance Security Posture When Moving to Azure</a:t>
+            </a:r>
+          </a:p>
+          <a:p>
+            <a:r>
+              <a:rPr lang="en-US" sz="2000" dirty="0"/>
+              <a:t>What challenges are YOU facing?</a:t>
+            </a:r>
+          </a:p>
+          <a:p>
+            <a:endParaRPr lang="en-US" sz="1600" dirty="0"/>
+          </a:p>
+          <a:p>
+            <a:endParaRPr lang="en-US" sz="1600" dirty="0"/>
+          </a:p>
+          <a:p>
+            <a:pPr marL="0" indent="0">
+              <a:buNone/>
+            </a:pPr>
+            <a:r>
+              <a:rPr lang="en-US" sz="3200" dirty="0"/>
+              <a:t>This is where you get the most out of this event!!!!</a:t>
+            </a:r>
+          </a:p>
+        </p:txBody>
+      </p:sp>
+      <p:sp>
+        <p:nvSpPr>
+          <p:cNvPr id="4" name="Text Placeholder 3">
+            <a:extLst>
+              <a:ext uri="{FF2B5EF4-FFF2-40B4-BE49-F238E27FC236}">
+                <a16:creationId xmlns:a16="http://schemas.microsoft.com/office/drawing/2014/main" id="{4E2C55FB-22E2-478F-9604-E02014DC97AA}"/>
+              </a:ext>
+            </a:extLst>
+          </p:cNvPr>
+          <p:cNvSpPr>
+            <a:spLocks noGrp="1"/>
+          </p:cNvSpPr>
+          <p:nvPr>
+            <p:ph type="body" sz="quarter" idx="10"/>
+          </p:nvPr>
+        </p:nvSpPr>
+        <p:spPr/>
+        <p:txBody>
+          <a:bodyPr/>
+          <a:lstStyle/>
+          <a:p>
+            <a:endParaRPr lang="en-US"/>
+          </a:p>
+        </p:txBody>
+      </p:sp>
+      <p:sp>
+        <p:nvSpPr>
+          <p:cNvPr id="5" name="Double Wave 4">
+            <a:extLst>
+              <a:ext uri="{FF2B5EF4-FFF2-40B4-BE49-F238E27FC236}">
+                <a16:creationId xmlns:a16="http://schemas.microsoft.com/office/drawing/2014/main" id="{9EC1E62F-B666-4DCC-AC56-E9A1AADF772F}"/>
+              </a:ext>
+            </a:extLst>
+          </p:cNvPr>
+          <p:cNvSpPr/>
+          <p:nvPr/>
+        </p:nvSpPr>
+        <p:spPr bwMode="auto">
+          <a:xfrm>
+            <a:off x="12384626" y="4809661"/>
+            <a:ext cx="4637334" cy="1497477"/>
+          </a:xfrm>
+          <a:prstGeom prst="doubleWave">
+            <a:avLst/>
+          </a:prstGeom>
+          <a:solidFill>
+            <a:srgbClr val="0070C0"/>
+          </a:solidFill>
+          <a:ln w="9525" cap="flat" cmpd="sng" algn="ctr">
+            <a:noFill/>
+            <a:prstDash val="solid"/>
+            <a:round/>
+            <a:headEnd type="none" w="med" len="med"/>
+            <a:tailEnd type="none" w="med" len="med"/>
+          </a:ln>
+          <a:effectLst>
+            <a:outerShdw dist="35921" dir="2700000" algn="ctr" rotWithShape="0">
+              <a:srgbClr val="AFAFAF"/>
+            </a:outerShdw>
+          </a:effectLst>
+        </p:spPr>
+        <p:txBody>
+          <a:bodyPr vert="horz" wrap="square" lIns="182880" tIns="45720" rIns="182880" bIns="45720" numCol="1" rtlCol="0" anchor="ctr" anchorCtr="0" compatLnSpc="1">
+            <a:prstTxWarp prst="textNoShape">
+              <a:avLst/>
+            </a:prstTxWarp>
+          </a:bodyPr>
+          <a:lstStyle/>
+          <a:p>
+            <a:pPr marL="0" marR="0" indent="0" algn="ctr" defTabSz="914400" rtl="0" eaLnBrk="0" fontAlgn="base" latinLnBrk="0" hangingPunct="0">
+              <a:lnSpc>
+                <a:spcPct val="100000"/>
+              </a:lnSpc>
+              <a:spcBef>
+                <a:spcPct val="0"/>
+              </a:spcBef>
+              <a:spcAft>
+                <a:spcPct val="0"/>
+              </a:spcAft>
+              <a:buClrTx/>
+              <a:buSzTx/>
+              <a:buFontTx/>
+              <a:buNone/>
+              <a:tabLst/>
+            </a:pPr>
+            <a:r>
+              <a:rPr lang="en-US" sz="3600" dirty="0"/>
+              <a:t>Parking Lot </a:t>
+            </a:r>
+          </a:p>
+          <a:p>
+            <a:pPr marL="0" marR="0" indent="0" algn="ctr" defTabSz="914400" rtl="0" eaLnBrk="0" fontAlgn="base" latinLnBrk="0" hangingPunct="0">
+              <a:lnSpc>
+                <a:spcPct val="100000"/>
+              </a:lnSpc>
+              <a:spcBef>
+                <a:spcPct val="0"/>
+              </a:spcBef>
+              <a:spcAft>
+                <a:spcPct val="0"/>
+              </a:spcAft>
+              <a:buClrTx/>
+              <a:buSzTx/>
+              <a:buFontTx/>
+              <a:buNone/>
+              <a:tabLst/>
+            </a:pPr>
+            <a:r>
+              <a:rPr lang="en-US" sz="3600" dirty="0"/>
+              <a:t>Post It Notes</a:t>
+            </a:r>
+            <a:endParaRPr kumimoji="0" lang="en-US" sz="3600" b="1" i="0" u="none" strike="noStrike" cap="none" normalizeH="0" baseline="0" dirty="0">
+              <a:ln>
+                <a:noFill/>
+              </a:ln>
+              <a:solidFill>
+                <a:schemeClr val="tx1"/>
+              </a:solidFill>
+              <a:effectLst/>
+              <a:latin typeface="Verdana" pitchFamily="34" charset="0"/>
+            </a:endParaRPr>
+          </a:p>
+        </p:txBody>
+      </p:sp>
+    </p:spTree>
+    <p:extLst>
+      <p:ext uri="{BB962C8B-B14F-4D97-AF65-F5344CB8AC3E}">
+        <p14:creationId xmlns:p14="http://schemas.microsoft.com/office/powerpoint/2010/main" val="967340259"/>
+      </p:ext>
+    </p:extLst>
+  </p:cSld>
+  <p:clrMapOvr>
+    <a:masterClrMapping/>
+  </p:clrMapOvr>
+  <p:timing>
+    <p:tnLst>
+      <p:par>
+        <p:cTn id="1" dur="indefinite" restart="never" nodeType="tmRoot">
+          <p:childTnLst>
+            <p:seq concurrent="1" nextAc="seek">
+              <p:cTn id="2" dur="indefinite" nodeType="mainSeq">
+                <p:childTnLst>
+                  <p:par>
+                    <p:cTn id="3" fill="hold">
+                      <p:stCondLst>
+                        <p:cond delay="indefinite"/>
+                      </p:stCondLst>
+                      <p:childTnLst>
+                        <p:par>
+                          <p:cTn id="4" fill="hold">
+                            <p:stCondLst>
+                              <p:cond delay="0"/>
+                            </p:stCondLst>
+                            <p:childTnLst>
+                              <p:par>
+                                <p:cTn id="5" presetID="45" presetClass="entr" presetSubtype="0" fill="hold" grpId="0" nodeType="clickEffect">
+                                  <p:stCondLst>
+                                    <p:cond delay="0"/>
+                                  </p:stCondLst>
+                                  <p:childTnLst>
+                                    <p:set>
+                                      <p:cBhvr>
+                                        <p:cTn id="6" dur="1" fill="hold">
+                                          <p:stCondLst>
+                                            <p:cond delay="0"/>
+                                          </p:stCondLst>
+                                        </p:cTn>
+                                        <p:tgtEl>
+                                          <p:spTgt spid="5"/>
+                                        </p:tgtEl>
+                                        <p:attrNameLst>
+                                          <p:attrName>style.visibility</p:attrName>
+                                        </p:attrNameLst>
+                                      </p:cBhvr>
+                                      <p:to>
+                                        <p:strVal val="visible"/>
+                                      </p:to>
+                                    </p:set>
+                                    <p:animEffect transition="in" filter="fade">
+                                      <p:cBhvr>
+                                        <p:cTn id="7" dur="2000"/>
+                                        <p:tgtEl>
+                                          <p:spTgt spid="5"/>
+                                        </p:tgtEl>
+                                      </p:cBhvr>
+                                    </p:animEffect>
+                                    <p:anim calcmode="lin" valueType="num">
+                                      <p:cBhvr>
+                                        <p:cTn id="8" dur="2000" fill="hold"/>
+                                        <p:tgtEl>
+                                          <p:spTgt spid="5"/>
+                                        </p:tgtEl>
+                                        <p:attrNameLst>
+                                          <p:attrName>ppt_w</p:attrName>
+                                        </p:attrNameLst>
+                                      </p:cBhvr>
+                                      <p:tavLst>
+                                        <p:tav tm="0" fmla="#ppt_w*sin(2.5*pi*$)">
+                                          <p:val>
+                                            <p:fltVal val="0"/>
+                                          </p:val>
+                                        </p:tav>
+                                        <p:tav tm="100000">
+                                          <p:val>
+                                            <p:fltVal val="1"/>
+                                          </p:val>
+                                        </p:tav>
+                                      </p:tavLst>
+                                    </p:anim>
+                                    <p:anim calcmode="lin" valueType="num">
+                                      <p:cBhvr>
+                                        <p:cTn id="9" dur="2000" fill="hold"/>
+                                        <p:tgtEl>
+                                          <p:spTgt spid="5"/>
+                                        </p:tgtEl>
+                                        <p:attrNameLst>
+                                          <p:attrName>ppt_h</p:attrName>
+                                        </p:attrNameLst>
+                                      </p:cBhvr>
+                                      <p:tavLst>
+                                        <p:tav tm="0">
+                                          <p:val>
+                                            <p:strVal val="#ppt_h"/>
+                                          </p:val>
+                                        </p:tav>
+                                        <p:tav tm="100000">
+                                          <p:val>
+                                            <p:strVal val="#ppt_h"/>
+                                          </p:val>
+                                        </p:tav>
+                                      </p:tavLst>
+                                    </p:anim>
+                                  </p:childTnLst>
+                                </p:cTn>
+                              </p:par>
+                            </p:childTnLst>
+                          </p:cTn>
+                        </p:par>
+                      </p:childTnLst>
+                    </p:cTn>
+                  </p:par>
+                </p:childTnLst>
+              </p:cTn>
+              <p:prevCondLst>
+                <p:cond evt="onPrev" delay="0">
+                  <p:tgtEl>
+                    <p:sldTgt/>
+                  </p:tgtEl>
+                </p:cond>
+              </p:prevCondLst>
+              <p:nextCondLst>
+                <p:cond evt="onNext" delay="0">
+                  <p:tgtEl>
+                    <p:sldTgt/>
+                  </p:tgtEl>
+                </p:cond>
+              </p:nextCondLst>
+            </p:seq>
+          </p:childTnLst>
+        </p:cTn>
+      </p:par>
+    </p:tnLst>
+    <p:bldLst>
+      <p:bldP spid="5" grpId="0" animBg="1"/>
+    </p:bldLst>
+  </p:timing>
+</p:sld>
+</file>
+
+<file path=ppt/slides/slide24.xml><?xml version="1.0" encoding="utf-8"?>
+<p:sld xmlns:a="http://schemas.openxmlformats.org/drawingml/2006/main" xmlns:r="http://schemas.openxmlformats.org/officeDocument/2006/relationships" xmlns:p="http://schemas.openxmlformats.org/presentationml/2006/main">
+  <p:cSld>
+    <p:spTree>
+      <p:nvGrpSpPr>
+        <p:cNvPr id="1" name=""/>
+        <p:cNvGrpSpPr/>
+        <p:nvPr/>
+      </p:nvGrpSpPr>
+      <p:grpSpPr>
+        <a:xfrm>
+          <a:off x="0" y="0"/>
+          <a:ext cx="0" cy="0"/>
+          <a:chOff x="0" y="0"/>
+          <a:chExt cx="0" cy="0"/>
+        </a:xfrm>
+      </p:grpSpPr>
+      <p:sp>
+        <p:nvSpPr>
+          <p:cNvPr id="2" name="Title 1">
+            <a:extLst>
+              <a:ext uri="{FF2B5EF4-FFF2-40B4-BE49-F238E27FC236}">
+                <a16:creationId xmlns:a16="http://schemas.microsoft.com/office/drawing/2014/main" id="{2A1BEF7D-CDEC-4601-B3C9-21ECBB06881C}"/>
+              </a:ext>
+            </a:extLst>
+          </p:cNvPr>
+          <p:cNvSpPr>
+            <a:spLocks noGrp="1"/>
+          </p:cNvSpPr>
+          <p:nvPr>
+            <p:ph type="title"/>
+          </p:nvPr>
+        </p:nvSpPr>
+        <p:spPr/>
+        <p:txBody>
+          <a:bodyPr/>
+          <a:lstStyle/>
+          <a:p>
+            <a:r>
+              <a:rPr lang="en-US" sz="3200" dirty="0"/>
+              <a:t>Making it REAL!  - Build Your Own Project</a:t>
+            </a:r>
+          </a:p>
+        </p:txBody>
+      </p:sp>
+      <p:sp>
+        <p:nvSpPr>
+          <p:cNvPr id="3" name="Content Placeholder 2">
+            <a:extLst>
+              <a:ext uri="{FF2B5EF4-FFF2-40B4-BE49-F238E27FC236}">
+                <a16:creationId xmlns:a16="http://schemas.microsoft.com/office/drawing/2014/main" id="{3E61CBA5-F7CB-41D3-8D07-4F53846F01E1}"/>
+              </a:ext>
+            </a:extLst>
+          </p:cNvPr>
+          <p:cNvSpPr>
+            <a:spLocks noGrp="1"/>
+          </p:cNvSpPr>
+          <p:nvPr>
+            <p:ph idx="1"/>
+          </p:nvPr>
+        </p:nvSpPr>
+        <p:spPr/>
+        <p:txBody>
+          <a:bodyPr/>
+          <a:lstStyle/>
+          <a:p>
+            <a:r>
+              <a:rPr lang="en-US" dirty="0"/>
+              <a:t>Review the business requirements</a:t>
+            </a:r>
+          </a:p>
+          <a:p>
+            <a:r>
+              <a:rPr lang="en-US" dirty="0"/>
+              <a:t>What are architectural Challenges</a:t>
+            </a:r>
+          </a:p>
+          <a:p>
+            <a:r>
+              <a:rPr lang="en-US" dirty="0"/>
+              <a:t>What products or servers will be needed to solve the challenges</a:t>
+            </a:r>
+          </a:p>
+          <a:p>
+            <a:r>
+              <a:rPr lang="en-US" dirty="0"/>
+              <a:t>Build (whiteboard or flip chart) a drawing of your solution</a:t>
+            </a:r>
+          </a:p>
+          <a:p>
+            <a:r>
+              <a:rPr lang="en-US" dirty="0"/>
+              <a:t>Provide explanation of decisions made and why</a:t>
+            </a:r>
+          </a:p>
+          <a:p>
+            <a:endParaRPr lang="en-US" dirty="0"/>
+          </a:p>
+          <a:p>
+            <a:pPr marL="0" indent="0">
+              <a:buNone/>
+            </a:pPr>
+            <a:r>
+              <a:rPr lang="en-US" dirty="0"/>
+              <a:t>Present your findings to </a:t>
+            </a:r>
+            <a:r>
+              <a:rPr lang="en-US"/>
+              <a:t>the class</a:t>
+            </a:r>
+          </a:p>
+          <a:p>
+            <a:pPr marL="0" indent="0">
+              <a:buNone/>
+            </a:pPr>
+            <a:endParaRPr lang="en-US" dirty="0"/>
+          </a:p>
+        </p:txBody>
+      </p:sp>
+      <p:sp>
+        <p:nvSpPr>
+          <p:cNvPr id="4" name="Text Placeholder 3">
+            <a:extLst>
+              <a:ext uri="{FF2B5EF4-FFF2-40B4-BE49-F238E27FC236}">
+                <a16:creationId xmlns:a16="http://schemas.microsoft.com/office/drawing/2014/main" id="{6C8B003E-EAF1-46BF-832C-5A1F3E260352}"/>
+              </a:ext>
+            </a:extLst>
+          </p:cNvPr>
+          <p:cNvSpPr>
+            <a:spLocks noGrp="1"/>
+          </p:cNvSpPr>
+          <p:nvPr>
+            <p:ph type="body" sz="quarter" idx="10"/>
+          </p:nvPr>
+        </p:nvSpPr>
+        <p:spPr/>
+        <p:txBody>
+          <a:bodyPr/>
+          <a:lstStyle/>
+          <a:p>
+            <a:endParaRPr lang="en-US"/>
+          </a:p>
+        </p:txBody>
+      </p:sp>
+    </p:spTree>
+    <p:extLst>
+      <p:ext uri="{BB962C8B-B14F-4D97-AF65-F5344CB8AC3E}">
+        <p14:creationId xmlns:p14="http://schemas.microsoft.com/office/powerpoint/2010/main" val="652805768"/>
+      </p:ext>
+    </p:extLst>
+  </p:cSld>
+  <p:clrMapOvr>
+    <a:masterClrMapping/>
+  </p:clrMapOvr>
+</p:sld>
+</file>
+
+<file path=ppt/slides/slide25.xml><?xml version="1.0" encoding="utf-8"?>
 <p:sld xmlns:a="http://schemas.openxmlformats.org/drawingml/2006/main" xmlns:r="http://schemas.openxmlformats.org/officeDocument/2006/relationships" xmlns:p="http://schemas.openxmlformats.org/presentationml/2006/main" show="0">
   <p:cSld>
     <p:spTree>
@@ -25645,7 +26393,7 @@
 </p:sld>
 </file>
 
-<file path=ppt/slides/slide23.xml><?xml version="1.0" encoding="utf-8"?>
+<file path=ppt/slides/slide26.xml><?xml version="1.0" encoding="utf-8"?>
 <p:sld xmlns:a="http://schemas.openxmlformats.org/drawingml/2006/main" xmlns:r="http://schemas.openxmlformats.org/officeDocument/2006/relationships" xmlns:p="http://schemas.openxmlformats.org/presentationml/2006/main">
   <p:cSld>
     <p:spTree>
@@ -26519,7 +27267,7 @@
 </p:sld>
 </file>
 
-<file path=ppt/slides/slide24.xml><?xml version="1.0" encoding="utf-8"?>
+<file path=ppt/slides/slide27.xml><?xml version="1.0" encoding="utf-8"?>
 <p:sld xmlns:a="http://schemas.openxmlformats.org/drawingml/2006/main" xmlns:r="http://schemas.openxmlformats.org/officeDocument/2006/relationships" xmlns:p="http://schemas.openxmlformats.org/presentationml/2006/main">
   <p:cSld>
     <p:spTree>
@@ -26956,7 +27704,7 @@
 </p:sld>
 </file>
 
-<file path=ppt/slides/slide25.xml><?xml version="1.0" encoding="utf-8"?>
+<file path=ppt/slides/slide28.xml><?xml version="1.0" encoding="utf-8"?>
 <p:sld xmlns:a="http://schemas.openxmlformats.org/drawingml/2006/main" xmlns:r="http://schemas.openxmlformats.org/officeDocument/2006/relationships" xmlns:p="http://schemas.openxmlformats.org/presentationml/2006/main">
   <p:cSld>
     <p:spTree>
@@ -27492,7 +28240,7 @@
 </p:sld>
 </file>
 
-<file path=ppt/slides/slide26.xml><?xml version="1.0" encoding="utf-8"?>
+<file path=ppt/slides/slide29.xml><?xml version="1.0" encoding="utf-8"?>
 <p:sld xmlns:a="http://schemas.openxmlformats.org/drawingml/2006/main" xmlns:r="http://schemas.openxmlformats.org/officeDocument/2006/relationships" xmlns:p="http://schemas.openxmlformats.org/presentationml/2006/main">
   <p:cSld>
     <p:spTree>
@@ -28363,7 +29111,165 @@
 </p:sld>
 </file>
 
-<file path=ppt/slides/slide27.xml><?xml version="1.0" encoding="utf-8"?>
+<file path=ppt/slides/slide3.xml><?xml version="1.0" encoding="utf-8"?>
+<p:sld xmlns:a="http://schemas.openxmlformats.org/drawingml/2006/main" xmlns:r="http://schemas.openxmlformats.org/officeDocument/2006/relationships" xmlns:p="http://schemas.openxmlformats.org/presentationml/2006/main">
+  <p:cSld>
+    <p:spTree>
+      <p:nvGrpSpPr>
+        <p:cNvPr id="1" name=""/>
+        <p:cNvGrpSpPr/>
+        <p:nvPr/>
+      </p:nvGrpSpPr>
+      <p:grpSpPr>
+        <a:xfrm>
+          <a:off x="0" y="0"/>
+          <a:ext cx="0" cy="0"/>
+          <a:chOff x="0" y="0"/>
+          <a:chExt cx="0" cy="0"/>
+        </a:xfrm>
+      </p:grpSpPr>
+      <p:sp>
+        <p:nvSpPr>
+          <p:cNvPr id="2" name="Title 1">
+            <a:extLst>
+              <a:ext uri="{FF2B5EF4-FFF2-40B4-BE49-F238E27FC236}">
+                <a16:creationId xmlns:a16="http://schemas.microsoft.com/office/drawing/2014/main" id="{EF6C924A-004D-41B9-BF11-86B46B255415}"/>
+              </a:ext>
+            </a:extLst>
+          </p:cNvPr>
+          <p:cNvSpPr>
+            <a:spLocks noGrp="1"/>
+          </p:cNvSpPr>
+          <p:nvPr>
+            <p:ph type="title"/>
+          </p:nvPr>
+        </p:nvSpPr>
+        <p:spPr/>
+        <p:txBody>
+          <a:bodyPr/>
+          <a:lstStyle/>
+          <a:p>
+            <a:r>
+              <a:rPr lang="en-US" sz="3200" dirty="0"/>
+              <a:t>Attendee Challenge </a:t>
+            </a:r>
+            <a:r>
+              <a:rPr lang="en-US" dirty="0"/>
+              <a:t>– What Azure challenges should we tackle?</a:t>
+            </a:r>
+            <a:br>
+              <a:rPr lang="en-US" dirty="0"/>
+            </a:br>
+            <a:r>
+              <a:rPr lang="en-US" sz="3200" dirty="0"/>
+              <a:t>What Challenges Are You Facing?</a:t>
+            </a:r>
+            <a:endParaRPr lang="en-US" dirty="0"/>
+          </a:p>
+        </p:txBody>
+      </p:sp>
+      <p:sp>
+        <p:nvSpPr>
+          <p:cNvPr id="3" name="Content Placeholder 2">
+            <a:extLst>
+              <a:ext uri="{FF2B5EF4-FFF2-40B4-BE49-F238E27FC236}">
+                <a16:creationId xmlns:a16="http://schemas.microsoft.com/office/drawing/2014/main" id="{0650CD24-E0F6-4EAE-8CDE-5B07ACA1F82A}"/>
+              </a:ext>
+            </a:extLst>
+          </p:cNvPr>
+          <p:cNvSpPr>
+            <a:spLocks noGrp="1"/>
+          </p:cNvSpPr>
+          <p:nvPr>
+            <p:ph idx="1"/>
+          </p:nvPr>
+        </p:nvSpPr>
+        <p:spPr/>
+        <p:txBody>
+          <a:bodyPr/>
+          <a:lstStyle/>
+          <a:p>
+            <a:pPr marL="0" indent="0">
+              <a:buNone/>
+            </a:pPr>
+            <a:r>
+              <a:rPr lang="en-US" dirty="0"/>
+              <a:t>Examples: </a:t>
+            </a:r>
+          </a:p>
+          <a:p>
+            <a:r>
+              <a:rPr lang="en-US" dirty="0"/>
+              <a:t>Contoso Purchases Fabrikam and needs to Migrate Fabrikam to Contoso or Azure</a:t>
+            </a:r>
+          </a:p>
+          <a:p>
+            <a:r>
+              <a:rPr lang="en-US" dirty="0"/>
+              <a:t>How to Architect Networks </a:t>
+            </a:r>
+            <a:r>
+              <a:rPr lang="en-US" sz="2800" dirty="0"/>
+              <a:t>Using Isolation Security Zones to Enhance Security Posture When Moving to Azure</a:t>
+            </a:r>
+            <a:endParaRPr lang="en-US" dirty="0"/>
+          </a:p>
+          <a:p>
+            <a:r>
+              <a:rPr lang="en-US" dirty="0"/>
+              <a:t>What challenges are YOU facing?</a:t>
+            </a:r>
+          </a:p>
+        </p:txBody>
+      </p:sp>
+      <p:sp>
+        <p:nvSpPr>
+          <p:cNvPr id="4" name="Text Placeholder 3">
+            <a:extLst>
+              <a:ext uri="{FF2B5EF4-FFF2-40B4-BE49-F238E27FC236}">
+                <a16:creationId xmlns:a16="http://schemas.microsoft.com/office/drawing/2014/main" id="{4E2C55FB-22E2-478F-9604-E02014DC97AA}"/>
+              </a:ext>
+            </a:extLst>
+          </p:cNvPr>
+          <p:cNvSpPr>
+            <a:spLocks noGrp="1"/>
+          </p:cNvSpPr>
+          <p:nvPr>
+            <p:ph type="body" sz="quarter" idx="10"/>
+          </p:nvPr>
+        </p:nvSpPr>
+        <p:spPr/>
+        <p:txBody>
+          <a:bodyPr/>
+          <a:lstStyle/>
+          <a:p>
+            <a:r>
+              <a:rPr lang="en-US" sz="2400" dirty="0">
+                <a:hlinkClick r:id="rId2"/>
+              </a:rPr>
+              <a:t>http://github.com/guruskill/70-535</a:t>
+            </a:r>
+            <a:r>
+              <a:rPr lang="en-US" sz="2400" dirty="0"/>
+              <a:t>    Labs/</a:t>
+            </a:r>
+          </a:p>
+        </p:txBody>
+      </p:sp>
+    </p:spTree>
+    <p:extLst>
+      <p:ext uri="{BB962C8B-B14F-4D97-AF65-F5344CB8AC3E}">
+        <p14:creationId xmlns:p14="http://schemas.microsoft.com/office/powerpoint/2010/main" val="3576520436"/>
+      </p:ext>
+    </p:extLst>
+  </p:cSld>
+  <p:clrMapOvr>
+    <a:masterClrMapping/>
+  </p:clrMapOvr>
+</p:sld>
+</file>
+
+<file path=ppt/slides/slide30.xml><?xml version="1.0" encoding="utf-8"?>
 <p:sld xmlns:a="http://schemas.openxmlformats.org/drawingml/2006/main" xmlns:r="http://schemas.openxmlformats.org/officeDocument/2006/relationships" xmlns:p="http://schemas.openxmlformats.org/presentationml/2006/main">
   <p:cSld>
     <p:spTree>
@@ -28398,7 +29304,7 @@
         </p:nvSpPr>
         <p:spPr>
           <a:xfrm>
-            <a:off x="1675195" y="69850"/>
+            <a:off x="1564080" y="139700"/>
             <a:ext cx="6387352" cy="1231901"/>
           </a:xfrm>
         </p:spPr>
@@ -28476,7 +29382,17 @@
             </a:pPr>
             <a:r>
               <a:rPr lang="en-US" sz="2800" dirty="0"/>
-              <a:t>What site should be used to receive Fabrikam VM services and why?</a:t>
+              <a:t>What are logical places to break this task down into multiple smaller Tasks</a:t>
+            </a:r>
+          </a:p>
+          <a:p>
+            <a:pPr lvl="0" fontAlgn="auto">
+              <a:buFont typeface="+mj-lt"/>
+              <a:buAutoNum type="arabicPeriod"/>
+            </a:pPr>
+            <a:r>
+              <a:rPr lang="en-US" sz="2800" dirty="0"/>
+              <a:t>What site (Contoso or Azure) should be used to receive Fabrikam VM services and why?</a:t>
             </a:r>
           </a:p>
           <a:p>
@@ -28701,7 +29617,7 @@
 </p:sld>
 </file>
 
-<file path=ppt/slides/slide28.xml><?xml version="1.0" encoding="utf-8"?>
+<file path=ppt/slides/slide31.xml><?xml version="1.0" encoding="utf-8"?>
 <p:sld xmlns:a="http://schemas.openxmlformats.org/drawingml/2006/main" xmlns:r="http://schemas.openxmlformats.org/officeDocument/2006/relationships" xmlns:p="http://schemas.openxmlformats.org/presentationml/2006/main">
   <p:cSld>
     <p:spTree>
@@ -29110,7 +30026,7 @@
 </p:sld>
 </file>
 
-<file path=ppt/slides/slide29.xml><?xml version="1.0" encoding="utf-8"?>
+<file path=ppt/slides/slide32.xml><?xml version="1.0" encoding="utf-8"?>
 <p:sld xmlns:a="http://schemas.openxmlformats.org/drawingml/2006/main" xmlns:r="http://schemas.openxmlformats.org/officeDocument/2006/relationships" xmlns:p="http://schemas.openxmlformats.org/presentationml/2006/main">
   <p:cSld>
     <p:spTree>
@@ -29527,165 +30443,7 @@
 </p:sld>
 </file>
 
-<file path=ppt/slides/slide3.xml><?xml version="1.0" encoding="utf-8"?>
-<p:sld xmlns:a="http://schemas.openxmlformats.org/drawingml/2006/main" xmlns:r="http://schemas.openxmlformats.org/officeDocument/2006/relationships" xmlns:p="http://schemas.openxmlformats.org/presentationml/2006/main">
-  <p:cSld>
-    <p:spTree>
-      <p:nvGrpSpPr>
-        <p:cNvPr id="1" name=""/>
-        <p:cNvGrpSpPr/>
-        <p:nvPr/>
-      </p:nvGrpSpPr>
-      <p:grpSpPr>
-        <a:xfrm>
-          <a:off x="0" y="0"/>
-          <a:ext cx="0" cy="0"/>
-          <a:chOff x="0" y="0"/>
-          <a:chExt cx="0" cy="0"/>
-        </a:xfrm>
-      </p:grpSpPr>
-      <p:sp>
-        <p:nvSpPr>
-          <p:cNvPr id="2" name="Title 1">
-            <a:extLst>
-              <a:ext uri="{FF2B5EF4-FFF2-40B4-BE49-F238E27FC236}">
-                <a16:creationId xmlns:a16="http://schemas.microsoft.com/office/drawing/2014/main" id="{EF6C924A-004D-41B9-BF11-86B46B255415}"/>
-              </a:ext>
-            </a:extLst>
-          </p:cNvPr>
-          <p:cNvSpPr>
-            <a:spLocks noGrp="1"/>
-          </p:cNvSpPr>
-          <p:nvPr>
-            <p:ph type="title"/>
-          </p:nvPr>
-        </p:nvSpPr>
-        <p:spPr/>
-        <p:txBody>
-          <a:bodyPr/>
-          <a:lstStyle/>
-          <a:p>
-            <a:r>
-              <a:rPr lang="en-US" sz="3200" dirty="0"/>
-              <a:t>Attendee Challenge </a:t>
-            </a:r>
-            <a:r>
-              <a:rPr lang="en-US" dirty="0"/>
-              <a:t>– What Azure challenges should we tackle?</a:t>
-            </a:r>
-            <a:br>
-              <a:rPr lang="en-US" dirty="0"/>
-            </a:br>
-            <a:r>
-              <a:rPr lang="en-US" sz="3200" dirty="0"/>
-              <a:t>What Challenges Are You Facing?</a:t>
-            </a:r>
-            <a:endParaRPr lang="en-US" dirty="0"/>
-          </a:p>
-        </p:txBody>
-      </p:sp>
-      <p:sp>
-        <p:nvSpPr>
-          <p:cNvPr id="3" name="Content Placeholder 2">
-            <a:extLst>
-              <a:ext uri="{FF2B5EF4-FFF2-40B4-BE49-F238E27FC236}">
-                <a16:creationId xmlns:a16="http://schemas.microsoft.com/office/drawing/2014/main" id="{0650CD24-E0F6-4EAE-8CDE-5B07ACA1F82A}"/>
-              </a:ext>
-            </a:extLst>
-          </p:cNvPr>
-          <p:cNvSpPr>
-            <a:spLocks noGrp="1"/>
-          </p:cNvSpPr>
-          <p:nvPr>
-            <p:ph idx="1"/>
-          </p:nvPr>
-        </p:nvSpPr>
-        <p:spPr/>
-        <p:txBody>
-          <a:bodyPr/>
-          <a:lstStyle/>
-          <a:p>
-            <a:pPr marL="0" indent="0">
-              <a:buNone/>
-            </a:pPr>
-            <a:r>
-              <a:rPr lang="en-US" dirty="0"/>
-              <a:t>Examples: </a:t>
-            </a:r>
-          </a:p>
-          <a:p>
-            <a:r>
-              <a:rPr lang="en-US" dirty="0"/>
-              <a:t>Contoso Purchases Fabrikam and needs to Migrate Fabrikam to Contoso or Azure</a:t>
-            </a:r>
-          </a:p>
-          <a:p>
-            <a:r>
-              <a:rPr lang="en-US" dirty="0"/>
-              <a:t>How to Architect Networks </a:t>
-            </a:r>
-            <a:r>
-              <a:rPr lang="en-US" sz="2800" dirty="0"/>
-              <a:t>Using Isolation Security Zones to Enhance Security Posture When Moving to Azure</a:t>
-            </a:r>
-            <a:endParaRPr lang="en-US" dirty="0"/>
-          </a:p>
-          <a:p>
-            <a:r>
-              <a:rPr lang="en-US" dirty="0"/>
-              <a:t>What challenges are YOU facing?</a:t>
-            </a:r>
-          </a:p>
-        </p:txBody>
-      </p:sp>
-      <p:sp>
-        <p:nvSpPr>
-          <p:cNvPr id="4" name="Text Placeholder 3">
-            <a:extLst>
-              <a:ext uri="{FF2B5EF4-FFF2-40B4-BE49-F238E27FC236}">
-                <a16:creationId xmlns:a16="http://schemas.microsoft.com/office/drawing/2014/main" id="{4E2C55FB-22E2-478F-9604-E02014DC97AA}"/>
-              </a:ext>
-            </a:extLst>
-          </p:cNvPr>
-          <p:cNvSpPr>
-            <a:spLocks noGrp="1"/>
-          </p:cNvSpPr>
-          <p:nvPr>
-            <p:ph type="body" sz="quarter" idx="10"/>
-          </p:nvPr>
-        </p:nvSpPr>
-        <p:spPr/>
-        <p:txBody>
-          <a:bodyPr/>
-          <a:lstStyle/>
-          <a:p>
-            <a:r>
-              <a:rPr lang="en-US" sz="2400" dirty="0">
-                <a:hlinkClick r:id="rId2"/>
-              </a:rPr>
-              <a:t>http://github.com/guruskill/70-535</a:t>
-            </a:r>
-            <a:r>
-              <a:rPr lang="en-US" sz="2400" dirty="0"/>
-              <a:t>    Labs/</a:t>
-            </a:r>
-          </a:p>
-        </p:txBody>
-      </p:sp>
-    </p:spTree>
-    <p:extLst>
-      <p:ext uri="{BB962C8B-B14F-4D97-AF65-F5344CB8AC3E}">
-        <p14:creationId xmlns:p14="http://schemas.microsoft.com/office/powerpoint/2010/main" val="3576520436"/>
-      </p:ext>
-    </p:extLst>
-  </p:cSld>
-  <p:clrMapOvr>
-    <a:masterClrMapping/>
-  </p:clrMapOvr>
-</p:sld>
-</file>
-
-<file path=ppt/slides/slide30.xml><?xml version="1.0" encoding="utf-8"?>
+<file path=ppt/slides/slide33.xml><?xml version="1.0" encoding="utf-8"?>
 <p:sld xmlns:a="http://schemas.openxmlformats.org/drawingml/2006/main" xmlns:r="http://schemas.openxmlformats.org/officeDocument/2006/relationships" xmlns:p="http://schemas.openxmlformats.org/presentationml/2006/main">
   <p:cSld>
     <p:spTree>
@@ -30064,10 +30822,10 @@
       </p:grpSpPr>
       <p:sp>
         <p:nvSpPr>
-          <p:cNvPr id="5" name="Title 4">
+          <p:cNvPr id="2" name="Title 1">
             <a:extLst>
               <a:ext uri="{FF2B5EF4-FFF2-40B4-BE49-F238E27FC236}">
-                <a16:creationId xmlns:a16="http://schemas.microsoft.com/office/drawing/2014/main" id="{225FE619-6D74-4E9F-9356-C66A41BA0108}"/>
+                <a16:creationId xmlns:a16="http://schemas.microsoft.com/office/drawing/2014/main" id="{2A1BEF7D-CDEC-4601-B3C9-21ECBB06881C}"/>
               </a:ext>
             </a:extLst>
           </p:cNvPr>
@@ -30075,7 +30833,7 @@
             <a:spLocks noGrp="1"/>
           </p:cNvSpPr>
           <p:nvPr>
-            <p:ph type="ctrTitle" sz="quarter"/>
+            <p:ph type="title"/>
           </p:nvPr>
         </p:nvSpPr>
         <p:spPr/>
@@ -30084,18 +30842,18 @@
           <a:lstStyle/>
           <a:p>
             <a:r>
-              <a:rPr lang="en-US" dirty="0"/>
-              <a:t>Linux Labs Using Cloud Shell</a:t>
+              <a:rPr lang="en-US" sz="3200" dirty="0"/>
+              <a:t>Making it REAL!  - Build Your Own Project</a:t>
             </a:r>
           </a:p>
         </p:txBody>
       </p:sp>
       <p:sp>
         <p:nvSpPr>
-          <p:cNvPr id="6" name="Subtitle 5">
+          <p:cNvPr id="3" name="Content Placeholder 2">
             <a:extLst>
               <a:ext uri="{FF2B5EF4-FFF2-40B4-BE49-F238E27FC236}">
-                <a16:creationId xmlns:a16="http://schemas.microsoft.com/office/drawing/2014/main" id="{6D1586F8-6462-4DE5-9BD2-C61C61932B55}"/>
+                <a16:creationId xmlns:a16="http://schemas.microsoft.com/office/drawing/2014/main" id="{3E61CBA5-F7CB-41D3-8D07-4F53846F01E1}"/>
               </a:ext>
             </a:extLst>
           </p:cNvPr>
@@ -30103,79 +30861,73 @@
             <a:spLocks noGrp="1"/>
           </p:cNvSpPr>
           <p:nvPr>
-            <p:ph type="subTitle" sz="quarter" idx="1"/>
+            <p:ph idx="1"/>
           </p:nvPr>
         </p:nvSpPr>
-        <p:spPr>
-          <a:xfrm>
-            <a:off x="4914123" y="1740878"/>
-            <a:ext cx="7054357" cy="4091998"/>
-          </a:xfrm>
-        </p:spPr>
+        <p:spPr/>
         <p:txBody>
           <a:bodyPr/>
           <a:lstStyle/>
           <a:p>
             <a:r>
-              <a:rPr lang="en-US" sz="1600" dirty="0"/>
-              <a:t>Linux 1. Create and Manage Linux VMs with the Azure CLI 2.0 in Azure Cloud Shell</a:t>
-            </a:r>
-          </a:p>
-          <a:p>
-            <a:r>
-              <a:rPr lang="en-US" sz="1600" dirty="0"/>
-              <a:t>Linux 2a. Install a LAMP web server on a Linux virtual machine in Azure</a:t>
-            </a:r>
-          </a:p>
-          <a:p>
-            <a:r>
-              <a:rPr lang="en-US" sz="1600" dirty="0"/>
-              <a:t>Linux 2b. Install a LEMP web server on a Linux virtual machine in Azure</a:t>
-            </a:r>
-          </a:p>
-          <a:p>
-            <a:r>
-              <a:rPr lang="en-US" sz="1600" dirty="0"/>
-              <a:t>Linux 2c. Create a MongoDB, Express, AngularJS, and Node.js (MEAN) stack on a Linux virtual machine in Azure</a:t>
-            </a:r>
-          </a:p>
-          <a:p>
-            <a:r>
-              <a:rPr lang="en-US" sz="1600" dirty="0"/>
-              <a:t>Linux 3. Monitor and update a Linux virtual machine in Azure using Cloud Shell</a:t>
-            </a:r>
-          </a:p>
-          <a:p>
-            <a:r>
-              <a:rPr lang="en-US" sz="1600" dirty="0"/>
-              <a:t>Linux 4. Use Azure Security Center to monitor Linux virtual machines</a:t>
-            </a:r>
-          </a:p>
-          <a:p>
-            <a:r>
-              <a:rPr lang="en-US" sz="1600" dirty="0"/>
-              <a:t>Linux Bonus. Prepare a Debian VHD for Azure – </a:t>
-            </a:r>
-            <a:r>
-              <a:rPr lang="en-US" sz="1600" dirty="0" err="1"/>
-              <a:t>Prereq’s</a:t>
-            </a:r>
-            <a:r>
-              <a:rPr lang="en-US" sz="1600" dirty="0"/>
-              <a:t> Hyper-V and Debian .ISO</a:t>
-            </a:r>
-          </a:p>
-          <a:p>
-            <a:endParaRPr lang="en-US" sz="1600" dirty="0"/>
+              <a:rPr lang="en-US" dirty="0"/>
+              <a:t>Review the business requirements</a:t>
+            </a:r>
+          </a:p>
+          <a:p>
+            <a:r>
+              <a:rPr lang="en-US" dirty="0"/>
+              <a:t>What are architectural Challenges</a:t>
+            </a:r>
+          </a:p>
+          <a:p>
+            <a:r>
+              <a:rPr lang="en-US" dirty="0"/>
+              <a:t>What products or servers will be needed to solve the challenges</a:t>
+            </a:r>
+          </a:p>
+          <a:p>
+            <a:r>
+              <a:rPr lang="en-US" dirty="0"/>
+              <a:t>Build (whiteboard or flip chart) a drawing of your solution</a:t>
+            </a:r>
+          </a:p>
+          <a:p>
+            <a:r>
+              <a:rPr lang="en-US" dirty="0"/>
+              <a:t>Provide explanation of decisions made and why</a:t>
+            </a:r>
+          </a:p>
+          <a:p>
+            <a:endParaRPr lang="en-US" dirty="0"/>
+          </a:p>
+          <a:p>
+            <a:pPr marL="0" indent="0">
+              <a:buNone/>
+            </a:pPr>
+            <a:r>
+              <a:rPr lang="en-US" dirty="0"/>
+              <a:t>Present your findings to </a:t>
+            </a:r>
+            <a:r>
+              <a:rPr lang="en-US"/>
+              <a:t>the class</a:t>
+            </a:r>
+          </a:p>
+          <a:p>
+            <a:pPr marL="0" indent="0">
+              <a:buNone/>
+            </a:pPr>
+            <a:endParaRPr lang="en-US" dirty="0"/>
           </a:p>
         </p:txBody>
       </p:sp>
       <p:sp>
         <p:nvSpPr>
-          <p:cNvPr id="7" name="Text Placeholder 6">
+          <p:cNvPr id="4" name="Text Placeholder 3">
             <a:extLst>
               <a:ext uri="{FF2B5EF4-FFF2-40B4-BE49-F238E27FC236}">
-                <a16:creationId xmlns:a16="http://schemas.microsoft.com/office/drawing/2014/main" id="{8AB04FB4-6CA9-4C67-8D89-93B38EBA4E00}"/>
+                <a16:creationId xmlns:a16="http://schemas.microsoft.com/office/drawing/2014/main" id="{6C8B003E-EAF1-46BF-832C-5A1F3E260352}"/>
               </a:ext>
             </a:extLst>
           </p:cNvPr>
@@ -30191,45 +30943,14 @@
           <a:bodyPr/>
           <a:lstStyle/>
           <a:p>
-            <a:r>
-              <a:rPr lang="en-US" dirty="0"/>
-              <a:t>Linux Labs if you do not have access to SSH or you want to use Azure Cloud Shell</a:t>
-            </a:r>
-          </a:p>
-        </p:txBody>
-      </p:sp>
-      <p:sp>
-        <p:nvSpPr>
-          <p:cNvPr id="8" name="Text Placeholder 7">
-            <a:extLst>
-              <a:ext uri="{FF2B5EF4-FFF2-40B4-BE49-F238E27FC236}">
-                <a16:creationId xmlns:a16="http://schemas.microsoft.com/office/drawing/2014/main" id="{3027BE6E-93A1-46D9-93B6-2448877F2BA7}"/>
-              </a:ext>
-            </a:extLst>
-          </p:cNvPr>
-          <p:cNvSpPr>
-            <a:spLocks noGrp="1"/>
-          </p:cNvSpPr>
-          <p:nvPr>
-            <p:ph type="body" sz="quarter" idx="11"/>
-          </p:nvPr>
-        </p:nvSpPr>
-        <p:spPr/>
-        <p:txBody>
-          <a:bodyPr/>
-          <a:lstStyle/>
-          <a:p>
-            <a:r>
-              <a:rPr lang="en-US" sz="2800" dirty="0"/>
-              <a:t>https://docs.microsoft.com/en-us/azure/virtual-machines/linux</a:t>
-            </a:r>
+            <a:endParaRPr lang="en-US"/>
           </a:p>
         </p:txBody>
       </p:sp>
     </p:spTree>
     <p:extLst>
       <p:ext uri="{BB962C8B-B14F-4D97-AF65-F5344CB8AC3E}">
-        <p14:creationId xmlns:p14="http://schemas.microsoft.com/office/powerpoint/2010/main" val="1176045406"/>
+        <p14:creationId xmlns:p14="http://schemas.microsoft.com/office/powerpoint/2010/main" val="4262523161"/>
       </p:ext>
     </p:extLst>
   </p:cSld>
@@ -30258,10 +30979,10 @@
       </p:grpSpPr>
       <p:sp>
         <p:nvSpPr>
-          <p:cNvPr id="3" name="Title 2">
+          <p:cNvPr id="5" name="Title 4">
             <a:extLst>
               <a:ext uri="{FF2B5EF4-FFF2-40B4-BE49-F238E27FC236}">
-                <a16:creationId xmlns:a16="http://schemas.microsoft.com/office/drawing/2014/main" id="{6F58B209-4E6F-412E-BA33-6903529DB20C}"/>
+                <a16:creationId xmlns:a16="http://schemas.microsoft.com/office/drawing/2014/main" id="{225FE619-6D74-4E9F-9356-C66A41BA0108}"/>
               </a:ext>
             </a:extLst>
           </p:cNvPr>
@@ -30269,7 +30990,7 @@
             <a:spLocks noGrp="1"/>
           </p:cNvSpPr>
           <p:nvPr>
-            <p:ph type="title"/>
+            <p:ph type="ctrTitle" sz="quarter"/>
           </p:nvPr>
         </p:nvSpPr>
         <p:spPr/>
@@ -30279,17 +31000,17 @@
           <a:p>
             <a:r>
               <a:rPr lang="en-US" dirty="0"/>
-              <a:t>Linux 1. Create and Manage Linux VMs with the Azure CLI 2.0 in Azure Cloud Shell</a:t>
+              <a:t>Linux Labs Using Cloud Shell</a:t>
             </a:r>
           </a:p>
         </p:txBody>
       </p:sp>
       <p:sp>
         <p:nvSpPr>
-          <p:cNvPr id="2" name="Content Placeholder 1">
+          <p:cNvPr id="6" name="Subtitle 5">
             <a:extLst>
               <a:ext uri="{FF2B5EF4-FFF2-40B4-BE49-F238E27FC236}">
-                <a16:creationId xmlns:a16="http://schemas.microsoft.com/office/drawing/2014/main" id="{6A84E970-B2D5-4816-B0CF-6C55060F7553}"/>
+                <a16:creationId xmlns:a16="http://schemas.microsoft.com/office/drawing/2014/main" id="{6D1586F8-6462-4DE5-9BD2-C61C61932B55}"/>
               </a:ext>
             </a:extLst>
           </p:cNvPr>
@@ -30297,161 +31018,79 @@
             <a:spLocks noGrp="1"/>
           </p:cNvSpPr>
           <p:nvPr>
-            <p:ph idx="1"/>
+            <p:ph type="subTitle" sz="quarter" idx="1"/>
           </p:nvPr>
         </p:nvSpPr>
-        <p:spPr/>
+        <p:spPr>
+          <a:xfrm>
+            <a:off x="4914123" y="1740878"/>
+            <a:ext cx="7054357" cy="4091998"/>
+          </a:xfrm>
+        </p:spPr>
         <p:txBody>
-          <a:bodyPr>
-            <a:normAutofit fontScale="92500" lnSpcReduction="20000"/>
-          </a:bodyPr>
+          <a:bodyPr/>
           <a:lstStyle/>
           <a:p>
-            <a:pPr marL="0" indent="0">
-              <a:buNone/>
-            </a:pPr>
-            <a:r>
-              <a:rPr lang="en-US" dirty="0"/>
-              <a:t>You learn how to:</a:t>
-            </a:r>
-          </a:p>
-          <a:p>
-            <a:r>
-              <a:rPr lang="en-US" dirty="0"/>
-              <a:t>Create and connect to a VM</a:t>
-            </a:r>
-          </a:p>
-          <a:p>
-            <a:r>
-              <a:rPr lang="en-US" dirty="0"/>
-              <a:t>Select and use VM images</a:t>
-            </a:r>
-          </a:p>
-          <a:p>
-            <a:r>
-              <a:rPr lang="en-US" dirty="0"/>
-              <a:t>View and use specific VM sizes</a:t>
-            </a:r>
-          </a:p>
-          <a:p>
-            <a:r>
-              <a:rPr lang="en-US" dirty="0"/>
-              <a:t>Resize a VM</a:t>
-            </a:r>
-          </a:p>
-          <a:p>
-            <a:r>
-              <a:rPr lang="en-US" dirty="0"/>
-              <a:t>View and understand VM state</a:t>
-            </a:r>
-          </a:p>
-          <a:p>
-            <a:r>
-              <a:rPr lang="en-US" dirty="0"/>
-              <a:t>[Optional] Manage Disks: </a:t>
-            </a:r>
-            <a:r>
-              <a:rPr lang="en-US" dirty="0">
-                <a:hlinkClick r:id="rId3"/>
-              </a:rPr>
-              <a:t>https://docs.microsoft.com/en-us/azure/virtual-machines/linux/tutorial-manage-disks</a:t>
-            </a:r>
-            <a:r>
-              <a:rPr lang="en-US" dirty="0"/>
-              <a:t> </a:t>
-            </a:r>
-          </a:p>
-          <a:p>
-            <a:pPr marL="0" indent="0">
-              <a:buNone/>
-            </a:pPr>
-            <a:endParaRPr lang="en-US" dirty="0"/>
-          </a:p>
-          <a:p>
-            <a:pPr marL="0" indent="0">
-              <a:buNone/>
-            </a:pPr>
-            <a:r>
-              <a:rPr lang="en-US" u="sng" dirty="0">
-                <a:highlight>
-                  <a:srgbClr val="FFFF00"/>
-                </a:highlight>
-              </a:rPr>
-              <a:t>Important Notes</a:t>
-            </a:r>
-          </a:p>
-          <a:p>
-            <a:pPr>
-              <a:buFont typeface="+mj-lt"/>
-              <a:buAutoNum type="arabicPeriod"/>
-            </a:pPr>
-            <a:r>
-              <a:rPr lang="en-US" sz="1900" dirty="0"/>
-              <a:t>Use your Initials1514 or other unique code for variables to prevent any duplicate public </a:t>
-            </a:r>
-            <a:r>
-              <a:rPr lang="en-US" sz="1900" dirty="0" err="1"/>
-              <a:t>urls</a:t>
-            </a:r>
-            <a:r>
-              <a:rPr lang="en-US" sz="1900" dirty="0"/>
-              <a:t> e.g. (lowercase):</a:t>
-            </a:r>
-          </a:p>
-          <a:p>
-            <a:pPr marL="742950" lvl="1">
-              <a:buFont typeface="Arial" panose="020B0604020202020204" pitchFamily="34" charset="0"/>
-              <a:buChar char="•"/>
-            </a:pPr>
-            <a:r>
-              <a:rPr lang="en-US" sz="1900" dirty="0"/>
-              <a:t>dan1514vm for “</a:t>
-            </a:r>
-            <a:r>
-              <a:rPr lang="en-US" sz="1900" dirty="0" err="1"/>
-              <a:t>myVM</a:t>
-            </a:r>
-            <a:r>
-              <a:rPr lang="en-US" sz="1900" dirty="0"/>
-              <a:t>” </a:t>
-            </a:r>
-          </a:p>
-          <a:p>
-            <a:pPr>
-              <a:buFont typeface="+mj-lt"/>
-              <a:buAutoNum type="arabicPeriod"/>
-            </a:pPr>
-            <a:r>
-              <a:rPr lang="en-US" sz="2000" dirty="0"/>
-              <a:t>Stop and Deallocate or Delete resources when done with </a:t>
-            </a:r>
-            <a:r>
-              <a:rPr lang="en-US" sz="2000" b="1" dirty="0"/>
-              <a:t>ALL</a:t>
-            </a:r>
-            <a:r>
-              <a:rPr lang="en-US" sz="2000" dirty="0"/>
-              <a:t> labs (you </a:t>
-            </a:r>
-            <a:r>
-              <a:rPr lang="en-US" sz="1900" dirty="0"/>
-              <a:t>can reuse these machines for the next few labs but do not forget to go back after done with labs)</a:t>
-            </a:r>
-          </a:p>
-          <a:p>
-            <a:pPr marL="0" indent="0">
-              <a:buNone/>
-            </a:pPr>
-            <a:endParaRPr lang="en-US" dirty="0"/>
+            <a:r>
+              <a:rPr lang="en-US" sz="1600" dirty="0"/>
+              <a:t>Linux 1. Create and Manage Linux VMs with the Azure CLI 2.0 in Azure Cloud Shell</a:t>
+            </a:r>
+          </a:p>
+          <a:p>
+            <a:r>
+              <a:rPr lang="en-US" sz="1600" dirty="0"/>
+              <a:t>Linux 2a. Install a LAMP web server on a Linux virtual machine in Azure</a:t>
+            </a:r>
+          </a:p>
+          <a:p>
+            <a:r>
+              <a:rPr lang="en-US" sz="1600" dirty="0"/>
+              <a:t>Linux 2b. Install a LEMP web server on a Linux virtual machine in Azure</a:t>
+            </a:r>
+          </a:p>
+          <a:p>
+            <a:r>
+              <a:rPr lang="en-US" sz="1600" dirty="0"/>
+              <a:t>Linux 2c. Create a MongoDB, Express, AngularJS, and Node.js (MEAN) stack on a Linux virtual machine in Azure</a:t>
+            </a:r>
+          </a:p>
+          <a:p>
+            <a:r>
+              <a:rPr lang="en-US" sz="1600" dirty="0"/>
+              <a:t>Linux 3. Monitor and update a Linux virtual machine in Azure using Cloud Shell</a:t>
+            </a:r>
+          </a:p>
+          <a:p>
+            <a:r>
+              <a:rPr lang="en-US" sz="1600" dirty="0"/>
+              <a:t>Linux 4. Use Azure Security Center to monitor Linux virtual machines</a:t>
+            </a:r>
+          </a:p>
+          <a:p>
+            <a:r>
+              <a:rPr lang="en-US" sz="1600" dirty="0"/>
+              <a:t>Linux Bonus. Prepare a Debian VHD for Azure – </a:t>
+            </a:r>
+            <a:r>
+              <a:rPr lang="en-US" sz="1600" dirty="0" err="1"/>
+              <a:t>Prereq’s</a:t>
+            </a:r>
+            <a:r>
+              <a:rPr lang="en-US" sz="1600" dirty="0"/>
+              <a:t> Hyper-V and Debian .ISO</a:t>
+            </a:r>
+          </a:p>
+          <a:p>
+            <a:endParaRPr lang="en-US" sz="1600" dirty="0"/>
           </a:p>
         </p:txBody>
       </p:sp>
       <p:sp>
         <p:nvSpPr>
-          <p:cNvPr id="6" name="Text Placeholder 5">
+          <p:cNvPr id="7" name="Text Placeholder 6">
             <a:extLst>
               <a:ext uri="{FF2B5EF4-FFF2-40B4-BE49-F238E27FC236}">
-                <a16:creationId xmlns:a16="http://schemas.microsoft.com/office/drawing/2014/main" id="{80B11388-CFF3-4CFC-99E3-D2D9B375268C}"/>
+                <a16:creationId xmlns:a16="http://schemas.microsoft.com/office/drawing/2014/main" id="{8AB04FB4-6CA9-4C67-8D89-93B38EBA4E00}"/>
               </a:ext>
             </a:extLst>
           </p:cNvPr>
@@ -30468,8 +31107,36 @@
           <a:lstStyle/>
           <a:p>
             <a:r>
-              <a:rPr lang="en-US" sz="2000" dirty="0"/>
-              <a:t>https://docs.microsoft.com/en-us/azure/virtual-machines/linux/tutorial-manage-vm</a:t>
+              <a:rPr lang="en-US" dirty="0"/>
+              <a:t>Linux Labs if you do not have access to SSH or you want to use Azure Cloud Shell</a:t>
+            </a:r>
+          </a:p>
+        </p:txBody>
+      </p:sp>
+      <p:sp>
+        <p:nvSpPr>
+          <p:cNvPr id="8" name="Text Placeholder 7">
+            <a:extLst>
+              <a:ext uri="{FF2B5EF4-FFF2-40B4-BE49-F238E27FC236}">
+                <a16:creationId xmlns:a16="http://schemas.microsoft.com/office/drawing/2014/main" id="{3027BE6E-93A1-46D9-93B6-2448877F2BA7}"/>
+              </a:ext>
+            </a:extLst>
+          </p:cNvPr>
+          <p:cNvSpPr>
+            <a:spLocks noGrp="1"/>
+          </p:cNvSpPr>
+          <p:nvPr>
+            <p:ph type="body" sz="quarter" idx="11"/>
+          </p:nvPr>
+        </p:nvSpPr>
+        <p:spPr/>
+        <p:txBody>
+          <a:bodyPr/>
+          <a:lstStyle/>
+          <a:p>
+            <a:r>
+              <a:rPr lang="en-US" sz="2800" dirty="0"/>
+              <a:t>https://docs.microsoft.com/en-us/azure/virtual-machines/linux</a:t>
             </a:r>
           </a:p>
         </p:txBody>
@@ -30477,7 +31144,7 @@
     </p:spTree>
     <p:extLst>
       <p:ext uri="{BB962C8B-B14F-4D97-AF65-F5344CB8AC3E}">
-        <p14:creationId xmlns:p14="http://schemas.microsoft.com/office/powerpoint/2010/main" val="571249626"/>
+        <p14:creationId xmlns:p14="http://schemas.microsoft.com/office/powerpoint/2010/main" val="1176045406"/>
       </p:ext>
     </p:extLst>
   </p:cSld>
@@ -30527,7 +31194,7 @@
           <a:p>
             <a:r>
               <a:rPr lang="en-US" dirty="0"/>
-              <a:t>Linux 2a. Install a LAMP web server on a Linux virtual machine in Azure</a:t>
+              <a:t>Linux 1. Create and Manage Linux VMs with the Azure CLI 2.0 in Azure Cloud Shell</a:t>
             </a:r>
           </a:p>
         </p:txBody>
@@ -30551,7 +31218,7 @@
         <p:spPr/>
         <p:txBody>
           <a:bodyPr>
-            <a:normAutofit fontScale="92500" lnSpcReduction="10000"/>
+            <a:normAutofit fontScale="92500" lnSpcReduction="20000"/>
           </a:bodyPr>
           <a:lstStyle/>
           <a:p>
@@ -30566,31 +31233,47 @@
           <a:p>
             <a:r>
               <a:rPr lang="en-US" dirty="0"/>
-              <a:t>Create an Ubuntu VM</a:t>
-            </a:r>
-          </a:p>
-          <a:p>
-            <a:r>
-              <a:rPr lang="en-US" dirty="0"/>
-              <a:t>Open port 80 for web traffic</a:t>
-            </a:r>
-          </a:p>
-          <a:p>
-            <a:r>
-              <a:rPr lang="en-US" dirty="0"/>
-              <a:t>Install Apache, MySQL, and PHP</a:t>
-            </a:r>
-          </a:p>
-          <a:p>
-            <a:r>
-              <a:rPr lang="en-US" dirty="0"/>
-              <a:t>Verify installation and configuration</a:t>
-            </a:r>
-          </a:p>
-          <a:p>
-            <a:r>
-              <a:rPr lang="en-US" dirty="0"/>
-              <a:t>Install WordPress on the LAMP server</a:t>
+              <a:t>Create and connect to a VM</a:t>
+            </a:r>
+          </a:p>
+          <a:p>
+            <a:r>
+              <a:rPr lang="en-US" dirty="0"/>
+              <a:t>Select and use VM images</a:t>
+            </a:r>
+          </a:p>
+          <a:p>
+            <a:r>
+              <a:rPr lang="en-US" dirty="0"/>
+              <a:t>View and use specific VM sizes</a:t>
+            </a:r>
+          </a:p>
+          <a:p>
+            <a:r>
+              <a:rPr lang="en-US" dirty="0"/>
+              <a:t>Resize a VM</a:t>
+            </a:r>
+          </a:p>
+          <a:p>
+            <a:r>
+              <a:rPr lang="en-US" dirty="0"/>
+              <a:t>View and understand VM state</a:t>
+            </a:r>
+          </a:p>
+          <a:p>
+            <a:r>
+              <a:rPr lang="en-US" dirty="0"/>
+              <a:t>[Optional] Manage Disks: </a:t>
+            </a:r>
+            <a:r>
+              <a:rPr lang="en-US" dirty="0">
+                <a:hlinkClick r:id="rId3"/>
+              </a:rPr>
+              <a:t>https://docs.microsoft.com/en-us/azure/virtual-machines/linux/tutorial-manage-disks</a:t>
+            </a:r>
+            <a:r>
+              <a:rPr lang="en-US" dirty="0"/>
+              <a:t> </a:t>
             </a:r>
           </a:p>
           <a:p>
@@ -30701,7 +31384,7 @@
           <a:p>
             <a:r>
               <a:rPr lang="en-US" sz="2000" dirty="0"/>
-              <a:t>https://docs.microsoft.com/en-us/azure/virtual-machines/linux/tutorial-lamp-stack</a:t>
+              <a:t>https://docs.microsoft.com/en-us/azure/virtual-machines/linux/tutorial-manage-vm</a:t>
             </a:r>
           </a:p>
         </p:txBody>
@@ -30709,7 +31392,7 @@
     </p:spTree>
     <p:extLst>
       <p:ext uri="{BB962C8B-B14F-4D97-AF65-F5344CB8AC3E}">
-        <p14:creationId xmlns:p14="http://schemas.microsoft.com/office/powerpoint/2010/main" val="1227699998"/>
+        <p14:creationId xmlns:p14="http://schemas.microsoft.com/office/powerpoint/2010/main" val="571249626"/>
       </p:ext>
     </p:extLst>
   </p:cSld>
@@ -30759,7 +31442,7 @@
           <a:p>
             <a:r>
               <a:rPr lang="en-US" dirty="0"/>
-              <a:t>Linux 2b. Install a LEMP web server on a Linux virtual machine in Azure</a:t>
+              <a:t>Linux 2a. Install a LAMP web server on a Linux virtual machine in Azure</a:t>
             </a:r>
           </a:p>
         </p:txBody>
@@ -30798,7 +31481,7 @@
           <a:p>
             <a:r>
               <a:rPr lang="en-US" dirty="0"/>
-              <a:t>Create an Ubuntu VM (the 'L' in the LEMP stack)</a:t>
+              <a:t>Create an Ubuntu VM</a:t>
             </a:r>
           </a:p>
           <a:p>
@@ -30810,7 +31493,7 @@
           <a:p>
             <a:r>
               <a:rPr lang="en-US" dirty="0"/>
-              <a:t>Install NGINX, MySQL, and PHP</a:t>
+              <a:t>Install Apache, MySQL, and PHP</a:t>
             </a:r>
           </a:p>
           <a:p>
@@ -30822,7 +31505,7 @@
           <a:p>
             <a:r>
               <a:rPr lang="en-US" dirty="0"/>
-              <a:t>Install WordPress on the LEMP server</a:t>
+              <a:t>Install WordPress on the LAMP server</a:t>
             </a:r>
           </a:p>
           <a:p>
@@ -30933,7 +31616,7 @@
           <a:p>
             <a:r>
               <a:rPr lang="en-US" sz="2000" dirty="0"/>
-              <a:t>https://docs.microsoft.com/en-us/azure/virtual-machines/linux/tutorial-lemp-stack</a:t>
+              <a:t>https://docs.microsoft.com/en-us/azure/virtual-machines/linux/tutorial-lamp-stack</a:t>
             </a:r>
           </a:p>
         </p:txBody>
@@ -30941,7 +31624,7 @@
     </p:spTree>
     <p:extLst>
       <p:ext uri="{BB962C8B-B14F-4D97-AF65-F5344CB8AC3E}">
-        <p14:creationId xmlns:p14="http://schemas.microsoft.com/office/powerpoint/2010/main" val="1758180740"/>
+        <p14:creationId xmlns:p14="http://schemas.microsoft.com/office/powerpoint/2010/main" val="1227699998"/>
       </p:ext>
     </p:extLst>
   </p:cSld>
@@ -30991,7 +31674,7 @@
           <a:p>
             <a:r>
               <a:rPr lang="en-US" dirty="0"/>
-              <a:t>Linux 3. Monitor and update a Linux virtual machine in Azure using Cloud Shell</a:t>
+              <a:t>Linux 2b. Install a LEMP web server on a Linux virtual machine in Azure</a:t>
             </a:r>
           </a:p>
         </p:txBody>
@@ -31012,15 +31695,10 @@
             <p:ph idx="1"/>
           </p:nvPr>
         </p:nvSpPr>
-        <p:spPr>
-          <a:xfrm>
-            <a:off x="348251" y="1372626"/>
-            <a:ext cx="11778205" cy="4793789"/>
-          </a:xfrm>
-        </p:spPr>
+        <p:spPr/>
         <p:txBody>
           <a:bodyPr>
-            <a:normAutofit fontScale="77500" lnSpcReduction="20000"/>
+            <a:normAutofit fontScale="92500" lnSpcReduction="10000"/>
           </a:bodyPr>
           <a:lstStyle/>
           <a:p>
@@ -31035,66 +31713,38 @@
           <a:p>
             <a:r>
               <a:rPr lang="en-US" dirty="0"/>
-              <a:t>Enable boot diagnostics on the VM</a:t>
-            </a:r>
-          </a:p>
-          <a:p>
-            <a:r>
-              <a:rPr lang="en-US" dirty="0"/>
-              <a:t>View boot diagnostics</a:t>
-            </a:r>
-          </a:p>
-          <a:p>
-            <a:r>
-              <a:rPr lang="en-US" dirty="0"/>
-              <a:t>View host metrics</a:t>
-            </a:r>
-          </a:p>
-          <a:p>
-            <a:r>
-              <a:rPr lang="en-US" dirty="0"/>
-              <a:t>Enable diagnostics extension on the VM</a:t>
-            </a:r>
-          </a:p>
-          <a:p>
-            <a:r>
-              <a:rPr lang="en-US" dirty="0"/>
-              <a:t>View VM metrics</a:t>
-            </a:r>
-          </a:p>
-          <a:p>
-            <a:r>
-              <a:rPr lang="en-US" dirty="0"/>
-              <a:t>Create alerts based on diagnostic metrics</a:t>
-            </a:r>
-          </a:p>
-          <a:p>
-            <a:r>
-              <a:rPr lang="en-US" dirty="0"/>
-              <a:t>Manage package updates</a:t>
-            </a:r>
-          </a:p>
-          <a:p>
-            <a:r>
-              <a:rPr lang="en-US" dirty="0"/>
-              <a:t>Monitor changes and inventory</a:t>
-            </a:r>
-          </a:p>
-          <a:p>
-            <a:r>
-              <a:rPr lang="en-US" dirty="0"/>
-              <a:t>Set up advanced monitoring</a:t>
+              <a:t>Create an Ubuntu VM (the 'L' in the LEMP stack)</a:t>
+            </a:r>
+          </a:p>
+          <a:p>
+            <a:r>
+              <a:rPr lang="en-US" dirty="0"/>
+              <a:t>Open port 80 for web traffic</a:t>
+            </a:r>
+          </a:p>
+          <a:p>
+            <a:r>
+              <a:rPr lang="en-US" dirty="0"/>
+              <a:t>Install NGINX, MySQL, and PHP</a:t>
+            </a:r>
+          </a:p>
+          <a:p>
+            <a:r>
+              <a:rPr lang="en-US" dirty="0"/>
+              <a:t>Verify installation and configuration</a:t>
+            </a:r>
+          </a:p>
+          <a:p>
+            <a:r>
+              <a:rPr lang="en-US" dirty="0"/>
+              <a:t>Install WordPress on the LEMP server</a:t>
             </a:r>
           </a:p>
           <a:p>
             <a:pPr marL="0" indent="0">
               <a:buNone/>
             </a:pPr>
-            <a:endParaRPr lang="en-US" u="sng" dirty="0">
-              <a:highlight>
-                <a:srgbClr val="FFFF00"/>
-              </a:highlight>
-            </a:endParaRPr>
+            <a:endParaRPr lang="en-US" dirty="0"/>
           </a:p>
           <a:p>
             <a:pPr marL="0" indent="0">
@@ -31116,7 +31766,33 @@
             </a:pPr>
             <a:r>
               <a:rPr lang="en-US" sz="1900" dirty="0"/>
-              <a:t>Monitor VMs from prior labs</a:t>
+              <a:t>Use your Initials1514 or other unique code for variables to prevent any duplicate public </a:t>
+            </a:r>
+            <a:r>
+              <a:rPr lang="en-US" sz="1900" dirty="0" err="1"/>
+              <a:t>urls</a:t>
+            </a:r>
+            <a:r>
+              <a:rPr lang="en-US" sz="1900" dirty="0"/>
+              <a:t> e.g. (lowercase):</a:t>
+            </a:r>
+          </a:p>
+          <a:p>
+            <a:pPr marL="742950" lvl="1">
+              <a:buFont typeface="Arial" panose="020B0604020202020204" pitchFamily="34" charset="0"/>
+              <a:buChar char="•"/>
+            </a:pPr>
+            <a:r>
+              <a:rPr lang="en-US" sz="1900" dirty="0"/>
+              <a:t>dan1514vm for “</a:t>
+            </a:r>
+            <a:r>
+              <a:rPr lang="en-US" sz="1900" dirty="0" err="1"/>
+              <a:t>myVM</a:t>
+            </a:r>
+            <a:r>
+              <a:rPr lang="en-US" sz="1900" dirty="0"/>
+              <a:t>” </a:t>
             </a:r>
           </a:p>
           <a:p>
@@ -31172,7 +31848,7 @@
           <a:p>
             <a:r>
               <a:rPr lang="en-US" sz="2000" dirty="0"/>
-              <a:t>https://docs.microsoft.com/en-us/azure/virtual-machines/linux/tutorial-monitoring </a:t>
+              <a:t>https://docs.microsoft.com/en-us/azure/virtual-machines/linux/tutorial-lemp-stack</a:t>
             </a:r>
           </a:p>
         </p:txBody>
@@ -31180,7 +31856,7 @@
     </p:spTree>
     <p:extLst>
       <p:ext uri="{BB962C8B-B14F-4D97-AF65-F5344CB8AC3E}">
-        <p14:creationId xmlns:p14="http://schemas.microsoft.com/office/powerpoint/2010/main" val="4261402382"/>
+        <p14:creationId xmlns:p14="http://schemas.microsoft.com/office/powerpoint/2010/main" val="1758180740"/>
       </p:ext>
     </p:extLst>
   </p:cSld>
@@ -31230,7 +31906,7 @@
           <a:p>
             <a:r>
               <a:rPr lang="en-US" dirty="0"/>
-              <a:t>Linux 4. Use Azure Security Center to monitor Linux virtual machines</a:t>
+              <a:t>Linux 3. Monitor and update a Linux virtual machine in Azure using Cloud Shell</a:t>
             </a:r>
           </a:p>
         </p:txBody>
@@ -31251,10 +31927,15 @@
             <p:ph idx="1"/>
           </p:nvPr>
         </p:nvSpPr>
-        <p:spPr/>
+        <p:spPr>
+          <a:xfrm>
+            <a:off x="348251" y="1372626"/>
+            <a:ext cx="11778205" cy="4793789"/>
+          </a:xfrm>
+        </p:spPr>
         <p:txBody>
           <a:bodyPr>
-            <a:normAutofit/>
+            <a:normAutofit fontScale="77500" lnSpcReduction="20000"/>
           </a:bodyPr>
           <a:lstStyle/>
           <a:p>
@@ -31269,32 +31950,66 @@
           <a:p>
             <a:r>
               <a:rPr lang="en-US" dirty="0"/>
-              <a:t>Set up data collection</a:t>
-            </a:r>
-          </a:p>
-          <a:p>
-            <a:r>
-              <a:rPr lang="en-US" dirty="0"/>
-              <a:t>Set up security policies</a:t>
-            </a:r>
-          </a:p>
-          <a:p>
-            <a:r>
-              <a:rPr lang="en-US" dirty="0"/>
-              <a:t>View and fix configuration health issues</a:t>
-            </a:r>
-          </a:p>
-          <a:p>
-            <a:r>
-              <a:rPr lang="en-US" dirty="0"/>
-              <a:t>Review detected threats</a:t>
+              <a:t>Enable boot diagnostics on the VM</a:t>
+            </a:r>
+          </a:p>
+          <a:p>
+            <a:r>
+              <a:rPr lang="en-US" dirty="0"/>
+              <a:t>View boot diagnostics</a:t>
+            </a:r>
+          </a:p>
+          <a:p>
+            <a:r>
+              <a:rPr lang="en-US" dirty="0"/>
+              <a:t>View host metrics</a:t>
+            </a:r>
+          </a:p>
+          <a:p>
+            <a:r>
+              <a:rPr lang="en-US" dirty="0"/>
+              <a:t>Enable diagnostics extension on the VM</a:t>
+            </a:r>
+          </a:p>
+          <a:p>
+            <a:r>
+              <a:rPr lang="en-US" dirty="0"/>
+              <a:t>View VM metrics</a:t>
+            </a:r>
+          </a:p>
+          <a:p>
+            <a:r>
+              <a:rPr lang="en-US" dirty="0"/>
+              <a:t>Create alerts based on diagnostic metrics</a:t>
+            </a:r>
+          </a:p>
+          <a:p>
+            <a:r>
+              <a:rPr lang="en-US" dirty="0"/>
+              <a:t>Manage package updates</a:t>
+            </a:r>
+          </a:p>
+          <a:p>
+            <a:r>
+              <a:rPr lang="en-US" dirty="0"/>
+              <a:t>Monitor changes and inventory</a:t>
+            </a:r>
+          </a:p>
+          <a:p>
+            <a:r>
+              <a:rPr lang="en-US" dirty="0"/>
+              <a:t>Set up advanced monitoring</a:t>
             </a:r>
           </a:p>
           <a:p>
             <a:pPr marL="0" indent="0">
               <a:buNone/>
             </a:pPr>
-            <a:endParaRPr lang="en-US" dirty="0"/>
+            <a:endParaRPr lang="en-US" u="sng" dirty="0">
+              <a:highlight>
+                <a:srgbClr val="FFFF00"/>
+              </a:highlight>
+            </a:endParaRPr>
           </a:p>
           <a:p>
             <a:pPr marL="0" indent="0">
@@ -31315,8 +32030,8 @@
               <a:buAutoNum type="arabicPeriod"/>
             </a:pPr>
             <a:r>
-              <a:rPr lang="en-US" dirty="0"/>
-              <a:t>Use VMs from prior labs</a:t>
+              <a:rPr lang="en-US" sz="1900" dirty="0"/>
+              <a:t>Monitor VMs from prior labs</a:t>
             </a:r>
           </a:p>
           <a:p>
@@ -31325,8 +32040,20 @@
               <a:buAutoNum type="arabicPeriod"/>
             </a:pPr>
             <a:r>
-              <a:rPr lang="en-US" dirty="0"/>
-              <a:t>Stop and Deallocate or Delete resources when done with ALL labs</a:t>
+              <a:rPr lang="en-US" sz="2000" dirty="0"/>
+              <a:t>Stop and Deallocate or Delete resources when done with </a:t>
+            </a:r>
+            <a:r>
+              <a:rPr lang="en-US" sz="2000" b="1" dirty="0"/>
+              <a:t>ALL</a:t>
+            </a:r>
+            <a:r>
+              <a:rPr lang="en-US" sz="2000" dirty="0"/>
+              <a:t> labs (you </a:t>
+            </a:r>
+            <a:r>
+              <a:rPr lang="en-US" sz="1900" dirty="0"/>
+              <a:t>can reuse these machines for the next few labs but do not forget to go back after done with labs)</a:t>
             </a:r>
           </a:p>
           <a:p>
@@ -31360,7 +32087,7 @@
           <a:p>
             <a:r>
               <a:rPr lang="en-US" sz="2000" dirty="0"/>
-              <a:t>https://docs.microsoft.com/en-us/azure/virtual-machines/linux/tutorial-azure-security</a:t>
+              <a:t>https://docs.microsoft.com/en-us/azure/virtual-machines/linux/tutorial-monitoring </a:t>
             </a:r>
           </a:p>
         </p:txBody>
@@ -31368,7 +32095,7 @@
     </p:spTree>
     <p:extLst>
       <p:ext uri="{BB962C8B-B14F-4D97-AF65-F5344CB8AC3E}">
-        <p14:creationId xmlns:p14="http://schemas.microsoft.com/office/powerpoint/2010/main" val="821299105"/>
+        <p14:creationId xmlns:p14="http://schemas.microsoft.com/office/powerpoint/2010/main" val="4261402382"/>
       </p:ext>
     </p:extLst>
   </p:cSld>
